--- a/documentation/Quick-Start-Guide-M2.pptx
+++ b/documentation/Quick-Start-Guide-M2.pptx
@@ -225,7 +225,7 @@
           <a:p>
             <a:fld id="{9D20F72D-BB7C-4009-B276-48F62311FC1F}" type="datetimeFigureOut">
               <a:rPr lang="hu-HU" smtClean="0"/>
-              <a:t>2017. 10. 04.</a:t>
+              <a:t>2018. 02. 16.</a:t>
             </a:fld>
             <a:endParaRPr lang="hu-HU"/>
           </a:p>
@@ -789,7 +789,7 @@
           <a:p>
             <a:fld id="{DEECA975-3F48-4619-902D-F31B60ACCAA8}" type="datetimeFigureOut">
               <a:rPr lang="hu-HU" smtClean="0"/>
-              <a:t>2017. 10. 04.</a:t>
+              <a:t>2018. 02. 16.</a:t>
             </a:fld>
             <a:endParaRPr lang="hu-HU"/>
           </a:p>
@@ -957,7 +957,7 @@
           <a:p>
             <a:fld id="{DEECA975-3F48-4619-902D-F31B60ACCAA8}" type="datetimeFigureOut">
               <a:rPr lang="hu-HU" smtClean="0"/>
-              <a:t>2017. 10. 04.</a:t>
+              <a:t>2018. 02. 16.</a:t>
             </a:fld>
             <a:endParaRPr lang="hu-HU"/>
           </a:p>
@@ -1135,7 +1135,7 @@
           <a:p>
             <a:fld id="{DEECA975-3F48-4619-902D-F31B60ACCAA8}" type="datetimeFigureOut">
               <a:rPr lang="hu-HU" smtClean="0"/>
-              <a:t>2017. 10. 04.</a:t>
+              <a:t>2018. 02. 16.</a:t>
             </a:fld>
             <a:endParaRPr lang="hu-HU"/>
           </a:p>
@@ -1303,7 +1303,7 @@
           <a:p>
             <a:fld id="{DEECA975-3F48-4619-902D-F31B60ACCAA8}" type="datetimeFigureOut">
               <a:rPr lang="hu-HU" smtClean="0"/>
-              <a:t>2017. 10. 04.</a:t>
+              <a:t>2018. 02. 16.</a:t>
             </a:fld>
             <a:endParaRPr lang="hu-HU"/>
           </a:p>
@@ -1548,7 +1548,7 @@
           <a:p>
             <a:fld id="{DEECA975-3F48-4619-902D-F31B60ACCAA8}" type="datetimeFigureOut">
               <a:rPr lang="hu-HU" smtClean="0"/>
-              <a:t>2017. 10. 04.</a:t>
+              <a:t>2018. 02. 16.</a:t>
             </a:fld>
             <a:endParaRPr lang="hu-HU"/>
           </a:p>
@@ -1777,7 +1777,7 @@
           <a:p>
             <a:fld id="{DEECA975-3F48-4619-902D-F31B60ACCAA8}" type="datetimeFigureOut">
               <a:rPr lang="hu-HU" smtClean="0"/>
-              <a:t>2017. 10. 04.</a:t>
+              <a:t>2018. 02. 16.</a:t>
             </a:fld>
             <a:endParaRPr lang="hu-HU"/>
           </a:p>
@@ -2141,7 +2141,7 @@
           <a:p>
             <a:fld id="{DEECA975-3F48-4619-902D-F31B60ACCAA8}" type="datetimeFigureOut">
               <a:rPr lang="hu-HU" smtClean="0"/>
-              <a:t>2017. 10. 04.</a:t>
+              <a:t>2018. 02. 16.</a:t>
             </a:fld>
             <a:endParaRPr lang="hu-HU"/>
           </a:p>
@@ -2258,7 +2258,7 @@
           <a:p>
             <a:fld id="{DEECA975-3F48-4619-902D-F31B60ACCAA8}" type="datetimeFigureOut">
               <a:rPr lang="hu-HU" smtClean="0"/>
-              <a:t>2017. 10. 04.</a:t>
+              <a:t>2018. 02. 16.</a:t>
             </a:fld>
             <a:endParaRPr lang="hu-HU"/>
           </a:p>
@@ -2353,7 +2353,7 @@
           <a:p>
             <a:fld id="{DEECA975-3F48-4619-902D-F31B60ACCAA8}" type="datetimeFigureOut">
               <a:rPr lang="hu-HU" smtClean="0"/>
-              <a:t>2017. 10. 04.</a:t>
+              <a:t>2018. 02. 16.</a:t>
             </a:fld>
             <a:endParaRPr lang="hu-HU"/>
           </a:p>
@@ -2628,7 +2628,7 @@
           <a:p>
             <a:fld id="{DEECA975-3F48-4619-902D-F31B60ACCAA8}" type="datetimeFigureOut">
               <a:rPr lang="hu-HU" smtClean="0"/>
-              <a:t>2017. 10. 04.</a:t>
+              <a:t>2018. 02. 16.</a:t>
             </a:fld>
             <a:endParaRPr lang="hu-HU"/>
           </a:p>
@@ -2880,7 +2880,7 @@
           <a:p>
             <a:fld id="{DEECA975-3F48-4619-902D-F31B60ACCAA8}" type="datetimeFigureOut">
               <a:rPr lang="hu-HU" smtClean="0"/>
-              <a:t>2017. 10. 04.</a:t>
+              <a:t>2018. 02. 16.</a:t>
             </a:fld>
             <a:endParaRPr lang="hu-HU"/>
           </a:p>
@@ -3091,7 +3091,7 @@
           <a:p>
             <a:fld id="{DEECA975-3F48-4619-902D-F31B60ACCAA8}" type="datetimeFigureOut">
               <a:rPr lang="hu-HU" smtClean="0"/>
-              <a:t>2017. 10. 04.</a:t>
+              <a:t>2018. 02. 16.</a:t>
             </a:fld>
             <a:endParaRPr lang="hu-HU"/>
           </a:p>
@@ -3564,7 +3564,7 @@
             </a:r>
             <a:r>
               <a:rPr lang="hu-HU" dirty="0"/>
-              <a:t> 2</a:t>
+              <a:t> 3</a:t>
             </a:r>
           </a:p>
         </p:txBody>
@@ -15200,93 +15200,93 @@
               <a:buNone/>
             </a:pPr>
             <a:r>
-              <a:rPr lang="en-US"/>
+              <a:rPr lang="en-US" dirty="0"/>
               <a:t>This tutorial helps setting up the Arrowhead reference framework G3.2</a:t>
             </a:r>
             <a:r>
-              <a:rPr lang="hu-HU"/>
-              <a:t> </a:t>
-            </a:r>
-            <a:r>
-              <a:rPr lang="hu-HU" err="1"/>
+              <a:rPr lang="hu-HU" dirty="0"/>
+              <a:t> </a:t>
+            </a:r>
+            <a:r>
+              <a:rPr lang="hu-HU" dirty="0" err="1"/>
               <a:t>Milestone</a:t>
             </a:r>
             <a:r>
-              <a:rPr lang="hu-HU"/>
-              <a:t> 2</a:t>
-            </a:r>
-            <a:endParaRPr lang="en-US"/>
-          </a:p>
-          <a:p>
-            <a:endParaRPr lang="en-US"/>
-          </a:p>
-          <a:p>
-            <a:r>
-              <a:rPr lang="en-US"/>
+              <a:rPr lang="hu-HU" dirty="0"/>
+              <a:t> 3</a:t>
+            </a:r>
+            <a:endParaRPr lang="en-US" dirty="0"/>
+          </a:p>
+          <a:p>
+            <a:endParaRPr lang="en-US" dirty="0"/>
+          </a:p>
+          <a:p>
+            <a:r>
+              <a:rPr lang="en-US" dirty="0"/>
               <a:t>Setting up and configuring the database</a:t>
             </a:r>
             <a:r>
-              <a:rPr lang="hu-HU"/>
+              <a:rPr lang="hu-HU" dirty="0"/>
               <a:t>s</a:t>
             </a:r>
-            <a:endParaRPr lang="en-US"/>
-          </a:p>
-          <a:p>
-            <a:r>
-              <a:rPr lang="en-US"/>
+            <a:endParaRPr lang="en-US" dirty="0"/>
+          </a:p>
+          <a:p>
+            <a:r>
+              <a:rPr lang="en-US" dirty="0"/>
               <a:t>Generating proper X.509 certificates</a:t>
             </a:r>
           </a:p>
           <a:p>
             <a:r>
-              <a:rPr lang="en-US"/>
+              <a:rPr lang="en-US" dirty="0"/>
               <a:t>Setting up and starting the Core Systems</a:t>
             </a:r>
           </a:p>
           <a:p>
             <a:r>
-              <a:rPr lang="en-US"/>
+              <a:rPr lang="en-US" dirty="0"/>
               <a:t>Getting started with the built-in manual</a:t>
             </a:r>
             <a:r>
-              <a:rPr lang="hu-HU"/>
+              <a:rPr lang="hu-HU" dirty="0"/>
               <a:t> (</a:t>
             </a:r>
             <a:r>
-              <a:rPr lang="hu-HU" err="1"/>
+              <a:rPr lang="hu-HU" dirty="0" err="1"/>
               <a:t>orchestration</a:t>
             </a:r>
             <a:r>
-              <a:rPr lang="hu-HU"/>
+              <a:rPr lang="hu-HU" dirty="0"/>
               <a:t>)</a:t>
             </a:r>
             <a:r>
-              <a:rPr lang="en-US"/>
+              <a:rPr lang="en-US" dirty="0"/>
               <a:t> examples </a:t>
             </a:r>
           </a:p>
           <a:p>
             <a:r>
-              <a:rPr lang="en-US"/>
+              <a:rPr lang="en-US" dirty="0"/>
               <a:t>Getting started with the Application System skeleton</a:t>
             </a:r>
             <a:r>
-              <a:rPr lang="hu-HU"/>
+              <a:rPr lang="hu-HU" dirty="0"/>
               <a:t>s</a:t>
             </a:r>
-            <a:endParaRPr lang="en-US"/>
-          </a:p>
-          <a:p>
-            <a:endParaRPr lang="en-US"/>
-          </a:p>
-          <a:p>
-            <a:endParaRPr lang="en-US"/>
-          </a:p>
-          <a:p>
-            <a:endParaRPr lang="en-US"/>
-          </a:p>
-          <a:p>
-            <a:endParaRPr lang="hu-HU"/>
+            <a:endParaRPr lang="en-US" dirty="0"/>
+          </a:p>
+          <a:p>
+            <a:endParaRPr lang="en-US" dirty="0"/>
+          </a:p>
+          <a:p>
+            <a:endParaRPr lang="en-US" dirty="0"/>
+          </a:p>
+          <a:p>
+            <a:endParaRPr lang="en-US" dirty="0"/>
+          </a:p>
+          <a:p>
+            <a:endParaRPr lang="hu-HU" dirty="0"/>
           </a:p>
         </p:txBody>
       </p:sp>
@@ -15333,7 +15333,7 @@
         <p:spPr>
           <a:xfrm>
             <a:off x="612560" y="0"/>
-            <a:ext cx="10515600" cy="1325563"/>
+            <a:ext cx="10515600" cy="855785"/>
           </a:xfrm>
         </p:spPr>
         <p:txBody>
@@ -15341,7 +15341,7 @@
           <a:lstStyle/>
           <a:p>
             <a:r>
-              <a:rPr lang="en-US"/>
+              <a:rPr lang="en-US" dirty="0"/>
               <a:t>Core modules - overview</a:t>
             </a:r>
           </a:p>
@@ -15359,334 +15359,595 @@
         </p:nvSpPr>
         <p:spPr>
           <a:xfrm>
-            <a:off x="394316" y="1177555"/>
-            <a:ext cx="11599415" cy="5560596"/>
+            <a:off x="394316" y="762000"/>
+            <a:ext cx="11599415" cy="5896708"/>
           </a:xfrm>
         </p:spPr>
         <p:txBody>
           <a:bodyPr>
-            <a:normAutofit fontScale="92500"/>
+            <a:normAutofit lnSpcReduction="10000"/>
           </a:bodyPr>
           <a:lstStyle/>
           <a:p>
             <a:pPr algn="just"/>
             <a:r>
-              <a:rPr lang="en-US" b="1" dirty="0"/>
-              <a:t>Service Registry</a:t>
-            </a:r>
-            <a:r>
-              <a:rPr lang="en-US" dirty="0"/>
-              <a:t>: Arrowhead Systems register and revoke the Services they offer. </a:t>
-            </a:r>
-            <a:r>
-              <a:rPr lang="hu-HU" dirty="0" err="1"/>
+              <a:rPr lang="en-US" sz="2500" b="1" dirty="0"/>
+              <a:t>Service Registry:</a:t>
+            </a:r>
+            <a:r>
+              <a:rPr lang="en-US" sz="2500" dirty="0"/>
+              <a:t> Arrowhead Systems register and revoke the Services they offer. </a:t>
+            </a:r>
+            <a:r>
+              <a:rPr lang="hu-HU" sz="2500" dirty="0" err="1"/>
               <a:t>Such</a:t>
             </a:r>
             <a:r>
-              <a:rPr lang="hu-HU" dirty="0"/>
+              <a:rPr lang="hu-HU" sz="2500" dirty="0"/>
               <a:t> an</a:t>
             </a:r>
             <a:r>
-              <a:rPr lang="en-US" dirty="0"/>
+              <a:rPr lang="en-US" sz="2500" dirty="0"/>
               <a:t> entry also includes the http endpoint where the</a:t>
             </a:r>
             <a:r>
-              <a:rPr lang="hu-HU" dirty="0"/>
-              <a:t> </a:t>
-            </a:r>
-            <a:r>
-              <a:rPr lang="hu-HU" dirty="0" err="1"/>
+              <a:rPr lang="hu-HU" sz="2500" dirty="0"/>
+              <a:t> </a:t>
+            </a:r>
+            <a:r>
+              <a:rPr lang="hu-HU" sz="2500" dirty="0" err="1"/>
               <a:t>offered</a:t>
             </a:r>
             <a:r>
-              <a:rPr lang="en-US" dirty="0"/>
+              <a:rPr lang="en-US" sz="2500" dirty="0"/>
               <a:t> Service is accessible.</a:t>
             </a:r>
           </a:p>
           <a:p>
             <a:pPr algn="just"/>
             <a:r>
-              <a:rPr lang="en-US" b="1" dirty="0"/>
-              <a:t>Orchestrator</a:t>
-            </a:r>
-            <a:r>
-              <a:rPr lang="en-US" dirty="0"/>
-              <a:t>: Arrowhead Systems turn to the Orchestrator with Service requests if they wish to consume </a:t>
-            </a:r>
-            <a:r>
-              <a:rPr lang="hu-HU" dirty="0" err="1"/>
+              <a:rPr lang="en-US" sz="2500" b="1" dirty="0"/>
+              <a:t>Orchestrator:</a:t>
+            </a:r>
+            <a:r>
+              <a:rPr lang="en-US" sz="2500" dirty="0"/>
+              <a:t> Arrowhead Systems turn to the Orchestrator with Service requests if they wish to consume </a:t>
+            </a:r>
+            <a:r>
+              <a:rPr lang="hu-HU" sz="2500" dirty="0" err="1"/>
               <a:t>various</a:t>
             </a:r>
             <a:r>
-              <a:rPr lang="hu-HU" dirty="0"/>
-              <a:t> </a:t>
-            </a:r>
-            <a:r>
-              <a:rPr lang="en-US" dirty="0"/>
+              <a:rPr lang="hu-HU" sz="2500" dirty="0"/>
+              <a:t> </a:t>
+            </a:r>
+            <a:r>
+              <a:rPr lang="en-US" sz="2500" dirty="0"/>
               <a:t>Services. The initiated orchestration process </a:t>
             </a:r>
             <a:r>
-              <a:rPr lang="en-US" dirty="0" err="1"/>
+              <a:rPr lang="en-US" sz="2500" dirty="0" err="1"/>
               <a:t>retu</a:t>
             </a:r>
             <a:r>
-              <a:rPr lang="hu-HU" dirty="0"/>
+              <a:rPr lang="hu-HU" sz="2500" dirty="0"/>
               <a:t>r</a:t>
             </a:r>
             <a:r>
-              <a:rPr lang="en-US" dirty="0"/>
+              <a:rPr lang="en-US" sz="2500" dirty="0"/>
               <a:t>ns with a single one or a list of Service Providers</a:t>
             </a:r>
             <a:r>
-              <a:rPr lang="hu-HU" dirty="0"/>
-              <a:t> </a:t>
-            </a:r>
-            <a:r>
-              <a:rPr lang="hu-HU" dirty="0" err="1"/>
+              <a:rPr lang="hu-HU" sz="2500" dirty="0"/>
+              <a:t> </a:t>
+            </a:r>
+            <a:r>
+              <a:rPr lang="hu-HU" sz="2500" dirty="0" err="1"/>
               <a:t>that</a:t>
             </a:r>
             <a:r>
-              <a:rPr lang="hu-HU" dirty="0"/>
-              <a:t> </a:t>
-            </a:r>
-            <a:r>
-              <a:rPr lang="hu-HU" dirty="0" err="1"/>
+              <a:rPr lang="hu-HU" sz="2500" dirty="0"/>
+              <a:t> </a:t>
+            </a:r>
+            <a:r>
+              <a:rPr lang="hu-HU" sz="2500" dirty="0" err="1"/>
               <a:t>are</a:t>
             </a:r>
             <a:r>
-              <a:rPr lang="hu-HU" dirty="0"/>
-              <a:t> </a:t>
-            </a:r>
-            <a:r>
-              <a:rPr lang="hu-HU" dirty="0" err="1"/>
+              <a:rPr lang="hu-HU" sz="2500" dirty="0"/>
+              <a:t> </a:t>
+            </a:r>
+            <a:r>
+              <a:rPr lang="hu-HU" sz="2500" dirty="0" err="1"/>
               <a:t>suitable</a:t>
             </a:r>
             <a:r>
-              <a:rPr lang="hu-HU" dirty="0"/>
-              <a:t> </a:t>
-            </a:r>
-            <a:r>
-              <a:rPr lang="hu-HU" dirty="0" err="1"/>
+              <a:rPr lang="hu-HU" sz="2500" dirty="0"/>
+              <a:t> </a:t>
+            </a:r>
+            <a:r>
+              <a:rPr lang="hu-HU" sz="2500" dirty="0" err="1"/>
               <a:t>to</a:t>
             </a:r>
             <a:r>
-              <a:rPr lang="hu-HU" dirty="0"/>
-              <a:t> </a:t>
-            </a:r>
-            <a:r>
-              <a:rPr lang="hu-HU" dirty="0" err="1"/>
+              <a:rPr lang="hu-HU" sz="2500" dirty="0"/>
+              <a:t> </a:t>
+            </a:r>
+            <a:r>
+              <a:rPr lang="hu-HU" sz="2500" dirty="0" err="1"/>
               <a:t>the</a:t>
             </a:r>
             <a:r>
-              <a:rPr lang="hu-HU" dirty="0"/>
-              <a:t> </a:t>
-            </a:r>
-            <a:r>
-              <a:rPr lang="hu-HU" dirty="0" err="1"/>
+              <a:rPr lang="hu-HU" sz="2500" dirty="0"/>
+              <a:t> </a:t>
+            </a:r>
+            <a:r>
+              <a:rPr lang="hu-HU" sz="2500" dirty="0" err="1"/>
               <a:t>request</a:t>
             </a:r>
             <a:r>
-              <a:rPr lang="en-US" dirty="0"/>
+              <a:rPr lang="en-US" sz="2500" dirty="0"/>
               <a:t>. After orchestration, the requester System has to consume the specified Service from the specified Provider(s).</a:t>
             </a:r>
           </a:p>
           <a:p>
             <a:pPr algn="just"/>
             <a:r>
-              <a:rPr lang="en-US" b="1" dirty="0"/>
-              <a:t>Authorization System</a:t>
-            </a:r>
-            <a:r>
-              <a:rPr lang="en-US" dirty="0"/>
-              <a:t>: the Orchestrator queries this </a:t>
-            </a:r>
-            <a:r>
-              <a:rPr lang="hu-HU" dirty="0"/>
+              <a:rPr lang="en-US" sz="2500" b="1" dirty="0"/>
+              <a:t>Authorization System:</a:t>
+            </a:r>
+            <a:r>
+              <a:rPr lang="en-US" sz="2500" dirty="0"/>
+              <a:t> the Orchestrator queries this </a:t>
+            </a:r>
+            <a:r>
+              <a:rPr lang="hu-HU" sz="2500" dirty="0"/>
               <a:t>C</a:t>
             </a:r>
             <a:r>
-              <a:rPr lang="en-US" dirty="0"/>
+              <a:rPr lang="en-US" sz="2500" dirty="0"/>
               <a:t>ore </a:t>
             </a:r>
             <a:r>
-              <a:rPr lang="hu-HU" dirty="0"/>
+              <a:rPr lang="hu-HU" sz="2500" dirty="0"/>
               <a:t>S</a:t>
             </a:r>
             <a:r>
-              <a:rPr lang="en-US" dirty="0" err="1"/>
+              <a:rPr lang="en-US" sz="2500" dirty="0" err="1"/>
               <a:t>ystem</a:t>
             </a:r>
             <a:r>
-              <a:rPr lang="en-US" dirty="0"/>
+              <a:rPr lang="en-US" sz="2500" dirty="0"/>
               <a:t> for</a:t>
             </a:r>
             <a:r>
-              <a:rPr lang="hu-HU" dirty="0"/>
-              <a:t> </a:t>
-            </a:r>
-            <a:r>
-              <a:rPr lang="hu-HU" dirty="0" err="1"/>
+              <a:rPr lang="hu-HU" sz="2500" dirty="0"/>
+              <a:t> </a:t>
+            </a:r>
+            <a:r>
+              <a:rPr lang="hu-HU" sz="2500" dirty="0" err="1"/>
               <a:t>checking</a:t>
             </a:r>
             <a:r>
-              <a:rPr lang="hu-HU" dirty="0"/>
-              <a:t> </a:t>
-            </a:r>
-            <a:r>
-              <a:rPr lang="hu-HU" dirty="0" err="1"/>
+              <a:rPr lang="hu-HU" sz="2500" dirty="0"/>
+              <a:t> </a:t>
+            </a:r>
+            <a:r>
+              <a:rPr lang="hu-HU" sz="2500" dirty="0" err="1"/>
               <a:t>authorization</a:t>
             </a:r>
             <a:r>
-              <a:rPr lang="en-US" dirty="0"/>
+              <a:rPr lang="en-US" sz="2500" dirty="0"/>
               <a:t> information</a:t>
             </a:r>
             <a:r>
-              <a:rPr lang="hu-HU" dirty="0"/>
+              <a:rPr lang="hu-HU" sz="2500" dirty="0"/>
               <a:t>. </a:t>
             </a:r>
             <a:r>
-              <a:rPr lang="hu-HU" dirty="0" err="1"/>
+              <a:rPr lang="hu-HU" sz="2500" dirty="0" err="1"/>
               <a:t>This</a:t>
             </a:r>
             <a:r>
-              <a:rPr lang="hu-HU" dirty="0"/>
+              <a:rPr lang="hu-HU" sz="2500" dirty="0"/>
               <a:t> System </a:t>
             </a:r>
             <a:r>
-              <a:rPr lang="hu-HU" dirty="0" err="1"/>
+              <a:rPr lang="hu-HU" sz="2500" dirty="0" err="1"/>
               <a:t>stores</a:t>
             </a:r>
             <a:r>
-              <a:rPr lang="hu-HU" dirty="0"/>
-              <a:t> </a:t>
-            </a:r>
-            <a:r>
-              <a:rPr lang="hu-HU" dirty="0" err="1"/>
+              <a:rPr lang="hu-HU" sz="2500" dirty="0"/>
+              <a:t> </a:t>
+            </a:r>
+            <a:r>
+              <a:rPr lang="hu-HU" sz="2500" dirty="0" err="1"/>
               <a:t>the</a:t>
             </a:r>
             <a:r>
-              <a:rPr lang="hu-HU" dirty="0"/>
-              <a:t> </a:t>
-            </a:r>
-            <a:r>
-              <a:rPr lang="en-US" dirty="0"/>
+              <a:rPr lang="hu-HU" sz="2500" dirty="0"/>
+              <a:t> </a:t>
+            </a:r>
+            <a:r>
+              <a:rPr lang="en-US" sz="2500" dirty="0"/>
               <a:t>intra-cloud and inter-cloud access rights.</a:t>
             </a:r>
             <a:r>
-              <a:rPr lang="hu-HU" dirty="0"/>
-              <a:t> </a:t>
-            </a:r>
-            <a:r>
-              <a:rPr lang="hu-HU" dirty="0" err="1"/>
+              <a:rPr lang="hu-HU" sz="2500" dirty="0"/>
+              <a:t> </a:t>
+            </a:r>
+            <a:r>
+              <a:rPr lang="hu-HU" sz="2500" dirty="0" err="1"/>
               <a:t>It</a:t>
             </a:r>
             <a:r>
-              <a:rPr lang="hu-HU" dirty="0"/>
+              <a:rPr lang="hu-HU" sz="2500" dirty="0"/>
               <a:t> is </a:t>
             </a:r>
             <a:r>
-              <a:rPr lang="hu-HU" dirty="0" err="1"/>
+              <a:rPr lang="hu-HU" sz="2500" dirty="0" err="1"/>
               <a:t>also</a:t>
             </a:r>
             <a:r>
-              <a:rPr lang="hu-HU" dirty="0"/>
-              <a:t> </a:t>
-            </a:r>
-            <a:r>
-              <a:rPr lang="hu-HU" dirty="0" err="1"/>
+              <a:rPr lang="hu-HU" sz="2500" dirty="0"/>
+              <a:t> </a:t>
+            </a:r>
+            <a:r>
+              <a:rPr lang="hu-HU" sz="2500" dirty="0" err="1"/>
               <a:t>responsible</a:t>
             </a:r>
             <a:r>
-              <a:rPr lang="hu-HU" dirty="0"/>
-              <a:t> </a:t>
-            </a:r>
-            <a:r>
-              <a:rPr lang="hu-HU" dirty="0" err="1"/>
+              <a:rPr lang="hu-HU" sz="2500" dirty="0"/>
+              <a:t> </a:t>
+            </a:r>
+            <a:r>
+              <a:rPr lang="hu-HU" sz="2500" dirty="0" err="1"/>
               <a:t>for</a:t>
             </a:r>
             <a:r>
-              <a:rPr lang="hu-HU" dirty="0"/>
-              <a:t> </a:t>
-            </a:r>
-            <a:r>
-              <a:rPr lang="hu-HU" dirty="0" err="1"/>
+              <a:rPr lang="hu-HU" sz="2500" dirty="0"/>
+              <a:t> </a:t>
+            </a:r>
+            <a:r>
+              <a:rPr lang="hu-HU" sz="2500" dirty="0" err="1"/>
               <a:t>issuing</a:t>
             </a:r>
             <a:r>
-              <a:rPr lang="hu-HU" dirty="0"/>
-              <a:t> </a:t>
-            </a:r>
-            <a:r>
-              <a:rPr lang="hu-HU" dirty="0" err="1"/>
+              <a:rPr lang="hu-HU" sz="2500" dirty="0"/>
+              <a:t> </a:t>
+            </a:r>
+            <a:r>
+              <a:rPr lang="hu-HU" sz="2500" dirty="0" err="1"/>
               <a:t>authorization</a:t>
             </a:r>
             <a:r>
-              <a:rPr lang="hu-HU" dirty="0"/>
-              <a:t> </a:t>
-            </a:r>
-            <a:r>
-              <a:rPr lang="hu-HU" dirty="0" err="1"/>
+              <a:rPr lang="hu-HU" sz="2500" dirty="0"/>
+              <a:t> </a:t>
+            </a:r>
+            <a:r>
+              <a:rPr lang="hu-HU" sz="2500" dirty="0" err="1"/>
               <a:t>token</a:t>
             </a:r>
             <a:r>
-              <a:rPr lang="hu-HU" dirty="0"/>
+              <a:rPr lang="hu-HU" sz="2500" dirty="0"/>
               <a:t> – </a:t>
             </a:r>
             <a:r>
-              <a:rPr lang="hu-HU" dirty="0" err="1"/>
+              <a:rPr lang="hu-HU" sz="2500" dirty="0" err="1"/>
               <a:t>if</a:t>
             </a:r>
             <a:r>
-              <a:rPr lang="hu-HU" dirty="0"/>
-              <a:t> </a:t>
-            </a:r>
-            <a:r>
-              <a:rPr lang="hu-HU" dirty="0" err="1"/>
+              <a:rPr lang="hu-HU" sz="2500" dirty="0"/>
+              <a:t> </a:t>
+            </a:r>
+            <a:r>
+              <a:rPr lang="hu-HU" sz="2500" dirty="0" err="1"/>
               <a:t>needed</a:t>
             </a:r>
             <a:r>
-              <a:rPr lang="hu-HU" dirty="0"/>
+              <a:rPr lang="hu-HU" sz="2500" dirty="0"/>
               <a:t>. </a:t>
             </a:r>
           </a:p>
           <a:p>
             <a:pPr algn="just"/>
             <a:r>
-              <a:rPr lang="hu-HU" b="1" dirty="0" err="1"/>
+              <a:rPr lang="hu-HU" sz="2500" b="1" dirty="0" err="1"/>
               <a:t>Gatekeeper</a:t>
             </a:r>
             <a:r>
-              <a:rPr lang="hu-HU" b="1" dirty="0"/>
+              <a:rPr lang="hu-HU" sz="2500" b="1" dirty="0"/>
               <a:t>: </a:t>
             </a:r>
             <a:r>
-              <a:rPr lang="en-US" dirty="0"/>
+              <a:rPr lang="en-US" sz="2500" dirty="0"/>
               <a:t>this Core System </a:t>
             </a:r>
             <a:r>
-              <a:rPr lang="hu-HU" dirty="0" err="1"/>
+              <a:rPr lang="hu-HU" sz="2500" dirty="0" err="1"/>
               <a:t>assists</a:t>
             </a:r>
             <a:r>
-              <a:rPr lang="hu-HU" dirty="0"/>
+              <a:rPr lang="hu-HU" sz="2500" dirty="0"/>
               <a:t> in </a:t>
             </a:r>
             <a:r>
-              <a:rPr lang="hu-HU" dirty="0" err="1"/>
+              <a:rPr lang="hu-HU" sz="2500" dirty="0" err="1"/>
               <a:t>handling</a:t>
             </a:r>
             <a:r>
-              <a:rPr lang="en-US" dirty="0"/>
+              <a:rPr lang="en-US" sz="2500" dirty="0"/>
               <a:t> all the inter-cloud </a:t>
             </a:r>
             <a:r>
-              <a:rPr lang="en-US" dirty="0" err="1"/>
+              <a:rPr lang="en-US" sz="2500" dirty="0" err="1"/>
               <a:t>orchestrational</a:t>
             </a:r>
             <a:r>
-              <a:rPr lang="en-US" dirty="0"/>
+              <a:rPr lang="en-US" sz="2500" dirty="0"/>
               <a:t> tasks among Arrowhead Local Clouds. They provide two Services for their Orchestrators: the Global Service Discovery and Inter-Cloud Negotiations services.</a:t>
             </a:r>
+            <a:endParaRPr lang="hu-HU" sz="2500" dirty="0"/>
+          </a:p>
+          <a:p>
+            <a:pPr algn="just"/>
+            <a:r>
+              <a:rPr lang="hu-HU" sz="2500" b="1" dirty="0" err="1"/>
+              <a:t>Gateway</a:t>
+            </a:r>
+            <a:r>
+              <a:rPr lang="hu-HU" sz="2500" b="1" dirty="0"/>
+              <a:t>: </a:t>
+            </a:r>
+            <a:r>
+              <a:rPr lang="hu-HU" sz="2500" dirty="0" err="1"/>
+              <a:t>this</a:t>
+            </a:r>
+            <a:r>
+              <a:rPr lang="hu-HU" sz="2500" dirty="0"/>
+              <a:t> </a:t>
+            </a:r>
+            <a:r>
+              <a:rPr lang="hu-HU" sz="2500" dirty="0" err="1"/>
+              <a:t>Core</a:t>
+            </a:r>
+            <a:r>
+              <a:rPr lang="hu-HU" sz="2500" dirty="0"/>
+              <a:t> System is </a:t>
+            </a:r>
+            <a:r>
+              <a:rPr lang="hu-HU" sz="2500" dirty="0" err="1"/>
+              <a:t>responsible</a:t>
+            </a:r>
+            <a:r>
+              <a:rPr lang="hu-HU" sz="2500" dirty="0"/>
+              <a:t> </a:t>
+            </a:r>
+            <a:r>
+              <a:rPr lang="hu-HU" sz="2500" dirty="0" err="1"/>
+              <a:t>for</a:t>
+            </a:r>
+            <a:r>
+              <a:rPr lang="hu-HU" sz="2500" dirty="0"/>
+              <a:t> </a:t>
+            </a:r>
+            <a:r>
+              <a:rPr lang="hu-HU" sz="2500" dirty="0" err="1"/>
+              <a:t>creating</a:t>
+            </a:r>
+            <a:r>
+              <a:rPr lang="hu-HU" sz="2500" dirty="0"/>
+              <a:t> a </a:t>
+            </a:r>
+            <a:r>
+              <a:rPr lang="hu-HU" sz="2500" dirty="0" err="1"/>
+              <a:t>data</a:t>
+            </a:r>
+            <a:r>
+              <a:rPr lang="hu-HU" sz="2500" dirty="0"/>
+              <a:t> </a:t>
+            </a:r>
+            <a:r>
+              <a:rPr lang="hu-HU" sz="2500" dirty="0" err="1"/>
+              <a:t>path</a:t>
+            </a:r>
+            <a:r>
+              <a:rPr lang="hu-HU" sz="2500" dirty="0"/>
+              <a:t> </a:t>
+            </a:r>
+            <a:r>
+              <a:rPr lang="hu-HU" sz="2500" dirty="0" err="1"/>
+              <a:t>between</a:t>
+            </a:r>
+            <a:r>
+              <a:rPr lang="hu-HU" sz="2500" dirty="0"/>
+              <a:t> </a:t>
+            </a:r>
+            <a:r>
+              <a:rPr lang="hu-HU" sz="2500" dirty="0" err="1"/>
+              <a:t>the</a:t>
+            </a:r>
+            <a:r>
+              <a:rPr lang="hu-HU" sz="2500" dirty="0"/>
+              <a:t> </a:t>
+            </a:r>
+            <a:r>
+              <a:rPr lang="hu-HU" sz="2500" dirty="0" err="1"/>
+              <a:t>provider</a:t>
+            </a:r>
+            <a:r>
+              <a:rPr lang="hu-HU" sz="2500" dirty="0"/>
+              <a:t> and consumer </a:t>
+            </a:r>
+            <a:r>
+              <a:rPr lang="hu-HU" sz="2500" dirty="0" err="1"/>
+              <a:t>Arrowhead</a:t>
+            </a:r>
+            <a:r>
+              <a:rPr lang="hu-HU" sz="2500" dirty="0"/>
+              <a:t> Systems, </a:t>
+            </a:r>
+            <a:r>
+              <a:rPr lang="hu-HU" sz="2500" dirty="0" err="1"/>
+              <a:t>when</a:t>
+            </a:r>
+            <a:r>
+              <a:rPr lang="hu-HU" sz="2500" dirty="0"/>
+              <a:t> </a:t>
+            </a:r>
+            <a:r>
+              <a:rPr lang="hu-HU" sz="2500" dirty="0" err="1"/>
+              <a:t>these</a:t>
+            </a:r>
+            <a:r>
+              <a:rPr lang="hu-HU" sz="2500" dirty="0"/>
+              <a:t> </a:t>
+            </a:r>
+            <a:r>
+              <a:rPr lang="hu-HU" sz="2500" dirty="0" err="1"/>
+              <a:t>systems</a:t>
+            </a:r>
+            <a:r>
+              <a:rPr lang="hu-HU" sz="2500" dirty="0"/>
+              <a:t> </a:t>
+            </a:r>
+            <a:r>
+              <a:rPr lang="hu-HU" sz="2500" dirty="0" err="1"/>
+              <a:t>are</a:t>
+            </a:r>
+            <a:r>
+              <a:rPr lang="hu-HU" sz="2500" dirty="0"/>
+              <a:t> in </a:t>
+            </a:r>
+            <a:r>
+              <a:rPr lang="hu-HU" sz="2500" dirty="0" err="1"/>
+              <a:t>different</a:t>
+            </a:r>
+            <a:r>
+              <a:rPr lang="hu-HU" sz="2500" dirty="0"/>
+              <a:t> Local </a:t>
+            </a:r>
+            <a:r>
+              <a:rPr lang="hu-HU" sz="2500" dirty="0" err="1"/>
+              <a:t>Clouds</a:t>
+            </a:r>
+            <a:r>
+              <a:rPr lang="hu-HU" sz="2500" dirty="0"/>
+              <a:t>. The </a:t>
+            </a:r>
+            <a:r>
+              <a:rPr lang="hu-HU" sz="2500" dirty="0" err="1"/>
+              <a:t>Gateway</a:t>
+            </a:r>
+            <a:r>
+              <a:rPr lang="hu-HU" sz="2500" dirty="0"/>
+              <a:t> </a:t>
+            </a:r>
+            <a:r>
+              <a:rPr lang="hu-HU" sz="2500" dirty="0" err="1"/>
+              <a:t>services</a:t>
+            </a:r>
+            <a:r>
+              <a:rPr lang="hu-HU" sz="2500" dirty="0"/>
+              <a:t> </a:t>
+            </a:r>
+            <a:r>
+              <a:rPr lang="hu-HU" sz="2500" dirty="0" err="1"/>
+              <a:t>are</a:t>
+            </a:r>
+            <a:r>
+              <a:rPr lang="hu-HU" sz="2500" dirty="0"/>
+              <a:t> </a:t>
+            </a:r>
+            <a:r>
+              <a:rPr lang="hu-HU" sz="2500" dirty="0" err="1"/>
+              <a:t>used</a:t>
+            </a:r>
+            <a:r>
+              <a:rPr lang="hu-HU" sz="2500" dirty="0"/>
+              <a:t> </a:t>
+            </a:r>
+            <a:r>
+              <a:rPr lang="hu-HU" sz="2500" dirty="0" err="1"/>
+              <a:t>by</a:t>
+            </a:r>
+            <a:r>
+              <a:rPr lang="hu-HU" sz="2500" dirty="0"/>
+              <a:t> </a:t>
+            </a:r>
+            <a:r>
+              <a:rPr lang="hu-HU" sz="2500" dirty="0" err="1"/>
+              <a:t>the</a:t>
+            </a:r>
+            <a:r>
+              <a:rPr lang="hu-HU" sz="2500" dirty="0"/>
+              <a:t> </a:t>
+            </a:r>
+            <a:r>
+              <a:rPr lang="hu-HU" sz="2500" dirty="0" err="1"/>
+              <a:t>Gatekeeper</a:t>
+            </a:r>
+            <a:r>
+              <a:rPr lang="hu-HU" sz="2500" dirty="0"/>
+              <a:t>. </a:t>
+            </a:r>
+            <a:r>
+              <a:rPr lang="hu-HU" sz="2500" dirty="0" err="1"/>
+              <a:t>This</a:t>
+            </a:r>
+            <a:r>
+              <a:rPr lang="hu-HU" sz="2500" dirty="0"/>
+              <a:t> </a:t>
+            </a:r>
+            <a:r>
+              <a:rPr lang="hu-HU" sz="2500" dirty="0" err="1"/>
+              <a:t>Core</a:t>
+            </a:r>
+            <a:r>
+              <a:rPr lang="hu-HU" sz="2500" dirty="0"/>
+              <a:t> System </a:t>
+            </a:r>
+            <a:r>
+              <a:rPr lang="hu-HU" sz="2500" dirty="0" err="1"/>
+              <a:t>can</a:t>
+            </a:r>
+            <a:r>
+              <a:rPr lang="hu-HU" sz="2500" dirty="0"/>
+              <a:t> </a:t>
+            </a:r>
+            <a:r>
+              <a:rPr lang="hu-HU" sz="2500" dirty="0" err="1"/>
+              <a:t>also</a:t>
+            </a:r>
+            <a:r>
+              <a:rPr lang="hu-HU" sz="2500" dirty="0"/>
+              <a:t> </a:t>
+            </a:r>
+            <a:r>
+              <a:rPr lang="hu-HU" sz="2500" dirty="0" err="1"/>
+              <a:t>provide</a:t>
+            </a:r>
+            <a:r>
+              <a:rPr lang="hu-HU" sz="2500" dirty="0"/>
+              <a:t> </a:t>
+            </a:r>
+            <a:r>
+              <a:rPr lang="hu-HU" sz="2500" dirty="0" err="1"/>
+              <a:t>payload</a:t>
+            </a:r>
+            <a:r>
+              <a:rPr lang="hu-HU" sz="2500" dirty="0"/>
+              <a:t> </a:t>
+            </a:r>
+            <a:r>
+              <a:rPr lang="hu-HU" sz="2500" dirty="0" err="1"/>
+              <a:t>encryption</a:t>
+            </a:r>
+            <a:r>
+              <a:rPr lang="hu-HU" sz="2500" dirty="0"/>
+              <a:t>.</a:t>
+            </a:r>
+            <a:endParaRPr lang="en-US" sz="2500" b="1" dirty="0"/>
           </a:p>
         </p:txBody>
       </p:sp>

--- a/documentation/Quick-Start-Guide-M2.pptx
+++ b/documentation/Quick-Start-Guide-M2.pptx
@@ -137,10 +137,6 @@
     </p:ext>
   </p:extLst>
 </p:presentation>
-</file>
-
-<file path=ppt/revisionInfo.xml><?xml version="1.0" encoding="utf-8"?>
-<p1510:revInfo xmlns:a="http://schemas.openxmlformats.org/drawingml/2006/main" xmlns:r="http://schemas.openxmlformats.org/officeDocument/2006/relationships" xmlns:p1510="http://schemas.microsoft.com/office/powerpoint/2015/10/main"/>
 </file>
 
 <file path=ppt/notesMasters/notesMaster1.xml><?xml version="1.0" encoding="utf-8"?>
@@ -16882,7 +16878,7 @@
         </p:spPr>
         <p:txBody>
           <a:bodyPr>
-            <a:normAutofit lnSpcReduction="10000"/>
+            <a:normAutofit fontScale="92500"/>
           </a:bodyPr>
           <a:lstStyle/>
           <a:p>
@@ -16891,7 +16887,15 @@
             </a:pPr>
             <a:r>
               <a:rPr lang="en-US" dirty="0"/>
-              <a:t>If secure connections are required (using SSL), the Core Systems have to be installed with the appropriately created X.509 certificates stemming from the master Arrowhead CA. There are two options:</a:t>
+              <a:t>If secure connections are required (using </a:t>
+            </a:r>
+            <a:r>
+              <a:rPr lang="hu-HU" dirty="0"/>
+              <a:t>TLS</a:t>
+            </a:r>
+            <a:r>
+              <a:rPr lang="en-US" dirty="0"/>
+              <a:t>), the Core Systems have to be installed with the appropriately created X.509 certificates stemming from the master Arrowhead CA. There are two options:</a:t>
             </a:r>
           </a:p>
           <a:p>
@@ -16982,7 +16986,7 @@
             </a:r>
             <a:r>
               <a:rPr lang="hu-HU" dirty="0"/>
-              <a:t>/Notes.txt </a:t>
+              <a:t>/dev_notes.txt </a:t>
             </a:r>
             <a:r>
               <a:rPr lang="hu-HU" dirty="0" err="1"/>
@@ -17125,7 +17129,7 @@
             </a:r>
             <a:r>
               <a:rPr lang="hu-HU" dirty="0" err="1"/>
-              <a:t>unsecured</a:t>
+              <a:t>insecure</a:t>
             </a:r>
             <a:r>
               <a:rPr lang="hu-HU" dirty="0"/>
@@ -17153,7 +17157,7 @@
             </a:r>
             <a:r>
               <a:rPr lang="hu-HU" dirty="0"/>
-              <a:t> http. </a:t>
+              <a:t> HTTP. </a:t>
             </a:r>
           </a:p>
           <a:p>
@@ -17215,7 +17219,31 @@
             </a:r>
             <a:r>
               <a:rPr lang="hu-HU" dirty="0" err="1"/>
-              <a:t>unsecured</a:t>
+              <a:t>with</a:t>
+            </a:r>
+            <a:r>
+              <a:rPr lang="hu-HU" dirty="0"/>
+              <a:t> </a:t>
+            </a:r>
+            <a:r>
+              <a:rPr lang="hu-HU" dirty="0" err="1"/>
+              <a:t>the</a:t>
+            </a:r>
+            <a:r>
+              <a:rPr lang="hu-HU" dirty="0"/>
+              <a:t> </a:t>
+            </a:r>
+            <a:r>
+              <a:rPr lang="hu-HU" dirty="0" err="1"/>
+              <a:t>insecure</a:t>
+            </a:r>
+            <a:r>
+              <a:rPr lang="hu-HU" dirty="0"/>
+              <a:t> </a:t>
+            </a:r>
+            <a:r>
+              <a:rPr lang="hu-HU" dirty="0" err="1"/>
+              <a:t>mode</a:t>
             </a:r>
             <a:r>
               <a:rPr lang="hu-HU" dirty="0"/>
@@ -17758,7 +17786,7 @@
             </a:pPr>
             <a:r>
               <a:rPr lang="hu-HU" sz="2400" dirty="0"/>
-              <a:t>The </a:t>
+              <a:t>          The </a:t>
             </a:r>
             <a:r>
               <a:rPr lang="hu-HU" sz="2400" dirty="0" err="1"/>
@@ -17766,7 +17794,7 @@
             </a:r>
             <a:r>
               <a:rPr lang="hu-HU" sz="2400" dirty="0"/>
-              <a:t> file:				The log4j.properties:</a:t>
+              <a:t> file:			    The log4j.properties:</a:t>
             </a:r>
           </a:p>
           <a:p>
@@ -17774,167 +17802,42 @@
           </a:p>
         </p:txBody>
       </p:sp>
-      <p:grpSp>
-        <p:nvGrpSpPr>
-          <p:cNvPr id="4" name="Csoportba foglalás 3">
+      <p:pic>
+        <p:nvPicPr>
+          <p:cNvPr id="8" name="Kép 7">
             <a:extLst>
               <a:ext uri="{FF2B5EF4-FFF2-40B4-BE49-F238E27FC236}">
-                <a16:creationId xmlns:a16="http://schemas.microsoft.com/office/drawing/2014/main" id="{283BB942-186D-4555-A729-F486D23AA194}"/>
+                <a16:creationId xmlns:a16="http://schemas.microsoft.com/office/drawing/2014/main" id="{E887B445-E106-45AC-9645-9989E86B2E0E}"/>
               </a:ext>
             </a:extLst>
           </p:cNvPr>
-          <p:cNvGrpSpPr/>
+          <p:cNvPicPr>
+            <a:picLocks noChangeAspect="1"/>
+          </p:cNvPicPr>
           <p:nvPr/>
-        </p:nvGrpSpPr>
-        <p:grpSpPr>
+        </p:nvPicPr>
+        <p:blipFill>
+          <a:blip r:embed="rId2">
+            <a:extLst>
+              <a:ext uri="{28A0092B-C50C-407E-A947-70E740481C1C}">
+                <a14:useLocalDpi xmlns:a14="http://schemas.microsoft.com/office/drawing/2010/main" val="0"/>
+              </a:ext>
+            </a:extLst>
+          </a:blip>
+          <a:stretch>
+            <a:fillRect/>
+          </a:stretch>
+        </p:blipFill>
+        <p:spPr>
           <a:xfrm>
-            <a:off x="106531" y="4530155"/>
-            <a:ext cx="12192000" cy="2327845"/>
-            <a:chOff x="0" y="3293613"/>
-            <a:chExt cx="12192000" cy="2327845"/>
+            <a:off x="687280" y="4379918"/>
+            <a:ext cx="10515600" cy="2478081"/>
           </a:xfrm>
-        </p:grpSpPr>
-        <p:pic>
-          <p:nvPicPr>
-            <p:cNvPr id="12" name="Kép 11"/>
-            <p:cNvPicPr>
-              <a:picLocks noChangeAspect="1"/>
-            </p:cNvPicPr>
-            <p:nvPr/>
-          </p:nvPicPr>
-          <p:blipFill>
-            <a:blip r:embed="rId2"/>
-            <a:stretch>
-              <a:fillRect/>
-            </a:stretch>
-          </p:blipFill>
-          <p:spPr>
-            <a:xfrm>
-              <a:off x="6450939" y="3293613"/>
-              <a:ext cx="5640142" cy="2327845"/>
-            </a:xfrm>
-            <a:prstGeom prst="rect">
-              <a:avLst/>
-            </a:prstGeom>
-          </p:spPr>
-        </p:pic>
-        <p:pic>
-          <p:nvPicPr>
-            <p:cNvPr id="13" name="Kép 12"/>
-            <p:cNvPicPr>
-              <a:picLocks noChangeAspect="1"/>
-            </p:cNvPicPr>
-            <p:nvPr/>
-          </p:nvPicPr>
-          <p:blipFill>
-            <a:blip r:embed="rId3"/>
-            <a:stretch>
-              <a:fillRect/>
-            </a:stretch>
-          </p:blipFill>
-          <p:spPr>
-            <a:xfrm>
-              <a:off x="1" y="3302170"/>
-              <a:ext cx="6459406" cy="1660451"/>
-            </a:xfrm>
-            <a:prstGeom prst="rect">
-              <a:avLst/>
-            </a:prstGeom>
-          </p:spPr>
-        </p:pic>
-        <p:sp>
-          <p:nvSpPr>
-            <p:cNvPr id="16" name="Téglalap 15"/>
-            <p:cNvSpPr/>
-            <p:nvPr/>
-          </p:nvSpPr>
-          <p:spPr>
-            <a:xfrm>
-              <a:off x="6459407" y="4225771"/>
-              <a:ext cx="5732593" cy="843379"/>
-            </a:xfrm>
-            <a:prstGeom prst="rect">
-              <a:avLst/>
-            </a:prstGeom>
-            <a:noFill/>
-            <a:ln>
-              <a:solidFill>
-                <a:srgbClr val="FF0000"/>
-              </a:solidFill>
-            </a:ln>
-          </p:spPr>
-          <p:style>
-            <a:lnRef idx="2">
-              <a:schemeClr val="accent1">
-                <a:shade val="50000"/>
-              </a:schemeClr>
-            </a:lnRef>
-            <a:fillRef idx="1">
-              <a:schemeClr val="accent1"/>
-            </a:fillRef>
-            <a:effectRef idx="0">
-              <a:schemeClr val="accent1"/>
-            </a:effectRef>
-            <a:fontRef idx="minor">
-              <a:schemeClr val="lt1"/>
-            </a:fontRef>
-          </p:style>
-          <p:txBody>
-            <a:bodyPr rtlCol="0" anchor="ctr"/>
-            <a:lstStyle/>
-            <a:p>
-              <a:pPr algn="ctr"/>
-              <a:endParaRPr lang="hu-HU"/>
-            </a:p>
-          </p:txBody>
-        </p:sp>
-        <p:sp>
-          <p:nvSpPr>
-            <p:cNvPr id="17" name="Téglalap 16"/>
-            <p:cNvSpPr/>
-            <p:nvPr/>
-          </p:nvSpPr>
-          <p:spPr>
-            <a:xfrm>
-              <a:off x="0" y="4163627"/>
-              <a:ext cx="3284738" cy="798994"/>
-            </a:xfrm>
-            <a:prstGeom prst="rect">
-              <a:avLst/>
-            </a:prstGeom>
-            <a:noFill/>
-            <a:ln>
-              <a:solidFill>
-                <a:srgbClr val="FF0000"/>
-              </a:solidFill>
-            </a:ln>
-          </p:spPr>
-          <p:style>
-            <a:lnRef idx="2">
-              <a:schemeClr val="accent1">
-                <a:shade val="50000"/>
-              </a:schemeClr>
-            </a:lnRef>
-            <a:fillRef idx="1">
-              <a:schemeClr val="accent1"/>
-            </a:fillRef>
-            <a:effectRef idx="0">
-              <a:schemeClr val="accent1"/>
-            </a:effectRef>
-            <a:fontRef idx="minor">
-              <a:schemeClr val="lt1"/>
-            </a:fontRef>
-          </p:style>
-          <p:txBody>
-            <a:bodyPr rtlCol="0" anchor="ctr"/>
-            <a:lstStyle/>
-            <a:p>
-              <a:pPr algn="ctr"/>
-              <a:endParaRPr lang="hu-HU"/>
-            </a:p>
-          </p:txBody>
-        </p:sp>
-      </p:grpSp>
+          <a:prstGeom prst="rect">
+            <a:avLst/>
+          </a:prstGeom>
+        </p:spPr>
+      </p:pic>
     </p:spTree>
     <p:extLst>
       <p:ext uri="{BB962C8B-B14F-4D97-AF65-F5344CB8AC3E}">

--- a/documentation/Quick-Start-Guide-M2.pptx
+++ b/documentation/Quick-Start-Guide-M2.pptx
@@ -137,6 +137,10 @@
     </p:ext>
   </p:extLst>
 </p:presentation>
+</file>
+
+<file path=ppt/revisionInfo.xml><?xml version="1.0" encoding="utf-8"?>
+<p1510:revInfo xmlns:a="http://schemas.openxmlformats.org/drawingml/2006/main" xmlns:r="http://schemas.openxmlformats.org/officeDocument/2006/relationships" xmlns:p1510="http://schemas.microsoft.com/office/powerpoint/2015/10/main"/>
 </file>
 
 <file path=ppt/notesMasters/notesMaster1.xml><?xml version="1.0" encoding="utf-8"?>
@@ -18003,101 +18007,14 @@
               <a:t> </a:t>
             </a:r>
             <a:r>
-              <a:rPr lang="hu-HU" sz="2400" dirty="0" err="1"/>
+              <a:rPr lang="hu-HU" sz="2400" err="1"/>
               <a:t>separate</a:t>
             </a:r>
             <a:r>
-              <a:rPr lang="hu-HU" sz="2400" dirty="0"/>
-              <a:t> </a:t>
-            </a:r>
-            <a:r>
-              <a:rPr lang="hu-HU" sz="2400" dirty="0" err="1"/>
-              <a:t>database</a:t>
-            </a:r>
-            <a:r>
-              <a:rPr lang="hu-HU" sz="2400" dirty="0"/>
-              <a:t>: </a:t>
-            </a:r>
-            <a:r>
-              <a:rPr lang="hu-HU" sz="2400" dirty="0" err="1"/>
-              <a:t>run</a:t>
-            </a:r>
-            <a:r>
-              <a:rPr lang="hu-HU" sz="2400" dirty="0"/>
-              <a:t> </a:t>
-            </a:r>
-            <a:r>
-              <a:rPr lang="hu-HU" sz="2400" dirty="0" err="1"/>
-              <a:t>the</a:t>
-            </a:r>
-            <a:r>
-              <a:rPr lang="hu-HU" sz="2400" dirty="0"/>
-              <a:t> create_arrowhead_database_1 </a:t>
-            </a:r>
-            <a:r>
-              <a:rPr lang="hu-HU" sz="2400" dirty="0" err="1"/>
-              <a:t>each</a:t>
-            </a:r>
-            <a:r>
-              <a:rPr lang="hu-HU" sz="2400" dirty="0"/>
-              <a:t> </a:t>
-            </a:r>
-            <a:r>
-              <a:rPr lang="hu-HU" sz="2400" dirty="0" err="1"/>
-              <a:t>time</a:t>
-            </a:r>
-            <a:r>
-              <a:rPr lang="hu-HU" sz="2400" dirty="0"/>
-              <a:t> </a:t>
-            </a:r>
-            <a:r>
-              <a:rPr lang="hu-HU" sz="2400" dirty="0" err="1"/>
-              <a:t>you</a:t>
-            </a:r>
-            <a:r>
-              <a:rPr lang="hu-HU" sz="2400" dirty="0"/>
-              <a:t> </a:t>
-            </a:r>
-            <a:r>
-              <a:rPr lang="hu-HU" sz="2400" dirty="0" err="1"/>
-              <a:t>want</a:t>
-            </a:r>
-            <a:r>
-              <a:rPr lang="hu-HU" sz="2400" dirty="0"/>
-              <a:t> a </a:t>
-            </a:r>
-            <a:r>
-              <a:rPr lang="hu-HU" sz="2400" dirty="0" err="1"/>
-              <a:t>separate</a:t>
-            </a:r>
-            <a:r>
-              <a:rPr lang="hu-HU" sz="2400" dirty="0"/>
-              <a:t> DB </a:t>
-            </a:r>
-            <a:r>
-              <a:rPr lang="hu-HU" sz="2400" dirty="0" err="1"/>
-              <a:t>for</a:t>
-            </a:r>
-            <a:r>
-              <a:rPr lang="hu-HU" sz="2400" dirty="0"/>
-              <a:t> a </a:t>
-            </a:r>
-            <a:r>
-              <a:rPr lang="hu-HU" sz="2400" dirty="0" err="1"/>
-              <a:t>core</a:t>
-            </a:r>
-            <a:r>
-              <a:rPr lang="hu-HU" sz="2400" dirty="0"/>
-              <a:t> </a:t>
-            </a:r>
-            <a:r>
-              <a:rPr lang="hu-HU" sz="2400" dirty="0" err="1"/>
-              <a:t>system</a:t>
-            </a:r>
-            <a:r>
-              <a:rPr lang="hu-HU" sz="2400" dirty="0"/>
-              <a:t>.</a:t>
-            </a:r>
+              <a:rPr lang="hu-HU" sz="2400"/>
+              <a:t> database, or core systems can use 1 joint core database.</a:t>
+            </a:r>
+            <a:endParaRPr lang="hu-HU" sz="2400" dirty="0"/>
           </a:p>
           <a:p>
             <a:r>
@@ -18177,10 +18094,10 @@
         </p:nvGrpSpPr>
         <p:grpSpPr>
           <a:xfrm>
-            <a:off x="671601" y="2605718"/>
-            <a:ext cx="10308739" cy="4240251"/>
-            <a:chOff x="7112" y="1590635"/>
-            <a:chExt cx="10308739" cy="4240251"/>
+            <a:off x="4410057" y="2781411"/>
+            <a:ext cx="6570283" cy="4064558"/>
+            <a:chOff x="3745568" y="1766328"/>
+            <a:chExt cx="6570283" cy="4064558"/>
           </a:xfrm>
         </p:grpSpPr>
         <p:sp>
@@ -18318,7 +18235,7 @@
           </p:nvSpPr>
           <p:spPr>
             <a:xfrm>
-              <a:off x="3758549" y="3385831"/>
+              <a:off x="3758549" y="3570555"/>
               <a:ext cx="4998128" cy="369332"/>
             </a:xfrm>
             <a:prstGeom prst="rect">
@@ -18405,7 +18322,7 @@
           </p:nvSpPr>
           <p:spPr>
             <a:xfrm>
-              <a:off x="3758548" y="3832752"/>
+              <a:off x="3758548" y="4035945"/>
               <a:ext cx="6557303" cy="369332"/>
             </a:xfrm>
             <a:prstGeom prst="rect">
@@ -18426,15 +18343,7 @@
             <a:p>
               <a:r>
                 <a:rPr lang="hu-HU"/>
-                <a:t>These tables </a:t>
-              </a:r>
-              <a:r>
-                <a:rPr lang="hu-HU" err="1"/>
-                <a:t>stores</a:t>
-              </a:r>
-              <a:r>
-                <a:rPr lang="hu-HU"/>
-                <a:t> </a:t>
+                <a:t>These tables store </a:t>
               </a:r>
               <a:r>
                 <a:rPr lang="hu-HU" err="1"/>
@@ -18480,8 +18389,8 @@
           </p:nvSpPr>
           <p:spPr>
             <a:xfrm>
-              <a:off x="3765210" y="4381026"/>
-              <a:ext cx="4411288" cy="646331"/>
+              <a:off x="3765210" y="4473386"/>
+              <a:ext cx="4677356" cy="646331"/>
             </a:xfrm>
             <a:prstGeom prst="rect">
               <a:avLst/>
@@ -18521,67 +18430,7 @@
               </a:r>
               <a:r>
                 <a:rPr lang="hu-HU"/>
-                <a:t> </a:t>
-              </a:r>
-              <a:r>
-                <a:rPr lang="hu-HU" err="1"/>
-                <a:t>run-time</a:t>
-              </a:r>
-              <a:r>
-                <a:rPr lang="hu-HU"/>
-                <a:t> </a:t>
-              </a:r>
-              <a:r>
-                <a:rPr lang="hu-HU" err="1"/>
-                <a:t>configuration</a:t>
-              </a:r>
-              <a:r>
-                <a:rPr lang="hu-HU"/>
-                <a:t> </a:t>
-              </a:r>
-              <a:r>
-                <a:rPr lang="hu-HU" err="1"/>
-                <a:t>for</a:t>
-              </a:r>
-              <a:r>
-                <a:rPr lang="hu-HU"/>
-                <a:t> </a:t>
-              </a:r>
-              <a:r>
-                <a:rPr lang="hu-HU" err="1"/>
-                <a:t>the</a:t>
-              </a:r>
-              <a:r>
-                <a:rPr lang="hu-HU"/>
-                <a:t> </a:t>
-              </a:r>
-              <a:r>
-                <a:rPr lang="hu-HU" err="1"/>
-                <a:t>Core</a:t>
-              </a:r>
-              <a:r>
-                <a:rPr lang="hu-HU"/>
-                <a:t> Systems. </a:t>
-              </a:r>
-              <a:r>
-                <a:rPr lang="hu-HU" b="1"/>
-                <a:t>Needs </a:t>
-              </a:r>
-              <a:r>
-                <a:rPr lang="hu-HU" b="1" err="1"/>
-                <a:t>setting</a:t>
-              </a:r>
-              <a:r>
-                <a:rPr lang="hu-HU" b="1"/>
-                <a:t> </a:t>
-              </a:r>
-              <a:r>
-                <a:rPr lang="hu-HU" b="1" err="1"/>
-                <a:t>up</a:t>
-              </a:r>
-              <a:r>
-                <a:rPr lang="hu-HU" b="1"/>
-                <a:t>.</a:t>
+                <a:t> ArrowheadCloud references about own and trusted Local Clouds.</a:t>
               </a:r>
               <a:endParaRPr lang="en-US" b="1"/>
             </a:p>
@@ -18595,7 +18444,7 @@
           </p:nvSpPr>
           <p:spPr>
             <a:xfrm>
-              <a:off x="3758549" y="2853132"/>
+              <a:off x="3758549" y="3120984"/>
               <a:ext cx="6235694" cy="369332"/>
             </a:xfrm>
             <a:prstGeom prst="rect">
@@ -18690,508 +18539,6 @@
             </a:p>
           </p:txBody>
         </p:sp>
-        <p:pic>
-          <p:nvPicPr>
-            <p:cNvPr id="4" name="Kép 3"/>
-            <p:cNvPicPr>
-              <a:picLocks noChangeAspect="1"/>
-            </p:cNvPicPr>
-            <p:nvPr/>
-          </p:nvPicPr>
-          <p:blipFill>
-            <a:blip r:embed="rId2"/>
-            <a:stretch>
-              <a:fillRect/>
-            </a:stretch>
-          </p:blipFill>
-          <p:spPr>
-            <a:xfrm>
-              <a:off x="7112" y="1590635"/>
-              <a:ext cx="3645744" cy="3144148"/>
-            </a:xfrm>
-            <a:prstGeom prst="rect">
-              <a:avLst/>
-            </a:prstGeom>
-          </p:spPr>
-        </p:pic>
-        <p:cxnSp>
-          <p:nvCxnSpPr>
-            <p:cNvPr id="14" name="Egyenes összekötő nyíllal 13"/>
-            <p:cNvCxnSpPr/>
-            <p:nvPr/>
-          </p:nvCxnSpPr>
-          <p:spPr>
-            <a:xfrm flipV="1">
-              <a:off x="2015231" y="1979720"/>
-              <a:ext cx="1730338" cy="115410"/>
-            </a:xfrm>
-            <a:prstGeom prst="straightConnector1">
-              <a:avLst/>
-            </a:prstGeom>
-            <a:ln>
-              <a:solidFill>
-                <a:srgbClr val="FF0000"/>
-              </a:solidFill>
-              <a:tailEnd type="triangle"/>
-            </a:ln>
-          </p:spPr>
-          <p:style>
-            <a:lnRef idx="1">
-              <a:schemeClr val="accent1"/>
-            </a:lnRef>
-            <a:fillRef idx="0">
-              <a:schemeClr val="accent1"/>
-            </a:fillRef>
-            <a:effectRef idx="0">
-              <a:schemeClr val="accent1"/>
-            </a:effectRef>
-            <a:fontRef idx="minor">
-              <a:schemeClr val="tx1"/>
-            </a:fontRef>
-          </p:style>
-        </p:cxnSp>
-        <p:cxnSp>
-          <p:nvCxnSpPr>
-            <p:cNvPr id="20" name="Egyenes összekötő nyíllal 19"/>
-            <p:cNvCxnSpPr/>
-            <p:nvPr/>
-          </p:nvCxnSpPr>
-          <p:spPr>
-            <a:xfrm flipV="1">
-              <a:off x="2095130" y="2095130"/>
-              <a:ext cx="1650439" cy="132863"/>
-            </a:xfrm>
-            <a:prstGeom prst="straightConnector1">
-              <a:avLst/>
-            </a:prstGeom>
-            <a:ln>
-              <a:solidFill>
-                <a:srgbClr val="FF0000"/>
-              </a:solidFill>
-              <a:tailEnd type="triangle"/>
-            </a:ln>
-          </p:spPr>
-          <p:style>
-            <a:lnRef idx="1">
-              <a:schemeClr val="accent1"/>
-            </a:lnRef>
-            <a:fillRef idx="0">
-              <a:schemeClr val="accent1"/>
-            </a:fillRef>
-            <a:effectRef idx="0">
-              <a:schemeClr val="accent1"/>
-            </a:effectRef>
-            <a:fontRef idx="minor">
-              <a:schemeClr val="tx1"/>
-            </a:fontRef>
-          </p:style>
-        </p:cxnSp>
-        <p:cxnSp>
-          <p:nvCxnSpPr>
-            <p:cNvPr id="23" name="Egyenes összekötő nyíllal 22"/>
-            <p:cNvCxnSpPr/>
-            <p:nvPr/>
-          </p:nvCxnSpPr>
-          <p:spPr>
-            <a:xfrm flipV="1">
-              <a:off x="2965142" y="2358415"/>
-              <a:ext cx="793407" cy="125800"/>
-            </a:xfrm>
-            <a:prstGeom prst="straightConnector1">
-              <a:avLst/>
-            </a:prstGeom>
-            <a:ln>
-              <a:solidFill>
-                <a:srgbClr val="FF0000"/>
-              </a:solidFill>
-              <a:tailEnd type="triangle"/>
-            </a:ln>
-          </p:spPr>
-          <p:style>
-            <a:lnRef idx="1">
-              <a:schemeClr val="accent1"/>
-            </a:lnRef>
-            <a:fillRef idx="0">
-              <a:schemeClr val="accent1"/>
-            </a:fillRef>
-            <a:effectRef idx="0">
-              <a:schemeClr val="accent1"/>
-            </a:effectRef>
-            <a:fontRef idx="minor">
-              <a:schemeClr val="tx1"/>
-            </a:fontRef>
-          </p:style>
-        </p:cxnSp>
-        <p:cxnSp>
-          <p:nvCxnSpPr>
-            <p:cNvPr id="31" name="Egyenes összekötő nyíllal 30"/>
-            <p:cNvCxnSpPr>
-              <a:endCxn id="56" idx="1"/>
-            </p:cNvCxnSpPr>
-            <p:nvPr/>
-          </p:nvCxnSpPr>
-          <p:spPr>
-            <a:xfrm flipV="1">
-              <a:off x="2219417" y="3037798"/>
-              <a:ext cx="1539132" cy="184666"/>
-            </a:xfrm>
-            <a:prstGeom prst="straightConnector1">
-              <a:avLst/>
-            </a:prstGeom>
-            <a:ln>
-              <a:solidFill>
-                <a:srgbClr val="FF0000"/>
-              </a:solidFill>
-              <a:tailEnd type="triangle"/>
-            </a:ln>
-          </p:spPr>
-          <p:style>
-            <a:lnRef idx="1">
-              <a:schemeClr val="accent1"/>
-            </a:lnRef>
-            <a:fillRef idx="0">
-              <a:schemeClr val="accent1"/>
-            </a:fillRef>
-            <a:effectRef idx="0">
-              <a:schemeClr val="accent1"/>
-            </a:effectRef>
-            <a:fontRef idx="minor">
-              <a:schemeClr val="tx1"/>
-            </a:fontRef>
-          </p:style>
-        </p:cxnSp>
-        <p:cxnSp>
-          <p:nvCxnSpPr>
-            <p:cNvPr id="33" name="Egyenes összekötő nyíllal 32"/>
-            <p:cNvCxnSpPr>
-              <a:endCxn id="9" idx="1"/>
-            </p:cNvCxnSpPr>
-            <p:nvPr/>
-          </p:nvCxnSpPr>
-          <p:spPr>
-            <a:xfrm>
-              <a:off x="2521258" y="3462291"/>
-              <a:ext cx="1237291" cy="108206"/>
-            </a:xfrm>
-            <a:prstGeom prst="straightConnector1">
-              <a:avLst/>
-            </a:prstGeom>
-            <a:ln>
-              <a:solidFill>
-                <a:srgbClr val="FF0000"/>
-              </a:solidFill>
-              <a:tailEnd type="triangle"/>
-            </a:ln>
-          </p:spPr>
-          <p:style>
-            <a:lnRef idx="1">
-              <a:schemeClr val="accent1"/>
-            </a:lnRef>
-            <a:fillRef idx="0">
-              <a:schemeClr val="accent1"/>
-            </a:fillRef>
-            <a:effectRef idx="0">
-              <a:schemeClr val="accent1"/>
-            </a:effectRef>
-            <a:fontRef idx="minor">
-              <a:schemeClr val="tx1"/>
-            </a:fontRef>
-          </p:style>
-        </p:cxnSp>
-        <p:cxnSp>
-          <p:nvCxnSpPr>
-            <p:cNvPr id="35" name="Egyenes összekötő nyíllal 34"/>
-            <p:cNvCxnSpPr>
-              <a:endCxn id="9" idx="1"/>
-            </p:cNvCxnSpPr>
-            <p:nvPr/>
-          </p:nvCxnSpPr>
-          <p:spPr>
-            <a:xfrm flipV="1">
-              <a:off x="2530136" y="3570497"/>
-              <a:ext cx="1228413" cy="68256"/>
-            </a:xfrm>
-            <a:prstGeom prst="straightConnector1">
-              <a:avLst/>
-            </a:prstGeom>
-            <a:ln>
-              <a:solidFill>
-                <a:srgbClr val="FF0000"/>
-              </a:solidFill>
-              <a:tailEnd type="triangle"/>
-            </a:ln>
-          </p:spPr>
-          <p:style>
-            <a:lnRef idx="1">
-              <a:schemeClr val="accent1"/>
-            </a:lnRef>
-            <a:fillRef idx="0">
-              <a:schemeClr val="accent1"/>
-            </a:fillRef>
-            <a:effectRef idx="0">
-              <a:schemeClr val="accent1"/>
-            </a:effectRef>
-            <a:fontRef idx="minor">
-              <a:schemeClr val="tx1"/>
-            </a:fontRef>
-          </p:style>
-        </p:cxnSp>
-        <p:cxnSp>
-          <p:nvCxnSpPr>
-            <p:cNvPr id="38" name="Egyenes összekötő nyíllal 37"/>
-            <p:cNvCxnSpPr/>
-            <p:nvPr/>
-          </p:nvCxnSpPr>
-          <p:spPr>
-            <a:xfrm flipV="1">
-              <a:off x="2219417" y="3994951"/>
-              <a:ext cx="1526152" cy="79899"/>
-            </a:xfrm>
-            <a:prstGeom prst="straightConnector1">
-              <a:avLst/>
-            </a:prstGeom>
-            <a:ln>
-              <a:solidFill>
-                <a:srgbClr val="FF0000"/>
-              </a:solidFill>
-              <a:tailEnd type="triangle"/>
-            </a:ln>
-          </p:spPr>
-          <p:style>
-            <a:lnRef idx="1">
-              <a:schemeClr val="accent1"/>
-            </a:lnRef>
-            <a:fillRef idx="0">
-              <a:schemeClr val="accent1"/>
-            </a:fillRef>
-            <a:effectRef idx="0">
-              <a:schemeClr val="accent1"/>
-            </a:effectRef>
-            <a:fontRef idx="minor">
-              <a:schemeClr val="tx1"/>
-            </a:fontRef>
-          </p:style>
-        </p:cxnSp>
-        <p:cxnSp>
-          <p:nvCxnSpPr>
-            <p:cNvPr id="41" name="Egyenes összekötő nyíllal 40"/>
-            <p:cNvCxnSpPr/>
-            <p:nvPr/>
-          </p:nvCxnSpPr>
-          <p:spPr>
-            <a:xfrm flipV="1">
-              <a:off x="3045041" y="2484215"/>
-              <a:ext cx="896644" cy="234329"/>
-            </a:xfrm>
-            <a:prstGeom prst="straightConnector1">
-              <a:avLst/>
-            </a:prstGeom>
-            <a:ln>
-              <a:solidFill>
-                <a:srgbClr val="FF0000"/>
-              </a:solidFill>
-              <a:tailEnd type="triangle"/>
-            </a:ln>
-          </p:spPr>
-          <p:style>
-            <a:lnRef idx="1">
-              <a:schemeClr val="accent1"/>
-            </a:lnRef>
-            <a:fillRef idx="0">
-              <a:schemeClr val="accent1"/>
-            </a:fillRef>
-            <a:effectRef idx="0">
-              <a:schemeClr val="accent1"/>
-            </a:effectRef>
-            <a:fontRef idx="minor">
-              <a:schemeClr val="tx1"/>
-            </a:fontRef>
-          </p:style>
-        </p:cxnSp>
-        <p:cxnSp>
-          <p:nvCxnSpPr>
-            <p:cNvPr id="44" name="Egyenes összekötő nyíllal 43"/>
-            <p:cNvCxnSpPr/>
-            <p:nvPr/>
-          </p:nvCxnSpPr>
-          <p:spPr>
-            <a:xfrm flipV="1">
-              <a:off x="2095130" y="2501971"/>
-              <a:ext cx="2645546" cy="368917"/>
-            </a:xfrm>
-            <a:prstGeom prst="straightConnector1">
-              <a:avLst/>
-            </a:prstGeom>
-            <a:ln>
-              <a:solidFill>
-                <a:srgbClr val="FF0000"/>
-              </a:solidFill>
-              <a:tailEnd type="triangle"/>
-            </a:ln>
-          </p:spPr>
-          <p:style>
-            <a:lnRef idx="1">
-              <a:schemeClr val="accent1"/>
-            </a:lnRef>
-            <a:fillRef idx="0">
-              <a:schemeClr val="accent1"/>
-            </a:fillRef>
-            <a:effectRef idx="0">
-              <a:schemeClr val="accent1"/>
-            </a:effectRef>
-            <a:fontRef idx="minor">
-              <a:schemeClr val="tx1"/>
-            </a:fontRef>
-          </p:style>
-        </p:cxnSp>
-        <p:cxnSp>
-          <p:nvCxnSpPr>
-            <p:cNvPr id="46" name="Egyenes összekötő nyíllal 45"/>
-            <p:cNvCxnSpPr/>
-            <p:nvPr/>
-          </p:nvCxnSpPr>
-          <p:spPr>
-            <a:xfrm flipV="1">
-              <a:off x="2814221" y="4092604"/>
-              <a:ext cx="931347" cy="168498"/>
-            </a:xfrm>
-            <a:prstGeom prst="straightConnector1">
-              <a:avLst/>
-            </a:prstGeom>
-            <a:ln>
-              <a:solidFill>
-                <a:srgbClr val="FF0000"/>
-              </a:solidFill>
-              <a:tailEnd type="triangle"/>
-            </a:ln>
-          </p:spPr>
-          <p:style>
-            <a:lnRef idx="1">
-              <a:schemeClr val="accent1"/>
-            </a:lnRef>
-            <a:fillRef idx="0">
-              <a:schemeClr val="accent1"/>
-            </a:fillRef>
-            <a:effectRef idx="0">
-              <a:schemeClr val="accent1"/>
-            </a:effectRef>
-            <a:fontRef idx="minor">
-              <a:schemeClr val="tx1"/>
-            </a:fontRef>
-          </p:style>
-        </p:cxnSp>
-        <p:cxnSp>
-          <p:nvCxnSpPr>
-            <p:cNvPr id="49" name="Egyenes összekötő nyíllal 48"/>
-            <p:cNvCxnSpPr/>
-            <p:nvPr/>
-          </p:nvCxnSpPr>
-          <p:spPr>
-            <a:xfrm>
-              <a:off x="1740023" y="3037798"/>
-              <a:ext cx="2005545" cy="1551957"/>
-            </a:xfrm>
-            <a:prstGeom prst="straightConnector1">
-              <a:avLst/>
-            </a:prstGeom>
-            <a:ln>
-              <a:solidFill>
-                <a:srgbClr val="FF0000"/>
-              </a:solidFill>
-              <a:tailEnd type="triangle"/>
-            </a:ln>
-          </p:spPr>
-          <p:style>
-            <a:lnRef idx="1">
-              <a:schemeClr val="accent1"/>
-            </a:lnRef>
-            <a:fillRef idx="0">
-              <a:schemeClr val="accent1"/>
-            </a:fillRef>
-            <a:effectRef idx="0">
-              <a:schemeClr val="accent1"/>
-            </a:effectRef>
-            <a:fontRef idx="minor">
-              <a:schemeClr val="tx1"/>
-            </a:fontRef>
-          </p:style>
-        </p:cxnSp>
-        <p:cxnSp>
-          <p:nvCxnSpPr>
-            <p:cNvPr id="51" name="Egyenes összekötő nyíllal 50"/>
-            <p:cNvCxnSpPr>
-              <a:endCxn id="40" idx="1"/>
-            </p:cNvCxnSpPr>
-            <p:nvPr/>
-          </p:nvCxnSpPr>
-          <p:spPr>
-            <a:xfrm>
-              <a:off x="1873188" y="3804826"/>
-              <a:ext cx="1892022" cy="899366"/>
-            </a:xfrm>
-            <a:prstGeom prst="straightConnector1">
-              <a:avLst/>
-            </a:prstGeom>
-            <a:ln>
-              <a:solidFill>
-                <a:srgbClr val="FF0000"/>
-              </a:solidFill>
-              <a:tailEnd type="triangle"/>
-            </a:ln>
-          </p:spPr>
-          <p:style>
-            <a:lnRef idx="1">
-              <a:schemeClr val="accent1"/>
-            </a:lnRef>
-            <a:fillRef idx="0">
-              <a:schemeClr val="accent1"/>
-            </a:fillRef>
-            <a:effectRef idx="0">
-              <a:schemeClr val="accent1"/>
-            </a:effectRef>
-            <a:fontRef idx="minor">
-              <a:schemeClr val="tx1"/>
-            </a:fontRef>
-          </p:style>
-        </p:cxnSp>
-        <p:cxnSp>
-          <p:nvCxnSpPr>
-            <p:cNvPr id="54" name="Egyenes összekötő nyíllal 53"/>
-            <p:cNvCxnSpPr>
-              <a:endCxn id="40" idx="1"/>
-            </p:cNvCxnSpPr>
-            <p:nvPr/>
-          </p:nvCxnSpPr>
-          <p:spPr>
-            <a:xfrm>
-              <a:off x="1624614" y="4422089"/>
-              <a:ext cx="2140596" cy="282103"/>
-            </a:xfrm>
-            <a:prstGeom prst="straightConnector1">
-              <a:avLst/>
-            </a:prstGeom>
-            <a:ln>
-              <a:solidFill>
-                <a:srgbClr val="FF0000"/>
-              </a:solidFill>
-              <a:tailEnd type="triangle"/>
-            </a:ln>
-          </p:spPr>
-          <p:style>
-            <a:lnRef idx="1">
-              <a:schemeClr val="accent1"/>
-            </a:lnRef>
-            <a:fillRef idx="0">
-              <a:schemeClr val="accent1"/>
-            </a:fillRef>
-            <a:effectRef idx="0">
-              <a:schemeClr val="accent1"/>
-            </a:effectRef>
-            <a:fontRef idx="minor">
-              <a:schemeClr val="tx1"/>
-            </a:fontRef>
-          </p:style>
-        </p:cxnSp>
         <p:sp>
           <p:nvSpPr>
             <p:cNvPr id="55" name="Szövegdoboz 54"/>
@@ -19226,43 +18573,644 @@
             </a:p>
           </p:txBody>
         </p:sp>
-        <p:cxnSp>
-          <p:nvCxnSpPr>
-            <p:cNvPr id="61" name="Egyenes összekötő nyíllal 60"/>
-            <p:cNvCxnSpPr/>
-            <p:nvPr/>
-          </p:nvCxnSpPr>
-          <p:spPr>
-            <a:xfrm>
-              <a:off x="1935332" y="4634145"/>
-              <a:ext cx="1810236" cy="710214"/>
-            </a:xfrm>
-            <a:prstGeom prst="straightConnector1">
-              <a:avLst/>
-            </a:prstGeom>
-            <a:ln>
-              <a:solidFill>
-                <a:srgbClr val="FF0000"/>
-              </a:solidFill>
-              <a:tailEnd type="triangle"/>
-            </a:ln>
-          </p:spPr>
-          <p:style>
-            <a:lnRef idx="1">
-              <a:schemeClr val="accent1"/>
-            </a:lnRef>
-            <a:fillRef idx="0">
-              <a:schemeClr val="accent1"/>
-            </a:fillRef>
-            <a:effectRef idx="0">
-              <a:schemeClr val="accent1"/>
-            </a:effectRef>
-            <a:fontRef idx="minor">
-              <a:schemeClr val="tx1"/>
-            </a:fontRef>
-          </p:style>
-        </p:cxnSp>
       </p:grpSp>
+      <p:pic>
+        <p:nvPicPr>
+          <p:cNvPr id="7" name="Kép 6">
+            <a:extLst>
+              <a:ext uri="{FF2B5EF4-FFF2-40B4-BE49-F238E27FC236}">
+                <a16:creationId xmlns:a16="http://schemas.microsoft.com/office/drawing/2014/main" id="{C1A439F2-51B1-4837-96C7-33C194B4F9E9}"/>
+              </a:ext>
+            </a:extLst>
+          </p:cNvPr>
+          <p:cNvPicPr>
+            <a:picLocks noChangeAspect="1"/>
+          </p:cNvPicPr>
+          <p:nvPr/>
+        </p:nvPicPr>
+        <p:blipFill>
+          <a:blip r:embed="rId2"/>
+          <a:stretch>
+            <a:fillRect/>
+          </a:stretch>
+        </p:blipFill>
+        <p:spPr>
+          <a:xfrm>
+            <a:off x="178196" y="2994803"/>
+            <a:ext cx="3087571" cy="2907363"/>
+          </a:xfrm>
+          <a:prstGeom prst="rect">
+            <a:avLst/>
+          </a:prstGeom>
+        </p:spPr>
+      </p:pic>
+      <p:cxnSp>
+        <p:nvCxnSpPr>
+          <p:cNvPr id="12" name="Egyenes összekötő nyíllal 11">
+            <a:extLst>
+              <a:ext uri="{FF2B5EF4-FFF2-40B4-BE49-F238E27FC236}">
+                <a16:creationId xmlns:a16="http://schemas.microsoft.com/office/drawing/2014/main" id="{91010D7E-45E5-4D04-A412-6FDAC7E4106A}"/>
+              </a:ext>
+            </a:extLst>
+          </p:cNvPr>
+          <p:cNvCxnSpPr>
+            <a:endCxn id="8" idx="1"/>
+          </p:cNvCxnSpPr>
+          <p:nvPr/>
+        </p:nvCxnSpPr>
+        <p:spPr>
+          <a:xfrm flipV="1">
+            <a:off x="2289103" y="3104577"/>
+            <a:ext cx="2120954" cy="323165"/>
+          </a:xfrm>
+          <a:prstGeom prst="straightConnector1">
+            <a:avLst/>
+          </a:prstGeom>
+          <a:ln>
+            <a:solidFill>
+              <a:srgbClr val="FF0000"/>
+            </a:solidFill>
+            <a:tailEnd type="triangle"/>
+          </a:ln>
+        </p:spPr>
+        <p:style>
+          <a:lnRef idx="1">
+            <a:schemeClr val="accent1"/>
+          </a:lnRef>
+          <a:fillRef idx="0">
+            <a:schemeClr val="accent1"/>
+          </a:fillRef>
+          <a:effectRef idx="0">
+            <a:schemeClr val="accent1"/>
+          </a:effectRef>
+          <a:fontRef idx="minor">
+            <a:schemeClr val="tx1"/>
+          </a:fontRef>
+        </p:style>
+      </p:cxnSp>
+      <p:cxnSp>
+        <p:nvCxnSpPr>
+          <p:cNvPr id="15" name="Egyenes összekötő nyíllal 14">
+            <a:extLst>
+              <a:ext uri="{FF2B5EF4-FFF2-40B4-BE49-F238E27FC236}">
+                <a16:creationId xmlns:a16="http://schemas.microsoft.com/office/drawing/2014/main" id="{E2F54201-879F-4C10-BC0C-59529DC39AAC}"/>
+              </a:ext>
+            </a:extLst>
+          </p:cNvPr>
+          <p:cNvCxnSpPr/>
+          <p:nvPr/>
+        </p:nvCxnSpPr>
+        <p:spPr>
+          <a:xfrm flipV="1">
+            <a:off x="2336800" y="3251200"/>
+            <a:ext cx="2050473" cy="406400"/>
+          </a:xfrm>
+          <a:prstGeom prst="straightConnector1">
+            <a:avLst/>
+          </a:prstGeom>
+          <a:ln>
+            <a:solidFill>
+              <a:srgbClr val="FF0000"/>
+            </a:solidFill>
+            <a:tailEnd type="triangle"/>
+          </a:ln>
+        </p:spPr>
+        <p:style>
+          <a:lnRef idx="1">
+            <a:schemeClr val="accent1"/>
+          </a:lnRef>
+          <a:fillRef idx="0">
+            <a:schemeClr val="accent1"/>
+          </a:fillRef>
+          <a:effectRef idx="0">
+            <a:schemeClr val="accent1"/>
+          </a:effectRef>
+          <a:fontRef idx="minor">
+            <a:schemeClr val="tx1"/>
+          </a:fontRef>
+        </p:style>
+      </p:cxnSp>
+      <p:cxnSp>
+        <p:nvCxnSpPr>
+          <p:cNvPr id="28" name="Egyenes összekötő nyíllal 27">
+            <a:extLst>
+              <a:ext uri="{FF2B5EF4-FFF2-40B4-BE49-F238E27FC236}">
+                <a16:creationId xmlns:a16="http://schemas.microsoft.com/office/drawing/2014/main" id="{90DD9C08-D127-431F-86AD-86F21DAC3248}"/>
+              </a:ext>
+            </a:extLst>
+          </p:cNvPr>
+          <p:cNvCxnSpPr/>
+          <p:nvPr/>
+        </p:nvCxnSpPr>
+        <p:spPr>
+          <a:xfrm flipV="1">
+            <a:off x="2289103" y="3352800"/>
+            <a:ext cx="2098170" cy="700081"/>
+          </a:xfrm>
+          <a:prstGeom prst="straightConnector1">
+            <a:avLst/>
+          </a:prstGeom>
+          <a:ln>
+            <a:solidFill>
+              <a:srgbClr val="FF0000"/>
+            </a:solidFill>
+            <a:tailEnd type="triangle"/>
+          </a:ln>
+        </p:spPr>
+        <p:style>
+          <a:lnRef idx="1">
+            <a:schemeClr val="accent1"/>
+          </a:lnRef>
+          <a:fillRef idx="0">
+            <a:schemeClr val="accent1"/>
+          </a:fillRef>
+          <a:effectRef idx="0">
+            <a:schemeClr val="accent1"/>
+          </a:effectRef>
+          <a:fontRef idx="minor">
+            <a:schemeClr val="tx1"/>
+          </a:fontRef>
+        </p:style>
+      </p:cxnSp>
+      <p:cxnSp>
+        <p:nvCxnSpPr>
+          <p:cNvPr id="30" name="Egyenes összekötő nyíllal 29">
+            <a:extLst>
+              <a:ext uri="{FF2B5EF4-FFF2-40B4-BE49-F238E27FC236}">
+                <a16:creationId xmlns:a16="http://schemas.microsoft.com/office/drawing/2014/main" id="{D0E1F8E6-86A0-49E5-8DF1-F705BF529530}"/>
+              </a:ext>
+            </a:extLst>
+          </p:cNvPr>
+          <p:cNvCxnSpPr/>
+          <p:nvPr/>
+        </p:nvCxnSpPr>
+        <p:spPr>
+          <a:xfrm flipV="1">
+            <a:off x="3185747" y="3462290"/>
+            <a:ext cx="1201526" cy="405925"/>
+          </a:xfrm>
+          <a:prstGeom prst="straightConnector1">
+            <a:avLst/>
+          </a:prstGeom>
+          <a:ln>
+            <a:solidFill>
+              <a:srgbClr val="FF0000"/>
+            </a:solidFill>
+            <a:tailEnd type="triangle"/>
+          </a:ln>
+        </p:spPr>
+        <p:style>
+          <a:lnRef idx="1">
+            <a:schemeClr val="accent1"/>
+          </a:lnRef>
+          <a:fillRef idx="0">
+            <a:schemeClr val="accent1"/>
+          </a:fillRef>
+          <a:effectRef idx="0">
+            <a:schemeClr val="accent1"/>
+          </a:effectRef>
+          <a:fontRef idx="minor">
+            <a:schemeClr val="tx1"/>
+          </a:fontRef>
+        </p:style>
+      </p:cxnSp>
+      <p:sp>
+        <p:nvSpPr>
+          <p:cNvPr id="45" name="Szövegdoboz 44">
+            <a:extLst>
+              <a:ext uri="{FF2B5EF4-FFF2-40B4-BE49-F238E27FC236}">
+                <a16:creationId xmlns:a16="http://schemas.microsoft.com/office/drawing/2014/main" id="{EDC28471-E815-4451-B79C-8C0B0E890B4A}"/>
+              </a:ext>
+            </a:extLst>
+          </p:cNvPr>
+          <p:cNvSpPr txBox="1"/>
+          <p:nvPr/>
+        </p:nvSpPr>
+        <p:spPr>
+          <a:xfrm>
+            <a:off x="4424217" y="3634793"/>
+            <a:ext cx="6317674" cy="369332"/>
+          </a:xfrm>
+          <a:prstGeom prst="rect">
+            <a:avLst/>
+          </a:prstGeom>
+          <a:noFill/>
+          <a:ln>
+            <a:solidFill>
+              <a:srgbClr val="FF0000"/>
+            </a:solidFill>
+          </a:ln>
+        </p:spPr>
+        <p:txBody>
+          <a:bodyPr wrap="square" rtlCol="0">
+            <a:spAutoFit/>
+          </a:bodyPr>
+          <a:lstStyle/>
+          <a:p>
+            <a:r>
+              <a:rPr lang="hu-HU" dirty="0" err="1"/>
+              <a:t>This</a:t>
+            </a:r>
+            <a:r>
+              <a:rPr lang="hu-HU" dirty="0"/>
+              <a:t> </a:t>
+            </a:r>
+            <a:r>
+              <a:rPr lang="hu-HU" err="1"/>
+              <a:t>table</a:t>
+            </a:r>
+            <a:r>
+              <a:rPr lang="hu-HU"/>
+              <a:t> stores the AMQP message brokers the gateway can use.</a:t>
+            </a:r>
+            <a:endParaRPr lang="en-US" dirty="0"/>
+          </a:p>
+        </p:txBody>
+      </p:sp>
+      <p:cxnSp>
+        <p:nvCxnSpPr>
+          <p:cNvPr id="34" name="Egyenes összekötő nyíllal 33">
+            <a:extLst>
+              <a:ext uri="{FF2B5EF4-FFF2-40B4-BE49-F238E27FC236}">
+                <a16:creationId xmlns:a16="http://schemas.microsoft.com/office/drawing/2014/main" id="{30656211-123A-44BB-84ED-6AE3293A8AD0}"/>
+              </a:ext>
+            </a:extLst>
+          </p:cNvPr>
+          <p:cNvCxnSpPr>
+            <a:endCxn id="45" idx="1"/>
+          </p:cNvCxnSpPr>
+          <p:nvPr/>
+        </p:nvCxnSpPr>
+        <p:spPr>
+          <a:xfrm flipV="1">
+            <a:off x="1607127" y="3819459"/>
+            <a:ext cx="2817090" cy="410796"/>
+          </a:xfrm>
+          <a:prstGeom prst="straightConnector1">
+            <a:avLst/>
+          </a:prstGeom>
+          <a:ln>
+            <a:solidFill>
+              <a:srgbClr val="FF0000"/>
+            </a:solidFill>
+            <a:tailEnd type="triangle"/>
+          </a:ln>
+        </p:spPr>
+        <p:style>
+          <a:lnRef idx="1">
+            <a:schemeClr val="accent1"/>
+          </a:lnRef>
+          <a:fillRef idx="0">
+            <a:schemeClr val="accent1"/>
+          </a:fillRef>
+          <a:effectRef idx="0">
+            <a:schemeClr val="accent1"/>
+          </a:effectRef>
+          <a:fontRef idx="minor">
+            <a:schemeClr val="tx1"/>
+          </a:fontRef>
+        </p:style>
+      </p:cxnSp>
+      <p:cxnSp>
+        <p:nvCxnSpPr>
+          <p:cNvPr id="37" name="Egyenes összekötő nyíllal 36">
+            <a:extLst>
+              <a:ext uri="{FF2B5EF4-FFF2-40B4-BE49-F238E27FC236}">
+                <a16:creationId xmlns:a16="http://schemas.microsoft.com/office/drawing/2014/main" id="{11535870-A617-477F-A306-3607D4E13B07}"/>
+              </a:ext>
+            </a:extLst>
+          </p:cNvPr>
+          <p:cNvCxnSpPr>
+            <a:endCxn id="56" idx="1"/>
+          </p:cNvCxnSpPr>
+          <p:nvPr/>
+        </p:nvCxnSpPr>
+        <p:spPr>
+          <a:xfrm flipV="1">
+            <a:off x="2336800" y="4320733"/>
+            <a:ext cx="2086238" cy="94249"/>
+          </a:xfrm>
+          <a:prstGeom prst="straightConnector1">
+            <a:avLst/>
+          </a:prstGeom>
+          <a:ln>
+            <a:solidFill>
+              <a:srgbClr val="FF0000"/>
+            </a:solidFill>
+            <a:tailEnd type="triangle"/>
+          </a:ln>
+        </p:spPr>
+        <p:style>
+          <a:lnRef idx="1">
+            <a:schemeClr val="accent1"/>
+          </a:lnRef>
+          <a:fillRef idx="0">
+            <a:schemeClr val="accent1"/>
+          </a:fillRef>
+          <a:effectRef idx="0">
+            <a:schemeClr val="accent1"/>
+          </a:effectRef>
+          <a:fontRef idx="minor">
+            <a:schemeClr val="tx1"/>
+          </a:fontRef>
+        </p:style>
+      </p:cxnSp>
+      <p:cxnSp>
+        <p:nvCxnSpPr>
+          <p:cNvPr id="50" name="Egyenes összekötő nyíllal 49">
+            <a:extLst>
+              <a:ext uri="{FF2B5EF4-FFF2-40B4-BE49-F238E27FC236}">
+                <a16:creationId xmlns:a16="http://schemas.microsoft.com/office/drawing/2014/main" id="{1CE1CC5B-246C-4768-97F5-BC848BD62B10}"/>
+              </a:ext>
+            </a:extLst>
+          </p:cNvPr>
+          <p:cNvCxnSpPr/>
+          <p:nvPr/>
+        </p:nvCxnSpPr>
+        <p:spPr>
+          <a:xfrm>
+            <a:off x="2669309" y="4585638"/>
+            <a:ext cx="1717964" cy="124907"/>
+          </a:xfrm>
+          <a:prstGeom prst="straightConnector1">
+            <a:avLst/>
+          </a:prstGeom>
+          <a:ln>
+            <a:solidFill>
+              <a:srgbClr val="FF0000"/>
+            </a:solidFill>
+            <a:tailEnd type="triangle"/>
+          </a:ln>
+        </p:spPr>
+        <p:style>
+          <a:lnRef idx="1">
+            <a:schemeClr val="accent1"/>
+          </a:lnRef>
+          <a:fillRef idx="0">
+            <a:schemeClr val="accent1"/>
+          </a:fillRef>
+          <a:effectRef idx="0">
+            <a:schemeClr val="accent1"/>
+          </a:effectRef>
+          <a:fontRef idx="minor">
+            <a:schemeClr val="tx1"/>
+          </a:fontRef>
+        </p:style>
+      </p:cxnSp>
+      <p:cxnSp>
+        <p:nvCxnSpPr>
+          <p:cNvPr id="58" name="Egyenes összekötő nyíllal 57">
+            <a:extLst>
+              <a:ext uri="{FF2B5EF4-FFF2-40B4-BE49-F238E27FC236}">
+                <a16:creationId xmlns:a16="http://schemas.microsoft.com/office/drawing/2014/main" id="{75166B34-FAAB-428F-900A-1FEFD2C0BC49}"/>
+              </a:ext>
+            </a:extLst>
+          </p:cNvPr>
+          <p:cNvCxnSpPr/>
+          <p:nvPr/>
+        </p:nvCxnSpPr>
+        <p:spPr>
+          <a:xfrm>
+            <a:off x="2660073" y="4839855"/>
+            <a:ext cx="1727200" cy="0"/>
+          </a:xfrm>
+          <a:prstGeom prst="straightConnector1">
+            <a:avLst/>
+          </a:prstGeom>
+          <a:ln>
+            <a:solidFill>
+              <a:srgbClr val="FF0000"/>
+            </a:solidFill>
+            <a:tailEnd type="triangle"/>
+          </a:ln>
+        </p:spPr>
+        <p:style>
+          <a:lnRef idx="1">
+            <a:schemeClr val="accent1"/>
+          </a:lnRef>
+          <a:fillRef idx="0">
+            <a:schemeClr val="accent1"/>
+          </a:fillRef>
+          <a:effectRef idx="0">
+            <a:schemeClr val="accent1"/>
+          </a:effectRef>
+          <a:fontRef idx="minor">
+            <a:schemeClr val="tx1"/>
+          </a:fontRef>
+        </p:style>
+      </p:cxnSp>
+      <p:cxnSp>
+        <p:nvCxnSpPr>
+          <p:cNvPr id="60" name="Egyenes összekötő nyíllal 59">
+            <a:extLst>
+              <a:ext uri="{FF2B5EF4-FFF2-40B4-BE49-F238E27FC236}">
+                <a16:creationId xmlns:a16="http://schemas.microsoft.com/office/drawing/2014/main" id="{5CBD0CA9-EDCD-47CC-B543-0E68C3FA95CC}"/>
+              </a:ext>
+            </a:extLst>
+          </p:cNvPr>
+          <p:cNvCxnSpPr/>
+          <p:nvPr/>
+        </p:nvCxnSpPr>
+        <p:spPr>
+          <a:xfrm>
+            <a:off x="2115127" y="5001150"/>
+            <a:ext cx="2294930" cy="725394"/>
+          </a:xfrm>
+          <a:prstGeom prst="straightConnector1">
+            <a:avLst/>
+          </a:prstGeom>
+          <a:ln>
+            <a:solidFill>
+              <a:srgbClr val="FF0000"/>
+            </a:solidFill>
+            <a:tailEnd type="triangle"/>
+          </a:ln>
+        </p:spPr>
+        <p:style>
+          <a:lnRef idx="1">
+            <a:schemeClr val="accent1"/>
+          </a:lnRef>
+          <a:fillRef idx="0">
+            <a:schemeClr val="accent1"/>
+          </a:fillRef>
+          <a:effectRef idx="0">
+            <a:schemeClr val="accent1"/>
+          </a:effectRef>
+          <a:fontRef idx="minor">
+            <a:schemeClr val="tx1"/>
+          </a:fontRef>
+        </p:style>
+      </p:cxnSp>
+      <p:cxnSp>
+        <p:nvCxnSpPr>
+          <p:cNvPr id="63" name="Egyenes összekötő nyíllal 62">
+            <a:extLst>
+              <a:ext uri="{FF2B5EF4-FFF2-40B4-BE49-F238E27FC236}">
+                <a16:creationId xmlns:a16="http://schemas.microsoft.com/office/drawing/2014/main" id="{33E98515-6688-465E-AFA8-91422181585F}"/>
+              </a:ext>
+            </a:extLst>
+          </p:cNvPr>
+          <p:cNvCxnSpPr/>
+          <p:nvPr/>
+        </p:nvCxnSpPr>
+        <p:spPr>
+          <a:xfrm>
+            <a:off x="1791855" y="5597236"/>
+            <a:ext cx="2631182" cy="304930"/>
+          </a:xfrm>
+          <a:prstGeom prst="straightConnector1">
+            <a:avLst/>
+          </a:prstGeom>
+          <a:ln>
+            <a:solidFill>
+              <a:srgbClr val="FF0000"/>
+            </a:solidFill>
+            <a:tailEnd type="triangle"/>
+          </a:ln>
+        </p:spPr>
+        <p:style>
+          <a:lnRef idx="1">
+            <a:schemeClr val="accent1"/>
+          </a:lnRef>
+          <a:fillRef idx="0">
+            <a:schemeClr val="accent1"/>
+          </a:fillRef>
+          <a:effectRef idx="0">
+            <a:schemeClr val="accent1"/>
+          </a:effectRef>
+          <a:fontRef idx="minor">
+            <a:schemeClr val="tx1"/>
+          </a:fontRef>
+        </p:style>
+      </p:cxnSp>
+      <p:cxnSp>
+        <p:nvCxnSpPr>
+          <p:cNvPr id="67" name="Egyenes összekötő nyíllal 66">
+            <a:extLst>
+              <a:ext uri="{FF2B5EF4-FFF2-40B4-BE49-F238E27FC236}">
+                <a16:creationId xmlns:a16="http://schemas.microsoft.com/office/drawing/2014/main" id="{AB3EE449-6B61-41C0-A517-74270DA7E909}"/>
+              </a:ext>
+            </a:extLst>
+          </p:cNvPr>
+          <p:cNvCxnSpPr/>
+          <p:nvPr/>
+        </p:nvCxnSpPr>
+        <p:spPr>
+          <a:xfrm>
+            <a:off x="2115127" y="5818909"/>
+            <a:ext cx="2294930" cy="581891"/>
+          </a:xfrm>
+          <a:prstGeom prst="straightConnector1">
+            <a:avLst/>
+          </a:prstGeom>
+          <a:ln>
+            <a:solidFill>
+              <a:srgbClr val="FF0000"/>
+            </a:solidFill>
+            <a:tailEnd type="triangle"/>
+          </a:ln>
+        </p:spPr>
+        <p:style>
+          <a:lnRef idx="1">
+            <a:schemeClr val="accent1"/>
+          </a:lnRef>
+          <a:fillRef idx="0">
+            <a:schemeClr val="accent1"/>
+          </a:fillRef>
+          <a:effectRef idx="0">
+            <a:schemeClr val="accent1"/>
+          </a:effectRef>
+          <a:fontRef idx="minor">
+            <a:schemeClr val="tx1"/>
+          </a:fontRef>
+        </p:style>
+      </p:cxnSp>
+      <p:cxnSp>
+        <p:nvCxnSpPr>
+          <p:cNvPr id="69" name="Egyenes összekötő nyíllal 68">
+            <a:extLst>
+              <a:ext uri="{FF2B5EF4-FFF2-40B4-BE49-F238E27FC236}">
+                <a16:creationId xmlns:a16="http://schemas.microsoft.com/office/drawing/2014/main" id="{826E108A-28AB-4E98-989E-E711EEEE87B8}"/>
+              </a:ext>
+            </a:extLst>
+          </p:cNvPr>
+          <p:cNvCxnSpPr>
+            <a:cxnSpLocks/>
+          </p:cNvCxnSpPr>
+          <p:nvPr/>
+        </p:nvCxnSpPr>
+        <p:spPr>
+          <a:xfrm flipV="1">
+            <a:off x="2918691" y="5244930"/>
+            <a:ext cx="1504346" cy="184666"/>
+          </a:xfrm>
+          <a:prstGeom prst="straightConnector1">
+            <a:avLst/>
+          </a:prstGeom>
+          <a:ln>
+            <a:solidFill>
+              <a:srgbClr val="FF0000"/>
+            </a:solidFill>
+            <a:tailEnd type="triangle"/>
+          </a:ln>
+        </p:spPr>
+        <p:style>
+          <a:lnRef idx="1">
+            <a:schemeClr val="accent1"/>
+          </a:lnRef>
+          <a:fillRef idx="0">
+            <a:schemeClr val="accent1"/>
+          </a:fillRef>
+          <a:effectRef idx="0">
+            <a:schemeClr val="accent1"/>
+          </a:effectRef>
+          <a:fontRef idx="minor">
+            <a:schemeClr val="tx1"/>
+          </a:fontRef>
+        </p:style>
+      </p:cxnSp>
+      <p:cxnSp>
+        <p:nvCxnSpPr>
+          <p:cNvPr id="71" name="Egyenes összekötő nyíllal 70">
+            <a:extLst>
+              <a:ext uri="{FF2B5EF4-FFF2-40B4-BE49-F238E27FC236}">
+                <a16:creationId xmlns:a16="http://schemas.microsoft.com/office/drawing/2014/main" id="{FFB6D28F-FD0F-4690-974C-B5463F90DD23}"/>
+              </a:ext>
+            </a:extLst>
+          </p:cNvPr>
+          <p:cNvCxnSpPr/>
+          <p:nvPr/>
+        </p:nvCxnSpPr>
+        <p:spPr>
+          <a:xfrm flipV="1">
+            <a:off x="2289103" y="5126182"/>
+            <a:ext cx="2098170" cy="73891"/>
+          </a:xfrm>
+          <a:prstGeom prst="straightConnector1">
+            <a:avLst/>
+          </a:prstGeom>
+          <a:ln>
+            <a:solidFill>
+              <a:srgbClr val="FF0000"/>
+            </a:solidFill>
+            <a:tailEnd type="triangle"/>
+          </a:ln>
+        </p:spPr>
+        <p:style>
+          <a:lnRef idx="1">
+            <a:schemeClr val="accent1"/>
+          </a:lnRef>
+          <a:fillRef idx="0">
+            <a:schemeClr val="accent1"/>
+          </a:fillRef>
+          <a:effectRef idx="0">
+            <a:schemeClr val="accent1"/>
+          </a:effectRef>
+          <a:fontRef idx="minor">
+            <a:schemeClr val="tx1"/>
+          </a:fontRef>
+        </p:style>
+      </p:cxnSp>
     </p:spTree>
     <p:extLst>
       <p:ext uri="{BB962C8B-B14F-4D97-AF65-F5344CB8AC3E}">

--- a/documentation/Quick-Start-Guide-M2.pptx
+++ b/documentation/Quick-Start-Guide-M2.pptx
@@ -577,6 +577,90 @@
 </file>
 
 <file path=ppt/notesSlides/notesSlide2.xml><?xml version="1.0" encoding="utf-8"?>
+<p:notes xmlns:a="http://schemas.openxmlformats.org/drawingml/2006/main" xmlns:r="http://schemas.openxmlformats.org/officeDocument/2006/relationships" xmlns:p="http://schemas.openxmlformats.org/presentationml/2006/main">
+  <p:cSld>
+    <p:spTree>
+      <p:nvGrpSpPr>
+        <p:cNvPr id="1" name=""/>
+        <p:cNvGrpSpPr/>
+        <p:nvPr/>
+      </p:nvGrpSpPr>
+      <p:grpSpPr>
+        <a:xfrm>
+          <a:off x="0" y="0"/>
+          <a:ext cx="0" cy="0"/>
+          <a:chOff x="0" y="0"/>
+          <a:chExt cx="0" cy="0"/>
+        </a:xfrm>
+      </p:grpSpPr>
+      <p:sp>
+        <p:nvSpPr>
+          <p:cNvPr id="2" name="Diakép helye 1"/>
+          <p:cNvSpPr>
+            <a:spLocks noGrp="1" noRot="1" noChangeAspect="1"/>
+          </p:cNvSpPr>
+          <p:nvPr>
+            <p:ph type="sldImg"/>
+          </p:nvPr>
+        </p:nvSpPr>
+        <p:spPr/>
+      </p:sp>
+      <p:sp>
+        <p:nvSpPr>
+          <p:cNvPr id="3" name="Jegyzetek helye 2"/>
+          <p:cNvSpPr>
+            <a:spLocks noGrp="1"/>
+          </p:cNvSpPr>
+          <p:nvPr>
+            <p:ph type="body" idx="1"/>
+          </p:nvPr>
+        </p:nvSpPr>
+        <p:spPr/>
+        <p:txBody>
+          <a:bodyPr/>
+          <a:lstStyle/>
+          <a:p>
+            <a:endParaRPr lang="hu-HU"/>
+          </a:p>
+        </p:txBody>
+      </p:sp>
+      <p:sp>
+        <p:nvSpPr>
+          <p:cNvPr id="4" name="Dia számának helye 3"/>
+          <p:cNvSpPr>
+            <a:spLocks noGrp="1"/>
+          </p:cNvSpPr>
+          <p:nvPr>
+            <p:ph type="sldNum" sz="quarter" idx="10"/>
+          </p:nvPr>
+        </p:nvSpPr>
+        <p:spPr/>
+        <p:txBody>
+          <a:bodyPr/>
+          <a:lstStyle/>
+          <a:p>
+            <a:fld id="{74D025E6-15D4-4677-B88E-023F7882E09D}" type="slidenum">
+              <a:rPr lang="hu-HU" smtClean="0"/>
+              <a:t>10</a:t>
+            </a:fld>
+            <a:endParaRPr lang="hu-HU"/>
+          </a:p>
+        </p:txBody>
+      </p:sp>
+    </p:spTree>
+    <p:extLst>
+      <p:ext uri="{BB962C8B-B14F-4D97-AF65-F5344CB8AC3E}">
+        <p14:creationId xmlns:p14="http://schemas.microsoft.com/office/powerpoint/2010/main" val="1581452232"/>
+      </p:ext>
+    </p:extLst>
+  </p:cSld>
+  <p:clrMapOvr>
+    <a:masterClrMapping/>
+  </p:clrMapOvr>
+</p:notes>
+</file>
+
+<file path=ppt/notesSlides/notesSlide3.xml><?xml version="1.0" encoding="utf-8"?>
 <p:notes xmlns:a="http://schemas.openxmlformats.org/drawingml/2006/main" xmlns:r="http://schemas.openxmlformats.org/officeDocument/2006/relationships" xmlns:p="http://schemas.openxmlformats.org/presentationml/2006/main">
   <p:cSld>
     <p:spTree>
@@ -3707,13 +3791,8 @@
             </a:r>
             <a:r>
               <a:rPr lang="hu-HU"/>
-              <a:t> </a:t>
-            </a:r>
-            <a:r>
-              <a:rPr lang="hu-HU" err="1"/>
-              <a:t>tables</a:t>
-            </a:r>
-            <a:endParaRPr lang="hu-HU"/>
+              <a:t> of the ArrowheadCloud table</a:t>
+            </a:r>
           </a:p>
         </p:txBody>
       </p:sp>
@@ -3729,816 +3808,42 @@
         </p:nvSpPr>
         <p:spPr>
           <a:xfrm>
-            <a:off x="11083" y="1035511"/>
+            <a:off x="363984" y="1036549"/>
             <a:ext cx="10515600" cy="3873840"/>
           </a:xfrm>
         </p:spPr>
         <p:txBody>
           <a:bodyPr>
-            <a:normAutofit fontScale="77500" lnSpcReduction="20000"/>
+            <a:normAutofit/>
           </a:bodyPr>
           <a:lstStyle/>
           <a:p>
             <a:pPr algn="just"/>
             <a:r>
-              <a:rPr lang="en-US" dirty="0"/>
-              <a:t>These tables can be easily modified by using </a:t>
-            </a:r>
-            <a:r>
-              <a:rPr lang="hu-HU" dirty="0" err="1"/>
-              <a:t>e.g</a:t>
-            </a:r>
-            <a:r>
-              <a:rPr lang="hu-HU" dirty="0"/>
-              <a:t>. </a:t>
-            </a:r>
-            <a:r>
-              <a:rPr lang="hu-HU" dirty="0" err="1"/>
-              <a:t>the</a:t>
-            </a:r>
-            <a:r>
-              <a:rPr lang="hu-HU" dirty="0"/>
-              <a:t> </a:t>
-            </a:r>
-            <a:r>
-              <a:rPr lang="hu-HU" dirty="0" err="1"/>
-              <a:t>MySQL</a:t>
-            </a:r>
-            <a:r>
-              <a:rPr lang="hu-HU" dirty="0"/>
-              <a:t> </a:t>
-            </a:r>
-            <a:r>
-              <a:rPr lang="hu-HU" dirty="0" err="1"/>
-              <a:t>workbench</a:t>
-            </a:r>
-            <a:r>
-              <a:rPr lang="en-US" dirty="0"/>
-              <a:t>.</a:t>
-            </a:r>
-            <a:r>
-              <a:rPr lang="hu-HU" dirty="0"/>
-              <a:t> In a </a:t>
-            </a:r>
-            <a:r>
-              <a:rPr lang="hu-HU" dirty="0" err="1"/>
-              <a:t>later</a:t>
-            </a:r>
-            <a:r>
-              <a:rPr lang="hu-HU" dirty="0"/>
-              <a:t> version REST </a:t>
-            </a:r>
-            <a:r>
-              <a:rPr lang="hu-HU" dirty="0" err="1"/>
-              <a:t>resources</a:t>
-            </a:r>
-            <a:r>
-              <a:rPr lang="hu-HU" dirty="0"/>
-              <a:t> </a:t>
-            </a:r>
-            <a:r>
-              <a:rPr lang="hu-HU" dirty="0" err="1"/>
-              <a:t>for</a:t>
-            </a:r>
-            <a:r>
-              <a:rPr lang="hu-HU" dirty="0"/>
-              <a:t> CRUD </a:t>
-            </a:r>
-            <a:r>
-              <a:rPr lang="hu-HU" dirty="0" err="1"/>
-              <a:t>operations</a:t>
-            </a:r>
-            <a:r>
-              <a:rPr lang="hu-HU" dirty="0"/>
-              <a:t> </a:t>
-            </a:r>
-            <a:r>
-              <a:rPr lang="hu-HU" dirty="0" err="1"/>
-              <a:t>will</a:t>
-            </a:r>
-            <a:r>
-              <a:rPr lang="hu-HU" dirty="0"/>
-              <a:t> </a:t>
-            </a:r>
-            <a:r>
-              <a:rPr lang="hu-HU" dirty="0" err="1"/>
-              <a:t>also</a:t>
-            </a:r>
-            <a:r>
-              <a:rPr lang="hu-HU" dirty="0"/>
-              <a:t> be </a:t>
-            </a:r>
-            <a:r>
-              <a:rPr lang="hu-HU" dirty="0" err="1"/>
-              <a:t>provided</a:t>
-            </a:r>
-            <a:r>
-              <a:rPr lang="hu-HU" dirty="0"/>
-              <a:t> </a:t>
-            </a:r>
-            <a:r>
-              <a:rPr lang="hu-HU" dirty="0" err="1"/>
-              <a:t>for</a:t>
-            </a:r>
-            <a:r>
-              <a:rPr lang="hu-HU" dirty="0"/>
-              <a:t> </a:t>
-            </a:r>
-            <a:r>
-              <a:rPr lang="hu-HU" dirty="0" err="1"/>
-              <a:t>each</a:t>
-            </a:r>
-            <a:r>
-              <a:rPr lang="hu-HU" dirty="0"/>
-              <a:t> </a:t>
-            </a:r>
-            <a:r>
-              <a:rPr lang="hu-HU" dirty="0" err="1"/>
-              <a:t>database</a:t>
-            </a:r>
-            <a:r>
-              <a:rPr lang="hu-HU" dirty="0"/>
-              <a:t> </a:t>
-            </a:r>
-            <a:r>
-              <a:rPr lang="hu-HU" dirty="0" err="1"/>
-              <a:t>table</a:t>
-            </a:r>
-            <a:r>
-              <a:rPr lang="hu-HU" dirty="0"/>
-              <a:t>.</a:t>
-            </a:r>
-          </a:p>
-          <a:p>
-            <a:r>
-              <a:rPr lang="hu-HU" dirty="0"/>
-              <a:t>The „</a:t>
-            </a:r>
-            <a:r>
-              <a:rPr lang="hu-HU" dirty="0" err="1"/>
-              <a:t>CoreSystem</a:t>
-            </a:r>
-            <a:r>
-              <a:rPr lang="hu-HU" dirty="0"/>
-              <a:t>” </a:t>
-            </a:r>
-            <a:r>
-              <a:rPr lang="hu-HU" dirty="0" err="1"/>
-              <a:t>table</a:t>
-            </a:r>
-            <a:r>
-              <a:rPr lang="hu-HU" dirty="0"/>
-              <a:t> </a:t>
-            </a:r>
-            <a:r>
-              <a:rPr lang="hu-HU" dirty="0" err="1"/>
-              <a:t>stores</a:t>
-            </a:r>
-            <a:r>
-              <a:rPr lang="hu-HU" dirty="0"/>
-              <a:t> </a:t>
-            </a:r>
-            <a:r>
-              <a:rPr lang="hu-HU" dirty="0" err="1"/>
-              <a:t>where</a:t>
-            </a:r>
-            <a:r>
-              <a:rPr lang="hu-HU" dirty="0"/>
-              <a:t> </a:t>
-            </a:r>
-            <a:r>
-              <a:rPr lang="hu-HU" dirty="0" err="1"/>
-              <a:t>each</a:t>
-            </a:r>
-            <a:r>
-              <a:rPr lang="hu-HU" dirty="0"/>
-              <a:t> </a:t>
-            </a:r>
-            <a:r>
-              <a:rPr lang="hu-HU" dirty="0" err="1"/>
-              <a:t>core</a:t>
-            </a:r>
-            <a:r>
-              <a:rPr lang="hu-HU" dirty="0"/>
-              <a:t> </a:t>
-            </a:r>
-            <a:r>
-              <a:rPr lang="hu-HU" dirty="0" err="1"/>
-              <a:t>system</a:t>
-            </a:r>
-            <a:r>
-              <a:rPr lang="hu-HU" dirty="0"/>
-              <a:t> </a:t>
-            </a:r>
-            <a:r>
-              <a:rPr lang="hu-HU" dirty="0" err="1"/>
-              <a:t>can</a:t>
-            </a:r>
-            <a:r>
-              <a:rPr lang="hu-HU" dirty="0"/>
-              <a:t> be </a:t>
-            </a:r>
-            <a:r>
-              <a:rPr lang="hu-HU" dirty="0" err="1"/>
-              <a:t>reached</a:t>
-            </a:r>
-            <a:r>
-              <a:rPr lang="hu-HU" dirty="0"/>
-              <a:t>. </a:t>
-            </a:r>
-            <a:r>
-              <a:rPr lang="hu-HU" dirty="0" err="1"/>
-              <a:t>This</a:t>
-            </a:r>
-            <a:r>
-              <a:rPr lang="hu-HU" dirty="0"/>
-              <a:t> is </a:t>
-            </a:r>
-            <a:r>
-              <a:rPr lang="hu-HU" dirty="0" err="1"/>
-              <a:t>used</a:t>
-            </a:r>
-            <a:r>
-              <a:rPr lang="hu-HU" dirty="0"/>
-              <a:t> </a:t>
-            </a:r>
-            <a:r>
-              <a:rPr lang="hu-HU" dirty="0" err="1"/>
-              <a:t>by</a:t>
-            </a:r>
-            <a:r>
-              <a:rPr lang="hu-HU" dirty="0"/>
-              <a:t> </a:t>
-            </a:r>
-            <a:r>
-              <a:rPr lang="hu-HU" dirty="0" err="1"/>
-              <a:t>the</a:t>
-            </a:r>
-            <a:r>
-              <a:rPr lang="hu-HU" dirty="0"/>
-              <a:t> </a:t>
-            </a:r>
-            <a:r>
-              <a:rPr lang="hu-HU" dirty="0" err="1"/>
-              <a:t>Core</a:t>
-            </a:r>
-            <a:r>
-              <a:rPr lang="hu-HU" dirty="0"/>
-              <a:t> Systems </a:t>
-            </a:r>
-            <a:r>
-              <a:rPr lang="hu-HU" dirty="0" err="1"/>
-              <a:t>for</a:t>
-            </a:r>
-            <a:r>
-              <a:rPr lang="hu-HU" dirty="0"/>
-              <a:t> </a:t>
-            </a:r>
-            <a:r>
-              <a:rPr lang="hu-HU" dirty="0" err="1"/>
-              <a:t>locating</a:t>
-            </a:r>
-            <a:r>
-              <a:rPr lang="hu-HU" dirty="0"/>
-              <a:t> </a:t>
-            </a:r>
-            <a:r>
-              <a:rPr lang="hu-HU" dirty="0" err="1"/>
-              <a:t>other</a:t>
-            </a:r>
-            <a:r>
-              <a:rPr lang="hu-HU" dirty="0"/>
-              <a:t> </a:t>
-            </a:r>
-            <a:r>
-              <a:rPr lang="hu-HU" dirty="0" err="1"/>
-              <a:t>Core</a:t>
-            </a:r>
-            <a:r>
-              <a:rPr lang="hu-HU" dirty="0"/>
-              <a:t> Systems. </a:t>
-            </a:r>
-          </a:p>
-          <a:p>
-            <a:r>
-              <a:rPr lang="hu-HU" dirty="0" err="1"/>
-              <a:t>For</a:t>
-            </a:r>
-            <a:r>
-              <a:rPr lang="hu-HU" dirty="0"/>
-              <a:t> </a:t>
-            </a:r>
-            <a:r>
-              <a:rPr lang="hu-HU" dirty="0" err="1"/>
-              <a:t>example</a:t>
-            </a:r>
-            <a:r>
-              <a:rPr lang="hu-HU" dirty="0"/>
-              <a:t> </a:t>
-            </a:r>
-            <a:r>
-              <a:rPr lang="hu-HU" dirty="0" err="1"/>
-              <a:t>if</a:t>
-            </a:r>
-            <a:r>
-              <a:rPr lang="hu-HU" dirty="0"/>
-              <a:t> </a:t>
-            </a:r>
-            <a:r>
-              <a:rPr lang="hu-HU" dirty="0" err="1"/>
-              <a:t>we</a:t>
-            </a:r>
-            <a:r>
-              <a:rPr lang="hu-HU" dirty="0"/>
-              <a:t> start </a:t>
-            </a:r>
-            <a:r>
-              <a:rPr lang="hu-HU" dirty="0" err="1"/>
-              <a:t>the</a:t>
-            </a:r>
-            <a:r>
-              <a:rPr lang="hu-HU" dirty="0"/>
-              <a:t> </a:t>
-            </a:r>
-            <a:r>
-              <a:rPr lang="hu-HU" dirty="0" err="1"/>
-              <a:t>Authorization</a:t>
-            </a:r>
-            <a:r>
-              <a:rPr lang="hu-HU" dirty="0"/>
-              <a:t> server </a:t>
-            </a:r>
-            <a:r>
-              <a:rPr lang="hu-HU" dirty="0" err="1"/>
-              <a:t>at</a:t>
-            </a:r>
-            <a:r>
-              <a:rPr lang="hu-HU" dirty="0"/>
-              <a:t> </a:t>
-            </a:r>
-            <a:r>
-              <a:rPr lang="hu-HU" dirty="0">
-                <a:hlinkClick r:id="rId2"/>
-              </a:rPr>
-              <a:t>https://example.org:8080/endpoint/</a:t>
-            </a:r>
-            <a:r>
-              <a:rPr lang="hu-HU" dirty="0"/>
-              <a:t> , </a:t>
-            </a:r>
-            <a:r>
-              <a:rPr lang="hu-HU" dirty="0" err="1"/>
-              <a:t>then</a:t>
-            </a:r>
-            <a:r>
-              <a:rPr lang="hu-HU" dirty="0"/>
-              <a:t> </a:t>
-            </a:r>
-            <a:r>
-              <a:rPr lang="hu-HU" dirty="0" err="1"/>
-              <a:t>its</a:t>
-            </a:r>
-            <a:r>
-              <a:rPr lang="hu-HU" dirty="0"/>
-              <a:t> </a:t>
-            </a:r>
-            <a:r>
-              <a:rPr lang="hu-HU" dirty="0" err="1"/>
-              <a:t>CoreSystem</a:t>
-            </a:r>
-            <a:r>
-              <a:rPr lang="hu-HU" dirty="0"/>
-              <a:t> </a:t>
-            </a:r>
-            <a:r>
-              <a:rPr lang="hu-HU" dirty="0" err="1"/>
-              <a:t>table</a:t>
-            </a:r>
-            <a:r>
-              <a:rPr lang="hu-HU" dirty="0"/>
-              <a:t> </a:t>
-            </a:r>
-            <a:r>
-              <a:rPr lang="hu-HU" dirty="0" err="1"/>
-              <a:t>entry</a:t>
-            </a:r>
-            <a:r>
-              <a:rPr lang="hu-HU" dirty="0"/>
-              <a:t> is </a:t>
-            </a:r>
-            <a:r>
-              <a:rPr lang="hu-HU" dirty="0" err="1"/>
-              <a:t>the</a:t>
-            </a:r>
-            <a:r>
-              <a:rPr lang="hu-HU" dirty="0"/>
-              <a:t> </a:t>
-            </a:r>
-            <a:r>
-              <a:rPr lang="hu-HU" dirty="0" err="1"/>
-              <a:t>following</a:t>
-            </a:r>
-            <a:r>
-              <a:rPr lang="hu-HU" dirty="0"/>
-              <a:t>:</a:t>
-            </a:r>
-          </a:p>
-          <a:p>
-            <a:pPr lvl="1"/>
-            <a:r>
-              <a:rPr lang="hu-HU" b="1" dirty="0" err="1"/>
-              <a:t>Note</a:t>
-            </a:r>
-            <a:r>
-              <a:rPr lang="hu-HU" b="1" dirty="0"/>
-              <a:t>: </a:t>
-            </a:r>
-            <a:r>
-              <a:rPr lang="hu-HU" b="1" dirty="0" err="1"/>
-              <a:t>the</a:t>
-            </a:r>
-            <a:r>
-              <a:rPr lang="hu-HU" b="1" dirty="0"/>
-              <a:t> </a:t>
-            </a:r>
-            <a:r>
-              <a:rPr lang="hu-HU" b="1" dirty="0" err="1"/>
-              <a:t>system_name</a:t>
-            </a:r>
-            <a:r>
-              <a:rPr lang="hu-HU" b="1" dirty="0"/>
-              <a:t> </a:t>
-            </a:r>
-            <a:r>
-              <a:rPr lang="hu-HU" b="1" dirty="0" err="1"/>
-              <a:t>field</a:t>
-            </a:r>
-            <a:r>
-              <a:rPr lang="hu-HU" b="1" dirty="0"/>
-              <a:t> is </a:t>
-            </a:r>
-            <a:r>
-              <a:rPr lang="hu-HU" b="1" dirty="0" err="1"/>
-              <a:t>not</a:t>
-            </a:r>
-            <a:r>
-              <a:rPr lang="hu-HU" b="1" dirty="0"/>
-              <a:t> </a:t>
-            </a:r>
-            <a:r>
-              <a:rPr lang="hu-HU" b="1" dirty="0" err="1"/>
-              <a:t>to</a:t>
-            </a:r>
-            <a:r>
-              <a:rPr lang="hu-HU" b="1" dirty="0"/>
-              <a:t> be </a:t>
-            </a:r>
-            <a:r>
-              <a:rPr lang="hu-HU" b="1" dirty="0" err="1"/>
-              <a:t>changed</a:t>
-            </a:r>
-            <a:r>
-              <a:rPr lang="hu-HU" dirty="0"/>
-              <a:t>.</a:t>
-            </a:r>
-          </a:p>
-          <a:p>
-            <a:pPr lvl="1"/>
-            <a:r>
-              <a:rPr lang="hu-HU" dirty="0"/>
-              <a:t>The </a:t>
-            </a:r>
-            <a:r>
-              <a:rPr lang="hu-HU" b="1" i="1" dirty="0" err="1"/>
-              <a:t>service_uri</a:t>
-            </a:r>
-            <a:r>
-              <a:rPr lang="hu-HU" dirty="0"/>
-              <a:t> </a:t>
-            </a:r>
-            <a:r>
-              <a:rPr lang="hu-HU" dirty="0" err="1"/>
-              <a:t>contains</a:t>
-            </a:r>
-            <a:r>
-              <a:rPr lang="hu-HU" dirty="0"/>
-              <a:t> </a:t>
-            </a:r>
-            <a:r>
-              <a:rPr lang="hu-HU" dirty="0" err="1"/>
-              <a:t>the</a:t>
-            </a:r>
-            <a:r>
-              <a:rPr lang="hu-HU" dirty="0"/>
-              <a:t> </a:t>
-            </a:r>
-            <a:r>
-              <a:rPr lang="hu-HU" dirty="0" err="1"/>
-              <a:t>full</a:t>
-            </a:r>
-            <a:r>
-              <a:rPr lang="hu-HU" dirty="0"/>
-              <a:t> URL </a:t>
-            </a:r>
-            <a:r>
-              <a:rPr lang="hu-HU" dirty="0" err="1"/>
-              <a:t>path</a:t>
-            </a:r>
-            <a:r>
-              <a:rPr lang="hu-HU" dirty="0"/>
-              <a:t> (</a:t>
-            </a:r>
-            <a:r>
-              <a:rPr lang="hu-HU" dirty="0" err="1"/>
-              <a:t>after</a:t>
-            </a:r>
-            <a:r>
-              <a:rPr lang="hu-HU" dirty="0"/>
-              <a:t> </a:t>
-            </a:r>
-            <a:r>
-              <a:rPr lang="hu-HU" dirty="0" err="1"/>
-              <a:t>the</a:t>
-            </a:r>
-            <a:r>
-              <a:rPr lang="hu-HU" dirty="0"/>
-              <a:t> port </a:t>
-            </a:r>
-            <a:r>
-              <a:rPr lang="hu-HU" dirty="0" err="1"/>
-              <a:t>number</a:t>
-            </a:r>
-            <a:r>
-              <a:rPr lang="hu-HU" dirty="0"/>
-              <a:t>)</a:t>
-            </a:r>
-          </a:p>
-          <a:p>
-            <a:pPr lvl="1"/>
-            <a:r>
-              <a:rPr lang="hu-HU" dirty="0"/>
-              <a:t>The </a:t>
-            </a:r>
-            <a:r>
-              <a:rPr lang="hu-HU" b="1" i="1" dirty="0" err="1"/>
-              <a:t>is_secure</a:t>
-            </a:r>
-            <a:r>
-              <a:rPr lang="hu-HU" b="1" i="1" dirty="0"/>
-              <a:t> </a:t>
-            </a:r>
-            <a:r>
-              <a:rPr lang="hu-HU" dirty="0" err="1"/>
-              <a:t>boolean</a:t>
-            </a:r>
-            <a:r>
-              <a:rPr lang="hu-HU" dirty="0"/>
-              <a:t> is </a:t>
-            </a:r>
-            <a:r>
-              <a:rPr lang="hu-HU" dirty="0" err="1"/>
-              <a:t>indicating</a:t>
-            </a:r>
-            <a:r>
-              <a:rPr lang="hu-HU" dirty="0"/>
-              <a:t> </a:t>
-            </a:r>
-            <a:r>
-              <a:rPr lang="hu-HU" dirty="0" err="1"/>
-              <a:t>that</a:t>
-            </a:r>
-            <a:r>
-              <a:rPr lang="hu-HU" dirty="0"/>
-              <a:t> </a:t>
-            </a:r>
-            <a:r>
-              <a:rPr lang="hu-HU" dirty="0" err="1"/>
-              <a:t>the</a:t>
-            </a:r>
-            <a:r>
-              <a:rPr lang="hu-HU" dirty="0"/>
-              <a:t> </a:t>
-            </a:r>
-            <a:r>
-              <a:rPr lang="hu-HU" dirty="0" err="1"/>
-              <a:t>Authorization</a:t>
-            </a:r>
-            <a:r>
-              <a:rPr lang="hu-HU" dirty="0"/>
-              <a:t> System is </a:t>
-            </a:r>
-            <a:r>
-              <a:rPr lang="hu-HU" dirty="0" err="1"/>
-              <a:t>started</a:t>
-            </a:r>
-            <a:r>
-              <a:rPr lang="hu-HU" dirty="0"/>
-              <a:t> in </a:t>
-            </a:r>
-            <a:r>
-              <a:rPr lang="hu-HU" dirty="0" err="1"/>
-              <a:t>secure</a:t>
-            </a:r>
-            <a:r>
-              <a:rPr lang="hu-HU" dirty="0"/>
-              <a:t> </a:t>
-            </a:r>
-            <a:r>
-              <a:rPr lang="hu-HU" dirty="0" err="1"/>
-              <a:t>mode</a:t>
-            </a:r>
-            <a:r>
-              <a:rPr lang="hu-HU" dirty="0"/>
-              <a:t> (SSL)</a:t>
-            </a:r>
-          </a:p>
-          <a:p>
-            <a:pPr lvl="1"/>
-            <a:r>
-              <a:rPr lang="hu-HU" dirty="0" err="1"/>
-              <a:t>There</a:t>
-            </a:r>
-            <a:r>
-              <a:rPr lang="hu-HU" dirty="0"/>
-              <a:t> </a:t>
-            </a:r>
-            <a:r>
-              <a:rPr lang="hu-HU" dirty="0" err="1"/>
-              <a:t>are</a:t>
-            </a:r>
-            <a:r>
-              <a:rPr lang="hu-HU" dirty="0"/>
-              <a:t> </a:t>
-            </a:r>
-            <a:r>
-              <a:rPr lang="hu-HU" dirty="0" err="1"/>
-              <a:t>hardcoded</a:t>
-            </a:r>
-            <a:r>
-              <a:rPr lang="hu-HU" dirty="0"/>
-              <a:t> URL </a:t>
-            </a:r>
-            <a:r>
-              <a:rPr lang="hu-HU" dirty="0" err="1"/>
-              <a:t>subpaths</a:t>
-            </a:r>
-            <a:r>
-              <a:rPr lang="hu-HU" dirty="0"/>
-              <a:t> in </a:t>
-            </a:r>
-            <a:r>
-              <a:rPr lang="hu-HU" dirty="0" err="1"/>
-              <a:t>the</a:t>
-            </a:r>
-            <a:r>
-              <a:rPr lang="hu-HU" dirty="0"/>
-              <a:t> java </a:t>
-            </a:r>
-            <a:r>
-              <a:rPr lang="hu-HU" dirty="0" err="1"/>
-              <a:t>modules</a:t>
-            </a:r>
-            <a:r>
-              <a:rPr lang="hu-HU" dirty="0"/>
-              <a:t>, </a:t>
-            </a:r>
-            <a:r>
-              <a:rPr lang="hu-HU" dirty="0" err="1"/>
-              <a:t>e.g</a:t>
-            </a:r>
-            <a:r>
-              <a:rPr lang="hu-HU" dirty="0"/>
-              <a:t>. „/</a:t>
-            </a:r>
-            <a:r>
-              <a:rPr lang="hu-HU" dirty="0" err="1"/>
-              <a:t>authorization</a:t>
-            </a:r>
-            <a:r>
-              <a:rPr lang="hu-HU" dirty="0"/>
-              <a:t>”.</a:t>
-            </a:r>
-          </a:p>
-          <a:p>
-            <a:pPr lvl="1"/>
-            <a:r>
-              <a:rPr lang="hu-HU" dirty="0" err="1"/>
-              <a:t>This</a:t>
-            </a:r>
-            <a:r>
-              <a:rPr lang="hu-HU" dirty="0"/>
-              <a:t> has </a:t>
-            </a:r>
-            <a:r>
-              <a:rPr lang="hu-HU" dirty="0" err="1"/>
-              <a:t>to</a:t>
-            </a:r>
-            <a:r>
-              <a:rPr lang="hu-HU" dirty="0"/>
-              <a:t> be in </a:t>
-            </a:r>
-            <a:r>
-              <a:rPr lang="hu-HU" dirty="0" err="1"/>
-              <a:t>accordance</a:t>
-            </a:r>
-            <a:r>
-              <a:rPr lang="hu-HU" dirty="0"/>
-              <a:t> </a:t>
-            </a:r>
-            <a:r>
-              <a:rPr lang="hu-HU" dirty="0" err="1"/>
-              <a:t>with</a:t>
-            </a:r>
-            <a:r>
-              <a:rPr lang="hu-HU" dirty="0"/>
-              <a:t> </a:t>
-            </a:r>
-            <a:r>
-              <a:rPr lang="hu-HU" dirty="0" err="1"/>
-              <a:t>the</a:t>
-            </a:r>
-            <a:r>
-              <a:rPr lang="hu-HU" dirty="0"/>
-              <a:t> </a:t>
-            </a:r>
-            <a:r>
-              <a:rPr lang="hu-HU" dirty="0" err="1"/>
-              <a:t>settings</a:t>
-            </a:r>
-            <a:r>
-              <a:rPr lang="hu-HU" dirty="0"/>
-              <a:t> in </a:t>
-            </a:r>
-            <a:r>
-              <a:rPr lang="hu-HU" dirty="0" err="1"/>
-              <a:t>the</a:t>
-            </a:r>
-            <a:r>
-              <a:rPr lang="hu-HU" dirty="0"/>
-              <a:t> </a:t>
-            </a:r>
-            <a:r>
-              <a:rPr lang="hu-HU" dirty="0" err="1"/>
-              <a:t>app.properties</a:t>
-            </a:r>
-            <a:r>
-              <a:rPr lang="hu-HU" dirty="0"/>
-              <a:t> of </a:t>
-            </a:r>
-            <a:r>
-              <a:rPr lang="hu-HU" dirty="0" err="1"/>
-              <a:t>the</a:t>
-            </a:r>
-            <a:r>
-              <a:rPr lang="hu-HU" dirty="0"/>
-              <a:t> </a:t>
-            </a:r>
-            <a:r>
-              <a:rPr lang="hu-HU" dirty="0" err="1"/>
-              <a:t>authorization</a:t>
-            </a:r>
-            <a:r>
-              <a:rPr lang="hu-HU" dirty="0"/>
-              <a:t>: </a:t>
-            </a:r>
-          </a:p>
-          <a:p>
-            <a:pPr lvl="2"/>
-            <a:r>
-              <a:rPr lang="en-US" i="1" dirty="0" err="1"/>
-              <a:t>base_uri_secured</a:t>
-            </a:r>
-            <a:r>
-              <a:rPr lang="en-US" i="1" dirty="0"/>
-              <a:t>=https://</a:t>
-            </a:r>
-            <a:r>
-              <a:rPr lang="hu-HU" i="1" dirty="0"/>
-              <a:t>example.org</a:t>
-            </a:r>
-            <a:r>
-              <a:rPr lang="en-US" i="1" dirty="0"/>
-              <a:t>:8</a:t>
-            </a:r>
-            <a:r>
-              <a:rPr lang="hu-HU" i="1" dirty="0"/>
-              <a:t>080</a:t>
-            </a:r>
-            <a:r>
-              <a:rPr lang="en-US" i="1" dirty="0"/>
-              <a:t>/</a:t>
-            </a:r>
-            <a:r>
-              <a:rPr lang="hu-HU" i="1" dirty="0" err="1"/>
-              <a:t>endpoint</a:t>
-            </a:r>
-            <a:endParaRPr lang="hu-HU" i="1" dirty="0"/>
-          </a:p>
-          <a:p>
-            <a:pPr lvl="1"/>
-            <a:endParaRPr lang="hu-HU" dirty="0"/>
-          </a:p>
-          <a:p>
+              <a:rPr lang="hu-HU"/>
+              <a:t>Contains all the ArrowheadCloud (gatekeeper) information available to the Core Systems, including:</a:t>
+            </a:r>
+          </a:p>
+          <a:p>
+            <a:pPr lvl="1" algn="just"/>
+            <a:r>
+              <a:rPr lang="hu-HU"/>
+              <a:t>Own Cloud: information about the local Cloud</a:t>
+            </a:r>
+          </a:p>
+          <a:p>
+            <a:pPr lvl="1" algn="just"/>
+            <a:r>
+              <a:rPr lang="hu-HU"/>
+              <a:t>Neighborhood: list of trusted Clouds to do GlobalServiceDiscovery with</a:t>
+            </a:r>
+          </a:p>
+          <a:p>
+            <a:pPr algn="just"/>
+            <a:r>
+              <a:rPr lang="hu-HU"/>
+              <a:t>For inter-Cloud orchestration, the Gatekeeper addresses in this table has to be updated to available addresses in the setup environment. This can be done through the MySQL workbench directly, or through REST resource of the framework.</a:t>
+            </a:r>
             <a:endParaRPr lang="hu-HU" dirty="0"/>
           </a:p>
           <a:p>
@@ -4554,7 +3859,13 @@
       </p:sp>
       <p:pic>
         <p:nvPicPr>
-          <p:cNvPr id="5" name="Kép 4"/>
+          <p:cNvPr id="8" name="Kép 7">
+            <a:extLst>
+              <a:ext uri="{FF2B5EF4-FFF2-40B4-BE49-F238E27FC236}">
+                <a16:creationId xmlns:a16="http://schemas.microsoft.com/office/drawing/2014/main" id="{72B562E9-0DB2-4BA9-BDE4-812222AAEDE9}"/>
+              </a:ext>
+            </a:extLst>
+          </p:cNvPr>
           <p:cNvPicPr>
             <a:picLocks noChangeAspect="1"/>
           </p:cNvPicPr>
@@ -4568,243 +3879,8 @@
         </p:blipFill>
         <p:spPr>
           <a:xfrm>
-            <a:off x="10526683" y="221828"/>
-            <a:ext cx="1444610" cy="1933820"/>
-          </a:xfrm>
-          <a:prstGeom prst="rect">
-            <a:avLst/>
-          </a:prstGeom>
-        </p:spPr>
-      </p:pic>
-      <p:pic>
-        <p:nvPicPr>
-          <p:cNvPr id="6" name="Kép 5"/>
-          <p:cNvPicPr>
-            <a:picLocks noChangeAspect="1"/>
-          </p:cNvPicPr>
-          <p:nvPr/>
-        </p:nvPicPr>
-        <p:blipFill>
-          <a:blip r:embed="rId4"/>
-          <a:stretch>
-            <a:fillRect/>
-          </a:stretch>
-        </p:blipFill>
-        <p:spPr>
-          <a:xfrm>
-            <a:off x="10526683" y="4401481"/>
-            <a:ext cx="1471591" cy="1964076"/>
-          </a:xfrm>
-          <a:prstGeom prst="rect">
-            <a:avLst/>
-          </a:prstGeom>
-        </p:spPr>
-      </p:pic>
-      <p:pic>
-        <p:nvPicPr>
-          <p:cNvPr id="7" name="Kép 6"/>
-          <p:cNvPicPr>
-            <a:picLocks noChangeAspect="1"/>
-          </p:cNvPicPr>
-          <p:nvPr/>
-        </p:nvPicPr>
-        <p:blipFill>
-          <a:blip r:embed="rId5"/>
-          <a:stretch>
-            <a:fillRect/>
-          </a:stretch>
-        </p:blipFill>
-        <p:spPr>
-          <a:xfrm>
-            <a:off x="10515600" y="2311655"/>
-            <a:ext cx="1454693" cy="1933819"/>
-          </a:xfrm>
-          <a:prstGeom prst="rect">
-            <a:avLst/>
-          </a:prstGeom>
-        </p:spPr>
-      </p:pic>
-      <p:sp>
-        <p:nvSpPr>
-          <p:cNvPr id="10" name="Téglalap 9"/>
-          <p:cNvSpPr/>
-          <p:nvPr/>
-        </p:nvSpPr>
-        <p:spPr>
-          <a:xfrm>
-            <a:off x="11082" y="5383519"/>
-            <a:ext cx="10251503" cy="1477328"/>
-          </a:xfrm>
-          <a:prstGeom prst="rect">
-            <a:avLst/>
-          </a:prstGeom>
-        </p:spPr>
-        <p:txBody>
-          <a:bodyPr wrap="square">
-            <a:spAutoFit/>
-          </a:bodyPr>
-          <a:lstStyle/>
-          <a:p>
-            <a:pPr marL="285750" indent="-285750" algn="just">
-              <a:buFont typeface="Arial" panose="020B0604020202020204" pitchFamily="34" charset="0"/>
-              <a:buChar char="•"/>
-            </a:pPr>
-            <a:r>
-              <a:rPr lang="hu-HU"/>
-              <a:t>The „</a:t>
-            </a:r>
-            <a:r>
-              <a:rPr lang="en-US"/>
-              <a:t>neighborhood” table references trusted Arrowhead Local Clouds. This data is used by the Gatekeeper in the inter-Cloud orchestration process. This table is a </a:t>
-            </a:r>
-            <a:r>
-              <a:rPr lang="en-US" err="1"/>
-              <a:t>sublist</a:t>
-            </a:r>
-            <a:r>
-              <a:rPr lang="en-US"/>
-              <a:t> of the </a:t>
-            </a:r>
-            <a:r>
-              <a:rPr lang="hu-HU"/>
-              <a:t>„</a:t>
-            </a:r>
-            <a:r>
-              <a:rPr lang="en-US" err="1"/>
-              <a:t>arrowhead_cloud</a:t>
-            </a:r>
-            <a:r>
-              <a:rPr lang="hu-HU"/>
-              <a:t>”</a:t>
-            </a:r>
-            <a:r>
-              <a:rPr lang="en-US"/>
-              <a:t> table.</a:t>
-            </a:r>
-          </a:p>
-          <a:p>
-            <a:pPr marL="285750" indent="-285750" algn="just">
-              <a:buFont typeface="Arial" panose="020B0604020202020204" pitchFamily="34" charset="0"/>
-              <a:buChar char="•"/>
-            </a:pPr>
-            <a:r>
-              <a:rPr lang="hu-HU"/>
-              <a:t>The </a:t>
-            </a:r>
-            <a:r>
-              <a:rPr lang="en-US" err="1"/>
-              <a:t>OwnCloud</a:t>
-            </a:r>
-            <a:r>
-              <a:rPr lang="en-US"/>
-              <a:t> table holds</a:t>
-            </a:r>
-            <a:r>
-              <a:rPr lang="hu-HU"/>
-              <a:t> </a:t>
-            </a:r>
-            <a:r>
-              <a:rPr lang="en-US"/>
-              <a:t>information about </a:t>
-            </a:r>
-            <a:r>
-              <a:rPr lang="hu-HU" err="1"/>
-              <a:t>the</a:t>
-            </a:r>
-            <a:r>
-              <a:rPr lang="hu-HU"/>
-              <a:t> Local </a:t>
-            </a:r>
-            <a:r>
-              <a:rPr lang="hu-HU" err="1"/>
-              <a:t>Cloud</a:t>
-            </a:r>
-            <a:r>
-              <a:rPr lang="hu-HU"/>
-              <a:t> </a:t>
-            </a:r>
-            <a:r>
-              <a:rPr lang="hu-HU" err="1"/>
-              <a:t>itself</a:t>
-            </a:r>
-            <a:r>
-              <a:rPr lang="hu-HU"/>
-              <a:t>. </a:t>
-            </a:r>
-            <a:r>
-              <a:rPr lang="en-US"/>
-              <a:t>This is used by the Gatekeeper </a:t>
-            </a:r>
-            <a:r>
-              <a:rPr lang="hu-HU" err="1"/>
-              <a:t>to</a:t>
-            </a:r>
-            <a:r>
-              <a:rPr lang="hu-HU"/>
-              <a:t> </a:t>
-            </a:r>
-            <a:r>
-              <a:rPr lang="hu-HU" err="1"/>
-              <a:t>identify</a:t>
-            </a:r>
-            <a:r>
-              <a:rPr lang="hu-HU"/>
-              <a:t> </a:t>
-            </a:r>
-            <a:r>
-              <a:rPr lang="hu-HU" err="1"/>
-              <a:t>what</a:t>
-            </a:r>
-            <a:r>
-              <a:rPr lang="hu-HU"/>
-              <a:t> it is </a:t>
-            </a:r>
-            <a:r>
-              <a:rPr lang="hu-HU" err="1"/>
-              <a:t>representing</a:t>
-            </a:r>
-            <a:r>
-              <a:rPr lang="hu-HU"/>
-              <a:t> in </a:t>
-            </a:r>
-            <a:r>
-              <a:rPr lang="hu-HU" err="1"/>
-              <a:t>inter-Cloud</a:t>
-            </a:r>
-            <a:r>
-              <a:rPr lang="hu-HU"/>
-              <a:t> </a:t>
-            </a:r>
-            <a:r>
-              <a:rPr lang="hu-HU" err="1"/>
-              <a:t>scenarios</a:t>
-            </a:r>
-            <a:r>
-              <a:rPr lang="hu-HU"/>
-              <a:t>. Also a sublist of the „arrowhead_cloud” table.</a:t>
-            </a:r>
-            <a:endParaRPr lang="en-US"/>
-          </a:p>
-        </p:txBody>
-      </p:sp>
-      <p:pic>
-        <p:nvPicPr>
-          <p:cNvPr id="4" name="Kép 3"/>
-          <p:cNvPicPr>
-            <a:picLocks noChangeAspect="1"/>
-          </p:cNvPicPr>
-          <p:nvPr/>
-        </p:nvPicPr>
-        <p:blipFill>
-          <a:blip r:embed="rId6"/>
-          <a:stretch>
-            <a:fillRect/>
-          </a:stretch>
-        </p:blipFill>
-        <p:spPr>
-          <a:xfrm>
-            <a:off x="155800" y="4653178"/>
-            <a:ext cx="9962066" cy="656184"/>
+            <a:off x="1305131" y="4910389"/>
+            <a:ext cx="9027590" cy="894626"/>
           </a:xfrm>
           <a:prstGeom prst="rect">
             <a:avLst/>
@@ -4882,10 +3958,15 @@
             <p:ph idx="1"/>
           </p:nvPr>
         </p:nvSpPr>
-        <p:spPr/>
+        <p:spPr>
+          <a:xfrm>
+            <a:off x="838200" y="1514764"/>
+            <a:ext cx="10515600" cy="4662199"/>
+          </a:xfrm>
+        </p:spPr>
         <p:txBody>
           <a:bodyPr>
-            <a:normAutofit lnSpcReduction="10000"/>
+            <a:normAutofit fontScale="92500" lnSpcReduction="10000"/>
           </a:bodyPr>
           <a:lstStyle/>
           <a:p>
@@ -5198,7 +4279,29 @@
             </a:r>
             <a:r>
               <a:rPr lang="hu-HU" b="1" i="1"/>
-              <a:t> modulename.jar –m both </a:t>
+              <a:t> modulename.jar –m both</a:t>
+            </a:r>
+          </a:p>
+          <a:p>
+            <a:r>
+              <a:rPr lang="hu-HU"/>
+              <a:t>The </a:t>
+            </a:r>
+            <a:r>
+              <a:rPr lang="hu-HU" b="1"/>
+              <a:t>„-d” </a:t>
+            </a:r>
+            <a:r>
+              <a:rPr lang="hu-HU"/>
+              <a:t>command line argument turns on the </a:t>
+            </a:r>
+            <a:r>
+              <a:rPr lang="hu-HU" b="1"/>
+              <a:t>debug mode</a:t>
+            </a:r>
+            <a:r>
+              <a:rPr lang="hu-HU"/>
+              <a:t>, printing every request and response payload to the console.</a:t>
             </a:r>
           </a:p>
         </p:txBody>
@@ -5426,20 +4529,8 @@
               </a:lnSpc>
             </a:pPr>
             <a:r>
-              <a:rPr lang="hu-HU" sz="2800" err="1"/>
-              <a:t>Please</a:t>
-            </a:r>
-            <a:r>
               <a:rPr lang="hu-HU" sz="2800"/>
-              <a:t> import </a:t>
-            </a:r>
-            <a:r>
-              <a:rPr lang="hu-HU" sz="2800" err="1"/>
-              <a:t>the</a:t>
-            </a:r>
-            <a:r>
-              <a:rPr lang="hu-HU" sz="2800"/>
-              <a:t> </a:t>
+              <a:t>Import the </a:t>
             </a:r>
             <a:r>
               <a:rPr lang="hu-HU" sz="2800" b="1" i="1"/>
@@ -6758,10 +5849,10 @@
       </p:sp>
       <p:pic>
         <p:nvPicPr>
-          <p:cNvPr id="3" name="Kép 2">
+          <p:cNvPr id="4" name="Kép 3">
             <a:extLst>
               <a:ext uri="{FF2B5EF4-FFF2-40B4-BE49-F238E27FC236}">
-                <a16:creationId xmlns:a16="http://schemas.microsoft.com/office/drawing/2014/main" id="{A5BE7F52-DF94-4917-BB27-43F36D5A2CA4}"/>
+                <a16:creationId xmlns:a16="http://schemas.microsoft.com/office/drawing/2014/main" id="{D5597508-658E-44D9-8EA4-9BAA508D5134}"/>
               </a:ext>
             </a:extLst>
           </p:cNvPr>
@@ -6778,8 +5869,8 @@
         </p:blipFill>
         <p:spPr>
           <a:xfrm>
-            <a:off x="1473693" y="1028492"/>
-            <a:ext cx="8729194" cy="5767364"/>
+            <a:off x="1651265" y="1010698"/>
+            <a:ext cx="8686278" cy="5446702"/>
           </a:xfrm>
           <a:prstGeom prst="rect">
             <a:avLst/>

--- a/documentation/Quick-Start-Guide-M2.pptx
+++ b/documentation/Quick-Start-Guide-M2.pptx
@@ -20,10 +20,10 @@
     <p:sldId id="265" r:id="rId11"/>
     <p:sldId id="261" r:id="rId12"/>
     <p:sldId id="271" r:id="rId13"/>
-    <p:sldId id="263" r:id="rId14"/>
-    <p:sldId id="272" r:id="rId15"/>
-    <p:sldId id="285" r:id="rId16"/>
-    <p:sldId id="284" r:id="rId17"/>
+    <p:sldId id="288" r:id="rId14"/>
+    <p:sldId id="263" r:id="rId15"/>
+    <p:sldId id="272" r:id="rId16"/>
+    <p:sldId id="285" r:id="rId17"/>
     <p:sldId id="279" r:id="rId18"/>
     <p:sldId id="275" r:id="rId19"/>
     <p:sldId id="280" r:id="rId20"/>
@@ -225,7 +225,7 @@
           <a:p>
             <a:fld id="{9D20F72D-BB7C-4009-B276-48F62311FC1F}" type="datetimeFigureOut">
               <a:rPr lang="hu-HU" smtClean="0"/>
-              <a:t>2018. 02. 16.</a:t>
+              <a:t>2018. 02. 18.</a:t>
             </a:fld>
             <a:endParaRPr lang="hu-HU"/>
           </a:p>
@@ -873,7 +873,7 @@
           <a:p>
             <a:fld id="{DEECA975-3F48-4619-902D-F31B60ACCAA8}" type="datetimeFigureOut">
               <a:rPr lang="hu-HU" smtClean="0"/>
-              <a:t>2018. 02. 16.</a:t>
+              <a:t>2018. 02. 18.</a:t>
             </a:fld>
             <a:endParaRPr lang="hu-HU"/>
           </a:p>
@@ -1041,7 +1041,7 @@
           <a:p>
             <a:fld id="{DEECA975-3F48-4619-902D-F31B60ACCAA8}" type="datetimeFigureOut">
               <a:rPr lang="hu-HU" smtClean="0"/>
-              <a:t>2018. 02. 16.</a:t>
+              <a:t>2018. 02. 18.</a:t>
             </a:fld>
             <a:endParaRPr lang="hu-HU"/>
           </a:p>
@@ -1219,7 +1219,7 @@
           <a:p>
             <a:fld id="{DEECA975-3F48-4619-902D-F31B60ACCAA8}" type="datetimeFigureOut">
               <a:rPr lang="hu-HU" smtClean="0"/>
-              <a:t>2018. 02. 16.</a:t>
+              <a:t>2018. 02. 18.</a:t>
             </a:fld>
             <a:endParaRPr lang="hu-HU"/>
           </a:p>
@@ -1387,7 +1387,7 @@
           <a:p>
             <a:fld id="{DEECA975-3F48-4619-902D-F31B60ACCAA8}" type="datetimeFigureOut">
               <a:rPr lang="hu-HU" smtClean="0"/>
-              <a:t>2018. 02. 16.</a:t>
+              <a:t>2018. 02. 18.</a:t>
             </a:fld>
             <a:endParaRPr lang="hu-HU"/>
           </a:p>
@@ -1632,7 +1632,7 @@
           <a:p>
             <a:fld id="{DEECA975-3F48-4619-902D-F31B60ACCAA8}" type="datetimeFigureOut">
               <a:rPr lang="hu-HU" smtClean="0"/>
-              <a:t>2018. 02. 16.</a:t>
+              <a:t>2018. 02. 18.</a:t>
             </a:fld>
             <a:endParaRPr lang="hu-HU"/>
           </a:p>
@@ -1861,7 +1861,7 @@
           <a:p>
             <a:fld id="{DEECA975-3F48-4619-902D-F31B60ACCAA8}" type="datetimeFigureOut">
               <a:rPr lang="hu-HU" smtClean="0"/>
-              <a:t>2018. 02. 16.</a:t>
+              <a:t>2018. 02. 18.</a:t>
             </a:fld>
             <a:endParaRPr lang="hu-HU"/>
           </a:p>
@@ -2225,7 +2225,7 @@
           <a:p>
             <a:fld id="{DEECA975-3F48-4619-902D-F31B60ACCAA8}" type="datetimeFigureOut">
               <a:rPr lang="hu-HU" smtClean="0"/>
-              <a:t>2018. 02. 16.</a:t>
+              <a:t>2018. 02. 18.</a:t>
             </a:fld>
             <a:endParaRPr lang="hu-HU"/>
           </a:p>
@@ -2342,7 +2342,7 @@
           <a:p>
             <a:fld id="{DEECA975-3F48-4619-902D-F31B60ACCAA8}" type="datetimeFigureOut">
               <a:rPr lang="hu-HU" smtClean="0"/>
-              <a:t>2018. 02. 16.</a:t>
+              <a:t>2018. 02. 18.</a:t>
             </a:fld>
             <a:endParaRPr lang="hu-HU"/>
           </a:p>
@@ -2437,7 +2437,7 @@
           <a:p>
             <a:fld id="{DEECA975-3F48-4619-902D-F31B60ACCAA8}" type="datetimeFigureOut">
               <a:rPr lang="hu-HU" smtClean="0"/>
-              <a:t>2018. 02. 16.</a:t>
+              <a:t>2018. 02. 18.</a:t>
             </a:fld>
             <a:endParaRPr lang="hu-HU"/>
           </a:p>
@@ -2712,7 +2712,7 @@
           <a:p>
             <a:fld id="{DEECA975-3F48-4619-902D-F31B60ACCAA8}" type="datetimeFigureOut">
               <a:rPr lang="hu-HU" smtClean="0"/>
-              <a:t>2018. 02. 16.</a:t>
+              <a:t>2018. 02. 18.</a:t>
             </a:fld>
             <a:endParaRPr lang="hu-HU"/>
           </a:p>
@@ -2964,7 +2964,7 @@
           <a:p>
             <a:fld id="{DEECA975-3F48-4619-902D-F31B60ACCAA8}" type="datetimeFigureOut">
               <a:rPr lang="hu-HU" smtClean="0"/>
-              <a:t>2018. 02. 16.</a:t>
+              <a:t>2018. 02. 18.</a:t>
             </a:fld>
             <a:endParaRPr lang="hu-HU"/>
           </a:p>
@@ -3175,7 +3175,7 @@
           <a:p>
             <a:fld id="{DEECA975-3F48-4619-902D-F31B60ACCAA8}" type="datetimeFigureOut">
               <a:rPr lang="hu-HU" smtClean="0"/>
-              <a:t>2018. 02. 16.</a:t>
+              <a:t>2018. 02. 18.</a:t>
             </a:fld>
             <a:endParaRPr lang="hu-HU"/>
           </a:p>
@@ -4348,7 +4348,7 @@
         </p:nvSpPr>
         <p:spPr>
           <a:xfrm>
-            <a:off x="514904" y="0"/>
+            <a:off x="514904" y="360219"/>
             <a:ext cx="10000695" cy="1325563"/>
           </a:xfrm>
         </p:spPr>
@@ -4426,7 +4426,7 @@
         </p:nvSpPr>
         <p:spPr>
           <a:xfrm>
-            <a:off x="145741" y="1443884"/>
+            <a:off x="191923" y="2118138"/>
             <a:ext cx="11830235" cy="4220069"/>
           </a:xfrm>
         </p:spPr>
@@ -4442,44 +4442,8 @@
               </a:lnSpc>
             </a:pPr>
             <a:r>
-              <a:rPr lang="hu-HU" err="1"/>
-              <a:t>To</a:t>
-            </a:r>
-            <a:r>
-              <a:rPr lang="hu-HU"/>
-              <a:t> test out </a:t>
-            </a:r>
-            <a:r>
-              <a:rPr lang="hu-HU" err="1"/>
-              <a:t>inter-Cloud</a:t>
-            </a:r>
-            <a:r>
-              <a:rPr lang="hu-HU"/>
-              <a:t> </a:t>
-            </a:r>
-            <a:r>
-              <a:rPr lang="hu-HU" err="1"/>
-              <a:t>orchestration</a:t>
-            </a:r>
-            <a:r>
-              <a:rPr lang="hu-HU"/>
-              <a:t>, </a:t>
-            </a:r>
-            <a:r>
-              <a:rPr lang="hu-HU" err="1"/>
-              <a:t>the</a:t>
-            </a:r>
-            <a:r>
-              <a:rPr lang="hu-HU"/>
-              <a:t> </a:t>
-            </a:r>
-            <a:r>
-              <a:rPr lang="hu-HU" err="1"/>
-              <a:t>secondary</a:t>
-            </a:r>
-            <a:r>
-              <a:rPr lang="hu-HU"/>
-              <a:t> </a:t>
+              <a:rPr lang="hu-HU"/>
+              <a:t>The secondary </a:t>
             </a:r>
             <a:r>
               <a:rPr lang="hu-HU" err="1"/>
@@ -4511,15 +4475,7 @@
             </a:r>
             <a:r>
               <a:rPr lang="hu-HU"/>
-              <a:t> </a:t>
-            </a:r>
-            <a:r>
-              <a:rPr lang="hu-HU" err="1"/>
-              <a:t>similarly</a:t>
-            </a:r>
-            <a:r>
-              <a:rPr lang="hu-HU"/>
-              <a:t>.</a:t>
+              <a:t> similarly for inter-Cloud orchestration:</a:t>
             </a:r>
           </a:p>
           <a:p>
@@ -4562,6 +4518,14 @@
               <a:rPr lang="hu-HU" sz="2800"/>
               <a:t>Set the configuring property files as needed and start the modules.</a:t>
             </a:r>
+          </a:p>
+          <a:p>
+            <a:pPr lvl="2">
+              <a:lnSpc>
+                <a:spcPct val="100000"/>
+              </a:lnSpc>
+            </a:pPr>
+            <a:endParaRPr lang="hu-HU" sz="2400"/>
           </a:p>
         </p:txBody>
       </p:sp>
@@ -4597,7 +4561,13 @@
       </p:grpSpPr>
       <p:sp>
         <p:nvSpPr>
-          <p:cNvPr id="2" name="Cím 1"/>
+          <p:cNvPr id="2" name="Cím 1">
+            <a:extLst>
+              <a:ext uri="{FF2B5EF4-FFF2-40B4-BE49-F238E27FC236}">
+                <a16:creationId xmlns:a16="http://schemas.microsoft.com/office/drawing/2014/main" id="{52A9FF50-CCDF-4EDB-A6DA-587CE0CA64A3}"/>
+              </a:ext>
+            </a:extLst>
+          </p:cNvPr>
           <p:cNvSpPr>
             <a:spLocks noGrp="1"/>
           </p:cNvSpPr>
@@ -4611,32 +4581,21 @@
           <a:lstStyle/>
           <a:p>
             <a:r>
-              <a:rPr lang="hu-HU" err="1"/>
-              <a:t>Using</a:t>
-            </a:r>
-            <a:r>
-              <a:rPr lang="hu-HU"/>
-              <a:t> </a:t>
-            </a:r>
-            <a:r>
-              <a:rPr lang="hu-HU" err="1"/>
-              <a:t>the</a:t>
-            </a:r>
-            <a:r>
-              <a:rPr lang="hu-HU"/>
-              <a:t> </a:t>
-            </a:r>
-            <a:r>
-              <a:rPr lang="hu-HU" err="1"/>
-              <a:t>examples</a:t>
-            </a:r>
-            <a:endParaRPr lang="hu-HU"/>
+              <a:rPr lang="hu-HU"/>
+              <a:t>Using the Gateway module</a:t>
+            </a:r>
           </a:p>
         </p:txBody>
       </p:sp>
       <p:sp>
         <p:nvSpPr>
-          <p:cNvPr id="3" name="Tartalom helye 2"/>
+          <p:cNvPr id="3" name="Tartalom helye 2">
+            <a:extLst>
+              <a:ext uri="{FF2B5EF4-FFF2-40B4-BE49-F238E27FC236}">
+                <a16:creationId xmlns:a16="http://schemas.microsoft.com/office/drawing/2014/main" id="{ACC12D4A-D51F-4915-9F8A-E4729AA27E8F}"/>
+              </a:ext>
+            </a:extLst>
+          </p:cNvPr>
           <p:cNvSpPr>
             <a:spLocks noGrp="1"/>
           </p:cNvSpPr>
@@ -4646,445 +4605,93 @@
         </p:nvSpPr>
         <p:spPr/>
         <p:txBody>
-          <a:bodyPr>
-            <a:normAutofit/>
-          </a:bodyPr>
+          <a:bodyPr/>
           <a:lstStyle/>
           <a:p>
-            <a:r>
-              <a:rPr lang="hu-HU"/>
-              <a:t>We </a:t>
-            </a:r>
-            <a:r>
-              <a:rPr lang="hu-HU" err="1"/>
-              <a:t>provided</a:t>
-            </a:r>
-            <a:r>
-              <a:rPr lang="hu-HU"/>
-              <a:t> a </a:t>
-            </a:r>
-            <a:r>
-              <a:rPr lang="hu-HU" err="1"/>
-              <a:t>few</a:t>
-            </a:r>
-            <a:r>
-              <a:rPr lang="hu-HU"/>
-              <a:t> </a:t>
-            </a:r>
-            <a:r>
-              <a:rPr lang="hu-HU" err="1"/>
-              <a:t>different</a:t>
-            </a:r>
-            <a:r>
-              <a:rPr lang="hu-HU"/>
-              <a:t> </a:t>
-            </a:r>
-            <a:r>
-              <a:rPr lang="hu-HU" err="1"/>
-              <a:t>scenarios</a:t>
-            </a:r>
-            <a:r>
-              <a:rPr lang="hu-HU"/>
-              <a:t> </a:t>
-            </a:r>
-            <a:r>
-              <a:rPr lang="hu-HU" err="1"/>
-              <a:t>on</a:t>
-            </a:r>
-            <a:r>
-              <a:rPr lang="hu-HU"/>
-              <a:t> </a:t>
-            </a:r>
-            <a:r>
-              <a:rPr lang="hu-HU" err="1"/>
-              <a:t>how</a:t>
-            </a:r>
-            <a:r>
-              <a:rPr lang="hu-HU"/>
-              <a:t> </a:t>
-            </a:r>
-            <a:r>
-              <a:rPr lang="hu-HU" err="1"/>
-              <a:t>to</a:t>
-            </a:r>
-            <a:r>
-              <a:rPr lang="hu-HU"/>
-              <a:t> </a:t>
-            </a:r>
-            <a:r>
-              <a:rPr lang="hu-HU" err="1"/>
-              <a:t>use</a:t>
-            </a:r>
-            <a:r>
-              <a:rPr lang="hu-HU"/>
-              <a:t> </a:t>
-            </a:r>
-            <a:r>
-              <a:rPr lang="hu-HU" err="1"/>
-              <a:t>the</a:t>
-            </a:r>
-            <a:r>
-              <a:rPr lang="hu-HU"/>
-              <a:t> Advanced </a:t>
-            </a:r>
-            <a:r>
-              <a:rPr lang="hu-HU" err="1"/>
-              <a:t>Orchestration</a:t>
-            </a:r>
-            <a:r>
-              <a:rPr lang="hu-HU"/>
-              <a:t> Service. </a:t>
-            </a:r>
-            <a:endParaRPr lang="hu-HU" i="1"/>
-          </a:p>
-          <a:p>
-            <a:r>
-              <a:rPr lang="hu-HU" err="1"/>
-              <a:t>These</a:t>
-            </a:r>
-            <a:r>
-              <a:rPr lang="hu-HU"/>
-              <a:t> </a:t>
-            </a:r>
-            <a:r>
-              <a:rPr lang="hu-HU" err="1"/>
-              <a:t>are</a:t>
-            </a:r>
-            <a:r>
-              <a:rPr lang="hu-HU"/>
-              <a:t> consistent </a:t>
-            </a:r>
-            <a:r>
-              <a:rPr lang="hu-HU" err="1"/>
-              <a:t>with</a:t>
-            </a:r>
-            <a:r>
-              <a:rPr lang="hu-HU"/>
-              <a:t> </a:t>
-            </a:r>
-            <a:r>
-              <a:rPr lang="hu-HU" err="1"/>
-              <a:t>the</a:t>
-            </a:r>
-            <a:r>
-              <a:rPr lang="hu-HU"/>
-              <a:t> </a:t>
-            </a:r>
-            <a:r>
-              <a:rPr lang="hu-HU" err="1"/>
-              <a:t>dummy</a:t>
-            </a:r>
-            <a:r>
-              <a:rPr lang="hu-HU"/>
-              <a:t> </a:t>
-            </a:r>
-            <a:r>
-              <a:rPr lang="hu-HU" err="1"/>
-              <a:t>data</a:t>
-            </a:r>
-            <a:r>
-              <a:rPr lang="hu-HU"/>
-              <a:t> </a:t>
-            </a:r>
-            <a:r>
-              <a:rPr lang="hu-HU" err="1"/>
-              <a:t>imported</a:t>
-            </a:r>
-            <a:r>
-              <a:rPr lang="hu-HU"/>
-              <a:t> in </a:t>
-            </a:r>
-            <a:r>
-              <a:rPr lang="hu-HU" err="1"/>
-              <a:t>the</a:t>
-            </a:r>
-            <a:r>
-              <a:rPr lang="hu-HU"/>
-              <a:t> </a:t>
-            </a:r>
-            <a:r>
-              <a:rPr lang="hu-HU" err="1"/>
-              <a:t>databases</a:t>
-            </a:r>
-            <a:r>
-              <a:rPr lang="hu-HU"/>
-              <a:t> </a:t>
-            </a:r>
-            <a:r>
-              <a:rPr lang="hu-HU" err="1"/>
-              <a:t>by</a:t>
-            </a:r>
-            <a:r>
-              <a:rPr lang="hu-HU"/>
-              <a:t> </a:t>
-            </a:r>
-            <a:r>
-              <a:rPr lang="hu-HU" err="1"/>
-              <a:t>executing</a:t>
-            </a:r>
-            <a:r>
-              <a:rPr lang="hu-HU"/>
-              <a:t> </a:t>
-            </a:r>
-            <a:r>
-              <a:rPr lang="hu-HU" err="1"/>
-              <a:t>the</a:t>
-            </a:r>
-            <a:r>
-              <a:rPr lang="hu-HU"/>
-              <a:t> </a:t>
-            </a:r>
-            <a:r>
-              <a:rPr lang="hu-HU" b="1" i="1"/>
-              <a:t>create_arrowhead_database_1 &amp; 2</a:t>
-            </a:r>
-            <a:r>
-              <a:rPr lang="hu-HU"/>
-              <a:t> </a:t>
-            </a:r>
-            <a:r>
-              <a:rPr lang="hu-HU" err="1"/>
-              <a:t>scripts</a:t>
-            </a:r>
-            <a:r>
-              <a:rPr lang="hu-HU"/>
-              <a:t> .</a:t>
-            </a:r>
-          </a:p>
-          <a:p>
-            <a:r>
-              <a:rPr lang="hu-HU"/>
-              <a:t>Testing </a:t>
-            </a:r>
-            <a:r>
-              <a:rPr lang="hu-HU" err="1"/>
-              <a:t>these</a:t>
-            </a:r>
-            <a:r>
-              <a:rPr lang="hu-HU"/>
-              <a:t> </a:t>
-            </a:r>
-            <a:r>
-              <a:rPr lang="hu-HU" err="1"/>
-              <a:t>are</a:t>
-            </a:r>
-            <a:r>
-              <a:rPr lang="hu-HU"/>
-              <a:t> </a:t>
-            </a:r>
-            <a:r>
-              <a:rPr lang="hu-HU" err="1"/>
-              <a:t>recommended</a:t>
-            </a:r>
-            <a:r>
-              <a:rPr lang="hu-HU"/>
-              <a:t> in </a:t>
-            </a:r>
-            <a:r>
-              <a:rPr lang="hu-HU" err="1"/>
-              <a:t>plain</a:t>
-            </a:r>
-            <a:r>
-              <a:rPr lang="hu-HU"/>
-              <a:t> HTTP, </a:t>
-            </a:r>
-            <a:r>
-              <a:rPr lang="hu-HU" err="1"/>
-              <a:t>manually</a:t>
-            </a:r>
-            <a:r>
-              <a:rPr lang="hu-HU"/>
-              <a:t>. </a:t>
-            </a:r>
-          </a:p>
-          <a:p>
-            <a:pPr lvl="1"/>
-            <a:r>
-              <a:rPr lang="hu-HU"/>
-              <a:t>Recommended </a:t>
-            </a:r>
-            <a:r>
-              <a:rPr lang="hu-HU" err="1"/>
-              <a:t>development</a:t>
-            </a:r>
-            <a:r>
-              <a:rPr lang="hu-HU"/>
-              <a:t> test tool for sending the requests: </a:t>
-            </a:r>
-            <a:r>
-              <a:rPr lang="hu-HU" b="1"/>
-              <a:t>Postman</a:t>
-            </a:r>
-            <a:r>
-              <a:rPr lang="hu-HU"/>
-              <a:t> (Google </a:t>
-            </a:r>
-            <a:r>
-              <a:rPr lang="hu-HU" err="1"/>
-              <a:t>Chrome</a:t>
-            </a:r>
-            <a:r>
-              <a:rPr lang="hu-HU"/>
-              <a:t> </a:t>
-            </a:r>
-            <a:r>
-              <a:rPr lang="hu-HU" err="1"/>
-              <a:t>extension</a:t>
-            </a:r>
-            <a:r>
-              <a:rPr lang="hu-HU"/>
-              <a:t>)</a:t>
-            </a:r>
-          </a:p>
-          <a:p>
-            <a:pPr lvl="1"/>
-            <a:r>
-              <a:rPr lang="hu-HU">
-                <a:hlinkClick r:id="rId2"/>
-              </a:rPr>
-              <a:t>https://www.getpostman.com/</a:t>
-            </a:r>
-            <a:r>
-              <a:rPr lang="hu-HU"/>
-              <a:t> </a:t>
-            </a:r>
-          </a:p>
-          <a:p>
-            <a:r>
-              <a:rPr lang="hu-HU" err="1"/>
-              <a:t>These</a:t>
-            </a:r>
-            <a:r>
-              <a:rPr lang="hu-HU"/>
-              <a:t> </a:t>
-            </a:r>
-            <a:r>
-              <a:rPr lang="hu-HU" err="1"/>
-              <a:t>scenarios</a:t>
-            </a:r>
-            <a:r>
-              <a:rPr lang="hu-HU"/>
-              <a:t> </a:t>
-            </a:r>
-            <a:r>
-              <a:rPr lang="hu-HU" err="1"/>
-              <a:t>include</a:t>
-            </a:r>
-            <a:r>
-              <a:rPr lang="hu-HU"/>
-              <a:t> </a:t>
-            </a:r>
-            <a:r>
-              <a:rPr lang="hu-HU" err="1"/>
-              <a:t>sending</a:t>
-            </a:r>
-            <a:r>
-              <a:rPr lang="hu-HU"/>
-              <a:t> Service </a:t>
-            </a:r>
-            <a:r>
-              <a:rPr lang="hu-HU" err="1"/>
-              <a:t>Requests</a:t>
-            </a:r>
-            <a:r>
-              <a:rPr lang="hu-HU"/>
-              <a:t> </a:t>
-            </a:r>
-            <a:r>
-              <a:rPr lang="hu-HU" err="1"/>
-              <a:t>to</a:t>
-            </a:r>
-            <a:r>
-              <a:rPr lang="hu-HU"/>
-              <a:t> </a:t>
-            </a:r>
-            <a:r>
-              <a:rPr lang="hu-HU" err="1"/>
-              <a:t>the</a:t>
-            </a:r>
-            <a:r>
-              <a:rPr lang="hu-HU"/>
-              <a:t> </a:t>
-            </a:r>
-            <a:r>
-              <a:rPr lang="hu-HU" err="1"/>
-              <a:t>Orchestrator</a:t>
-            </a:r>
-            <a:r>
-              <a:rPr lang="hu-HU"/>
-              <a:t> and </a:t>
-            </a:r>
-            <a:r>
-              <a:rPr lang="hu-HU" err="1"/>
-              <a:t>receiving</a:t>
-            </a:r>
-            <a:r>
-              <a:rPr lang="hu-HU"/>
-              <a:t> </a:t>
-            </a:r>
-            <a:r>
-              <a:rPr lang="hu-HU" err="1"/>
-              <a:t>Orchestration</a:t>
-            </a:r>
-            <a:r>
-              <a:rPr lang="hu-HU"/>
-              <a:t> </a:t>
-            </a:r>
-            <a:r>
-              <a:rPr lang="hu-HU" err="1"/>
-              <a:t>Response</a:t>
-            </a:r>
-            <a:r>
-              <a:rPr lang="hu-HU"/>
-              <a:t> </a:t>
-            </a:r>
-            <a:r>
-              <a:rPr lang="hu-HU" err="1"/>
-              <a:t>based</a:t>
-            </a:r>
-            <a:r>
-              <a:rPr lang="hu-HU"/>
-              <a:t> </a:t>
-            </a:r>
-            <a:r>
-              <a:rPr lang="hu-HU" err="1"/>
-              <a:t>on</a:t>
-            </a:r>
-            <a:r>
-              <a:rPr lang="hu-HU"/>
-              <a:t> </a:t>
-            </a:r>
-            <a:r>
-              <a:rPr lang="hu-HU" err="1"/>
-              <a:t>the</a:t>
-            </a:r>
-            <a:r>
-              <a:rPr lang="hu-HU"/>
-              <a:t> </a:t>
-            </a:r>
-            <a:r>
-              <a:rPr lang="hu-HU" err="1"/>
-              <a:t>dummy</a:t>
-            </a:r>
-            <a:r>
-              <a:rPr lang="hu-HU"/>
-              <a:t> </a:t>
-            </a:r>
-            <a:r>
-              <a:rPr lang="hu-HU" err="1"/>
-              <a:t>data</a:t>
-            </a:r>
-            <a:r>
-              <a:rPr lang="hu-HU"/>
-              <a:t>. </a:t>
-            </a:r>
+            <a:pPr>
+              <a:lnSpc>
+                <a:spcPct val="100000"/>
+              </a:lnSpc>
+            </a:pPr>
+            <a:r>
+              <a:rPr lang="hu-HU" sz="3200"/>
+              <a:t>If the 2 machines do not see each other on a local network, </a:t>
+            </a:r>
+            <a:r>
+              <a:rPr lang="hu-HU" sz="3200" b="1"/>
+              <a:t>you must use the gateway module </a:t>
+            </a:r>
+            <a:r>
+              <a:rPr lang="hu-HU" sz="3200"/>
+              <a:t>for inter-Cloud orchestration:</a:t>
+            </a:r>
+          </a:p>
+          <a:p>
+            <a:pPr lvl="1">
+              <a:lnSpc>
+                <a:spcPct val="100000"/>
+              </a:lnSpc>
+            </a:pPr>
+            <a:r>
+              <a:rPr lang="hu-HU" sz="2800"/>
+              <a:t>Set the </a:t>
+            </a:r>
+            <a:r>
+              <a:rPr lang="hu-HU" sz="2800" b="1"/>
+              <a:t>„use_gateway” </a:t>
+            </a:r>
+            <a:r>
+              <a:rPr lang="hu-HU" sz="2800"/>
+              <a:t>property to </a:t>
+            </a:r>
+            <a:r>
+              <a:rPr lang="hu-HU" sz="2800" b="1"/>
+              <a:t>true</a:t>
+            </a:r>
+            <a:r>
+              <a:rPr lang="hu-HU" sz="2800"/>
+              <a:t> in the Gatekeeper app.properties file</a:t>
+            </a:r>
+          </a:p>
+          <a:p>
+            <a:pPr lvl="1">
+              <a:lnSpc>
+                <a:spcPct val="100000"/>
+              </a:lnSpc>
+            </a:pPr>
+            <a:r>
+              <a:rPr lang="hu-HU" sz="2800"/>
+              <a:t>Use our AMQP broker (hosted on mantis3.tmit.bme.hu) or setup your own (see </a:t>
+            </a:r>
+            <a:r>
+              <a:rPr lang="hu-HU" sz="2800" b="1"/>
+              <a:t>broker_notes.txt </a:t>
+            </a:r>
+            <a:r>
+              <a:rPr lang="hu-HU" sz="2800"/>
+              <a:t>for help at gateway folder)</a:t>
+            </a:r>
+          </a:p>
+          <a:p>
+            <a:pPr lvl="1">
+              <a:lnSpc>
+                <a:spcPct val="100000"/>
+              </a:lnSpc>
+            </a:pPr>
+            <a:r>
+              <a:rPr lang="hu-HU" sz="2800"/>
+              <a:t>If you set up your own broker, do not forget to add the address of it to the „broker” database table on both machines</a:t>
+            </a:r>
+          </a:p>
+          <a:p>
+            <a:endParaRPr lang="hu-HU"/>
           </a:p>
         </p:txBody>
       </p:sp>
     </p:spTree>
     <p:extLst>
       <p:ext uri="{BB962C8B-B14F-4D97-AF65-F5344CB8AC3E}">
-        <p14:creationId xmlns:p14="http://schemas.microsoft.com/office/powerpoint/2010/main" val="1671073574"/>
+        <p14:creationId xmlns:p14="http://schemas.microsoft.com/office/powerpoint/2010/main" val="3709418558"/>
       </p:ext>
     </p:extLst>
   </p:cSld>
@@ -5121,22 +4728,32 @@
             <p:ph type="title"/>
           </p:nvPr>
         </p:nvSpPr>
-        <p:spPr>
-          <a:xfrm>
-            <a:off x="372862" y="1"/>
-            <a:ext cx="10142738" cy="990738"/>
-          </a:xfrm>
-        </p:spPr>
+        <p:spPr/>
         <p:txBody>
-          <a:bodyPr>
-            <a:normAutofit/>
-          </a:bodyPr>
+          <a:bodyPr/>
           <a:lstStyle/>
           <a:p>
             <a:r>
-              <a:rPr lang="en-US" sz="3600"/>
-              <a:t>Use case scenario for manual testing</a:t>
-            </a:r>
+              <a:rPr lang="hu-HU" err="1"/>
+              <a:t>Using</a:t>
+            </a:r>
+            <a:r>
+              <a:rPr lang="hu-HU"/>
+              <a:t> </a:t>
+            </a:r>
+            <a:r>
+              <a:rPr lang="hu-HU" err="1"/>
+              <a:t>the</a:t>
+            </a:r>
+            <a:r>
+              <a:rPr lang="hu-HU"/>
+              <a:t> </a:t>
+            </a:r>
+            <a:r>
+              <a:rPr lang="hu-HU" err="1"/>
+              <a:t>examples</a:t>
+            </a:r>
+            <a:endParaRPr lang="hu-HU"/>
           </a:p>
         </p:txBody>
       </p:sp>
@@ -5150,204 +4767,359 @@
             <p:ph idx="1"/>
           </p:nvPr>
         </p:nvSpPr>
-        <p:spPr>
-          <a:xfrm>
-            <a:off x="79513" y="923279"/>
-            <a:ext cx="11989904" cy="5934722"/>
-          </a:xfrm>
-        </p:spPr>
+        <p:spPr/>
         <p:txBody>
           <a:bodyPr>
-            <a:normAutofit fontScale="92500"/>
+            <a:normAutofit/>
           </a:bodyPr>
           <a:lstStyle/>
           <a:p>
             <a:r>
-              <a:rPr lang="en-US"/>
-              <a:t>This test scenario shows an automotive case. There are two Local Clouds defined:</a:t>
+              <a:rPr lang="hu-HU"/>
+              <a:t>We </a:t>
+            </a:r>
+            <a:r>
+              <a:rPr lang="hu-HU" err="1"/>
+              <a:t>provided</a:t>
+            </a:r>
+            <a:r>
+              <a:rPr lang="hu-HU"/>
+              <a:t> a </a:t>
+            </a:r>
+            <a:r>
+              <a:rPr lang="hu-HU" err="1"/>
+              <a:t>few</a:t>
+            </a:r>
+            <a:r>
+              <a:rPr lang="hu-HU"/>
+              <a:t> </a:t>
+            </a:r>
+            <a:r>
+              <a:rPr lang="hu-HU" err="1"/>
+              <a:t>different</a:t>
+            </a:r>
+            <a:r>
+              <a:rPr lang="hu-HU"/>
+              <a:t> </a:t>
+            </a:r>
+            <a:r>
+              <a:rPr lang="hu-HU" err="1"/>
+              <a:t>scenarios</a:t>
+            </a:r>
+            <a:r>
+              <a:rPr lang="hu-HU"/>
+              <a:t> </a:t>
+            </a:r>
+            <a:r>
+              <a:rPr lang="hu-HU" err="1"/>
+              <a:t>on</a:t>
+            </a:r>
+            <a:r>
+              <a:rPr lang="hu-HU"/>
+              <a:t> </a:t>
+            </a:r>
+            <a:r>
+              <a:rPr lang="hu-HU" err="1"/>
+              <a:t>how</a:t>
+            </a:r>
+            <a:r>
+              <a:rPr lang="hu-HU"/>
+              <a:t> </a:t>
+            </a:r>
+            <a:r>
+              <a:rPr lang="hu-HU" err="1"/>
+              <a:t>to</a:t>
+            </a:r>
+            <a:r>
+              <a:rPr lang="hu-HU"/>
+              <a:t> </a:t>
+            </a:r>
+            <a:r>
+              <a:rPr lang="hu-HU" err="1"/>
+              <a:t>use</a:t>
+            </a:r>
+            <a:r>
+              <a:rPr lang="hu-HU"/>
+              <a:t> </a:t>
+            </a:r>
+            <a:r>
+              <a:rPr lang="hu-HU" err="1"/>
+              <a:t>the</a:t>
+            </a:r>
+            <a:r>
+              <a:rPr lang="hu-HU"/>
+              <a:t> Advanced </a:t>
+            </a:r>
+            <a:r>
+              <a:rPr lang="hu-HU" err="1"/>
+              <a:t>Orchestration</a:t>
+            </a:r>
+            <a:r>
+              <a:rPr lang="hu-HU"/>
+              <a:t> Service. </a:t>
+            </a:r>
+            <a:endParaRPr lang="hu-HU" i="1"/>
+          </a:p>
+          <a:p>
+            <a:r>
+              <a:rPr lang="hu-HU" err="1"/>
+              <a:t>These</a:t>
+            </a:r>
+            <a:r>
+              <a:rPr lang="hu-HU"/>
+              <a:t> </a:t>
+            </a:r>
+            <a:r>
+              <a:rPr lang="hu-HU" err="1"/>
+              <a:t>are</a:t>
+            </a:r>
+            <a:r>
+              <a:rPr lang="hu-HU"/>
+              <a:t> consistent </a:t>
+            </a:r>
+            <a:r>
+              <a:rPr lang="hu-HU" err="1"/>
+              <a:t>with</a:t>
+            </a:r>
+            <a:r>
+              <a:rPr lang="hu-HU"/>
+              <a:t> </a:t>
+            </a:r>
+            <a:r>
+              <a:rPr lang="hu-HU" err="1"/>
+              <a:t>the</a:t>
+            </a:r>
+            <a:r>
+              <a:rPr lang="hu-HU"/>
+              <a:t> </a:t>
+            </a:r>
+            <a:r>
+              <a:rPr lang="hu-HU" err="1"/>
+              <a:t>dummy</a:t>
+            </a:r>
+            <a:r>
+              <a:rPr lang="hu-HU"/>
+              <a:t> </a:t>
+            </a:r>
+            <a:r>
+              <a:rPr lang="hu-HU" err="1"/>
+              <a:t>data</a:t>
+            </a:r>
+            <a:r>
+              <a:rPr lang="hu-HU"/>
+              <a:t> </a:t>
+            </a:r>
+            <a:r>
+              <a:rPr lang="hu-HU" err="1"/>
+              <a:t>imported</a:t>
+            </a:r>
+            <a:r>
+              <a:rPr lang="hu-HU"/>
+              <a:t> in </a:t>
+            </a:r>
+            <a:r>
+              <a:rPr lang="hu-HU" err="1"/>
+              <a:t>the</a:t>
+            </a:r>
+            <a:r>
+              <a:rPr lang="hu-HU"/>
+              <a:t> </a:t>
+            </a:r>
+            <a:r>
+              <a:rPr lang="hu-HU" err="1"/>
+              <a:t>databases</a:t>
+            </a:r>
+            <a:r>
+              <a:rPr lang="hu-HU"/>
+              <a:t> </a:t>
+            </a:r>
+            <a:r>
+              <a:rPr lang="hu-HU" err="1"/>
+              <a:t>by</a:t>
+            </a:r>
+            <a:r>
+              <a:rPr lang="hu-HU"/>
+              <a:t> </a:t>
+            </a:r>
+            <a:r>
+              <a:rPr lang="hu-HU" err="1"/>
+              <a:t>executing</a:t>
+            </a:r>
+            <a:r>
+              <a:rPr lang="hu-HU"/>
+              <a:t> </a:t>
+            </a:r>
+            <a:r>
+              <a:rPr lang="hu-HU" err="1"/>
+              <a:t>the</a:t>
+            </a:r>
+            <a:r>
+              <a:rPr lang="hu-HU"/>
+              <a:t> </a:t>
+            </a:r>
+            <a:r>
+              <a:rPr lang="hu-HU" b="1" i="1"/>
+              <a:t>create_arrowhead_database_1 &amp; 2</a:t>
+            </a:r>
+            <a:r>
+              <a:rPr lang="hu-HU"/>
+              <a:t> </a:t>
+            </a:r>
+            <a:r>
+              <a:rPr lang="hu-HU" err="1"/>
+              <a:t>scripts</a:t>
+            </a:r>
+            <a:r>
+              <a:rPr lang="hu-HU"/>
+              <a:t> .</a:t>
+            </a:r>
+          </a:p>
+          <a:p>
+            <a:r>
+              <a:rPr lang="hu-HU"/>
+              <a:t>Testing </a:t>
+            </a:r>
+            <a:r>
+              <a:rPr lang="hu-HU" err="1"/>
+              <a:t>these</a:t>
+            </a:r>
+            <a:r>
+              <a:rPr lang="hu-HU"/>
+              <a:t> </a:t>
+            </a:r>
+            <a:r>
+              <a:rPr lang="hu-HU" err="1"/>
+              <a:t>are</a:t>
+            </a:r>
+            <a:r>
+              <a:rPr lang="hu-HU"/>
+              <a:t> </a:t>
+            </a:r>
+            <a:r>
+              <a:rPr lang="hu-HU" err="1"/>
+              <a:t>recommended</a:t>
+            </a:r>
+            <a:r>
+              <a:rPr lang="hu-HU"/>
+              <a:t> in </a:t>
+            </a:r>
+            <a:r>
+              <a:rPr lang="hu-HU" err="1"/>
+              <a:t>plain</a:t>
+            </a:r>
+            <a:r>
+              <a:rPr lang="hu-HU"/>
+              <a:t> HTTP, </a:t>
+            </a:r>
+            <a:r>
+              <a:rPr lang="hu-HU" err="1"/>
+              <a:t>manually</a:t>
+            </a:r>
+            <a:r>
+              <a:rPr lang="hu-HU"/>
+              <a:t>. </a:t>
             </a:r>
           </a:p>
           <a:p>
             <a:pPr lvl="1"/>
             <a:r>
-              <a:rPr lang="en-US"/>
-              <a:t>Cloud 1 belongs to a charging infrastructure owner with charging stations and their management systems (servers). </a:t>
+              <a:rPr lang="hu-HU"/>
+              <a:t>Recommended </a:t>
+            </a:r>
+            <a:r>
+              <a:rPr lang="hu-HU" err="1"/>
+              <a:t>development</a:t>
+            </a:r>
+            <a:r>
+              <a:rPr lang="hu-HU"/>
+              <a:t> test tool for sending the requests: </a:t>
+            </a:r>
+            <a:r>
+              <a:rPr lang="hu-HU" b="1"/>
+              <a:t>Postman</a:t>
+            </a:r>
+            <a:r>
+              <a:rPr lang="hu-HU"/>
+              <a:t> (Google </a:t>
+            </a:r>
+            <a:r>
+              <a:rPr lang="hu-HU" err="1"/>
+              <a:t>Chrome</a:t>
+            </a:r>
+            <a:r>
+              <a:rPr lang="hu-HU"/>
+              <a:t> </a:t>
+            </a:r>
+            <a:r>
+              <a:rPr lang="hu-HU" err="1"/>
+              <a:t>extension</a:t>
+            </a:r>
+            <a:r>
+              <a:rPr lang="hu-HU"/>
+              <a:t>)</a:t>
             </a:r>
           </a:p>
           <a:p>
             <a:pPr lvl="1"/>
             <a:r>
-              <a:rPr lang="en-US"/>
-              <a:t>Cloud 2 belongs to a</a:t>
-            </a:r>
-            <a:r>
-              <a:rPr lang="hu-HU"/>
-              <a:t>n </a:t>
-            </a:r>
-            <a:r>
-              <a:rPr lang="en-US"/>
-              <a:t>electric</a:t>
-            </a:r>
-            <a:r>
-              <a:rPr lang="hu-HU"/>
-              <a:t> </a:t>
-            </a:r>
-            <a:r>
-              <a:rPr lang="en-US"/>
-              <a:t>car manufacturer and it</a:t>
-            </a:r>
-            <a:r>
-              <a:rPr lang="hu-HU"/>
-              <a:t>s </a:t>
-            </a:r>
-            <a:r>
-              <a:rPr lang="en-US"/>
-              <a:t>systems include electric cars that can look for charging services</a:t>
-            </a:r>
-            <a:r>
-              <a:rPr lang="hu-HU"/>
-              <a:t>, and servers </a:t>
-            </a:r>
-            <a:r>
-              <a:rPr lang="en-US"/>
-              <a:t>providing</a:t>
-            </a:r>
-            <a:r>
-              <a:rPr lang="hu-HU"/>
-              <a:t> </a:t>
-            </a:r>
-            <a:r>
-              <a:rPr lang="hu-HU" err="1"/>
-              <a:t>optimal</a:t>
-            </a:r>
-            <a:r>
-              <a:rPr lang="hu-HU"/>
-              <a:t> </a:t>
-            </a:r>
-            <a:r>
-              <a:rPr lang="en-US"/>
-              <a:t>charging</a:t>
-            </a:r>
-            <a:r>
-              <a:rPr lang="hu-HU"/>
-              <a:t> </a:t>
-            </a:r>
-            <a:r>
-              <a:rPr lang="hu-HU" err="1"/>
-              <a:t>profiles</a:t>
-            </a:r>
-            <a:r>
-              <a:rPr lang="hu-HU"/>
-              <a:t> </a:t>
-            </a:r>
-            <a:r>
-              <a:rPr lang="hu-HU" err="1"/>
-              <a:t>for</a:t>
-            </a:r>
-            <a:r>
-              <a:rPr lang="hu-HU"/>
-              <a:t> </a:t>
-            </a:r>
-            <a:r>
-              <a:rPr lang="hu-HU" err="1"/>
-              <a:t>different</a:t>
-            </a:r>
-            <a:r>
-              <a:rPr lang="hu-HU"/>
-              <a:t> </a:t>
-            </a:r>
-            <a:r>
-              <a:rPr lang="hu-HU" err="1"/>
-              <a:t>types</a:t>
-            </a:r>
-            <a:r>
-              <a:rPr lang="hu-HU"/>
-              <a:t> of </a:t>
-            </a:r>
-            <a:r>
-              <a:rPr lang="hu-HU" err="1"/>
-              <a:t>electric</a:t>
-            </a:r>
-            <a:r>
-              <a:rPr lang="hu-HU"/>
-              <a:t> </a:t>
-            </a:r>
-            <a:r>
-              <a:rPr lang="hu-HU" err="1"/>
-              <a:t>cars</a:t>
-            </a:r>
-            <a:r>
-              <a:rPr lang="en-US"/>
-              <a:t>.</a:t>
-            </a:r>
-          </a:p>
-          <a:p>
-            <a:r>
-              <a:rPr lang="en-US"/>
-              <a:t>There are </a:t>
-            </a:r>
-            <a:r>
-              <a:rPr lang="hu-HU"/>
-              <a:t>4</a:t>
-            </a:r>
-            <a:r>
-              <a:rPr lang="en-US"/>
-              <a:t> Application Services defined for testing out orchestration. Some Service Providers are missing qualifications (e.g. missing authorization or simply are offline). </a:t>
-            </a:r>
-          </a:p>
-          <a:p>
-            <a:pPr lvl="1"/>
-            <a:r>
-              <a:rPr lang="hu-HU" noProof="1"/>
-              <a:t>„Billing”</a:t>
-            </a:r>
-            <a:r>
-              <a:rPr lang="en-US"/>
-              <a:t> can be requested by „</a:t>
-            </a:r>
-            <a:r>
-              <a:rPr lang="hu-HU" err="1"/>
-              <a:t>ChargePointSystems</a:t>
-            </a:r>
-            <a:r>
-              <a:rPr lang="en-US"/>
-              <a:t>” and </a:t>
-            </a:r>
-            <a:r>
-              <a:rPr lang="hu-HU"/>
-              <a:t>a „</a:t>
-            </a:r>
-            <a:r>
-              <a:rPr lang="hu-HU" err="1"/>
-              <a:t>SmartGridManagerSystem</a:t>
-            </a:r>
-            <a:r>
-              <a:rPr lang="hu-HU"/>
-              <a:t>” </a:t>
-            </a:r>
-            <a:r>
-              <a:rPr lang="hu-HU" err="1"/>
-              <a:t>can</a:t>
-            </a:r>
-            <a:r>
-              <a:rPr lang="hu-HU"/>
-              <a:t> </a:t>
-            </a:r>
-            <a:r>
-              <a:rPr lang="hu-HU" err="1"/>
-              <a:t>provide</a:t>
-            </a:r>
-            <a:r>
-              <a:rPr lang="hu-HU"/>
-              <a:t> </a:t>
-            </a:r>
-            <a:r>
-              <a:rPr lang="hu-HU" err="1"/>
-              <a:t>this</a:t>
-            </a:r>
-            <a:r>
-              <a:rPr lang="hu-HU"/>
-              <a:t> service in </a:t>
+              <a:rPr lang="hu-HU">
+                <a:hlinkClick r:id="rId2"/>
+              </a:rPr>
+              <a:t>https://www.getpostman.com/</a:t>
+            </a:r>
+            <a:r>
+              <a:rPr lang="hu-HU"/>
+              <a:t> </a:t>
+            </a:r>
+          </a:p>
+          <a:p>
+            <a:r>
+              <a:rPr lang="hu-HU" err="1"/>
+              <a:t>These</a:t>
+            </a:r>
+            <a:r>
+              <a:rPr lang="hu-HU"/>
+              <a:t> </a:t>
+            </a:r>
+            <a:r>
+              <a:rPr lang="hu-HU" err="1"/>
+              <a:t>scenarios</a:t>
+            </a:r>
+            <a:r>
+              <a:rPr lang="hu-HU"/>
+              <a:t> </a:t>
+            </a:r>
+            <a:r>
+              <a:rPr lang="hu-HU" err="1"/>
+              <a:t>include</a:t>
+            </a:r>
+            <a:r>
+              <a:rPr lang="hu-HU"/>
+              <a:t> </a:t>
+            </a:r>
+            <a:r>
+              <a:rPr lang="hu-HU" err="1"/>
+              <a:t>sending</a:t>
+            </a:r>
+            <a:r>
+              <a:rPr lang="hu-HU"/>
+              <a:t> Service </a:t>
+            </a:r>
+            <a:r>
+              <a:rPr lang="hu-HU" err="1"/>
+              <a:t>Requests</a:t>
+            </a:r>
+            <a:r>
+              <a:rPr lang="hu-HU"/>
+              <a:t> </a:t>
+            </a:r>
+            <a:r>
+              <a:rPr lang="hu-HU" err="1"/>
+              <a:t>to</a:t>
+            </a:r>
+            <a:r>
+              <a:rPr lang="hu-HU"/>
+              <a:t> </a:t>
             </a:r>
             <a:r>
               <a:rPr lang="hu-HU" err="1"/>
@@ -5359,47 +5131,51 @@
             </a:r>
             <a:r>
               <a:rPr lang="hu-HU" err="1"/>
-              <a:t>same</a:t>
-            </a:r>
-            <a:r>
-              <a:rPr lang="hu-HU"/>
-              <a:t> </a:t>
-            </a:r>
-            <a:r>
-              <a:rPr lang="hu-HU" err="1"/>
-              <a:t>cloud</a:t>
-            </a:r>
-            <a:r>
-              <a:rPr lang="hu-HU"/>
-              <a:t>.</a:t>
-            </a:r>
-            <a:endParaRPr lang="en-US"/>
-          </a:p>
-          <a:p>
-            <a:pPr lvl="1"/>
-            <a:r>
-              <a:rPr lang="en-US"/>
-              <a:t>The </a:t>
-            </a:r>
-            <a:r>
-              <a:rPr lang="hu-HU"/>
-              <a:t>„</a:t>
-            </a:r>
-            <a:r>
-              <a:rPr lang="hu-HU" err="1"/>
-              <a:t>ChargingReservation</a:t>
-            </a:r>
-            <a:r>
-              <a:rPr lang="hu-HU"/>
-              <a:t>”</a:t>
-            </a:r>
-            <a:r>
-              <a:rPr lang="en-US"/>
-              <a:t> service </a:t>
-            </a:r>
-            <a:r>
-              <a:rPr lang="hu-HU"/>
-              <a:t>has </a:t>
+              <a:t>Orchestrator</a:t>
+            </a:r>
+            <a:r>
+              <a:rPr lang="hu-HU"/>
+              <a:t> and </a:t>
+            </a:r>
+            <a:r>
+              <a:rPr lang="hu-HU" err="1"/>
+              <a:t>receiving</a:t>
+            </a:r>
+            <a:r>
+              <a:rPr lang="hu-HU"/>
+              <a:t> </a:t>
+            </a:r>
+            <a:r>
+              <a:rPr lang="hu-HU" err="1"/>
+              <a:t>Orchestration</a:t>
+            </a:r>
+            <a:r>
+              <a:rPr lang="hu-HU"/>
+              <a:t> </a:t>
+            </a:r>
+            <a:r>
+              <a:rPr lang="hu-HU" err="1"/>
+              <a:t>Response</a:t>
+            </a:r>
+            <a:r>
+              <a:rPr lang="hu-HU"/>
+              <a:t> </a:t>
+            </a:r>
+            <a:r>
+              <a:rPr lang="hu-HU" err="1"/>
+              <a:t>based</a:t>
+            </a:r>
+            <a:r>
+              <a:rPr lang="hu-HU"/>
+              <a:t> </a:t>
+            </a:r>
+            <a:r>
+              <a:rPr lang="hu-HU" err="1"/>
+              <a:t>on</a:t>
+            </a:r>
+            <a:r>
+              <a:rPr lang="hu-HU"/>
+              <a:t> </a:t>
             </a:r>
             <a:r>
               <a:rPr lang="hu-HU" err="1"/>
@@ -5411,388 +5187,27 @@
             </a:r>
             <a:r>
               <a:rPr lang="hu-HU" err="1"/>
-              <a:t>same</a:t>
-            </a:r>
-            <a:r>
-              <a:rPr lang="hu-HU"/>
-              <a:t> </a:t>
-            </a:r>
-            <a:r>
-              <a:rPr lang="hu-HU" err="1"/>
-              <a:t>requester</a:t>
-            </a:r>
-            <a:r>
-              <a:rPr lang="hu-HU"/>
-              <a:t> and </a:t>
-            </a:r>
-            <a:r>
-              <a:rPr lang="hu-HU" err="1"/>
-              <a:t>provider</a:t>
-            </a:r>
-            <a:r>
-              <a:rPr lang="hu-HU"/>
-              <a:t> </a:t>
-            </a:r>
-            <a:r>
-              <a:rPr lang="hu-HU" err="1"/>
-              <a:t>system</a:t>
-            </a:r>
-            <a:r>
-              <a:rPr lang="hu-HU"/>
-              <a:t>, </a:t>
-            </a:r>
-            <a:r>
-              <a:rPr lang="hu-HU" err="1"/>
-              <a:t>but</a:t>
-            </a:r>
-            <a:r>
-              <a:rPr lang="hu-HU"/>
-              <a:t> </a:t>
-            </a:r>
-            <a:r>
-              <a:rPr lang="hu-HU" err="1"/>
-              <a:t>for</a:t>
-            </a:r>
-            <a:r>
-              <a:rPr lang="hu-HU"/>
-              <a:t> </a:t>
-            </a:r>
-            <a:r>
-              <a:rPr lang="hu-HU" err="1"/>
-              <a:t>this</a:t>
-            </a:r>
-            <a:r>
-              <a:rPr lang="hu-HU"/>
-              <a:t> service </a:t>
-            </a:r>
-            <a:r>
-              <a:rPr lang="hu-HU" err="1"/>
-              <a:t>the</a:t>
-            </a:r>
-            <a:r>
-              <a:rPr lang="hu-HU"/>
-              <a:t> </a:t>
-            </a:r>
-            <a:r>
-              <a:rPr lang="hu-HU" err="1"/>
-              <a:t>charging</a:t>
-            </a:r>
-            <a:r>
-              <a:rPr lang="hu-HU"/>
-              <a:t> </a:t>
-            </a:r>
-            <a:r>
-              <a:rPr lang="hu-HU" err="1"/>
-              <a:t>station</a:t>
-            </a:r>
-            <a:r>
-              <a:rPr lang="hu-HU"/>
-              <a:t> has no </a:t>
-            </a:r>
-            <a:r>
-              <a:rPr lang="hu-HU" err="1"/>
-              <a:t>hardwired</a:t>
-            </a:r>
-            <a:r>
-              <a:rPr lang="hu-HU"/>
-              <a:t> </a:t>
-            </a:r>
-            <a:r>
-              <a:rPr lang="hu-HU" err="1"/>
-              <a:t>providers</a:t>
-            </a:r>
-            <a:r>
-              <a:rPr lang="hu-HU"/>
-              <a:t> </a:t>
-            </a:r>
-            <a:r>
-              <a:rPr lang="hu-HU" err="1"/>
-              <a:t>prepared</a:t>
-            </a:r>
-            <a:r>
-              <a:rPr lang="hu-HU"/>
-              <a:t> in </a:t>
-            </a:r>
-            <a:r>
-              <a:rPr lang="hu-HU" err="1"/>
-              <a:t>the</a:t>
-            </a:r>
-            <a:r>
-              <a:rPr lang="hu-HU"/>
-              <a:t> </a:t>
-            </a:r>
-            <a:r>
-              <a:rPr lang="hu-HU" err="1"/>
-              <a:t>Orchestration</a:t>
-            </a:r>
-            <a:r>
-              <a:rPr lang="hu-HU"/>
-              <a:t> </a:t>
-            </a:r>
-            <a:r>
-              <a:rPr lang="hu-HU" err="1"/>
-              <a:t>Store</a:t>
-            </a:r>
-            <a:r>
-              <a:rPr lang="hu-HU"/>
-              <a:t>.</a:t>
-            </a:r>
-            <a:endParaRPr lang="en-US"/>
-          </a:p>
-          <a:p>
-            <a:pPr lvl="1"/>
-            <a:r>
-              <a:rPr lang="hu-HU"/>
-              <a:t>The „</a:t>
-            </a:r>
-            <a:r>
-              <a:rPr lang="hu-HU" err="1"/>
-              <a:t>DCCharging</a:t>
-            </a:r>
-            <a:r>
-              <a:rPr lang="hu-HU"/>
-              <a:t>” service is </a:t>
-            </a:r>
-            <a:r>
-              <a:rPr lang="hu-HU" err="1"/>
-              <a:t>requested</a:t>
-            </a:r>
-            <a:r>
-              <a:rPr lang="hu-HU"/>
-              <a:t> </a:t>
-            </a:r>
-            <a:r>
-              <a:rPr lang="hu-HU" err="1"/>
-              <a:t>by</a:t>
-            </a:r>
-            <a:r>
-              <a:rPr lang="hu-HU"/>
-              <a:t> </a:t>
-            </a:r>
-            <a:r>
-              <a:rPr lang="hu-HU" err="1"/>
-              <a:t>electric</a:t>
-            </a:r>
-            <a:r>
-              <a:rPr lang="hu-HU"/>
-              <a:t> </a:t>
-            </a:r>
-            <a:r>
-              <a:rPr lang="hu-HU" err="1"/>
-              <a:t>cars</a:t>
-            </a:r>
-            <a:r>
-              <a:rPr lang="hu-HU"/>
-              <a:t> and </a:t>
-            </a:r>
-            <a:r>
-              <a:rPr lang="hu-HU" err="1"/>
-              <a:t>the</a:t>
-            </a:r>
-            <a:r>
-              <a:rPr lang="hu-HU"/>
-              <a:t> </a:t>
-            </a:r>
-            <a:r>
-              <a:rPr lang="hu-HU" err="1"/>
-              <a:t>charging</a:t>
-            </a:r>
-            <a:r>
-              <a:rPr lang="hu-HU"/>
-              <a:t> </a:t>
-            </a:r>
-            <a:r>
-              <a:rPr lang="hu-HU" err="1"/>
-              <a:t>stations</a:t>
-            </a:r>
-            <a:r>
-              <a:rPr lang="hu-HU"/>
-              <a:t> </a:t>
-            </a:r>
-            <a:r>
-              <a:rPr lang="hu-HU" err="1"/>
-              <a:t>can</a:t>
-            </a:r>
-            <a:r>
-              <a:rPr lang="hu-HU"/>
-              <a:t> </a:t>
-            </a:r>
-            <a:r>
-              <a:rPr lang="hu-HU" err="1"/>
-              <a:t>provide</a:t>
-            </a:r>
-            <a:r>
-              <a:rPr lang="hu-HU"/>
-              <a:t> </a:t>
-            </a:r>
-            <a:r>
-              <a:rPr lang="hu-HU" err="1"/>
-              <a:t>this</a:t>
-            </a:r>
-            <a:r>
-              <a:rPr lang="hu-HU"/>
-              <a:t> service (</a:t>
-            </a:r>
-            <a:r>
-              <a:rPr lang="hu-HU" err="1"/>
-              <a:t>inter-cloud</a:t>
-            </a:r>
-            <a:r>
-              <a:rPr lang="hu-HU"/>
-              <a:t> </a:t>
-            </a:r>
-            <a:r>
-              <a:rPr lang="hu-HU" err="1"/>
-              <a:t>servicing</a:t>
-            </a:r>
-            <a:r>
-              <a:rPr lang="hu-HU"/>
-              <a:t>).</a:t>
-            </a:r>
-            <a:endParaRPr lang="en-US"/>
-          </a:p>
-          <a:p>
-            <a:pPr lvl="1"/>
-            <a:r>
-              <a:rPr lang="hu-HU"/>
-              <a:t>And </a:t>
-            </a:r>
-            <a:r>
-              <a:rPr lang="hu-HU" err="1"/>
-              <a:t>finally</a:t>
-            </a:r>
-            <a:r>
-              <a:rPr lang="hu-HU"/>
-              <a:t> </a:t>
-            </a:r>
-            <a:r>
-              <a:rPr lang="hu-HU" err="1"/>
-              <a:t>the</a:t>
-            </a:r>
-            <a:r>
-              <a:rPr lang="hu-HU"/>
-              <a:t> „</a:t>
-            </a:r>
-            <a:r>
-              <a:rPr lang="hu-HU" err="1"/>
-              <a:t>ChargingProfile</a:t>
-            </a:r>
-            <a:r>
-              <a:rPr lang="hu-HU"/>
-              <a:t>” service </a:t>
-            </a:r>
-            <a:r>
-              <a:rPr lang="hu-HU" err="1"/>
-              <a:t>will</a:t>
-            </a:r>
-            <a:r>
-              <a:rPr lang="hu-HU"/>
-              <a:t> be </a:t>
-            </a:r>
-            <a:r>
-              <a:rPr lang="hu-HU" err="1"/>
-              <a:t>provided</a:t>
-            </a:r>
-            <a:r>
-              <a:rPr lang="hu-HU"/>
-              <a:t> </a:t>
-            </a:r>
-            <a:r>
-              <a:rPr lang="hu-HU" err="1"/>
-              <a:t>by</a:t>
-            </a:r>
-            <a:r>
-              <a:rPr lang="hu-HU"/>
-              <a:t> </a:t>
-            </a:r>
-            <a:r>
-              <a:rPr lang="hu-HU" err="1"/>
-              <a:t>the</a:t>
-            </a:r>
-            <a:r>
-              <a:rPr lang="hu-HU"/>
-              <a:t> „</a:t>
-            </a:r>
-            <a:r>
-              <a:rPr lang="hu-HU" err="1"/>
-              <a:t>BatteryProfiles</a:t>
-            </a:r>
-            <a:r>
-              <a:rPr lang="hu-HU"/>
-              <a:t>” </a:t>
-            </a:r>
-            <a:r>
-              <a:rPr lang="hu-HU" err="1"/>
-              <a:t>system</a:t>
-            </a:r>
-            <a:r>
-              <a:rPr lang="hu-HU"/>
-              <a:t> </a:t>
-            </a:r>
-            <a:r>
-              <a:rPr lang="hu-HU" err="1"/>
-              <a:t>from</a:t>
-            </a:r>
-            <a:r>
-              <a:rPr lang="hu-HU"/>
-              <a:t> </a:t>
-            </a:r>
-            <a:r>
-              <a:rPr lang="hu-HU" err="1"/>
-              <a:t>the</a:t>
-            </a:r>
-            <a:r>
-              <a:rPr lang="hu-HU"/>
-              <a:t> EV </a:t>
-            </a:r>
-            <a:r>
-              <a:rPr lang="hu-HU" err="1"/>
-              <a:t>cloud</a:t>
-            </a:r>
-            <a:r>
-              <a:rPr lang="hu-HU"/>
-              <a:t>, </a:t>
-            </a:r>
-            <a:r>
-              <a:rPr lang="hu-HU" err="1"/>
-              <a:t>to</a:t>
-            </a:r>
-            <a:r>
-              <a:rPr lang="hu-HU"/>
-              <a:t> </a:t>
-            </a:r>
-            <a:r>
-              <a:rPr lang="hu-HU" err="1"/>
-              <a:t>the</a:t>
-            </a:r>
-            <a:r>
-              <a:rPr lang="hu-HU"/>
-              <a:t> </a:t>
-            </a:r>
-            <a:r>
-              <a:rPr lang="hu-HU" err="1"/>
-              <a:t>charging</a:t>
-            </a:r>
-            <a:r>
-              <a:rPr lang="hu-HU"/>
-              <a:t> </a:t>
-            </a:r>
-            <a:r>
-              <a:rPr lang="hu-HU" err="1"/>
-              <a:t>stations</a:t>
-            </a:r>
-            <a:r>
-              <a:rPr lang="hu-HU"/>
-              <a:t>.</a:t>
-            </a:r>
-            <a:endParaRPr lang="en-US"/>
+              <a:t>dummy</a:t>
+            </a:r>
+            <a:r>
+              <a:rPr lang="hu-HU"/>
+              <a:t> </a:t>
+            </a:r>
+            <a:r>
+              <a:rPr lang="hu-HU" err="1"/>
+              <a:t>data</a:t>
+            </a:r>
+            <a:r>
+              <a:rPr lang="hu-HU"/>
+              <a:t>. </a:t>
+            </a:r>
           </a:p>
         </p:txBody>
       </p:sp>
     </p:spTree>
     <p:extLst>
       <p:ext uri="{BB962C8B-B14F-4D97-AF65-F5344CB8AC3E}">
-        <p14:creationId xmlns:p14="http://schemas.microsoft.com/office/powerpoint/2010/main" val="2307008993"/>
+        <p14:creationId xmlns:p14="http://schemas.microsoft.com/office/powerpoint/2010/main" val="1671073574"/>
       </p:ext>
     </p:extLst>
   </p:cSld>
@@ -5831,56 +5246,676 @@
         </p:nvSpPr>
         <p:spPr>
           <a:xfrm>
-            <a:off x="838200" y="365125"/>
-            <a:ext cx="10515600" cy="824483"/>
+            <a:off x="372862" y="1"/>
+            <a:ext cx="10142738" cy="990738"/>
           </a:xfrm>
         </p:spPr>
         <p:txBody>
-          <a:bodyPr/>
+          <a:bodyPr>
+            <a:normAutofit/>
+          </a:bodyPr>
           <a:lstStyle/>
           <a:p>
-            <a:pPr algn="ctr"/>
-            <a:r>
-              <a:rPr lang="hu-HU"/>
-              <a:t>Electric Vehicle Use Case Scenario</a:t>
+            <a:r>
+              <a:rPr lang="en-US" sz="3600"/>
+              <a:t>Use case scenario for manual testing</a:t>
             </a:r>
           </a:p>
         </p:txBody>
       </p:sp>
-      <p:pic>
-        <p:nvPicPr>
-          <p:cNvPr id="4" name="Kép 3">
-            <a:extLst>
-              <a:ext uri="{FF2B5EF4-FFF2-40B4-BE49-F238E27FC236}">
-                <a16:creationId xmlns:a16="http://schemas.microsoft.com/office/drawing/2014/main" id="{D5597508-658E-44D9-8EA4-9BAA508D5134}"/>
-              </a:ext>
-            </a:extLst>
-          </p:cNvPr>
-          <p:cNvPicPr>
-            <a:picLocks noChangeAspect="1"/>
-          </p:cNvPicPr>
-          <p:nvPr/>
-        </p:nvPicPr>
-        <p:blipFill>
-          <a:blip r:embed="rId2"/>
-          <a:stretch>
-            <a:fillRect/>
-          </a:stretch>
-        </p:blipFill>
+      <p:sp>
+        <p:nvSpPr>
+          <p:cNvPr id="3" name="Tartalom helye 2"/>
+          <p:cNvSpPr>
+            <a:spLocks noGrp="1"/>
+          </p:cNvSpPr>
+          <p:nvPr>
+            <p:ph idx="1"/>
+          </p:nvPr>
+        </p:nvSpPr>
         <p:spPr>
           <a:xfrm>
-            <a:off x="1651265" y="1010698"/>
-            <a:ext cx="8686278" cy="5446702"/>
+            <a:off x="79513" y="923279"/>
+            <a:ext cx="11989904" cy="5934722"/>
           </a:xfrm>
-          <a:prstGeom prst="rect">
-            <a:avLst/>
-          </a:prstGeom>
         </p:spPr>
-      </p:pic>
+        <p:txBody>
+          <a:bodyPr>
+            <a:normAutofit fontScale="92500"/>
+          </a:bodyPr>
+          <a:lstStyle/>
+          <a:p>
+            <a:r>
+              <a:rPr lang="en-US"/>
+              <a:t>This test scenario shows an automotive case. There are two Local Clouds defined:</a:t>
+            </a:r>
+          </a:p>
+          <a:p>
+            <a:pPr lvl="1"/>
+            <a:r>
+              <a:rPr lang="en-US"/>
+              <a:t>Cloud 1 belongs to a charging infrastructure owner with charging stations and their management systems (servers). </a:t>
+            </a:r>
+          </a:p>
+          <a:p>
+            <a:pPr lvl="1"/>
+            <a:r>
+              <a:rPr lang="en-US"/>
+              <a:t>Cloud 2 belongs to a</a:t>
+            </a:r>
+            <a:r>
+              <a:rPr lang="hu-HU"/>
+              <a:t>n </a:t>
+            </a:r>
+            <a:r>
+              <a:rPr lang="en-US"/>
+              <a:t>electric</a:t>
+            </a:r>
+            <a:r>
+              <a:rPr lang="hu-HU"/>
+              <a:t> </a:t>
+            </a:r>
+            <a:r>
+              <a:rPr lang="en-US"/>
+              <a:t>car manufacturer and it</a:t>
+            </a:r>
+            <a:r>
+              <a:rPr lang="hu-HU"/>
+              <a:t>s </a:t>
+            </a:r>
+            <a:r>
+              <a:rPr lang="en-US"/>
+              <a:t>systems include electric cars that can look for charging services</a:t>
+            </a:r>
+            <a:r>
+              <a:rPr lang="hu-HU"/>
+              <a:t>, and servers </a:t>
+            </a:r>
+            <a:r>
+              <a:rPr lang="en-US"/>
+              <a:t>providing</a:t>
+            </a:r>
+            <a:r>
+              <a:rPr lang="hu-HU"/>
+              <a:t> </a:t>
+            </a:r>
+            <a:r>
+              <a:rPr lang="hu-HU" err="1"/>
+              <a:t>optimal</a:t>
+            </a:r>
+            <a:r>
+              <a:rPr lang="hu-HU"/>
+              <a:t> </a:t>
+            </a:r>
+            <a:r>
+              <a:rPr lang="en-US"/>
+              <a:t>charging</a:t>
+            </a:r>
+            <a:r>
+              <a:rPr lang="hu-HU"/>
+              <a:t> </a:t>
+            </a:r>
+            <a:r>
+              <a:rPr lang="hu-HU" err="1"/>
+              <a:t>profiles</a:t>
+            </a:r>
+            <a:r>
+              <a:rPr lang="hu-HU"/>
+              <a:t> </a:t>
+            </a:r>
+            <a:r>
+              <a:rPr lang="hu-HU" err="1"/>
+              <a:t>for</a:t>
+            </a:r>
+            <a:r>
+              <a:rPr lang="hu-HU"/>
+              <a:t> </a:t>
+            </a:r>
+            <a:r>
+              <a:rPr lang="hu-HU" err="1"/>
+              <a:t>different</a:t>
+            </a:r>
+            <a:r>
+              <a:rPr lang="hu-HU"/>
+              <a:t> </a:t>
+            </a:r>
+            <a:r>
+              <a:rPr lang="hu-HU" err="1"/>
+              <a:t>types</a:t>
+            </a:r>
+            <a:r>
+              <a:rPr lang="hu-HU"/>
+              <a:t> of </a:t>
+            </a:r>
+            <a:r>
+              <a:rPr lang="hu-HU" err="1"/>
+              <a:t>electric</a:t>
+            </a:r>
+            <a:r>
+              <a:rPr lang="hu-HU"/>
+              <a:t> </a:t>
+            </a:r>
+            <a:r>
+              <a:rPr lang="hu-HU" err="1"/>
+              <a:t>cars</a:t>
+            </a:r>
+            <a:r>
+              <a:rPr lang="en-US"/>
+              <a:t>.</a:t>
+            </a:r>
+          </a:p>
+          <a:p>
+            <a:r>
+              <a:rPr lang="en-US"/>
+              <a:t>There are </a:t>
+            </a:r>
+            <a:r>
+              <a:rPr lang="hu-HU"/>
+              <a:t>4</a:t>
+            </a:r>
+            <a:r>
+              <a:rPr lang="en-US"/>
+              <a:t> Application Services defined for testing out orchestration. Some Service Providers are missing qualifications (e.g. missing authorization or simply are offline). </a:t>
+            </a:r>
+          </a:p>
+          <a:p>
+            <a:pPr lvl="1"/>
+            <a:r>
+              <a:rPr lang="hu-HU" noProof="1"/>
+              <a:t>„Billing”</a:t>
+            </a:r>
+            <a:r>
+              <a:rPr lang="en-US"/>
+              <a:t> can be requested by „</a:t>
+            </a:r>
+            <a:r>
+              <a:rPr lang="hu-HU" err="1"/>
+              <a:t>ChargePointSystems</a:t>
+            </a:r>
+            <a:r>
+              <a:rPr lang="en-US"/>
+              <a:t>” and </a:t>
+            </a:r>
+            <a:r>
+              <a:rPr lang="hu-HU"/>
+              <a:t>a „</a:t>
+            </a:r>
+            <a:r>
+              <a:rPr lang="hu-HU" err="1"/>
+              <a:t>SmartGridManagerSystem</a:t>
+            </a:r>
+            <a:r>
+              <a:rPr lang="hu-HU"/>
+              <a:t>” </a:t>
+            </a:r>
+            <a:r>
+              <a:rPr lang="hu-HU" err="1"/>
+              <a:t>can</a:t>
+            </a:r>
+            <a:r>
+              <a:rPr lang="hu-HU"/>
+              <a:t> </a:t>
+            </a:r>
+            <a:r>
+              <a:rPr lang="hu-HU" err="1"/>
+              <a:t>provide</a:t>
+            </a:r>
+            <a:r>
+              <a:rPr lang="hu-HU"/>
+              <a:t> </a:t>
+            </a:r>
+            <a:r>
+              <a:rPr lang="hu-HU" err="1"/>
+              <a:t>this</a:t>
+            </a:r>
+            <a:r>
+              <a:rPr lang="hu-HU"/>
+              <a:t> service in </a:t>
+            </a:r>
+            <a:r>
+              <a:rPr lang="hu-HU" err="1"/>
+              <a:t>the</a:t>
+            </a:r>
+            <a:r>
+              <a:rPr lang="hu-HU"/>
+              <a:t> </a:t>
+            </a:r>
+            <a:r>
+              <a:rPr lang="hu-HU" err="1"/>
+              <a:t>same</a:t>
+            </a:r>
+            <a:r>
+              <a:rPr lang="hu-HU"/>
+              <a:t> </a:t>
+            </a:r>
+            <a:r>
+              <a:rPr lang="hu-HU" err="1"/>
+              <a:t>cloud</a:t>
+            </a:r>
+            <a:r>
+              <a:rPr lang="hu-HU"/>
+              <a:t>.</a:t>
+            </a:r>
+            <a:endParaRPr lang="en-US"/>
+          </a:p>
+          <a:p>
+            <a:pPr lvl="1"/>
+            <a:r>
+              <a:rPr lang="en-US"/>
+              <a:t>The </a:t>
+            </a:r>
+            <a:r>
+              <a:rPr lang="hu-HU"/>
+              <a:t>„</a:t>
+            </a:r>
+            <a:r>
+              <a:rPr lang="hu-HU" err="1"/>
+              <a:t>ChargingReservation</a:t>
+            </a:r>
+            <a:r>
+              <a:rPr lang="hu-HU"/>
+              <a:t>”</a:t>
+            </a:r>
+            <a:r>
+              <a:rPr lang="en-US"/>
+              <a:t> service </a:t>
+            </a:r>
+            <a:r>
+              <a:rPr lang="hu-HU"/>
+              <a:t>has </a:t>
+            </a:r>
+            <a:r>
+              <a:rPr lang="hu-HU" err="1"/>
+              <a:t>the</a:t>
+            </a:r>
+            <a:r>
+              <a:rPr lang="hu-HU"/>
+              <a:t> </a:t>
+            </a:r>
+            <a:r>
+              <a:rPr lang="hu-HU" err="1"/>
+              <a:t>same</a:t>
+            </a:r>
+            <a:r>
+              <a:rPr lang="hu-HU"/>
+              <a:t> </a:t>
+            </a:r>
+            <a:r>
+              <a:rPr lang="hu-HU" err="1"/>
+              <a:t>requester</a:t>
+            </a:r>
+            <a:r>
+              <a:rPr lang="hu-HU"/>
+              <a:t> and </a:t>
+            </a:r>
+            <a:r>
+              <a:rPr lang="hu-HU" err="1"/>
+              <a:t>provider</a:t>
+            </a:r>
+            <a:r>
+              <a:rPr lang="hu-HU"/>
+              <a:t> </a:t>
+            </a:r>
+            <a:r>
+              <a:rPr lang="hu-HU" err="1"/>
+              <a:t>system</a:t>
+            </a:r>
+            <a:r>
+              <a:rPr lang="hu-HU"/>
+              <a:t>, </a:t>
+            </a:r>
+            <a:r>
+              <a:rPr lang="hu-HU" err="1"/>
+              <a:t>but</a:t>
+            </a:r>
+            <a:r>
+              <a:rPr lang="hu-HU"/>
+              <a:t> </a:t>
+            </a:r>
+            <a:r>
+              <a:rPr lang="hu-HU" err="1"/>
+              <a:t>for</a:t>
+            </a:r>
+            <a:r>
+              <a:rPr lang="hu-HU"/>
+              <a:t> </a:t>
+            </a:r>
+            <a:r>
+              <a:rPr lang="hu-HU" err="1"/>
+              <a:t>this</a:t>
+            </a:r>
+            <a:r>
+              <a:rPr lang="hu-HU"/>
+              <a:t> service </a:t>
+            </a:r>
+            <a:r>
+              <a:rPr lang="hu-HU" err="1"/>
+              <a:t>the</a:t>
+            </a:r>
+            <a:r>
+              <a:rPr lang="hu-HU"/>
+              <a:t> </a:t>
+            </a:r>
+            <a:r>
+              <a:rPr lang="hu-HU" err="1"/>
+              <a:t>charging</a:t>
+            </a:r>
+            <a:r>
+              <a:rPr lang="hu-HU"/>
+              <a:t> </a:t>
+            </a:r>
+            <a:r>
+              <a:rPr lang="hu-HU" err="1"/>
+              <a:t>station</a:t>
+            </a:r>
+            <a:r>
+              <a:rPr lang="hu-HU"/>
+              <a:t> has no </a:t>
+            </a:r>
+            <a:r>
+              <a:rPr lang="hu-HU" err="1"/>
+              <a:t>hardwired</a:t>
+            </a:r>
+            <a:r>
+              <a:rPr lang="hu-HU"/>
+              <a:t> </a:t>
+            </a:r>
+            <a:r>
+              <a:rPr lang="hu-HU" err="1"/>
+              <a:t>providers</a:t>
+            </a:r>
+            <a:r>
+              <a:rPr lang="hu-HU"/>
+              <a:t> </a:t>
+            </a:r>
+            <a:r>
+              <a:rPr lang="hu-HU" err="1"/>
+              <a:t>prepared</a:t>
+            </a:r>
+            <a:r>
+              <a:rPr lang="hu-HU"/>
+              <a:t> in </a:t>
+            </a:r>
+            <a:r>
+              <a:rPr lang="hu-HU" err="1"/>
+              <a:t>the</a:t>
+            </a:r>
+            <a:r>
+              <a:rPr lang="hu-HU"/>
+              <a:t> </a:t>
+            </a:r>
+            <a:r>
+              <a:rPr lang="hu-HU" err="1"/>
+              <a:t>Orchestration</a:t>
+            </a:r>
+            <a:r>
+              <a:rPr lang="hu-HU"/>
+              <a:t> </a:t>
+            </a:r>
+            <a:r>
+              <a:rPr lang="hu-HU" err="1"/>
+              <a:t>Store</a:t>
+            </a:r>
+            <a:r>
+              <a:rPr lang="hu-HU"/>
+              <a:t>.</a:t>
+            </a:r>
+            <a:endParaRPr lang="en-US"/>
+          </a:p>
+          <a:p>
+            <a:pPr lvl="1"/>
+            <a:r>
+              <a:rPr lang="hu-HU"/>
+              <a:t>The „</a:t>
+            </a:r>
+            <a:r>
+              <a:rPr lang="hu-HU" err="1"/>
+              <a:t>DCCharging</a:t>
+            </a:r>
+            <a:r>
+              <a:rPr lang="hu-HU"/>
+              <a:t>” service is </a:t>
+            </a:r>
+            <a:r>
+              <a:rPr lang="hu-HU" err="1"/>
+              <a:t>requested</a:t>
+            </a:r>
+            <a:r>
+              <a:rPr lang="hu-HU"/>
+              <a:t> </a:t>
+            </a:r>
+            <a:r>
+              <a:rPr lang="hu-HU" err="1"/>
+              <a:t>by</a:t>
+            </a:r>
+            <a:r>
+              <a:rPr lang="hu-HU"/>
+              <a:t> </a:t>
+            </a:r>
+            <a:r>
+              <a:rPr lang="hu-HU" err="1"/>
+              <a:t>electric</a:t>
+            </a:r>
+            <a:r>
+              <a:rPr lang="hu-HU"/>
+              <a:t> </a:t>
+            </a:r>
+            <a:r>
+              <a:rPr lang="hu-HU" err="1"/>
+              <a:t>cars</a:t>
+            </a:r>
+            <a:r>
+              <a:rPr lang="hu-HU"/>
+              <a:t> and </a:t>
+            </a:r>
+            <a:r>
+              <a:rPr lang="hu-HU" err="1"/>
+              <a:t>the</a:t>
+            </a:r>
+            <a:r>
+              <a:rPr lang="hu-HU"/>
+              <a:t> </a:t>
+            </a:r>
+            <a:r>
+              <a:rPr lang="hu-HU" err="1"/>
+              <a:t>charging</a:t>
+            </a:r>
+            <a:r>
+              <a:rPr lang="hu-HU"/>
+              <a:t> </a:t>
+            </a:r>
+            <a:r>
+              <a:rPr lang="hu-HU" err="1"/>
+              <a:t>stations</a:t>
+            </a:r>
+            <a:r>
+              <a:rPr lang="hu-HU"/>
+              <a:t> </a:t>
+            </a:r>
+            <a:r>
+              <a:rPr lang="hu-HU" err="1"/>
+              <a:t>can</a:t>
+            </a:r>
+            <a:r>
+              <a:rPr lang="hu-HU"/>
+              <a:t> </a:t>
+            </a:r>
+            <a:r>
+              <a:rPr lang="hu-HU" err="1"/>
+              <a:t>provide</a:t>
+            </a:r>
+            <a:r>
+              <a:rPr lang="hu-HU"/>
+              <a:t> </a:t>
+            </a:r>
+            <a:r>
+              <a:rPr lang="hu-HU" err="1"/>
+              <a:t>this</a:t>
+            </a:r>
+            <a:r>
+              <a:rPr lang="hu-HU"/>
+              <a:t> service (</a:t>
+            </a:r>
+            <a:r>
+              <a:rPr lang="hu-HU" err="1"/>
+              <a:t>inter-cloud</a:t>
+            </a:r>
+            <a:r>
+              <a:rPr lang="hu-HU"/>
+              <a:t> </a:t>
+            </a:r>
+            <a:r>
+              <a:rPr lang="hu-HU" err="1"/>
+              <a:t>servicing</a:t>
+            </a:r>
+            <a:r>
+              <a:rPr lang="hu-HU"/>
+              <a:t>).</a:t>
+            </a:r>
+            <a:endParaRPr lang="en-US"/>
+          </a:p>
+          <a:p>
+            <a:pPr lvl="1"/>
+            <a:r>
+              <a:rPr lang="hu-HU"/>
+              <a:t>And </a:t>
+            </a:r>
+            <a:r>
+              <a:rPr lang="hu-HU" err="1"/>
+              <a:t>finally</a:t>
+            </a:r>
+            <a:r>
+              <a:rPr lang="hu-HU"/>
+              <a:t> </a:t>
+            </a:r>
+            <a:r>
+              <a:rPr lang="hu-HU" err="1"/>
+              <a:t>the</a:t>
+            </a:r>
+            <a:r>
+              <a:rPr lang="hu-HU"/>
+              <a:t> „</a:t>
+            </a:r>
+            <a:r>
+              <a:rPr lang="hu-HU" err="1"/>
+              <a:t>ChargingProfile</a:t>
+            </a:r>
+            <a:r>
+              <a:rPr lang="hu-HU"/>
+              <a:t>” service </a:t>
+            </a:r>
+            <a:r>
+              <a:rPr lang="hu-HU" err="1"/>
+              <a:t>will</a:t>
+            </a:r>
+            <a:r>
+              <a:rPr lang="hu-HU"/>
+              <a:t> be </a:t>
+            </a:r>
+            <a:r>
+              <a:rPr lang="hu-HU" err="1"/>
+              <a:t>provided</a:t>
+            </a:r>
+            <a:r>
+              <a:rPr lang="hu-HU"/>
+              <a:t> </a:t>
+            </a:r>
+            <a:r>
+              <a:rPr lang="hu-HU" err="1"/>
+              <a:t>by</a:t>
+            </a:r>
+            <a:r>
+              <a:rPr lang="hu-HU"/>
+              <a:t> </a:t>
+            </a:r>
+            <a:r>
+              <a:rPr lang="hu-HU" err="1"/>
+              <a:t>the</a:t>
+            </a:r>
+            <a:r>
+              <a:rPr lang="hu-HU"/>
+              <a:t> „</a:t>
+            </a:r>
+            <a:r>
+              <a:rPr lang="hu-HU" err="1"/>
+              <a:t>BatteryProfiles</a:t>
+            </a:r>
+            <a:r>
+              <a:rPr lang="hu-HU"/>
+              <a:t>” </a:t>
+            </a:r>
+            <a:r>
+              <a:rPr lang="hu-HU" err="1"/>
+              <a:t>system</a:t>
+            </a:r>
+            <a:r>
+              <a:rPr lang="hu-HU"/>
+              <a:t> </a:t>
+            </a:r>
+            <a:r>
+              <a:rPr lang="hu-HU" err="1"/>
+              <a:t>from</a:t>
+            </a:r>
+            <a:r>
+              <a:rPr lang="hu-HU"/>
+              <a:t> </a:t>
+            </a:r>
+            <a:r>
+              <a:rPr lang="hu-HU" err="1"/>
+              <a:t>the</a:t>
+            </a:r>
+            <a:r>
+              <a:rPr lang="hu-HU"/>
+              <a:t> EV </a:t>
+            </a:r>
+            <a:r>
+              <a:rPr lang="hu-HU" err="1"/>
+              <a:t>cloud</a:t>
+            </a:r>
+            <a:r>
+              <a:rPr lang="hu-HU"/>
+              <a:t>, </a:t>
+            </a:r>
+            <a:r>
+              <a:rPr lang="hu-HU" err="1"/>
+              <a:t>to</a:t>
+            </a:r>
+            <a:r>
+              <a:rPr lang="hu-HU"/>
+              <a:t> </a:t>
+            </a:r>
+            <a:r>
+              <a:rPr lang="hu-HU" err="1"/>
+              <a:t>the</a:t>
+            </a:r>
+            <a:r>
+              <a:rPr lang="hu-HU"/>
+              <a:t> </a:t>
+            </a:r>
+            <a:r>
+              <a:rPr lang="hu-HU" err="1"/>
+              <a:t>charging</a:t>
+            </a:r>
+            <a:r>
+              <a:rPr lang="hu-HU"/>
+              <a:t> </a:t>
+            </a:r>
+            <a:r>
+              <a:rPr lang="hu-HU" err="1"/>
+              <a:t>stations</a:t>
+            </a:r>
+            <a:r>
+              <a:rPr lang="hu-HU"/>
+              <a:t>.</a:t>
+            </a:r>
+            <a:endParaRPr lang="en-US"/>
+          </a:p>
+        </p:txBody>
+      </p:sp>
     </p:spTree>
     <p:extLst>
       <p:ext uri="{BB962C8B-B14F-4D97-AF65-F5344CB8AC3E}">
-        <p14:creationId xmlns:p14="http://schemas.microsoft.com/office/powerpoint/2010/main" val="4218848585"/>
+        <p14:creationId xmlns:p14="http://schemas.microsoft.com/office/powerpoint/2010/main" val="2307008993"/>
       </p:ext>
     </p:extLst>
   </p:cSld>
@@ -5919,93 +5954,31 @@
         </p:nvSpPr>
         <p:spPr>
           <a:xfrm>
-            <a:off x="838200" y="189280"/>
-            <a:ext cx="10515600" cy="820208"/>
+            <a:off x="838200" y="365125"/>
+            <a:ext cx="10515600" cy="824483"/>
           </a:xfrm>
         </p:spPr>
         <p:txBody>
-          <a:bodyPr>
-            <a:normAutofit/>
-          </a:bodyPr>
+          <a:bodyPr/>
           <a:lstStyle/>
           <a:p>
-            <a:r>
-              <a:rPr lang="hu-HU" sz="3600" err="1"/>
-              <a:t>Testbed</a:t>
-            </a:r>
-            <a:r>
-              <a:rPr lang="hu-HU" sz="3600"/>
-              <a:t> servers </a:t>
-            </a:r>
-            <a:r>
-              <a:rPr lang="hu-HU" sz="3600" err="1"/>
-              <a:t>deployment</a:t>
-            </a:r>
-            <a:r>
-              <a:rPr lang="hu-HU" sz="3600"/>
-              <a:t> </a:t>
-            </a:r>
-            <a:r>
-              <a:rPr lang="hu-HU" sz="3600" err="1"/>
-              <a:t>information</a:t>
-            </a:r>
-            <a:endParaRPr lang="hu-HU" sz="3600"/>
-          </a:p>
-        </p:txBody>
-      </p:sp>
-      <p:sp>
-        <p:nvSpPr>
-          <p:cNvPr id="3" name="Tartalom helye 2"/>
-          <p:cNvSpPr>
-            <a:spLocks noGrp="1"/>
-          </p:cNvSpPr>
-          <p:nvPr>
-            <p:ph idx="1"/>
-          </p:nvPr>
-        </p:nvSpPr>
-        <p:spPr>
-          <a:xfrm>
-            <a:off x="838200" y="1185334"/>
-            <a:ext cx="10515600" cy="4991629"/>
-          </a:xfrm>
-        </p:spPr>
-        <p:txBody>
-          <a:bodyPr>
-            <a:normAutofit/>
-          </a:bodyPr>
-          <a:lstStyle/>
-          <a:p>
-            <a:endParaRPr lang="hu-HU" sz="2400"/>
-          </a:p>
-          <a:p>
-            <a:endParaRPr lang="hu-HU" sz="2400"/>
-          </a:p>
-          <a:p>
-            <a:endParaRPr lang="hu-HU" sz="2400"/>
-          </a:p>
-          <a:p>
-            <a:pPr marL="0" indent="0">
-              <a:buNone/>
-            </a:pPr>
-            <a:endParaRPr lang="hu-HU" sz="2400"/>
-          </a:p>
-          <a:p>
-            <a:pPr marL="0" indent="0">
-              <a:buNone/>
-            </a:pPr>
-            <a:br>
-              <a:rPr lang="hu-HU" sz="2400"/>
-            </a:br>
-            <a:br>
-              <a:rPr lang="hu-HU" sz="2400"/>
-            </a:br>
-            <a:endParaRPr lang="hu-HU" sz="2400"/>
+            <a:pPr algn="ctr"/>
+            <a:r>
+              <a:rPr lang="hu-HU"/>
+              <a:t>Electric Vehicle Use Case Scenario</a:t>
+            </a:r>
           </a:p>
         </p:txBody>
       </p:sp>
       <p:pic>
         <p:nvPicPr>
-          <p:cNvPr id="7" name="Kép 6"/>
+          <p:cNvPr id="4" name="Kép 3">
+            <a:extLst>
+              <a:ext uri="{FF2B5EF4-FFF2-40B4-BE49-F238E27FC236}">
+                <a16:creationId xmlns:a16="http://schemas.microsoft.com/office/drawing/2014/main" id="{D5597508-658E-44D9-8EA4-9BAA508D5134}"/>
+              </a:ext>
+            </a:extLst>
+          </p:cNvPr>
           <p:cNvPicPr>
             <a:picLocks noChangeAspect="1"/>
           </p:cNvPicPr>
@@ -6019,804 +5992,18 @@
         </p:blipFill>
         <p:spPr>
           <a:xfrm>
-            <a:off x="971699" y="919937"/>
-            <a:ext cx="6207220" cy="1344083"/>
+            <a:off x="1651265" y="1010698"/>
+            <a:ext cx="8686278" cy="5446702"/>
           </a:xfrm>
           <a:prstGeom prst="rect">
             <a:avLst/>
           </a:prstGeom>
         </p:spPr>
       </p:pic>
-      <p:sp>
-        <p:nvSpPr>
-          <p:cNvPr id="8" name="Szövegdoboz 7"/>
-          <p:cNvSpPr txBox="1"/>
-          <p:nvPr/>
-        </p:nvSpPr>
-        <p:spPr>
-          <a:xfrm>
-            <a:off x="589085" y="2415939"/>
-            <a:ext cx="9856177" cy="4154984"/>
-          </a:xfrm>
-          <a:prstGeom prst="rect">
-            <a:avLst/>
-          </a:prstGeom>
-          <a:noFill/>
-        </p:spPr>
-        <p:txBody>
-          <a:bodyPr wrap="square" rtlCol="0">
-            <a:spAutoFit/>
-          </a:bodyPr>
-          <a:lstStyle/>
-          <a:p>
-            <a:pPr marL="285750" indent="-285750">
-              <a:buFont typeface="Arial" panose="020B0604020202020204" pitchFamily="34" charset="0"/>
-              <a:buChar char="•"/>
-            </a:pPr>
-            <a:r>
-              <a:rPr lang="hu-HU" sz="2200"/>
-              <a:t>The </a:t>
-            </a:r>
-            <a:r>
-              <a:rPr lang="hu-HU" sz="2200" err="1"/>
-              <a:t>secure</a:t>
-            </a:r>
-            <a:r>
-              <a:rPr lang="hu-HU" sz="2200"/>
-              <a:t> </a:t>
-            </a:r>
-            <a:r>
-              <a:rPr lang="hu-HU" sz="2200" err="1"/>
-              <a:t>versions</a:t>
-            </a:r>
-            <a:r>
-              <a:rPr lang="hu-HU" sz="2200"/>
-              <a:t> of </a:t>
-            </a:r>
-            <a:r>
-              <a:rPr lang="hu-HU" sz="2200" err="1"/>
-              <a:t>the</a:t>
-            </a:r>
-            <a:r>
-              <a:rPr lang="hu-HU" sz="2200"/>
-              <a:t> </a:t>
-            </a:r>
-            <a:r>
-              <a:rPr lang="hu-HU" sz="2200" err="1"/>
-              <a:t>Core</a:t>
-            </a:r>
-            <a:r>
-              <a:rPr lang="hu-HU" sz="2200"/>
-              <a:t> Systems </a:t>
-            </a:r>
-            <a:r>
-              <a:rPr lang="hu-HU" sz="2200" err="1"/>
-              <a:t>use</a:t>
-            </a:r>
-            <a:r>
-              <a:rPr lang="hu-HU" sz="2200"/>
-              <a:t> </a:t>
-            </a:r>
-            <a:r>
-              <a:rPr lang="hu-HU" sz="2200" err="1"/>
-              <a:t>the</a:t>
-            </a:r>
-            <a:r>
-              <a:rPr lang="hu-HU" sz="2200"/>
-              <a:t> </a:t>
-            </a:r>
-            <a:r>
-              <a:rPr lang="hu-HU" sz="2200" err="1"/>
-              <a:t>odd</a:t>
-            </a:r>
-            <a:r>
-              <a:rPr lang="hu-HU" sz="2200"/>
-              <a:t> </a:t>
-            </a:r>
-            <a:r>
-              <a:rPr lang="hu-HU" sz="2200" err="1"/>
-              <a:t>numbered</a:t>
-            </a:r>
-            <a:r>
-              <a:rPr lang="hu-HU" sz="2200"/>
-              <a:t> port </a:t>
-            </a:r>
-            <a:r>
-              <a:rPr lang="hu-HU" sz="2200" err="1"/>
-              <a:t>numbers</a:t>
-            </a:r>
-            <a:r>
-              <a:rPr lang="hu-HU" sz="2200"/>
-              <a:t>, </a:t>
-            </a:r>
-            <a:r>
-              <a:rPr lang="hu-HU" sz="2200" err="1"/>
-              <a:t>e.g</a:t>
-            </a:r>
-            <a:r>
-              <a:rPr lang="hu-HU" sz="2200"/>
-              <a:t>. </a:t>
-            </a:r>
-            <a:r>
-              <a:rPr lang="hu-HU" sz="2200" err="1"/>
-              <a:t>the</a:t>
-            </a:r>
-            <a:r>
-              <a:rPr lang="hu-HU" sz="2200"/>
-              <a:t> </a:t>
-            </a:r>
-            <a:r>
-              <a:rPr lang="hu-HU" sz="2200" err="1"/>
-              <a:t>secure</a:t>
-            </a:r>
-            <a:r>
-              <a:rPr lang="hu-HU" sz="2200"/>
-              <a:t> </a:t>
-            </a:r>
-            <a:r>
-              <a:rPr lang="hu-HU" sz="2200" err="1"/>
-              <a:t>Orchestration</a:t>
-            </a:r>
-            <a:r>
-              <a:rPr lang="hu-HU" sz="2200"/>
-              <a:t> service is </a:t>
-            </a:r>
-            <a:r>
-              <a:rPr lang="hu-HU" sz="2200" err="1"/>
-              <a:t>at</a:t>
-            </a:r>
-            <a:r>
-              <a:rPr lang="hu-HU" sz="2200"/>
-              <a:t> port 8441 </a:t>
-            </a:r>
-            <a:r>
-              <a:rPr lang="hu-HU" sz="2200" err="1"/>
-              <a:t>by</a:t>
-            </a:r>
-            <a:r>
-              <a:rPr lang="hu-HU" sz="2200"/>
-              <a:t> </a:t>
-            </a:r>
-            <a:r>
-              <a:rPr lang="hu-HU" sz="2200" err="1"/>
-              <a:t>default</a:t>
-            </a:r>
-            <a:endParaRPr lang="hu-HU" sz="2200"/>
-          </a:p>
-          <a:p>
-            <a:pPr marL="285750" indent="-285750">
-              <a:buFont typeface="Arial" panose="020B0604020202020204" pitchFamily="34" charset="0"/>
-              <a:buChar char="•"/>
-            </a:pPr>
-            <a:r>
-              <a:rPr lang="hu-HU" sz="2200"/>
-              <a:t>The port </a:t>
-            </a:r>
-            <a:r>
-              <a:rPr lang="hu-HU" sz="2200" err="1"/>
-              <a:t>allocations</a:t>
-            </a:r>
-            <a:r>
-              <a:rPr lang="hu-HU" sz="2200"/>
-              <a:t> </a:t>
-            </a:r>
-            <a:r>
-              <a:rPr lang="hu-HU" sz="2200" err="1"/>
-              <a:t>can</a:t>
-            </a:r>
-            <a:r>
-              <a:rPr lang="hu-HU" sz="2200"/>
-              <a:t> be </a:t>
-            </a:r>
-            <a:r>
-              <a:rPr lang="hu-HU" sz="2200" err="1"/>
-              <a:t>changed</a:t>
-            </a:r>
-            <a:r>
-              <a:rPr lang="hu-HU" sz="2200"/>
-              <a:t> </a:t>
-            </a:r>
-            <a:r>
-              <a:rPr lang="hu-HU" sz="2200" err="1"/>
-              <a:t>arbitrary</a:t>
-            </a:r>
-            <a:r>
-              <a:rPr lang="hu-HU" sz="2200"/>
-              <a:t> in </a:t>
-            </a:r>
-            <a:r>
-              <a:rPr lang="hu-HU" sz="2200" err="1"/>
-              <a:t>the</a:t>
-            </a:r>
-            <a:r>
-              <a:rPr lang="hu-HU" sz="2200"/>
-              <a:t> </a:t>
-            </a:r>
-            <a:r>
-              <a:rPr lang="hu-HU" sz="2200" err="1"/>
-              <a:t>app.properties</a:t>
-            </a:r>
-            <a:r>
-              <a:rPr lang="hu-HU" sz="2200"/>
-              <a:t> file </a:t>
-            </a:r>
-            <a:r>
-              <a:rPr lang="hu-HU" sz="2200" err="1"/>
-              <a:t>for</a:t>
-            </a:r>
-            <a:r>
-              <a:rPr lang="hu-HU" sz="2200"/>
-              <a:t> </a:t>
-            </a:r>
-            <a:r>
-              <a:rPr lang="hu-HU" sz="2200" err="1"/>
-              <a:t>each</a:t>
-            </a:r>
-            <a:r>
-              <a:rPr lang="hu-HU" sz="2200"/>
-              <a:t> </a:t>
-            </a:r>
-            <a:r>
-              <a:rPr lang="hu-HU" sz="2200" err="1"/>
-              <a:t>Core</a:t>
-            </a:r>
-            <a:r>
-              <a:rPr lang="hu-HU" sz="2200"/>
-              <a:t> System (</a:t>
-            </a:r>
-            <a:r>
-              <a:rPr lang="hu-HU" sz="2200" err="1"/>
-              <a:t>with</a:t>
-            </a:r>
-            <a:r>
-              <a:rPr lang="hu-HU" sz="2200"/>
-              <a:t> </a:t>
-            </a:r>
-            <a:r>
-              <a:rPr lang="hu-HU" sz="2200" err="1"/>
-              <a:t>the</a:t>
-            </a:r>
-            <a:r>
-              <a:rPr lang="hu-HU" sz="2200"/>
-              <a:t> </a:t>
-            </a:r>
-            <a:r>
-              <a:rPr lang="hu-HU" sz="2200" b="1" i="1" err="1"/>
-              <a:t>base_uri</a:t>
-            </a:r>
-            <a:r>
-              <a:rPr lang="hu-HU" sz="2200"/>
-              <a:t> and </a:t>
-            </a:r>
-            <a:r>
-              <a:rPr lang="hu-HU" sz="2200" b="1" i="1" err="1"/>
-              <a:t>base_uri_secured</a:t>
-            </a:r>
-            <a:r>
-              <a:rPr lang="hu-HU" sz="2200"/>
-              <a:t> </a:t>
-            </a:r>
-            <a:r>
-              <a:rPr lang="hu-HU" sz="2200" err="1"/>
-              <a:t>properties</a:t>
-            </a:r>
-            <a:r>
-              <a:rPr lang="hu-HU" sz="2200"/>
-              <a:t>)</a:t>
-            </a:r>
-          </a:p>
-          <a:p>
-            <a:pPr marL="285750" indent="-285750">
-              <a:buFont typeface="Arial" panose="020B0604020202020204" pitchFamily="34" charset="0"/>
-              <a:buChar char="•"/>
-            </a:pPr>
-            <a:r>
-              <a:rPr lang="hu-HU" sz="2200"/>
-              <a:t>Service </a:t>
-            </a:r>
-            <a:r>
-              <a:rPr lang="hu-HU" sz="2200" err="1"/>
-              <a:t>URIs</a:t>
-            </a:r>
-            <a:r>
-              <a:rPr lang="hu-HU" sz="2200"/>
-              <a:t> (</a:t>
-            </a:r>
-            <a:r>
-              <a:rPr lang="hu-HU" sz="2200" err="1"/>
-              <a:t>where</a:t>
-            </a:r>
-            <a:r>
-              <a:rPr lang="hu-HU" sz="2200"/>
-              <a:t> </a:t>
-            </a:r>
-            <a:r>
-              <a:rPr lang="hu-HU" sz="2200" err="1"/>
-              <a:t>the</a:t>
-            </a:r>
-            <a:r>
-              <a:rPr lang="hu-HU" sz="2200"/>
-              <a:t> server is </a:t>
-            </a:r>
-            <a:r>
-              <a:rPr lang="hu-HU" sz="2200" err="1"/>
-              <a:t>deployed</a:t>
-            </a:r>
-            <a:r>
-              <a:rPr lang="hu-HU" sz="2200"/>
-              <a:t>) </a:t>
-            </a:r>
-            <a:r>
-              <a:rPr lang="hu-HU" sz="2200" err="1"/>
-              <a:t>can</a:t>
-            </a:r>
-            <a:r>
-              <a:rPr lang="hu-HU" sz="2200"/>
-              <a:t> </a:t>
-            </a:r>
-            <a:r>
-              <a:rPr lang="hu-HU" sz="2200" err="1"/>
-              <a:t>also</a:t>
-            </a:r>
-            <a:r>
-              <a:rPr lang="hu-HU" sz="2200"/>
-              <a:t> be </a:t>
-            </a:r>
-            <a:r>
-              <a:rPr lang="hu-HU" sz="2200" err="1"/>
-              <a:t>changed</a:t>
-            </a:r>
-            <a:r>
-              <a:rPr lang="hu-HU" sz="2200"/>
-              <a:t>, </a:t>
-            </a:r>
-            <a:r>
-              <a:rPr lang="hu-HU" sz="2200" err="1"/>
-              <a:t>but</a:t>
-            </a:r>
-            <a:r>
-              <a:rPr lang="hu-HU" sz="2200"/>
-              <a:t> </a:t>
-            </a:r>
-            <a:r>
-              <a:rPr lang="hu-HU" sz="2200" err="1"/>
-              <a:t>the</a:t>
-            </a:r>
-            <a:r>
-              <a:rPr lang="hu-HU" sz="2200"/>
-              <a:t> end </a:t>
-            </a:r>
-            <a:r>
-              <a:rPr lang="hu-HU" sz="2200" err="1"/>
-              <a:t>paths</a:t>
-            </a:r>
-            <a:r>
-              <a:rPr lang="hu-HU" sz="2200"/>
-              <a:t> (</a:t>
-            </a:r>
-            <a:r>
-              <a:rPr lang="hu-HU" sz="2200" err="1"/>
-              <a:t>orchestration</a:t>
-            </a:r>
-            <a:r>
-              <a:rPr lang="hu-HU" sz="2200"/>
-              <a:t>, </a:t>
-            </a:r>
-            <a:r>
-              <a:rPr lang="hu-HU" sz="2200" err="1"/>
-              <a:t>serviceregistry</a:t>
-            </a:r>
-            <a:r>
-              <a:rPr lang="hu-HU" sz="2200"/>
-              <a:t>, </a:t>
-            </a:r>
-            <a:r>
-              <a:rPr lang="hu-HU" sz="2200" err="1"/>
-              <a:t>authorization</a:t>
-            </a:r>
-            <a:r>
-              <a:rPr lang="hu-HU" sz="2200"/>
-              <a:t>, </a:t>
-            </a:r>
-            <a:r>
-              <a:rPr lang="hu-HU" sz="2200" err="1"/>
-              <a:t>gatekeeper</a:t>
-            </a:r>
-            <a:r>
-              <a:rPr lang="hu-HU" sz="2200"/>
-              <a:t>) </a:t>
-            </a:r>
-            <a:r>
-              <a:rPr lang="hu-HU" sz="2200" err="1"/>
-              <a:t>are</a:t>
-            </a:r>
-            <a:r>
-              <a:rPr lang="hu-HU" sz="2200"/>
-              <a:t> </a:t>
-            </a:r>
-            <a:r>
-              <a:rPr lang="hu-HU" sz="2200" err="1"/>
-              <a:t>hardcoded</a:t>
-            </a:r>
-            <a:r>
-              <a:rPr lang="hu-HU" sz="2200"/>
-              <a:t> in </a:t>
-            </a:r>
-            <a:r>
-              <a:rPr lang="hu-HU" sz="2200" err="1"/>
-              <a:t>the</a:t>
-            </a:r>
-            <a:r>
-              <a:rPr lang="hu-HU" sz="2200"/>
-              <a:t> REST </a:t>
-            </a:r>
-            <a:r>
-              <a:rPr lang="hu-HU" sz="2200" err="1"/>
-              <a:t>resource</a:t>
-            </a:r>
-            <a:r>
-              <a:rPr lang="hu-HU" sz="2200"/>
-              <a:t> </a:t>
-            </a:r>
-            <a:r>
-              <a:rPr lang="hu-HU" sz="2200" err="1"/>
-              <a:t>classes</a:t>
-            </a:r>
-            <a:r>
-              <a:rPr lang="hu-HU" sz="2200"/>
-              <a:t> and </a:t>
-            </a:r>
-            <a:r>
-              <a:rPr lang="hu-HU" sz="2200" err="1"/>
-              <a:t>are</a:t>
-            </a:r>
-            <a:r>
-              <a:rPr lang="hu-HU" sz="2200"/>
-              <a:t> </a:t>
-            </a:r>
-            <a:r>
-              <a:rPr lang="hu-HU" sz="2200" err="1"/>
-              <a:t>not</a:t>
-            </a:r>
-            <a:r>
-              <a:rPr lang="hu-HU" sz="2200"/>
-              <a:t> part of </a:t>
-            </a:r>
-            <a:r>
-              <a:rPr lang="hu-HU" sz="2200" err="1"/>
-              <a:t>the</a:t>
-            </a:r>
-            <a:r>
-              <a:rPr lang="hu-HU" sz="2200"/>
-              <a:t> </a:t>
-            </a:r>
-            <a:r>
-              <a:rPr lang="hu-HU" sz="2200" err="1"/>
-              <a:t>configuring</a:t>
-            </a:r>
-            <a:r>
-              <a:rPr lang="hu-HU" sz="2200"/>
-              <a:t> </a:t>
-            </a:r>
-            <a:r>
-              <a:rPr lang="hu-HU" sz="2200" err="1"/>
-              <a:t>property</a:t>
-            </a:r>
-            <a:r>
-              <a:rPr lang="hu-HU" sz="2200"/>
-              <a:t> </a:t>
-            </a:r>
-            <a:r>
-              <a:rPr lang="hu-HU" sz="2200" err="1"/>
-              <a:t>value</a:t>
-            </a:r>
-            <a:r>
-              <a:rPr lang="hu-HU" sz="2200"/>
-              <a:t>.</a:t>
-            </a:r>
-          </a:p>
-          <a:p>
-            <a:pPr marL="285750" indent="-285750">
-              <a:buFont typeface="Arial" panose="020B0604020202020204" pitchFamily="34" charset="0"/>
-              <a:buChar char="•"/>
-            </a:pPr>
-            <a:r>
-              <a:rPr lang="hu-HU" sz="2200"/>
-              <a:t>The </a:t>
-            </a:r>
-            <a:r>
-              <a:rPr lang="hu-HU" sz="2200" err="1"/>
-              <a:t>is_secure</a:t>
-            </a:r>
-            <a:r>
-              <a:rPr lang="hu-HU" sz="2200"/>
-              <a:t> </a:t>
-            </a:r>
-            <a:r>
-              <a:rPr lang="hu-HU" sz="2200" err="1"/>
-              <a:t>column</a:t>
-            </a:r>
-            <a:r>
-              <a:rPr lang="hu-HU" sz="2200"/>
-              <a:t> is a </a:t>
-            </a:r>
-            <a:r>
-              <a:rPr lang="hu-HU" sz="2200" err="1"/>
-              <a:t>boolean</a:t>
-            </a:r>
-            <a:r>
-              <a:rPr lang="hu-HU" sz="2200"/>
-              <a:t> </a:t>
-            </a:r>
-            <a:r>
-              <a:rPr lang="hu-HU" sz="2200" err="1"/>
-              <a:t>indicating</a:t>
-            </a:r>
-            <a:r>
-              <a:rPr lang="hu-HU" sz="2200"/>
-              <a:t> </a:t>
-            </a:r>
-            <a:r>
-              <a:rPr lang="hu-HU" sz="2200" err="1"/>
-              <a:t>whether</a:t>
-            </a:r>
-            <a:r>
-              <a:rPr lang="hu-HU" sz="2200"/>
-              <a:t> </a:t>
-            </a:r>
-            <a:r>
-              <a:rPr lang="hu-HU" sz="2200" err="1"/>
-              <a:t>the</a:t>
-            </a:r>
-            <a:r>
-              <a:rPr lang="hu-HU" sz="2200"/>
-              <a:t> server is in </a:t>
-            </a:r>
-            <a:r>
-              <a:rPr lang="hu-HU" sz="2200" err="1"/>
-              <a:t>secure</a:t>
-            </a:r>
-            <a:r>
-              <a:rPr lang="hu-HU" sz="2200"/>
-              <a:t> (HTTPS) </a:t>
-            </a:r>
-            <a:r>
-              <a:rPr lang="hu-HU" sz="2200" err="1"/>
-              <a:t>or</a:t>
-            </a:r>
-            <a:r>
-              <a:rPr lang="hu-HU" sz="2200"/>
-              <a:t> </a:t>
-            </a:r>
-            <a:r>
-              <a:rPr lang="hu-HU" sz="2200" err="1"/>
-              <a:t>insecure</a:t>
-            </a:r>
-            <a:r>
-              <a:rPr lang="hu-HU" sz="2200"/>
-              <a:t> (HTTP) </a:t>
-            </a:r>
-            <a:r>
-              <a:rPr lang="hu-HU" sz="2200" err="1"/>
-              <a:t>mode</a:t>
-            </a:r>
-            <a:r>
-              <a:rPr lang="hu-HU" sz="2200"/>
-              <a:t>. Important </a:t>
-            </a:r>
-            <a:r>
-              <a:rPr lang="hu-HU" sz="2200" err="1"/>
-              <a:t>utility</a:t>
-            </a:r>
-            <a:r>
-              <a:rPr lang="hu-HU" sz="2200"/>
-              <a:t> </a:t>
-            </a:r>
-            <a:r>
-              <a:rPr lang="hu-HU" sz="2200" err="1"/>
-              <a:t>functions</a:t>
-            </a:r>
-            <a:r>
-              <a:rPr lang="hu-HU" sz="2200"/>
-              <a:t> </a:t>
-            </a:r>
-            <a:r>
-              <a:rPr lang="hu-HU" sz="2200" err="1"/>
-              <a:t>rely</a:t>
-            </a:r>
-            <a:r>
-              <a:rPr lang="hu-HU" sz="2200"/>
-              <a:t> </a:t>
-            </a:r>
-            <a:r>
-              <a:rPr lang="hu-HU" sz="2200" err="1"/>
-              <a:t>on</a:t>
-            </a:r>
-            <a:r>
-              <a:rPr lang="hu-HU" sz="2200"/>
-              <a:t> </a:t>
-            </a:r>
-            <a:r>
-              <a:rPr lang="hu-HU" sz="2200" err="1"/>
-              <a:t>this</a:t>
-            </a:r>
-            <a:r>
-              <a:rPr lang="hu-HU" sz="2200"/>
-              <a:t> </a:t>
-            </a:r>
-            <a:r>
-              <a:rPr lang="hu-HU" sz="2200" err="1"/>
-              <a:t>information</a:t>
-            </a:r>
-            <a:r>
-              <a:rPr lang="hu-HU" sz="2200"/>
-              <a:t> being </a:t>
-            </a:r>
-            <a:r>
-              <a:rPr lang="hu-HU" sz="2200" err="1"/>
-              <a:t>updated</a:t>
-            </a:r>
-            <a:r>
-              <a:rPr lang="hu-HU" sz="2200"/>
-              <a:t> </a:t>
-            </a:r>
-            <a:r>
-              <a:rPr lang="hu-HU" sz="2200" err="1"/>
-              <a:t>when</a:t>
-            </a:r>
-            <a:r>
-              <a:rPr lang="hu-HU" sz="2200"/>
-              <a:t> a </a:t>
-            </a:r>
-            <a:r>
-              <a:rPr lang="hu-HU" sz="2200" err="1"/>
-              <a:t>change</a:t>
-            </a:r>
-            <a:r>
-              <a:rPr lang="hu-HU" sz="2200"/>
-              <a:t> </a:t>
-            </a:r>
-            <a:r>
-              <a:rPr lang="hu-HU" sz="2200" err="1"/>
-              <a:t>happens</a:t>
-            </a:r>
-            <a:r>
-              <a:rPr lang="hu-HU" sz="2200"/>
-              <a:t>.</a:t>
-            </a:r>
-          </a:p>
-          <a:p>
-            <a:pPr marL="285750" indent="-285750">
-              <a:buFont typeface="Arial" panose="020B0604020202020204" pitchFamily="34" charset="0"/>
-              <a:buChar char="•"/>
-            </a:pPr>
-            <a:r>
-              <a:rPr lang="hu-HU" sz="2200" b="1" err="1"/>
-              <a:t>Core</a:t>
-            </a:r>
-            <a:r>
-              <a:rPr lang="hu-HU" sz="2200" b="1"/>
-              <a:t> Systems </a:t>
-            </a:r>
-            <a:r>
-              <a:rPr lang="hu-HU" sz="2200" b="1" err="1"/>
-              <a:t>names</a:t>
-            </a:r>
-            <a:r>
-              <a:rPr lang="hu-HU" sz="2200" b="1"/>
-              <a:t> </a:t>
-            </a:r>
-            <a:r>
-              <a:rPr lang="hu-HU" sz="2200" b="1" err="1"/>
-              <a:t>should</a:t>
-            </a:r>
-            <a:r>
-              <a:rPr lang="hu-HU" sz="2200" b="1"/>
-              <a:t> </a:t>
-            </a:r>
-            <a:r>
-              <a:rPr lang="hu-HU" sz="2200" b="1" err="1"/>
-              <a:t>not</a:t>
-            </a:r>
-            <a:r>
-              <a:rPr lang="hu-HU" sz="2200" b="1"/>
-              <a:t> be </a:t>
-            </a:r>
-            <a:r>
-              <a:rPr lang="hu-HU" sz="2200" b="1" err="1"/>
-              <a:t>changed</a:t>
-            </a:r>
-            <a:r>
-              <a:rPr lang="hu-HU" sz="2200"/>
-              <a:t>, </a:t>
-            </a:r>
-            <a:r>
-              <a:rPr lang="hu-HU" sz="2200" err="1"/>
-              <a:t>they</a:t>
-            </a:r>
-            <a:r>
-              <a:rPr lang="hu-HU" sz="2200"/>
-              <a:t> </a:t>
-            </a:r>
-            <a:r>
-              <a:rPr lang="hu-HU" sz="2200" err="1"/>
-              <a:t>are</a:t>
-            </a:r>
-            <a:r>
-              <a:rPr lang="hu-HU" sz="2200"/>
-              <a:t> </a:t>
-            </a:r>
-            <a:r>
-              <a:rPr lang="hu-HU" sz="2200" err="1"/>
-              <a:t>used</a:t>
-            </a:r>
-            <a:r>
-              <a:rPr lang="hu-HU" sz="2200"/>
-              <a:t> </a:t>
-            </a:r>
-            <a:r>
-              <a:rPr lang="hu-HU" sz="2200" err="1"/>
-              <a:t>to</a:t>
-            </a:r>
-            <a:r>
-              <a:rPr lang="hu-HU" sz="2200"/>
-              <a:t> </a:t>
-            </a:r>
-            <a:r>
-              <a:rPr lang="hu-HU" sz="2200" err="1"/>
-              <a:t>fetch</a:t>
-            </a:r>
-            <a:r>
-              <a:rPr lang="hu-HU" sz="2200"/>
-              <a:t> </a:t>
-            </a:r>
-            <a:r>
-              <a:rPr lang="hu-HU" sz="2200" err="1"/>
-              <a:t>the</a:t>
-            </a:r>
-            <a:r>
-              <a:rPr lang="hu-HU" sz="2200"/>
-              <a:t> </a:t>
-            </a:r>
-            <a:r>
-              <a:rPr lang="hu-HU" sz="2200" err="1"/>
-              <a:t>address</a:t>
-            </a:r>
-            <a:r>
-              <a:rPr lang="hu-HU" sz="2200"/>
-              <a:t> </a:t>
-            </a:r>
-            <a:r>
-              <a:rPr lang="hu-HU" sz="2200" err="1"/>
-              <a:t>information</a:t>
-            </a:r>
-            <a:r>
-              <a:rPr lang="hu-HU" sz="2200"/>
-              <a:t> of </a:t>
-            </a:r>
-            <a:r>
-              <a:rPr lang="hu-HU" sz="2200" err="1"/>
-              <a:t>other</a:t>
-            </a:r>
-            <a:r>
-              <a:rPr lang="hu-HU" sz="2200"/>
-              <a:t> </a:t>
-            </a:r>
-            <a:r>
-              <a:rPr lang="hu-HU" sz="2200" err="1"/>
-              <a:t>Core</a:t>
-            </a:r>
-            <a:r>
-              <a:rPr lang="hu-HU" sz="2200"/>
-              <a:t> Systems.</a:t>
-            </a:r>
-          </a:p>
-        </p:txBody>
-      </p:sp>
     </p:spTree>
     <p:extLst>
       <p:ext uri="{BB962C8B-B14F-4D97-AF65-F5344CB8AC3E}">
-        <p14:creationId xmlns:p14="http://schemas.microsoft.com/office/powerpoint/2010/main" val="1212392820"/>
+        <p14:creationId xmlns:p14="http://schemas.microsoft.com/office/powerpoint/2010/main" val="4218848585"/>
       </p:ext>
     </p:extLst>
   </p:cSld>
@@ -14112,7 +13299,12 @@
             <p:ph type="ctrTitle"/>
           </p:nvPr>
         </p:nvSpPr>
-        <p:spPr/>
+        <p:spPr>
+          <a:xfrm>
+            <a:off x="1616364" y="4230254"/>
+            <a:ext cx="9144000" cy="1059728"/>
+          </a:xfrm>
+        </p:spPr>
         <p:txBody>
           <a:bodyPr/>
           <a:lstStyle/>
@@ -14146,9 +13338,16 @@
             <p:ph type="subTitle" idx="1"/>
           </p:nvPr>
         </p:nvSpPr>
-        <p:spPr/>
+        <p:spPr>
+          <a:xfrm>
+            <a:off x="1616364" y="1930256"/>
+            <a:ext cx="9144000" cy="1655762"/>
+          </a:xfrm>
+        </p:spPr>
         <p:txBody>
-          <a:bodyPr/>
+          <a:bodyPr>
+            <a:normAutofit lnSpcReduction="10000"/>
+          </a:bodyPr>
           <a:lstStyle/>
           <a:p>
             <a:r>
@@ -14165,23 +13364,7 @@
             </a:r>
             <a:r>
               <a:rPr lang="hu-HU"/>
-              <a:t> </a:t>
-            </a:r>
-            <a:r>
-              <a:rPr lang="hu-HU" err="1"/>
-              <a:t>support</a:t>
-            </a:r>
-            <a:r>
-              <a:rPr lang="hu-HU"/>
-              <a:t> ,</a:t>
-            </a:r>
-            <a:r>
-              <a:rPr lang="hu-HU" err="1"/>
-              <a:t>please</a:t>
-            </a:r>
-            <a:r>
-              <a:rPr lang="hu-HU"/>
-              <a:t> </a:t>
+              <a:t> support or bug reporting please </a:t>
             </a:r>
             <a:r>
               <a:rPr lang="hu-HU" err="1"/>
@@ -14205,6 +13388,15 @@
             <a:r>
               <a:rPr lang="hu-HU">
                 <a:hlinkClick r:id="rId3"/>
+              </a:rPr>
+              <a:t>zumlauf@aitia.ai</a:t>
+            </a:r>
+            <a:endParaRPr lang="hu-HU"/>
+          </a:p>
+          <a:p>
+            <a:r>
+              <a:rPr lang="hu-HU">
+                <a:hlinkClick r:id="rId4"/>
               </a:rPr>
               <a:t>pvarga@tmit.bme.hu</a:t>
             </a:r>
@@ -15982,15 +15174,23 @@
             </a:pPr>
             <a:r>
               <a:rPr lang="en-US" dirty="0"/>
-              <a:t>If secure connections are required (using </a:t>
-            </a:r>
-            <a:r>
-              <a:rPr lang="hu-HU" dirty="0"/>
-              <a:t>TLS</a:t>
+              <a:t>If secure connections are required (</a:t>
+            </a:r>
+            <a:r>
+              <a:rPr lang="en-US"/>
+              <a:t>using </a:t>
+            </a:r>
+            <a:r>
+              <a:rPr lang="hu-HU"/>
+              <a:t>SSL</a:t>
+            </a:r>
+            <a:r>
+              <a:rPr lang="en-US"/>
+              <a:t>), </a:t>
             </a:r>
             <a:r>
               <a:rPr lang="en-US" dirty="0"/>
-              <a:t>), the Core Systems have to be installed with the appropriately created X.509 certificates stemming from the master Arrowhead CA. There are two options:</a:t>
+              <a:t>the Core Systems have to be installed with the appropriately created X.509 certificates stemming from the master Arrowhead CA. There are two options:</a:t>
             </a:r>
           </a:p>
           <a:p>

--- a/documentation/Quick-Start-Guide-M2.pptx
+++ b/documentation/Quick-Start-Guide-M2.pptx
@@ -225,7 +225,7 @@
           <a:p>
             <a:fld id="{9D20F72D-BB7C-4009-B276-48F62311FC1F}" type="datetimeFigureOut">
               <a:rPr lang="hu-HU" smtClean="0"/>
-              <a:t>2018. 02. 18.</a:t>
+              <a:t>2018. 02. 19.</a:t>
             </a:fld>
             <a:endParaRPr lang="hu-HU"/>
           </a:p>
@@ -873,7 +873,7 @@
           <a:p>
             <a:fld id="{DEECA975-3F48-4619-902D-F31B60ACCAA8}" type="datetimeFigureOut">
               <a:rPr lang="hu-HU" smtClean="0"/>
-              <a:t>2018. 02. 18.</a:t>
+              <a:t>2018. 02. 19.</a:t>
             </a:fld>
             <a:endParaRPr lang="hu-HU"/>
           </a:p>
@@ -1041,7 +1041,7 @@
           <a:p>
             <a:fld id="{DEECA975-3F48-4619-902D-F31B60ACCAA8}" type="datetimeFigureOut">
               <a:rPr lang="hu-HU" smtClean="0"/>
-              <a:t>2018. 02. 18.</a:t>
+              <a:t>2018. 02. 19.</a:t>
             </a:fld>
             <a:endParaRPr lang="hu-HU"/>
           </a:p>
@@ -1219,7 +1219,7 @@
           <a:p>
             <a:fld id="{DEECA975-3F48-4619-902D-F31B60ACCAA8}" type="datetimeFigureOut">
               <a:rPr lang="hu-HU" smtClean="0"/>
-              <a:t>2018. 02. 18.</a:t>
+              <a:t>2018. 02. 19.</a:t>
             </a:fld>
             <a:endParaRPr lang="hu-HU"/>
           </a:p>
@@ -1387,7 +1387,7 @@
           <a:p>
             <a:fld id="{DEECA975-3F48-4619-902D-F31B60ACCAA8}" type="datetimeFigureOut">
               <a:rPr lang="hu-HU" smtClean="0"/>
-              <a:t>2018. 02. 18.</a:t>
+              <a:t>2018. 02. 19.</a:t>
             </a:fld>
             <a:endParaRPr lang="hu-HU"/>
           </a:p>
@@ -1632,7 +1632,7 @@
           <a:p>
             <a:fld id="{DEECA975-3F48-4619-902D-F31B60ACCAA8}" type="datetimeFigureOut">
               <a:rPr lang="hu-HU" smtClean="0"/>
-              <a:t>2018. 02. 18.</a:t>
+              <a:t>2018. 02. 19.</a:t>
             </a:fld>
             <a:endParaRPr lang="hu-HU"/>
           </a:p>
@@ -1861,7 +1861,7 @@
           <a:p>
             <a:fld id="{DEECA975-3F48-4619-902D-F31B60ACCAA8}" type="datetimeFigureOut">
               <a:rPr lang="hu-HU" smtClean="0"/>
-              <a:t>2018. 02. 18.</a:t>
+              <a:t>2018. 02. 19.</a:t>
             </a:fld>
             <a:endParaRPr lang="hu-HU"/>
           </a:p>
@@ -2225,7 +2225,7 @@
           <a:p>
             <a:fld id="{DEECA975-3F48-4619-902D-F31B60ACCAA8}" type="datetimeFigureOut">
               <a:rPr lang="hu-HU" smtClean="0"/>
-              <a:t>2018. 02. 18.</a:t>
+              <a:t>2018. 02. 19.</a:t>
             </a:fld>
             <a:endParaRPr lang="hu-HU"/>
           </a:p>
@@ -2342,7 +2342,7 @@
           <a:p>
             <a:fld id="{DEECA975-3F48-4619-902D-F31B60ACCAA8}" type="datetimeFigureOut">
               <a:rPr lang="hu-HU" smtClean="0"/>
-              <a:t>2018. 02. 18.</a:t>
+              <a:t>2018. 02. 19.</a:t>
             </a:fld>
             <a:endParaRPr lang="hu-HU"/>
           </a:p>
@@ -2437,7 +2437,7 @@
           <a:p>
             <a:fld id="{DEECA975-3F48-4619-902D-F31B60ACCAA8}" type="datetimeFigureOut">
               <a:rPr lang="hu-HU" smtClean="0"/>
-              <a:t>2018. 02. 18.</a:t>
+              <a:t>2018. 02. 19.</a:t>
             </a:fld>
             <a:endParaRPr lang="hu-HU"/>
           </a:p>
@@ -2712,7 +2712,7 @@
           <a:p>
             <a:fld id="{DEECA975-3F48-4619-902D-F31B60ACCAA8}" type="datetimeFigureOut">
               <a:rPr lang="hu-HU" smtClean="0"/>
-              <a:t>2018. 02. 18.</a:t>
+              <a:t>2018. 02. 19.</a:t>
             </a:fld>
             <a:endParaRPr lang="hu-HU"/>
           </a:p>
@@ -2964,7 +2964,7 @@
           <a:p>
             <a:fld id="{DEECA975-3F48-4619-902D-F31B60ACCAA8}" type="datetimeFigureOut">
               <a:rPr lang="hu-HU" smtClean="0"/>
-              <a:t>2018. 02. 18.</a:t>
+              <a:t>2018. 02. 19.</a:t>
             </a:fld>
             <a:endParaRPr lang="hu-HU"/>
           </a:p>
@@ -3175,7 +3175,7 @@
           <a:p>
             <a:fld id="{DEECA975-3F48-4619-902D-F31B60ACCAA8}" type="datetimeFigureOut">
               <a:rPr lang="hu-HU" smtClean="0"/>
-              <a:t>2018. 02. 18.</a:t>
+              <a:t>2018. 02. 19.</a:t>
             </a:fld>
             <a:endParaRPr lang="hu-HU"/>
           </a:p>
@@ -3596,15 +3596,15 @@
           <a:lstStyle/>
           <a:p>
             <a:r>
-              <a:rPr lang="en-US"/>
+              <a:rPr lang="en-US" dirty="0"/>
               <a:t>Getting</a:t>
             </a:r>
             <a:r>
-              <a:rPr lang="hu-HU"/>
-              <a:t> </a:t>
-            </a:r>
-            <a:r>
-              <a:rPr lang="hu-HU" err="1"/>
+              <a:rPr lang="hu-HU" dirty="0"/>
+              <a:t> </a:t>
+            </a:r>
+            <a:r>
+              <a:rPr lang="hu-HU" dirty="0" err="1"/>
               <a:t>Started</a:t>
             </a:r>
             <a:endParaRPr lang="hu-HU"/>
@@ -4442,40 +4442,80 @@
               </a:lnSpc>
             </a:pPr>
             <a:r>
-              <a:rPr lang="hu-HU"/>
-              <a:t>The secondary </a:t>
-            </a:r>
-            <a:r>
-              <a:rPr lang="hu-HU" err="1"/>
+              <a:rPr lang="hu-HU" dirty="0"/>
+              <a:t>The </a:t>
+            </a:r>
+            <a:r>
+              <a:rPr lang="hu-HU" dirty="0" err="1"/>
+              <a:t>secondary</a:t>
+            </a:r>
+            <a:r>
+              <a:rPr lang="hu-HU" dirty="0"/>
+              <a:t> </a:t>
+            </a:r>
+            <a:r>
+              <a:rPr lang="hu-HU" dirty="0" err="1"/>
               <a:t>Cloud</a:t>
             </a:r>
             <a:r>
-              <a:rPr lang="hu-HU"/>
-              <a:t> </a:t>
-            </a:r>
-            <a:r>
-              <a:rPr lang="hu-HU" err="1"/>
+              <a:rPr lang="hu-HU" dirty="0"/>
+              <a:t> </a:t>
+            </a:r>
+            <a:r>
+              <a:rPr lang="hu-HU" dirty="0" err="1"/>
               <a:t>can</a:t>
             </a:r>
             <a:r>
-              <a:rPr lang="hu-HU"/>
+              <a:rPr lang="hu-HU" dirty="0"/>
               <a:t> be </a:t>
             </a:r>
             <a:r>
-              <a:rPr lang="hu-HU" err="1"/>
+              <a:rPr lang="hu-HU" dirty="0" err="1"/>
               <a:t>set</a:t>
             </a:r>
             <a:r>
-              <a:rPr lang="hu-HU"/>
-              <a:t> </a:t>
-            </a:r>
-            <a:r>
-              <a:rPr lang="hu-HU" err="1"/>
+              <a:rPr lang="hu-HU" dirty="0"/>
+              <a:t> </a:t>
+            </a:r>
+            <a:r>
+              <a:rPr lang="hu-HU" dirty="0" err="1"/>
               <a:t>up</a:t>
             </a:r>
             <a:r>
-              <a:rPr lang="hu-HU"/>
-              <a:t> similarly for inter-Cloud orchestration:</a:t>
+              <a:rPr lang="hu-HU" dirty="0"/>
+              <a:t> </a:t>
+            </a:r>
+            <a:r>
+              <a:rPr lang="hu-HU" dirty="0" err="1"/>
+              <a:t>similarly</a:t>
+            </a:r>
+            <a:r>
+              <a:rPr lang="hu-HU" dirty="0"/>
+              <a:t> </a:t>
+            </a:r>
+            <a:r>
+              <a:rPr lang="hu-HU" dirty="0" err="1"/>
+              <a:t>for</a:t>
+            </a:r>
+            <a:r>
+              <a:rPr lang="hu-HU" dirty="0"/>
+              <a:t> </a:t>
+            </a:r>
+            <a:r>
+              <a:rPr lang="hu-HU" dirty="0" err="1"/>
+              <a:t>inter-Cloud</a:t>
+            </a:r>
+            <a:r>
+              <a:rPr lang="hu-HU" dirty="0"/>
+              <a:t> </a:t>
+            </a:r>
+            <a:r>
+              <a:rPr lang="hu-HU" dirty="0" err="1"/>
+              <a:t>orchestration</a:t>
+            </a:r>
+            <a:r>
+              <a:rPr lang="hu-HU" dirty="0"/>
+              <a:t>:</a:t>
             </a:r>
           </a:p>
           <a:p>
@@ -4485,16 +4525,48 @@
               </a:lnSpc>
             </a:pPr>
             <a:r>
-              <a:rPr lang="hu-HU" sz="2800"/>
-              <a:t>Import the </a:t>
-            </a:r>
-            <a:r>
-              <a:rPr lang="hu-HU" sz="2800" b="1" i="1"/>
+              <a:rPr lang="hu-HU" sz="2800" dirty="0"/>
+              <a:t>Import </a:t>
+            </a:r>
+            <a:r>
+              <a:rPr lang="hu-HU" sz="2800" dirty="0" err="1"/>
+              <a:t>the</a:t>
+            </a:r>
+            <a:r>
+              <a:rPr lang="hu-HU" sz="2800" dirty="0"/>
+              <a:t> </a:t>
+            </a:r>
+            <a:r>
+              <a:rPr lang="hu-HU" sz="2800" b="1" i="1" dirty="0"/>
               <a:t>create_arrowhead_database_2.sql</a:t>
             </a:r>
             <a:r>
-              <a:rPr lang="hu-HU" sz="2800"/>
-              <a:t> script on the 2nd machine.</a:t>
+              <a:rPr lang="hu-HU" sz="2800" dirty="0"/>
+              <a:t> script </a:t>
+            </a:r>
+            <a:r>
+              <a:rPr lang="hu-HU" sz="2800" dirty="0" err="1"/>
+              <a:t>on</a:t>
+            </a:r>
+            <a:r>
+              <a:rPr lang="hu-HU" sz="2800" dirty="0"/>
+              <a:t> </a:t>
+            </a:r>
+            <a:r>
+              <a:rPr lang="hu-HU" sz="2800" dirty="0" err="1"/>
+              <a:t>the</a:t>
+            </a:r>
+            <a:r>
+              <a:rPr lang="hu-HU" sz="2800" dirty="0"/>
+              <a:t> 2nd </a:t>
+            </a:r>
+            <a:r>
+              <a:rPr lang="hu-HU" sz="2800" dirty="0" err="1"/>
+              <a:t>machine</a:t>
+            </a:r>
+            <a:r>
+              <a:rPr lang="hu-HU" sz="2800" dirty="0"/>
+              <a:t>.</a:t>
             </a:r>
           </a:p>
           <a:p>
@@ -4504,8 +4576,272 @@
               </a:lnSpc>
             </a:pPr>
             <a:r>
-              <a:rPr lang="hu-HU" sz="2800"/>
-              <a:t>Both databases have 2 entries in the „arrowhead_cloud” table. The first one is the „own_cloud” entry, the second one refers to the „neighbor_cloud” (the other machine). Modify the „address” field for all 4 entries to be in accordance with your setup.</a:t>
+              <a:rPr lang="hu-HU" sz="2800" dirty="0"/>
+              <a:t>Both </a:t>
+            </a:r>
+            <a:r>
+              <a:rPr lang="hu-HU" sz="2800" dirty="0" err="1"/>
+              <a:t>databases</a:t>
+            </a:r>
+            <a:r>
+              <a:rPr lang="hu-HU" sz="2800" dirty="0"/>
+              <a:t> </a:t>
+            </a:r>
+            <a:r>
+              <a:rPr lang="hu-HU" sz="2800" dirty="0" err="1"/>
+              <a:t>have</a:t>
+            </a:r>
+            <a:r>
+              <a:rPr lang="hu-HU" sz="2800" dirty="0"/>
+              <a:t> 2 </a:t>
+            </a:r>
+            <a:r>
+              <a:rPr lang="hu-HU" sz="2800" dirty="0" err="1"/>
+              <a:t>entries</a:t>
+            </a:r>
+            <a:r>
+              <a:rPr lang="hu-HU" sz="2800" dirty="0"/>
+              <a:t> in </a:t>
+            </a:r>
+            <a:r>
+              <a:rPr lang="hu-HU" sz="2800" dirty="0" err="1"/>
+              <a:t>the</a:t>
+            </a:r>
+            <a:r>
+              <a:rPr lang="hu-HU" sz="2800" dirty="0"/>
+              <a:t> „</a:t>
+            </a:r>
+            <a:r>
+              <a:rPr lang="hu-HU" sz="2800" dirty="0" err="1"/>
+              <a:t>arrowhead_cloud</a:t>
+            </a:r>
+            <a:r>
+              <a:rPr lang="hu-HU" sz="2800" dirty="0"/>
+              <a:t>” </a:t>
+            </a:r>
+            <a:r>
+              <a:rPr lang="hu-HU" sz="2800" dirty="0" err="1"/>
+              <a:t>table</a:t>
+            </a:r>
+            <a:r>
+              <a:rPr lang="hu-HU" sz="2800" dirty="0"/>
+              <a:t>. The </a:t>
+            </a:r>
+            <a:r>
+              <a:rPr lang="hu-HU" sz="2800" dirty="0" err="1"/>
+              <a:t>first</a:t>
+            </a:r>
+            <a:r>
+              <a:rPr lang="hu-HU" sz="2800" dirty="0"/>
+              <a:t> </a:t>
+            </a:r>
+            <a:r>
+              <a:rPr lang="hu-HU" sz="2800" dirty="0" err="1"/>
+              <a:t>one</a:t>
+            </a:r>
+            <a:r>
+              <a:rPr lang="hu-HU" sz="2800" dirty="0"/>
+              <a:t> is </a:t>
+            </a:r>
+            <a:r>
+              <a:rPr lang="hu-HU" sz="2800" dirty="0" err="1"/>
+              <a:t>the</a:t>
+            </a:r>
+            <a:r>
+              <a:rPr lang="hu-HU" sz="2800" dirty="0"/>
+              <a:t> „</a:t>
+            </a:r>
+            <a:r>
+              <a:rPr lang="hu-HU" sz="2800" dirty="0" err="1"/>
+              <a:t>own_cloud</a:t>
+            </a:r>
+            <a:r>
+              <a:rPr lang="hu-HU" sz="2800" dirty="0"/>
+              <a:t>” </a:t>
+            </a:r>
+            <a:r>
+              <a:rPr lang="hu-HU" sz="2800" dirty="0" err="1"/>
+              <a:t>entry</a:t>
+            </a:r>
+            <a:r>
+              <a:rPr lang="hu-HU" sz="2800" dirty="0"/>
+              <a:t>, </a:t>
+            </a:r>
+            <a:r>
+              <a:rPr lang="hu-HU" sz="2800" dirty="0" err="1"/>
+              <a:t>the</a:t>
+            </a:r>
+            <a:r>
+              <a:rPr lang="hu-HU" sz="2800" dirty="0"/>
+              <a:t> </a:t>
+            </a:r>
+            <a:r>
+              <a:rPr lang="hu-HU" sz="2800" dirty="0" err="1"/>
+              <a:t>second</a:t>
+            </a:r>
+            <a:r>
+              <a:rPr lang="hu-HU" sz="2800" dirty="0"/>
+              <a:t> </a:t>
+            </a:r>
+            <a:r>
+              <a:rPr lang="hu-HU" sz="2800" dirty="0" err="1"/>
+              <a:t>one</a:t>
+            </a:r>
+            <a:r>
+              <a:rPr lang="hu-HU" sz="2800" dirty="0"/>
+              <a:t> </a:t>
+            </a:r>
+            <a:r>
+              <a:rPr lang="hu-HU" sz="2800" dirty="0" err="1"/>
+              <a:t>refers</a:t>
+            </a:r>
+            <a:r>
+              <a:rPr lang="hu-HU" sz="2800" dirty="0"/>
+              <a:t> </a:t>
+            </a:r>
+            <a:r>
+              <a:rPr lang="hu-HU" sz="2800" dirty="0" err="1"/>
+              <a:t>to</a:t>
+            </a:r>
+            <a:r>
+              <a:rPr lang="hu-HU" sz="2800" dirty="0"/>
+              <a:t> </a:t>
+            </a:r>
+            <a:r>
+              <a:rPr lang="hu-HU" sz="2800" dirty="0" err="1"/>
+              <a:t>the</a:t>
+            </a:r>
+            <a:r>
+              <a:rPr lang="hu-HU" sz="2800" dirty="0"/>
+              <a:t> „</a:t>
+            </a:r>
+            <a:r>
+              <a:rPr lang="hu-HU" sz="2800" dirty="0" err="1"/>
+              <a:t>neighbor_cloud</a:t>
+            </a:r>
+            <a:r>
+              <a:rPr lang="hu-HU" sz="2800" dirty="0"/>
+              <a:t>” (</a:t>
+            </a:r>
+            <a:r>
+              <a:rPr lang="hu-HU" sz="2800" dirty="0" err="1"/>
+              <a:t>the</a:t>
+            </a:r>
+            <a:r>
+              <a:rPr lang="hu-HU" sz="2800" dirty="0"/>
+              <a:t> </a:t>
+            </a:r>
+            <a:r>
+              <a:rPr lang="hu-HU" sz="2800" dirty="0" err="1"/>
+              <a:t>other</a:t>
+            </a:r>
+            <a:r>
+              <a:rPr lang="hu-HU" sz="2800" dirty="0"/>
+              <a:t> </a:t>
+            </a:r>
+            <a:r>
+              <a:rPr lang="hu-HU" sz="2800" dirty="0" err="1"/>
+              <a:t>machine</a:t>
+            </a:r>
+            <a:r>
+              <a:rPr lang="hu-HU" sz="2800" dirty="0"/>
+              <a:t>). </a:t>
+            </a:r>
+            <a:r>
+              <a:rPr lang="hu-HU" sz="2800" dirty="0" err="1"/>
+              <a:t>Modify</a:t>
+            </a:r>
+            <a:r>
+              <a:rPr lang="hu-HU" sz="2800" dirty="0"/>
+              <a:t> </a:t>
+            </a:r>
+            <a:r>
+              <a:rPr lang="hu-HU" sz="2800" dirty="0" err="1"/>
+              <a:t>the</a:t>
+            </a:r>
+            <a:r>
+              <a:rPr lang="hu-HU" sz="2800" dirty="0"/>
+              <a:t> „</a:t>
+            </a:r>
+            <a:r>
+              <a:rPr lang="hu-HU" sz="2800" dirty="0" err="1"/>
+              <a:t>address</a:t>
+            </a:r>
+            <a:r>
+              <a:rPr lang="hu-HU" sz="2800" dirty="0"/>
+              <a:t>” </a:t>
+            </a:r>
+            <a:r>
+              <a:rPr lang="hu-HU" sz="2800" dirty="0" err="1"/>
+              <a:t>field</a:t>
+            </a:r>
+            <a:r>
+              <a:rPr lang="hu-HU" sz="2800" dirty="0"/>
+              <a:t> </a:t>
+            </a:r>
+            <a:r>
+              <a:rPr lang="hu-HU" sz="2800" dirty="0" err="1"/>
+              <a:t>for</a:t>
+            </a:r>
+            <a:r>
+              <a:rPr lang="hu-HU" sz="2800" dirty="0"/>
+              <a:t> </a:t>
+            </a:r>
+            <a:r>
+              <a:rPr lang="hu-HU" sz="2800" dirty="0" err="1"/>
+              <a:t>all</a:t>
+            </a:r>
+            <a:r>
+              <a:rPr lang="hu-HU" sz="2800" dirty="0"/>
+              <a:t> 4 </a:t>
+            </a:r>
+            <a:r>
+              <a:rPr lang="hu-HU" sz="2800" dirty="0" err="1"/>
+              <a:t>entries</a:t>
+            </a:r>
+            <a:r>
+              <a:rPr lang="hu-HU" sz="2800" dirty="0"/>
+              <a:t> </a:t>
+            </a:r>
+            <a:r>
+              <a:rPr lang="hu-HU" sz="2800" dirty="0" err="1"/>
+              <a:t>to</a:t>
+            </a:r>
+            <a:r>
+              <a:rPr lang="hu-HU" sz="2800" dirty="0"/>
+              <a:t> be in </a:t>
+            </a:r>
+            <a:r>
+              <a:rPr lang="hu-HU" sz="2800" dirty="0" err="1"/>
+              <a:t>accordance</a:t>
+            </a:r>
+            <a:r>
+              <a:rPr lang="hu-HU" sz="2800" dirty="0"/>
+              <a:t> </a:t>
+            </a:r>
+            <a:r>
+              <a:rPr lang="hu-HU" sz="2800" dirty="0" err="1"/>
+              <a:t>with</a:t>
+            </a:r>
+            <a:r>
+              <a:rPr lang="hu-HU" sz="2800" dirty="0"/>
+              <a:t> </a:t>
+            </a:r>
+            <a:r>
+              <a:rPr lang="hu-HU" sz="2800" dirty="0" err="1"/>
+              <a:t>your</a:t>
+            </a:r>
+            <a:r>
+              <a:rPr lang="hu-HU" sz="2800" dirty="0"/>
+              <a:t> </a:t>
+            </a:r>
+            <a:r>
+              <a:rPr lang="hu-HU" sz="2800" dirty="0" err="1"/>
+              <a:t>setup</a:t>
+            </a:r>
+            <a:r>
+              <a:rPr lang="hu-HU" sz="2800" dirty="0"/>
+              <a:t>.</a:t>
             </a:r>
           </a:p>
           <a:p>
@@ -4515,8 +4851,76 @@
               </a:lnSpc>
             </a:pPr>
             <a:r>
-              <a:rPr lang="hu-HU" sz="2800"/>
-              <a:t>Set the configuring property files as needed and start the modules.</a:t>
+              <a:rPr lang="hu-HU" sz="2800" dirty="0" err="1"/>
+              <a:t>Set</a:t>
+            </a:r>
+            <a:r>
+              <a:rPr lang="hu-HU" sz="2800" dirty="0"/>
+              <a:t> </a:t>
+            </a:r>
+            <a:r>
+              <a:rPr lang="hu-HU" sz="2800" dirty="0" err="1"/>
+              <a:t>the</a:t>
+            </a:r>
+            <a:r>
+              <a:rPr lang="hu-HU" sz="2800" dirty="0"/>
+              <a:t> </a:t>
+            </a:r>
+            <a:r>
+              <a:rPr lang="hu-HU" sz="2800" dirty="0" err="1"/>
+              <a:t>configuring</a:t>
+            </a:r>
+            <a:r>
+              <a:rPr lang="hu-HU" sz="2800" dirty="0"/>
+              <a:t> </a:t>
+            </a:r>
+            <a:r>
+              <a:rPr lang="hu-HU" sz="2800" dirty="0" err="1"/>
+              <a:t>property</a:t>
+            </a:r>
+            <a:r>
+              <a:rPr lang="hu-HU" sz="2800" dirty="0"/>
+              <a:t> </a:t>
+            </a:r>
+            <a:r>
+              <a:rPr lang="hu-HU" sz="2800" dirty="0" err="1"/>
+              <a:t>files</a:t>
+            </a:r>
+            <a:r>
+              <a:rPr lang="hu-HU" sz="2800" dirty="0"/>
+              <a:t> </a:t>
+            </a:r>
+            <a:r>
+              <a:rPr lang="hu-HU" sz="2800" dirty="0" err="1"/>
+              <a:t>as</a:t>
+            </a:r>
+            <a:r>
+              <a:rPr lang="hu-HU" sz="2800" dirty="0"/>
+              <a:t> </a:t>
+            </a:r>
+            <a:r>
+              <a:rPr lang="hu-HU" sz="2800" dirty="0" err="1"/>
+              <a:t>needed</a:t>
+            </a:r>
+            <a:r>
+              <a:rPr lang="hu-HU" sz="2800" dirty="0"/>
+              <a:t> and start </a:t>
+            </a:r>
+            <a:r>
+              <a:rPr lang="hu-HU" sz="2800" dirty="0" err="1"/>
+              <a:t>the</a:t>
+            </a:r>
+            <a:r>
+              <a:rPr lang="hu-HU" sz="2800" dirty="0"/>
+              <a:t> </a:t>
+            </a:r>
+            <a:r>
+              <a:rPr lang="hu-HU" sz="2800" dirty="0" err="1"/>
+              <a:t>modules</a:t>
+            </a:r>
+            <a:r>
+              <a:rPr lang="hu-HU" sz="2800" dirty="0"/>
+              <a:t>.</a:t>
             </a:r>
           </a:p>
           <a:p>
@@ -4525,7 +4929,7 @@
                 <a:spcPct val="100000"/>
               </a:lnSpc>
             </a:pPr>
-            <a:endParaRPr lang="hu-HU" sz="2400"/>
+            <a:endParaRPr lang="hu-HU" sz="2400" dirty="0"/>
           </a:p>
         </p:txBody>
       </p:sp>
@@ -5257,7 +5661,7 @@
           <a:lstStyle/>
           <a:p>
             <a:r>
-              <a:rPr lang="en-US" sz="3600"/>
+              <a:rPr lang="en-US" sz="3600" dirty="0"/>
               <a:t>Use case scenario for manual testing</a:t>
             </a:r>
           </a:p>
@@ -5286,135 +5690,135 @@
           <a:lstStyle/>
           <a:p>
             <a:r>
-              <a:rPr lang="en-US"/>
+              <a:rPr lang="en-US" dirty="0"/>
               <a:t>This test scenario shows an automotive case. There are two Local Clouds defined:</a:t>
             </a:r>
           </a:p>
           <a:p>
             <a:pPr lvl="1"/>
             <a:r>
-              <a:rPr lang="en-US"/>
+              <a:rPr lang="en-US" dirty="0"/>
               <a:t>Cloud 1 belongs to a charging infrastructure owner with charging stations and their management systems (servers). </a:t>
             </a:r>
           </a:p>
           <a:p>
             <a:pPr lvl="1"/>
             <a:r>
-              <a:rPr lang="en-US"/>
+              <a:rPr lang="en-US" dirty="0"/>
               <a:t>Cloud 2 belongs to a</a:t>
             </a:r>
             <a:r>
-              <a:rPr lang="hu-HU"/>
+              <a:rPr lang="hu-HU" dirty="0"/>
               <a:t>n </a:t>
             </a:r>
             <a:r>
-              <a:rPr lang="en-US"/>
+              <a:rPr lang="en-US" dirty="0"/>
               <a:t>electric</a:t>
             </a:r>
             <a:r>
-              <a:rPr lang="hu-HU"/>
-              <a:t> </a:t>
-            </a:r>
-            <a:r>
-              <a:rPr lang="en-US"/>
+              <a:rPr lang="hu-HU" dirty="0"/>
+              <a:t> </a:t>
+            </a:r>
+            <a:r>
+              <a:rPr lang="en-US" dirty="0"/>
               <a:t>car manufacturer and it</a:t>
             </a:r>
             <a:r>
-              <a:rPr lang="hu-HU"/>
+              <a:rPr lang="hu-HU" dirty="0"/>
               <a:t>s </a:t>
             </a:r>
             <a:r>
-              <a:rPr lang="en-US"/>
+              <a:rPr lang="en-US" dirty="0"/>
               <a:t>systems include electric cars that can look for charging services</a:t>
             </a:r>
             <a:r>
-              <a:rPr lang="hu-HU"/>
+              <a:rPr lang="hu-HU" dirty="0"/>
               <a:t>, and servers </a:t>
             </a:r>
             <a:r>
-              <a:rPr lang="en-US"/>
+              <a:rPr lang="en-US" dirty="0"/>
               <a:t>providing</a:t>
             </a:r>
             <a:r>
-              <a:rPr lang="hu-HU"/>
-              <a:t> </a:t>
-            </a:r>
-            <a:r>
-              <a:rPr lang="hu-HU" err="1"/>
+              <a:rPr lang="hu-HU" dirty="0"/>
+              <a:t> </a:t>
+            </a:r>
+            <a:r>
+              <a:rPr lang="hu-HU" dirty="0" err="1"/>
               <a:t>optimal</a:t>
             </a:r>
             <a:r>
-              <a:rPr lang="hu-HU"/>
-              <a:t> </a:t>
-            </a:r>
-            <a:r>
-              <a:rPr lang="en-US"/>
+              <a:rPr lang="hu-HU" dirty="0"/>
+              <a:t> </a:t>
+            </a:r>
+            <a:r>
+              <a:rPr lang="en-US" dirty="0"/>
               <a:t>charging</a:t>
             </a:r>
             <a:r>
-              <a:rPr lang="hu-HU"/>
-              <a:t> </a:t>
-            </a:r>
-            <a:r>
-              <a:rPr lang="hu-HU" err="1"/>
+              <a:rPr lang="hu-HU" dirty="0"/>
+              <a:t> </a:t>
+            </a:r>
+            <a:r>
+              <a:rPr lang="hu-HU" dirty="0" err="1"/>
               <a:t>profiles</a:t>
             </a:r>
             <a:r>
-              <a:rPr lang="hu-HU"/>
-              <a:t> </a:t>
-            </a:r>
-            <a:r>
-              <a:rPr lang="hu-HU" err="1"/>
+              <a:rPr lang="hu-HU" dirty="0"/>
+              <a:t> </a:t>
+            </a:r>
+            <a:r>
+              <a:rPr lang="hu-HU" dirty="0" err="1"/>
               <a:t>for</a:t>
             </a:r>
             <a:r>
-              <a:rPr lang="hu-HU"/>
-              <a:t> </a:t>
-            </a:r>
-            <a:r>
-              <a:rPr lang="hu-HU" err="1"/>
+              <a:rPr lang="hu-HU" dirty="0"/>
+              <a:t> </a:t>
+            </a:r>
+            <a:r>
+              <a:rPr lang="hu-HU" dirty="0" err="1"/>
               <a:t>different</a:t>
             </a:r>
             <a:r>
-              <a:rPr lang="hu-HU"/>
-              <a:t> </a:t>
-            </a:r>
-            <a:r>
-              <a:rPr lang="hu-HU" err="1"/>
+              <a:rPr lang="hu-HU" dirty="0"/>
+              <a:t> </a:t>
+            </a:r>
+            <a:r>
+              <a:rPr lang="hu-HU" dirty="0" err="1"/>
               <a:t>types</a:t>
             </a:r>
             <a:r>
-              <a:rPr lang="hu-HU"/>
+              <a:rPr lang="hu-HU" dirty="0"/>
               <a:t> of </a:t>
             </a:r>
             <a:r>
-              <a:rPr lang="hu-HU" err="1"/>
+              <a:rPr lang="hu-HU" dirty="0" err="1"/>
               <a:t>electric</a:t>
             </a:r>
             <a:r>
-              <a:rPr lang="hu-HU"/>
-              <a:t> </a:t>
-            </a:r>
-            <a:r>
-              <a:rPr lang="hu-HU" err="1"/>
+              <a:rPr lang="hu-HU" dirty="0"/>
+              <a:t> </a:t>
+            </a:r>
+            <a:r>
+              <a:rPr lang="hu-HU" dirty="0" err="1"/>
               <a:t>cars</a:t>
             </a:r>
             <a:r>
-              <a:rPr lang="en-US"/>
+              <a:rPr lang="en-US" dirty="0"/>
               <a:t>.</a:t>
             </a:r>
           </a:p>
           <a:p>
             <a:r>
-              <a:rPr lang="en-US"/>
+              <a:rPr lang="en-US" dirty="0"/>
               <a:t>There are </a:t>
             </a:r>
             <a:r>
-              <a:rPr lang="hu-HU"/>
+              <a:rPr lang="hu-HU" dirty="0"/>
               <a:t>4</a:t>
             </a:r>
             <a:r>
-              <a:rPr lang="en-US"/>
+              <a:rPr lang="en-US" dirty="0"/>
               <a:t> Application Services defined for testing out orchestration. Some Service Providers are missing qualifications (e.g. missing authorization or simply are offline). </a:t>
             </a:r>
           </a:p>
@@ -5425,490 +5829,490 @@
               <a:t>„Billing”</a:t>
             </a:r>
             <a:r>
-              <a:rPr lang="en-US"/>
+              <a:rPr lang="en-US" dirty="0"/>
               <a:t> can be requested by „</a:t>
             </a:r>
             <a:r>
-              <a:rPr lang="hu-HU" err="1"/>
+              <a:rPr lang="hu-HU" dirty="0" err="1"/>
               <a:t>ChargePointSystems</a:t>
             </a:r>
             <a:r>
-              <a:rPr lang="en-US"/>
+              <a:rPr lang="en-US" dirty="0"/>
               <a:t>” and </a:t>
             </a:r>
             <a:r>
-              <a:rPr lang="hu-HU"/>
+              <a:rPr lang="hu-HU" dirty="0"/>
               <a:t>a „</a:t>
             </a:r>
             <a:r>
-              <a:rPr lang="hu-HU" err="1"/>
+              <a:rPr lang="hu-HU" dirty="0" err="1"/>
               <a:t>SmartGridManagerSystem</a:t>
             </a:r>
             <a:r>
-              <a:rPr lang="hu-HU"/>
+              <a:rPr lang="hu-HU" dirty="0"/>
               <a:t>” </a:t>
             </a:r>
             <a:r>
-              <a:rPr lang="hu-HU" err="1"/>
+              <a:rPr lang="hu-HU" dirty="0" err="1"/>
               <a:t>can</a:t>
             </a:r>
             <a:r>
-              <a:rPr lang="hu-HU"/>
-              <a:t> </a:t>
-            </a:r>
-            <a:r>
-              <a:rPr lang="hu-HU" err="1"/>
+              <a:rPr lang="hu-HU" dirty="0"/>
+              <a:t> </a:t>
+            </a:r>
+            <a:r>
+              <a:rPr lang="hu-HU" dirty="0" err="1"/>
               <a:t>provide</a:t>
             </a:r>
             <a:r>
-              <a:rPr lang="hu-HU"/>
-              <a:t> </a:t>
-            </a:r>
-            <a:r>
-              <a:rPr lang="hu-HU" err="1"/>
+              <a:rPr lang="hu-HU" dirty="0"/>
+              <a:t> </a:t>
+            </a:r>
+            <a:r>
+              <a:rPr lang="hu-HU" dirty="0" err="1"/>
               <a:t>this</a:t>
             </a:r>
             <a:r>
-              <a:rPr lang="hu-HU"/>
+              <a:rPr lang="hu-HU" dirty="0"/>
               <a:t> service in </a:t>
             </a:r>
             <a:r>
-              <a:rPr lang="hu-HU" err="1"/>
+              <a:rPr lang="hu-HU" dirty="0" err="1"/>
               <a:t>the</a:t>
             </a:r>
             <a:r>
-              <a:rPr lang="hu-HU"/>
-              <a:t> </a:t>
-            </a:r>
-            <a:r>
-              <a:rPr lang="hu-HU" err="1"/>
+              <a:rPr lang="hu-HU" dirty="0"/>
+              <a:t> </a:t>
+            </a:r>
+            <a:r>
+              <a:rPr lang="hu-HU" dirty="0" err="1"/>
               <a:t>same</a:t>
             </a:r>
             <a:r>
-              <a:rPr lang="hu-HU"/>
-              <a:t> </a:t>
-            </a:r>
-            <a:r>
-              <a:rPr lang="hu-HU" err="1"/>
+              <a:rPr lang="hu-HU" dirty="0"/>
+              <a:t> </a:t>
+            </a:r>
+            <a:r>
+              <a:rPr lang="hu-HU" dirty="0" err="1"/>
               <a:t>cloud</a:t>
             </a:r>
             <a:r>
-              <a:rPr lang="hu-HU"/>
+              <a:rPr lang="hu-HU" dirty="0"/>
               <a:t>.</a:t>
             </a:r>
-            <a:endParaRPr lang="en-US"/>
+            <a:endParaRPr lang="en-US" dirty="0"/>
           </a:p>
           <a:p>
             <a:pPr lvl="1"/>
             <a:r>
-              <a:rPr lang="en-US"/>
+              <a:rPr lang="en-US" dirty="0"/>
               <a:t>The </a:t>
             </a:r>
             <a:r>
-              <a:rPr lang="hu-HU"/>
+              <a:rPr lang="hu-HU" dirty="0"/>
               <a:t>„</a:t>
             </a:r>
             <a:r>
-              <a:rPr lang="hu-HU" err="1"/>
+              <a:rPr lang="hu-HU" dirty="0" err="1"/>
               <a:t>ChargingReservation</a:t>
             </a:r>
             <a:r>
-              <a:rPr lang="hu-HU"/>
+              <a:rPr lang="hu-HU" dirty="0"/>
               <a:t>”</a:t>
             </a:r>
             <a:r>
-              <a:rPr lang="en-US"/>
+              <a:rPr lang="en-US" dirty="0"/>
               <a:t> service </a:t>
             </a:r>
             <a:r>
-              <a:rPr lang="hu-HU"/>
+              <a:rPr lang="hu-HU" dirty="0"/>
               <a:t>has </a:t>
             </a:r>
             <a:r>
-              <a:rPr lang="hu-HU" err="1"/>
+              <a:rPr lang="hu-HU" dirty="0" err="1"/>
               <a:t>the</a:t>
             </a:r>
             <a:r>
-              <a:rPr lang="hu-HU"/>
-              <a:t> </a:t>
-            </a:r>
-            <a:r>
-              <a:rPr lang="hu-HU" err="1"/>
+              <a:rPr lang="hu-HU" dirty="0"/>
+              <a:t> </a:t>
+            </a:r>
+            <a:r>
+              <a:rPr lang="hu-HU" dirty="0" err="1"/>
               <a:t>same</a:t>
             </a:r>
             <a:r>
-              <a:rPr lang="hu-HU"/>
-              <a:t> </a:t>
-            </a:r>
-            <a:r>
-              <a:rPr lang="hu-HU" err="1"/>
+              <a:rPr lang="hu-HU" dirty="0"/>
+              <a:t> </a:t>
+            </a:r>
+            <a:r>
+              <a:rPr lang="hu-HU" dirty="0" err="1"/>
               <a:t>requester</a:t>
             </a:r>
             <a:r>
-              <a:rPr lang="hu-HU"/>
+              <a:rPr lang="hu-HU" dirty="0"/>
               <a:t> and </a:t>
             </a:r>
             <a:r>
-              <a:rPr lang="hu-HU" err="1"/>
+              <a:rPr lang="hu-HU" dirty="0" err="1"/>
               <a:t>provider</a:t>
             </a:r>
             <a:r>
-              <a:rPr lang="hu-HU"/>
-              <a:t> </a:t>
-            </a:r>
-            <a:r>
-              <a:rPr lang="hu-HU" err="1"/>
+              <a:rPr lang="hu-HU" dirty="0"/>
+              <a:t> </a:t>
+            </a:r>
+            <a:r>
+              <a:rPr lang="hu-HU" dirty="0" err="1"/>
               <a:t>system</a:t>
             </a:r>
             <a:r>
-              <a:rPr lang="hu-HU"/>
+              <a:rPr lang="hu-HU" dirty="0"/>
               <a:t>, </a:t>
             </a:r>
             <a:r>
-              <a:rPr lang="hu-HU" err="1"/>
+              <a:rPr lang="hu-HU" dirty="0" err="1"/>
               <a:t>but</a:t>
             </a:r>
             <a:r>
-              <a:rPr lang="hu-HU"/>
-              <a:t> </a:t>
-            </a:r>
-            <a:r>
-              <a:rPr lang="hu-HU" err="1"/>
+              <a:rPr lang="hu-HU" dirty="0"/>
+              <a:t> </a:t>
+            </a:r>
+            <a:r>
+              <a:rPr lang="hu-HU" dirty="0" err="1"/>
               <a:t>for</a:t>
             </a:r>
             <a:r>
-              <a:rPr lang="hu-HU"/>
-              <a:t> </a:t>
-            </a:r>
-            <a:r>
-              <a:rPr lang="hu-HU" err="1"/>
+              <a:rPr lang="hu-HU" dirty="0"/>
+              <a:t> </a:t>
+            </a:r>
+            <a:r>
+              <a:rPr lang="hu-HU" dirty="0" err="1"/>
               <a:t>this</a:t>
             </a:r>
             <a:r>
-              <a:rPr lang="hu-HU"/>
+              <a:rPr lang="hu-HU" dirty="0"/>
               <a:t> service </a:t>
             </a:r>
             <a:r>
-              <a:rPr lang="hu-HU" err="1"/>
+              <a:rPr lang="hu-HU" dirty="0" err="1"/>
               <a:t>the</a:t>
             </a:r>
             <a:r>
-              <a:rPr lang="hu-HU"/>
-              <a:t> </a:t>
-            </a:r>
-            <a:r>
-              <a:rPr lang="hu-HU" err="1"/>
+              <a:rPr lang="hu-HU" dirty="0"/>
+              <a:t> </a:t>
+            </a:r>
+            <a:r>
+              <a:rPr lang="hu-HU" dirty="0" err="1"/>
               <a:t>charging</a:t>
             </a:r>
             <a:r>
-              <a:rPr lang="hu-HU"/>
-              <a:t> </a:t>
-            </a:r>
-            <a:r>
-              <a:rPr lang="hu-HU" err="1"/>
+              <a:rPr lang="hu-HU" dirty="0"/>
+              <a:t> </a:t>
+            </a:r>
+            <a:r>
+              <a:rPr lang="hu-HU" dirty="0" err="1"/>
               <a:t>station</a:t>
             </a:r>
             <a:r>
-              <a:rPr lang="hu-HU"/>
+              <a:rPr lang="hu-HU" dirty="0"/>
               <a:t> has no </a:t>
             </a:r>
             <a:r>
-              <a:rPr lang="hu-HU" err="1"/>
+              <a:rPr lang="hu-HU" dirty="0" err="1"/>
               <a:t>hardwired</a:t>
             </a:r>
             <a:r>
-              <a:rPr lang="hu-HU"/>
-              <a:t> </a:t>
-            </a:r>
-            <a:r>
-              <a:rPr lang="hu-HU" err="1"/>
+              <a:rPr lang="hu-HU" dirty="0"/>
+              <a:t> </a:t>
+            </a:r>
+            <a:r>
+              <a:rPr lang="hu-HU" dirty="0" err="1"/>
               <a:t>providers</a:t>
             </a:r>
             <a:r>
-              <a:rPr lang="hu-HU"/>
-              <a:t> </a:t>
-            </a:r>
-            <a:r>
-              <a:rPr lang="hu-HU" err="1"/>
+              <a:rPr lang="hu-HU" dirty="0"/>
+              <a:t> </a:t>
+            </a:r>
+            <a:r>
+              <a:rPr lang="hu-HU" dirty="0" err="1"/>
               <a:t>prepared</a:t>
             </a:r>
             <a:r>
-              <a:rPr lang="hu-HU"/>
+              <a:rPr lang="hu-HU" dirty="0"/>
               <a:t> in </a:t>
             </a:r>
             <a:r>
-              <a:rPr lang="hu-HU" err="1"/>
+              <a:rPr lang="hu-HU" dirty="0" err="1"/>
               <a:t>the</a:t>
             </a:r>
             <a:r>
-              <a:rPr lang="hu-HU"/>
-              <a:t> </a:t>
-            </a:r>
-            <a:r>
-              <a:rPr lang="hu-HU" err="1"/>
+              <a:rPr lang="hu-HU" dirty="0"/>
+              <a:t> </a:t>
+            </a:r>
+            <a:r>
+              <a:rPr lang="hu-HU" dirty="0" err="1"/>
               <a:t>Orchestration</a:t>
             </a:r>
             <a:r>
-              <a:rPr lang="hu-HU"/>
-              <a:t> </a:t>
-            </a:r>
-            <a:r>
-              <a:rPr lang="hu-HU" err="1"/>
+              <a:rPr lang="hu-HU" dirty="0"/>
+              <a:t> </a:t>
+            </a:r>
+            <a:r>
+              <a:rPr lang="hu-HU" dirty="0" err="1"/>
               <a:t>Store</a:t>
             </a:r>
             <a:r>
-              <a:rPr lang="hu-HU"/>
+              <a:rPr lang="hu-HU" dirty="0"/>
               <a:t>.</a:t>
             </a:r>
-            <a:endParaRPr lang="en-US"/>
+            <a:endParaRPr lang="en-US" dirty="0"/>
           </a:p>
           <a:p>
             <a:pPr lvl="1"/>
             <a:r>
-              <a:rPr lang="hu-HU"/>
+              <a:rPr lang="hu-HU" dirty="0"/>
               <a:t>The „</a:t>
             </a:r>
             <a:r>
-              <a:rPr lang="hu-HU" err="1"/>
+              <a:rPr lang="hu-HU" dirty="0" err="1"/>
               <a:t>DCCharging</a:t>
             </a:r>
             <a:r>
-              <a:rPr lang="hu-HU"/>
+              <a:rPr lang="hu-HU" dirty="0"/>
               <a:t>” service is </a:t>
             </a:r>
             <a:r>
-              <a:rPr lang="hu-HU" err="1"/>
+              <a:rPr lang="hu-HU" dirty="0" err="1"/>
               <a:t>requested</a:t>
             </a:r>
             <a:r>
-              <a:rPr lang="hu-HU"/>
-              <a:t> </a:t>
-            </a:r>
-            <a:r>
-              <a:rPr lang="hu-HU" err="1"/>
+              <a:rPr lang="hu-HU" dirty="0"/>
+              <a:t> </a:t>
+            </a:r>
+            <a:r>
+              <a:rPr lang="hu-HU" dirty="0" err="1"/>
               <a:t>by</a:t>
             </a:r>
             <a:r>
-              <a:rPr lang="hu-HU"/>
-              <a:t> </a:t>
-            </a:r>
-            <a:r>
-              <a:rPr lang="hu-HU" err="1"/>
+              <a:rPr lang="hu-HU" dirty="0"/>
+              <a:t> </a:t>
+            </a:r>
+            <a:r>
+              <a:rPr lang="hu-HU" dirty="0" err="1"/>
               <a:t>electric</a:t>
             </a:r>
             <a:r>
-              <a:rPr lang="hu-HU"/>
-              <a:t> </a:t>
-            </a:r>
-            <a:r>
-              <a:rPr lang="hu-HU" err="1"/>
+              <a:rPr lang="hu-HU" dirty="0"/>
+              <a:t> </a:t>
+            </a:r>
+            <a:r>
+              <a:rPr lang="hu-HU" dirty="0" err="1"/>
               <a:t>cars</a:t>
             </a:r>
             <a:r>
-              <a:rPr lang="hu-HU"/>
+              <a:rPr lang="hu-HU" dirty="0"/>
               <a:t> and </a:t>
             </a:r>
             <a:r>
-              <a:rPr lang="hu-HU" err="1"/>
+              <a:rPr lang="hu-HU" dirty="0" err="1"/>
               <a:t>the</a:t>
             </a:r>
             <a:r>
-              <a:rPr lang="hu-HU"/>
-              <a:t> </a:t>
-            </a:r>
-            <a:r>
-              <a:rPr lang="hu-HU" err="1"/>
+              <a:rPr lang="hu-HU" dirty="0"/>
+              <a:t> </a:t>
+            </a:r>
+            <a:r>
+              <a:rPr lang="hu-HU" dirty="0" err="1"/>
               <a:t>charging</a:t>
             </a:r>
             <a:r>
-              <a:rPr lang="hu-HU"/>
-              <a:t> </a:t>
-            </a:r>
-            <a:r>
-              <a:rPr lang="hu-HU" err="1"/>
+              <a:rPr lang="hu-HU" dirty="0"/>
+              <a:t> </a:t>
+            </a:r>
+            <a:r>
+              <a:rPr lang="hu-HU" dirty="0" err="1"/>
               <a:t>stations</a:t>
             </a:r>
             <a:r>
-              <a:rPr lang="hu-HU"/>
-              <a:t> </a:t>
-            </a:r>
-            <a:r>
-              <a:rPr lang="hu-HU" err="1"/>
+              <a:rPr lang="hu-HU" dirty="0"/>
+              <a:t> </a:t>
+            </a:r>
+            <a:r>
+              <a:rPr lang="hu-HU" dirty="0" err="1"/>
               <a:t>can</a:t>
             </a:r>
             <a:r>
-              <a:rPr lang="hu-HU"/>
-              <a:t> </a:t>
-            </a:r>
-            <a:r>
-              <a:rPr lang="hu-HU" err="1"/>
+              <a:rPr lang="hu-HU" dirty="0"/>
+              <a:t> </a:t>
+            </a:r>
+            <a:r>
+              <a:rPr lang="hu-HU" dirty="0" err="1"/>
               <a:t>provide</a:t>
             </a:r>
             <a:r>
-              <a:rPr lang="hu-HU"/>
-              <a:t> </a:t>
-            </a:r>
-            <a:r>
-              <a:rPr lang="hu-HU" err="1"/>
+              <a:rPr lang="hu-HU" dirty="0"/>
+              <a:t> </a:t>
+            </a:r>
+            <a:r>
+              <a:rPr lang="hu-HU" dirty="0" err="1"/>
               <a:t>this</a:t>
             </a:r>
             <a:r>
-              <a:rPr lang="hu-HU"/>
+              <a:rPr lang="hu-HU" dirty="0"/>
               <a:t> service (</a:t>
             </a:r>
             <a:r>
-              <a:rPr lang="hu-HU" err="1"/>
+              <a:rPr lang="hu-HU" dirty="0" err="1"/>
               <a:t>inter-cloud</a:t>
             </a:r>
             <a:r>
-              <a:rPr lang="hu-HU"/>
-              <a:t> </a:t>
-            </a:r>
-            <a:r>
-              <a:rPr lang="hu-HU" err="1"/>
+              <a:rPr lang="hu-HU" dirty="0"/>
+              <a:t> </a:t>
+            </a:r>
+            <a:r>
+              <a:rPr lang="hu-HU" dirty="0" err="1"/>
               <a:t>servicing</a:t>
             </a:r>
             <a:r>
-              <a:rPr lang="hu-HU"/>
+              <a:rPr lang="hu-HU" dirty="0"/>
               <a:t>).</a:t>
             </a:r>
-            <a:endParaRPr lang="en-US"/>
+            <a:endParaRPr lang="en-US" dirty="0"/>
           </a:p>
           <a:p>
             <a:pPr lvl="1"/>
             <a:r>
-              <a:rPr lang="hu-HU"/>
+              <a:rPr lang="hu-HU" dirty="0"/>
               <a:t>And </a:t>
             </a:r>
             <a:r>
-              <a:rPr lang="hu-HU" err="1"/>
+              <a:rPr lang="hu-HU" dirty="0" err="1"/>
               <a:t>finally</a:t>
             </a:r>
             <a:r>
-              <a:rPr lang="hu-HU"/>
-              <a:t> </a:t>
-            </a:r>
-            <a:r>
-              <a:rPr lang="hu-HU" err="1"/>
+              <a:rPr lang="hu-HU" dirty="0"/>
+              <a:t> </a:t>
+            </a:r>
+            <a:r>
+              <a:rPr lang="hu-HU" dirty="0" err="1"/>
               <a:t>the</a:t>
             </a:r>
             <a:r>
-              <a:rPr lang="hu-HU"/>
+              <a:rPr lang="hu-HU" dirty="0"/>
               <a:t> „</a:t>
             </a:r>
             <a:r>
-              <a:rPr lang="hu-HU" err="1"/>
+              <a:rPr lang="hu-HU" dirty="0" err="1"/>
               <a:t>ChargingProfile</a:t>
             </a:r>
             <a:r>
-              <a:rPr lang="hu-HU"/>
+              <a:rPr lang="hu-HU" dirty="0"/>
               <a:t>” service </a:t>
             </a:r>
             <a:r>
-              <a:rPr lang="hu-HU" err="1"/>
+              <a:rPr lang="hu-HU" dirty="0" err="1"/>
               <a:t>will</a:t>
             </a:r>
             <a:r>
-              <a:rPr lang="hu-HU"/>
+              <a:rPr lang="hu-HU" dirty="0"/>
               <a:t> be </a:t>
             </a:r>
             <a:r>
-              <a:rPr lang="hu-HU" err="1"/>
+              <a:rPr lang="hu-HU" dirty="0" err="1"/>
               <a:t>provided</a:t>
             </a:r>
             <a:r>
-              <a:rPr lang="hu-HU"/>
-              <a:t> </a:t>
-            </a:r>
-            <a:r>
-              <a:rPr lang="hu-HU" err="1"/>
+              <a:rPr lang="hu-HU" dirty="0"/>
+              <a:t> </a:t>
+            </a:r>
+            <a:r>
+              <a:rPr lang="hu-HU" dirty="0" err="1"/>
               <a:t>by</a:t>
             </a:r>
             <a:r>
-              <a:rPr lang="hu-HU"/>
-              <a:t> </a:t>
-            </a:r>
-            <a:r>
-              <a:rPr lang="hu-HU" err="1"/>
+              <a:rPr lang="hu-HU" dirty="0"/>
+              <a:t> </a:t>
+            </a:r>
+            <a:r>
+              <a:rPr lang="hu-HU" dirty="0" err="1"/>
               <a:t>the</a:t>
             </a:r>
             <a:r>
-              <a:rPr lang="hu-HU"/>
+              <a:rPr lang="hu-HU" dirty="0"/>
               <a:t> „</a:t>
             </a:r>
             <a:r>
-              <a:rPr lang="hu-HU" err="1"/>
+              <a:rPr lang="hu-HU" dirty="0" err="1"/>
               <a:t>BatteryProfiles</a:t>
             </a:r>
             <a:r>
-              <a:rPr lang="hu-HU"/>
+              <a:rPr lang="hu-HU" dirty="0"/>
               <a:t>” </a:t>
             </a:r>
             <a:r>
-              <a:rPr lang="hu-HU" err="1"/>
+              <a:rPr lang="hu-HU" dirty="0" err="1"/>
               <a:t>system</a:t>
             </a:r>
             <a:r>
-              <a:rPr lang="hu-HU"/>
-              <a:t> </a:t>
-            </a:r>
-            <a:r>
-              <a:rPr lang="hu-HU" err="1"/>
+              <a:rPr lang="hu-HU" dirty="0"/>
+              <a:t> </a:t>
+            </a:r>
+            <a:r>
+              <a:rPr lang="hu-HU" dirty="0" err="1"/>
               <a:t>from</a:t>
             </a:r>
             <a:r>
-              <a:rPr lang="hu-HU"/>
-              <a:t> </a:t>
-            </a:r>
-            <a:r>
-              <a:rPr lang="hu-HU" err="1"/>
+              <a:rPr lang="hu-HU" dirty="0"/>
+              <a:t> </a:t>
+            </a:r>
+            <a:r>
+              <a:rPr lang="hu-HU" dirty="0" err="1"/>
               <a:t>the</a:t>
             </a:r>
             <a:r>
-              <a:rPr lang="hu-HU"/>
+              <a:rPr lang="hu-HU" dirty="0"/>
               <a:t> EV </a:t>
             </a:r>
             <a:r>
-              <a:rPr lang="hu-HU" err="1"/>
+              <a:rPr lang="hu-HU" dirty="0" err="1"/>
               <a:t>cloud</a:t>
             </a:r>
             <a:r>
-              <a:rPr lang="hu-HU"/>
+              <a:rPr lang="hu-HU" dirty="0"/>
               <a:t>, </a:t>
             </a:r>
             <a:r>
-              <a:rPr lang="hu-HU" err="1"/>
+              <a:rPr lang="hu-HU" dirty="0" err="1"/>
               <a:t>to</a:t>
             </a:r>
             <a:r>
-              <a:rPr lang="hu-HU"/>
-              <a:t> </a:t>
-            </a:r>
-            <a:r>
-              <a:rPr lang="hu-HU" err="1"/>
+              <a:rPr lang="hu-HU" dirty="0"/>
+              <a:t> </a:t>
+            </a:r>
+            <a:r>
+              <a:rPr lang="hu-HU" dirty="0" err="1"/>
               <a:t>the</a:t>
             </a:r>
             <a:r>
-              <a:rPr lang="hu-HU"/>
-              <a:t> </a:t>
-            </a:r>
-            <a:r>
-              <a:rPr lang="hu-HU" err="1"/>
+              <a:rPr lang="hu-HU" dirty="0"/>
+              <a:t> </a:t>
+            </a:r>
+            <a:r>
+              <a:rPr lang="hu-HU" dirty="0" err="1"/>
               <a:t>charging</a:t>
             </a:r>
             <a:r>
-              <a:rPr lang="hu-HU"/>
-              <a:t> </a:t>
-            </a:r>
-            <a:r>
-              <a:rPr lang="hu-HU" err="1"/>
+              <a:rPr lang="hu-HU" dirty="0"/>
+              <a:t> </a:t>
+            </a:r>
+            <a:r>
+              <a:rPr lang="hu-HU" dirty="0" err="1"/>
               <a:t>stations</a:t>
             </a:r>
             <a:r>
-              <a:rPr lang="hu-HU"/>
+              <a:rPr lang="hu-HU" dirty="0"/>
               <a:t>.</a:t>
             </a:r>
-            <a:endParaRPr lang="en-US"/>
+            <a:endParaRPr lang="en-US" dirty="0"/>
           </a:p>
         </p:txBody>
       </p:sp>
@@ -6088,375 +6492,375 @@
           <a:lstStyle/>
           <a:p>
             <a:r>
-              <a:rPr lang="hu-HU" err="1"/>
+              <a:rPr lang="hu-HU" dirty="0" err="1"/>
               <a:t>Charging</a:t>
             </a:r>
             <a:r>
-              <a:rPr lang="hu-HU"/>
-              <a:t> </a:t>
-            </a:r>
-            <a:r>
-              <a:rPr lang="hu-HU" err="1"/>
+              <a:rPr lang="hu-HU" dirty="0"/>
+              <a:t> </a:t>
+            </a:r>
+            <a:r>
+              <a:rPr lang="hu-HU" dirty="0" err="1"/>
               <a:t>stations</a:t>
             </a:r>
             <a:r>
-              <a:rPr lang="hu-HU"/>
-              <a:t> </a:t>
-            </a:r>
-            <a:r>
-              <a:rPr lang="hu-HU" err="1"/>
+              <a:rPr lang="hu-HU" dirty="0"/>
+              <a:t> </a:t>
+            </a:r>
+            <a:r>
+              <a:rPr lang="hu-HU" dirty="0" err="1"/>
               <a:t>from</a:t>
             </a:r>
             <a:r>
-              <a:rPr lang="hu-HU"/>
-              <a:t> </a:t>
-            </a:r>
-            <a:r>
-              <a:rPr lang="hu-HU" err="1"/>
+              <a:rPr lang="hu-HU" dirty="0"/>
+              <a:t> </a:t>
+            </a:r>
+            <a:r>
+              <a:rPr lang="hu-HU" dirty="0" err="1"/>
               <a:t>the</a:t>
             </a:r>
             <a:r>
-              <a:rPr lang="hu-HU"/>
-              <a:t> </a:t>
-            </a:r>
-            <a:r>
-              <a:rPr lang="hu-HU" err="1"/>
+              <a:rPr lang="hu-HU" dirty="0"/>
+              <a:t> </a:t>
+            </a:r>
+            <a:r>
+              <a:rPr lang="hu-HU" dirty="0" err="1"/>
               <a:t>SmartGrid</a:t>
             </a:r>
             <a:r>
-              <a:rPr lang="hu-HU"/>
-              <a:t> </a:t>
-            </a:r>
-            <a:r>
-              <a:rPr lang="hu-HU" err="1"/>
+              <a:rPr lang="hu-HU" dirty="0"/>
+              <a:t> </a:t>
+            </a:r>
+            <a:r>
+              <a:rPr lang="hu-HU" dirty="0" err="1"/>
               <a:t>Cloud</a:t>
             </a:r>
             <a:r>
-              <a:rPr lang="hu-HU"/>
+              <a:rPr lang="hu-HU" dirty="0"/>
               <a:t> (#1) </a:t>
             </a:r>
             <a:r>
-              <a:rPr lang="hu-HU" err="1"/>
+              <a:rPr lang="hu-HU" dirty="0" err="1"/>
               <a:t>are</a:t>
             </a:r>
             <a:r>
-              <a:rPr lang="hu-HU"/>
-              <a:t> </a:t>
-            </a:r>
-            <a:r>
-              <a:rPr lang="hu-HU" err="1"/>
+              <a:rPr lang="hu-HU" dirty="0"/>
+              <a:t> </a:t>
+            </a:r>
+            <a:r>
+              <a:rPr lang="hu-HU" dirty="0" err="1"/>
               <a:t>hardwired</a:t>
             </a:r>
             <a:r>
-              <a:rPr lang="hu-HU"/>
-              <a:t> </a:t>
-            </a:r>
-            <a:r>
-              <a:rPr lang="hu-HU" err="1"/>
+              <a:rPr lang="hu-HU" dirty="0"/>
+              <a:t> </a:t>
+            </a:r>
+            <a:r>
+              <a:rPr lang="hu-HU" dirty="0" err="1"/>
               <a:t>to</a:t>
             </a:r>
             <a:r>
-              <a:rPr lang="hu-HU"/>
-              <a:t> </a:t>
-            </a:r>
-            <a:r>
-              <a:rPr lang="hu-HU" err="1"/>
+              <a:rPr lang="hu-HU" dirty="0"/>
+              <a:t> </a:t>
+            </a:r>
+            <a:r>
+              <a:rPr lang="hu-HU" dirty="0" err="1"/>
               <a:t>use</a:t>
             </a:r>
             <a:r>
-              <a:rPr lang="hu-HU"/>
+              <a:rPr lang="hu-HU" dirty="0"/>
               <a:t> a </a:t>
             </a:r>
             <a:r>
-              <a:rPr lang="hu-HU" err="1"/>
+              <a:rPr lang="hu-HU" dirty="0" err="1"/>
               <a:t>certain</a:t>
             </a:r>
             <a:r>
-              <a:rPr lang="hu-HU"/>
-              <a:t> </a:t>
-            </a:r>
-            <a:r>
-              <a:rPr lang="hu-HU" err="1"/>
+              <a:rPr lang="hu-HU" dirty="0"/>
+              <a:t> </a:t>
+            </a:r>
+            <a:r>
+              <a:rPr lang="hu-HU" dirty="0" err="1"/>
               <a:t>list</a:t>
             </a:r>
             <a:r>
-              <a:rPr lang="hu-HU"/>
+              <a:rPr lang="hu-HU" dirty="0"/>
               <a:t> of Management Servers.</a:t>
             </a:r>
           </a:p>
           <a:p>
             <a:r>
-              <a:rPr lang="hu-HU" err="1"/>
+              <a:rPr lang="hu-HU" dirty="0" err="1"/>
               <a:t>However</a:t>
             </a:r>
             <a:r>
-              <a:rPr lang="hu-HU"/>
+              <a:rPr lang="hu-HU" dirty="0"/>
               <a:t>, </a:t>
             </a:r>
             <a:r>
-              <a:rPr lang="hu-HU" err="1"/>
+              <a:rPr lang="hu-HU" dirty="0" err="1"/>
               <a:t>which</a:t>
             </a:r>
             <a:r>
-              <a:rPr lang="hu-HU"/>
-              <a:t> </a:t>
-            </a:r>
-            <a:r>
-              <a:rPr lang="hu-HU" err="1"/>
+              <a:rPr lang="hu-HU" dirty="0"/>
+              <a:t> </a:t>
+            </a:r>
+            <a:r>
+              <a:rPr lang="hu-HU" dirty="0" err="1"/>
               <a:t>station</a:t>
             </a:r>
             <a:r>
-              <a:rPr lang="hu-HU"/>
-              <a:t> </a:t>
-            </a:r>
-            <a:r>
-              <a:rPr lang="hu-HU" err="1"/>
+              <a:rPr lang="hu-HU" dirty="0"/>
+              <a:t> </a:t>
+            </a:r>
+            <a:r>
+              <a:rPr lang="hu-HU" dirty="0" err="1"/>
               <a:t>can</a:t>
             </a:r>
             <a:r>
-              <a:rPr lang="hu-HU"/>
-              <a:t> </a:t>
-            </a:r>
-            <a:r>
-              <a:rPr lang="hu-HU" err="1"/>
+              <a:rPr lang="hu-HU" dirty="0"/>
+              <a:t> </a:t>
+            </a:r>
+            <a:r>
+              <a:rPr lang="hu-HU" dirty="0" err="1"/>
               <a:t>access</a:t>
             </a:r>
             <a:r>
-              <a:rPr lang="hu-HU"/>
-              <a:t> </a:t>
-            </a:r>
-            <a:r>
-              <a:rPr lang="hu-HU" err="1"/>
+              <a:rPr lang="hu-HU" dirty="0"/>
+              <a:t> </a:t>
+            </a:r>
+            <a:r>
+              <a:rPr lang="hu-HU" dirty="0" err="1"/>
               <a:t>which</a:t>
             </a:r>
             <a:r>
-              <a:rPr lang="hu-HU"/>
+              <a:rPr lang="hu-HU" dirty="0"/>
               <a:t> server is </a:t>
             </a:r>
             <a:r>
-              <a:rPr lang="hu-HU" err="1"/>
+              <a:rPr lang="hu-HU" dirty="0" err="1"/>
               <a:t>dynamic</a:t>
             </a:r>
             <a:r>
-              <a:rPr lang="hu-HU"/>
+              <a:rPr lang="hu-HU" dirty="0"/>
               <a:t> (</a:t>
             </a:r>
             <a:r>
-              <a:rPr lang="hu-HU" err="1"/>
+              <a:rPr lang="hu-HU" dirty="0" err="1"/>
               <a:t>e.g</a:t>
             </a:r>
             <a:r>
-              <a:rPr lang="hu-HU"/>
+              <a:rPr lang="hu-HU" dirty="0"/>
               <a:t>. </a:t>
             </a:r>
             <a:r>
-              <a:rPr lang="hu-HU" err="1"/>
+              <a:rPr lang="hu-HU" dirty="0" err="1"/>
               <a:t>changes</a:t>
             </a:r>
             <a:r>
-              <a:rPr lang="hu-HU"/>
-              <a:t> </a:t>
-            </a:r>
-            <a:r>
-              <a:rPr lang="hu-HU" err="1"/>
+              <a:rPr lang="hu-HU" dirty="0"/>
+              <a:t> </a:t>
+            </a:r>
+            <a:r>
+              <a:rPr lang="hu-HU" dirty="0" err="1"/>
               <a:t>with</a:t>
             </a:r>
             <a:r>
-              <a:rPr lang="hu-HU"/>
-              <a:t> </a:t>
-            </a:r>
-            <a:r>
-              <a:rPr lang="hu-HU" err="1"/>
+              <a:rPr lang="hu-HU" dirty="0"/>
+              <a:t> </a:t>
+            </a:r>
+            <a:r>
+              <a:rPr lang="hu-HU" dirty="0" err="1"/>
               <a:t>time</a:t>
             </a:r>
             <a:r>
-              <a:rPr lang="hu-HU"/>
+              <a:rPr lang="hu-HU" dirty="0"/>
               <a:t> of </a:t>
             </a:r>
             <a:r>
-              <a:rPr lang="hu-HU" err="1"/>
+              <a:rPr lang="hu-HU" dirty="0" err="1"/>
               <a:t>day</a:t>
             </a:r>
             <a:r>
-              <a:rPr lang="hu-HU"/>
+              <a:rPr lang="hu-HU" dirty="0"/>
               <a:t>)</a:t>
             </a:r>
           </a:p>
           <a:p>
             <a:pPr lvl="1"/>
             <a:r>
-              <a:rPr lang="hu-HU" err="1"/>
+              <a:rPr lang="hu-HU" dirty="0" err="1"/>
               <a:t>Some</a:t>
             </a:r>
             <a:r>
-              <a:rPr lang="hu-HU"/>
+              <a:rPr lang="hu-HU" dirty="0"/>
               <a:t> servers go offline </a:t>
             </a:r>
             <a:r>
-              <a:rPr lang="hu-HU" err="1"/>
+              <a:rPr lang="hu-HU" dirty="0" err="1"/>
               <a:t>or</a:t>
             </a:r>
             <a:r>
-              <a:rPr lang="hu-HU"/>
-              <a:t> </a:t>
-            </a:r>
-            <a:r>
-              <a:rPr lang="hu-HU" err="1"/>
+              <a:rPr lang="hu-HU" dirty="0"/>
+              <a:t> </a:t>
+            </a:r>
+            <a:r>
+              <a:rPr lang="hu-HU" dirty="0" err="1"/>
               <a:t>night-time</a:t>
             </a:r>
             <a:r>
-              <a:rPr lang="hu-HU"/>
+              <a:rPr lang="hu-HU" dirty="0"/>
               <a:t> management of </a:t>
             </a:r>
             <a:r>
-              <a:rPr lang="hu-HU" err="1"/>
+              <a:rPr lang="hu-HU" dirty="0" err="1"/>
               <a:t>stations</a:t>
             </a:r>
             <a:r>
-              <a:rPr lang="hu-HU"/>
-              <a:t> </a:t>
-            </a:r>
-            <a:r>
-              <a:rPr lang="hu-HU" err="1"/>
+              <a:rPr lang="hu-HU" dirty="0"/>
+              <a:t> </a:t>
+            </a:r>
+            <a:r>
+              <a:rPr lang="hu-HU" dirty="0" err="1"/>
               <a:t>belongs</a:t>
             </a:r>
             <a:r>
-              <a:rPr lang="hu-HU"/>
-              <a:t> </a:t>
-            </a:r>
-            <a:r>
-              <a:rPr lang="hu-HU" err="1"/>
+              <a:rPr lang="hu-HU" dirty="0"/>
+              <a:t> </a:t>
+            </a:r>
+            <a:r>
+              <a:rPr lang="hu-HU" dirty="0" err="1"/>
               <a:t>to</a:t>
             </a:r>
             <a:r>
-              <a:rPr lang="hu-HU"/>
+              <a:rPr lang="hu-HU" dirty="0"/>
               <a:t> an </a:t>
             </a:r>
             <a:r>
-              <a:rPr lang="hu-HU" err="1"/>
+              <a:rPr lang="hu-HU" dirty="0" err="1"/>
               <a:t>external</a:t>
             </a:r>
             <a:r>
-              <a:rPr lang="hu-HU"/>
-              <a:t> </a:t>
-            </a:r>
-            <a:r>
-              <a:rPr lang="hu-HU" err="1"/>
+              <a:rPr lang="hu-HU" dirty="0"/>
+              <a:t> </a:t>
+            </a:r>
+            <a:r>
+              <a:rPr lang="hu-HU" dirty="0" err="1"/>
               <a:t>party</a:t>
             </a:r>
-            <a:endParaRPr lang="hu-HU"/>
-          </a:p>
-          <a:p>
-            <a:r>
-              <a:rPr lang="hu-HU" err="1"/>
+            <a:endParaRPr lang="hu-HU" dirty="0"/>
+          </a:p>
+          <a:p>
+            <a:r>
+              <a:rPr lang="hu-HU" dirty="0" err="1"/>
               <a:t>These</a:t>
             </a:r>
             <a:r>
-              <a:rPr lang="hu-HU"/>
-              <a:t> </a:t>
-            </a:r>
-            <a:r>
-              <a:rPr lang="hu-HU" err="1"/>
+              <a:rPr lang="hu-HU" dirty="0"/>
+              <a:t> </a:t>
+            </a:r>
+            <a:r>
+              <a:rPr lang="hu-HU" dirty="0" err="1"/>
               <a:t>orchestration</a:t>
             </a:r>
             <a:r>
-              <a:rPr lang="hu-HU"/>
-              <a:t> </a:t>
-            </a:r>
-            <a:r>
-              <a:rPr lang="hu-HU" err="1"/>
+              <a:rPr lang="hu-HU" dirty="0"/>
+              <a:t> </a:t>
+            </a:r>
+            <a:r>
+              <a:rPr lang="hu-HU" dirty="0" err="1"/>
               <a:t>rules</a:t>
             </a:r>
             <a:r>
-              <a:rPr lang="hu-HU"/>
-              <a:t> </a:t>
-            </a:r>
-            <a:r>
-              <a:rPr lang="hu-HU" err="1"/>
+              <a:rPr lang="hu-HU" dirty="0"/>
+              <a:t> </a:t>
+            </a:r>
+            <a:r>
+              <a:rPr lang="hu-HU" dirty="0" err="1"/>
               <a:t>are</a:t>
             </a:r>
             <a:r>
-              <a:rPr lang="hu-HU"/>
-              <a:t> </a:t>
-            </a:r>
-            <a:r>
-              <a:rPr lang="hu-HU" err="1"/>
+              <a:rPr lang="hu-HU" dirty="0"/>
+              <a:t> </a:t>
+            </a:r>
+            <a:r>
+              <a:rPr lang="hu-HU" dirty="0" err="1"/>
               <a:t>stored</a:t>
             </a:r>
             <a:r>
-              <a:rPr lang="hu-HU"/>
+              <a:rPr lang="hu-HU" dirty="0"/>
               <a:t> and </a:t>
             </a:r>
             <a:r>
-              <a:rPr lang="hu-HU" err="1"/>
+              <a:rPr lang="hu-HU" dirty="0" err="1"/>
               <a:t>iterated</a:t>
             </a:r>
             <a:r>
-              <a:rPr lang="hu-HU"/>
-              <a:t> </a:t>
-            </a:r>
-            <a:r>
-              <a:rPr lang="hu-HU" err="1"/>
+              <a:rPr lang="hu-HU" dirty="0"/>
+              <a:t> </a:t>
+            </a:r>
+            <a:r>
+              <a:rPr lang="hu-HU" dirty="0" err="1"/>
               <a:t>through</a:t>
             </a:r>
             <a:r>
-              <a:rPr lang="hu-HU"/>
-              <a:t> </a:t>
-            </a:r>
-            <a:r>
-              <a:rPr lang="hu-HU" err="1"/>
+              <a:rPr lang="hu-HU" dirty="0"/>
+              <a:t> </a:t>
+            </a:r>
+            <a:r>
+              <a:rPr lang="hu-HU" dirty="0" err="1"/>
               <a:t>based</a:t>
             </a:r>
             <a:r>
-              <a:rPr lang="hu-HU"/>
-              <a:t> </a:t>
-            </a:r>
-            <a:r>
-              <a:rPr lang="hu-HU" err="1"/>
+              <a:rPr lang="hu-HU" dirty="0"/>
+              <a:t> </a:t>
+            </a:r>
+            <a:r>
+              <a:rPr lang="hu-HU" dirty="0" err="1"/>
               <a:t>on</a:t>
             </a:r>
             <a:r>
-              <a:rPr lang="hu-HU"/>
-              <a:t> </a:t>
-            </a:r>
-            <a:r>
-              <a:rPr lang="hu-HU" err="1"/>
+              <a:rPr lang="hu-HU" dirty="0"/>
+              <a:t> </a:t>
+            </a:r>
+            <a:r>
+              <a:rPr lang="hu-HU" dirty="0" err="1"/>
               <a:t>their</a:t>
             </a:r>
             <a:r>
-              <a:rPr lang="hu-HU"/>
-              <a:t> </a:t>
-            </a:r>
-            <a:r>
-              <a:rPr lang="hu-HU" err="1"/>
+              <a:rPr lang="hu-HU" dirty="0"/>
+              <a:t> </a:t>
+            </a:r>
+            <a:r>
+              <a:rPr lang="hu-HU" dirty="0" err="1"/>
               <a:t>priority</a:t>
             </a:r>
             <a:r>
-              <a:rPr lang="hu-HU"/>
+              <a:rPr lang="hu-HU" dirty="0"/>
               <a:t>. </a:t>
             </a:r>
             <a:r>
-              <a:rPr lang="hu-HU" err="1"/>
+              <a:rPr lang="hu-HU" dirty="0" err="1"/>
               <a:t>Check</a:t>
             </a:r>
             <a:r>
-              <a:rPr lang="hu-HU"/>
-              <a:t> </a:t>
-            </a:r>
-            <a:r>
-              <a:rPr lang="hu-HU" err="1"/>
+              <a:rPr lang="hu-HU" dirty="0"/>
+              <a:t> </a:t>
+            </a:r>
+            <a:r>
+              <a:rPr lang="hu-HU" dirty="0" err="1"/>
               <a:t>the</a:t>
             </a:r>
             <a:r>
-              <a:rPr lang="hu-HU"/>
+              <a:rPr lang="hu-HU" dirty="0"/>
               <a:t> Advanced </a:t>
             </a:r>
             <a:r>
-              <a:rPr lang="hu-HU" err="1"/>
+              <a:rPr lang="hu-HU" dirty="0" err="1"/>
               <a:t>Orchestration</a:t>
             </a:r>
             <a:r>
-              <a:rPr lang="hu-HU"/>
+              <a:rPr lang="hu-HU" dirty="0"/>
               <a:t> Service SD</a:t>
             </a:r>
           </a:p>
@@ -6585,22 +6989,22 @@
               <a:buNone/>
             </a:pPr>
             <a:r>
-              <a:rPr lang="hu-HU" sz="4400"/>
+              <a:rPr lang="hu-HU" sz="4400" dirty="0"/>
               <a:t>Service </a:t>
             </a:r>
             <a:r>
-              <a:rPr lang="hu-HU" sz="4400" err="1"/>
+              <a:rPr lang="hu-HU" sz="4400" dirty="0" err="1"/>
               <a:t>Request</a:t>
             </a:r>
             <a:r>
-              <a:rPr lang="hu-HU" sz="4400"/>
-              <a:t> </a:t>
-            </a:r>
-            <a:r>
-              <a:rPr lang="hu-HU" sz="4400" err="1"/>
+              <a:rPr lang="hu-HU" sz="4400" dirty="0"/>
+              <a:t> </a:t>
+            </a:r>
+            <a:r>
+              <a:rPr lang="hu-HU" sz="4400" dirty="0" err="1"/>
               <a:t>Form</a:t>
             </a:r>
-            <a:endParaRPr lang="hu-HU" sz="4400"/>
+            <a:endParaRPr lang="hu-HU" sz="4400" dirty="0"/>
           </a:p>
           <a:p>
             <a:pPr marL="0" indent="0">
@@ -6613,7 +7017,7 @@
               <a:buNone/>
             </a:pPr>
             <a:r>
-              <a:rPr lang="hu-HU"/>
+              <a:rPr lang="hu-HU" sz="3300" dirty="0"/>
               <a:t>{</a:t>
             </a:r>
           </a:p>
@@ -6628,8 +7032,16 @@
               <a:buNone/>
             </a:pPr>
             <a:r>
-              <a:rPr lang="hu-HU"/>
-              <a:t>  "requesterSystem":</a:t>
+              <a:rPr lang="hu-HU" sz="3300" dirty="0"/>
+              <a:t>  "</a:t>
+            </a:r>
+            <a:r>
+              <a:rPr lang="hu-HU" sz="3300" dirty="0" err="1"/>
+              <a:t>requesterSystem</a:t>
+            </a:r>
+            <a:r>
+              <a:rPr lang="hu-HU" sz="3300" dirty="0"/>
+              <a:t>":</a:t>
             </a:r>
           </a:p>
           <a:p>
@@ -6643,7 +7055,7 @@
               <a:buNone/>
             </a:pPr>
             <a:r>
-              <a:rPr lang="hu-HU"/>
+              <a:rPr lang="hu-HU" sz="3300" dirty="0"/>
               <a:t>  {</a:t>
             </a:r>
           </a:p>
@@ -6658,8 +7070,24 @@
               <a:buNone/>
             </a:pPr>
             <a:r>
-              <a:rPr lang="hu-HU"/>
-              <a:t>      "systemGroup": "SmartGrid",</a:t>
+              <a:rPr lang="hu-HU" sz="3300" dirty="0"/>
+              <a:t>      "</a:t>
+            </a:r>
+            <a:r>
+              <a:rPr lang="hu-HU" sz="3300" dirty="0" err="1"/>
+              <a:t>systemName</a:t>
+            </a:r>
+            <a:r>
+              <a:rPr lang="hu-HU" sz="3300" dirty="0"/>
+              <a:t>": "</a:t>
+            </a:r>
+            <a:r>
+              <a:rPr lang="hu-HU" sz="3300" dirty="0" err="1"/>
+              <a:t>ChargePointSystem</a:t>
+            </a:r>
+            <a:r>
+              <a:rPr lang="hu-HU" sz="3300" dirty="0"/>
+              <a:t>",</a:t>
             </a:r>
           </a:p>
           <a:p>
@@ -6673,8 +7101,16 @@
               <a:buNone/>
             </a:pPr>
             <a:r>
-              <a:rPr lang="hu-HU"/>
-              <a:t>      "systemName": "ChargePointSystem",</a:t>
+              <a:rPr lang="hu-HU" sz="3300" dirty="0"/>
+              <a:t>      "</a:t>
+            </a:r>
+            <a:r>
+              <a:rPr lang="hu-HU" sz="3300" dirty="0" err="1"/>
+              <a:t>address</a:t>
+            </a:r>
+            <a:r>
+              <a:rPr lang="hu-HU" sz="3300" dirty="0"/>
+              <a:t>": "dummy_address_4"</a:t>
             </a:r>
           </a:p>
           <a:p>
@@ -6688,8 +7124,8 @@
               <a:buNone/>
             </a:pPr>
             <a:r>
-              <a:rPr lang="hu-HU"/>
-              <a:t>      "address": "dummy_address_2"</a:t>
+              <a:rPr lang="hu-HU" sz="3300" dirty="0"/>
+              <a:t>  },</a:t>
             </a:r>
           </a:p>
           <a:p>
@@ -6703,8 +7139,16 @@
               <a:buNone/>
             </a:pPr>
             <a:r>
-              <a:rPr lang="hu-HU"/>
-              <a:t>  },</a:t>
+              <a:rPr lang="hu-HU" sz="3300" dirty="0"/>
+              <a:t>  "</a:t>
+            </a:r>
+            <a:r>
+              <a:rPr lang="hu-HU" sz="3300" dirty="0" err="1"/>
+              <a:t>requestedService</a:t>
+            </a:r>
+            <a:r>
+              <a:rPr lang="hu-HU" sz="3300" dirty="0"/>
+              <a:t>":</a:t>
             </a:r>
           </a:p>
           <a:p>
@@ -6718,8 +7162,8 @@
               <a:buNone/>
             </a:pPr>
             <a:r>
-              <a:rPr lang="hu-HU"/>
-              <a:t>  "requestedService":</a:t>
+              <a:rPr lang="hu-HU" sz="3300" dirty="0"/>
+              <a:t>  {</a:t>
             </a:r>
           </a:p>
           <a:p>
@@ -6733,8 +7177,16 @@
               <a:buNone/>
             </a:pPr>
             <a:r>
-              <a:rPr lang="hu-HU"/>
-              <a:t>  {</a:t>
+              <a:rPr lang="hu-HU" sz="3300" dirty="0"/>
+              <a:t>      "</a:t>
+            </a:r>
+            <a:r>
+              <a:rPr lang="hu-HU" sz="3300" dirty="0" err="1"/>
+              <a:t>serviceDefinition</a:t>
+            </a:r>
+            <a:r>
+              <a:rPr lang="hu-HU" sz="3300" dirty="0"/>
+              <a:t>": "Billing",</a:t>
             </a:r>
           </a:p>
           <a:p>
@@ -6748,8 +7200,16 @@
               <a:buNone/>
             </a:pPr>
             <a:r>
-              <a:rPr lang="hu-HU"/>
-              <a:t>      "serviceGroup": "Charging",</a:t>
+              <a:rPr lang="hu-HU" sz="3300" dirty="0"/>
+              <a:t>      "</a:t>
+            </a:r>
+            <a:r>
+              <a:rPr lang="hu-HU" sz="3300" dirty="0" err="1"/>
+              <a:t>interfaces</a:t>
+            </a:r>
+            <a:r>
+              <a:rPr lang="hu-HU" sz="3300" dirty="0"/>
+              <a:t>": ["JSON"]</a:t>
             </a:r>
           </a:p>
           <a:p>
@@ -6763,8 +7223,8 @@
               <a:buNone/>
             </a:pPr>
             <a:r>
-              <a:rPr lang="hu-HU"/>
-              <a:t>      "serviceDefinition": "Billing",</a:t>
+              <a:rPr lang="hu-HU" sz="3300" dirty="0"/>
+              <a:t>  }</a:t>
             </a:r>
           </a:p>
           <a:p>
@@ -6778,40 +7238,9 @@
               <a:buNone/>
             </a:pPr>
             <a:r>
-              <a:rPr lang="hu-HU"/>
-              <a:t>      "interfaces": ["JSON"]</a:t>
-            </a:r>
-          </a:p>
-          <a:p>
-            <a:pPr marL="0" indent="0">
-              <a:lnSpc>
-                <a:spcPct val="120000"/>
-              </a:lnSpc>
-              <a:spcBef>
-                <a:spcPts val="0"/>
-              </a:spcBef>
-              <a:buNone/>
-            </a:pPr>
-            <a:r>
-              <a:rPr lang="hu-HU"/>
-              <a:t>  }</a:t>
-            </a:r>
-          </a:p>
-          <a:p>
-            <a:pPr marL="0" indent="0">
-              <a:lnSpc>
-                <a:spcPct val="120000"/>
-              </a:lnSpc>
-              <a:spcBef>
-                <a:spcPts val="0"/>
-              </a:spcBef>
-              <a:buNone/>
-            </a:pPr>
-            <a:r>
-              <a:rPr lang="hu-HU"/>
+              <a:rPr lang="hu-HU" sz="3300" dirty="0"/>
               <a:t>}</a:t>
             </a:r>
-            <a:endParaRPr lang="en-US"/>
           </a:p>
         </p:txBody>
       </p:sp>
@@ -6838,7 +7267,7 @@
         </p:spPr>
         <p:txBody>
           <a:bodyPr>
-            <a:normAutofit fontScale="40000" lnSpcReduction="20000"/>
+            <a:normAutofit fontScale="55000" lnSpcReduction="20000"/>
           </a:bodyPr>
           <a:lstStyle/>
           <a:p>
@@ -6846,27 +7275,27 @@
               <a:buNone/>
             </a:pPr>
             <a:r>
-              <a:rPr lang="hu-HU" sz="4400" err="1"/>
+              <a:rPr lang="hu-HU" sz="4400" dirty="0" err="1"/>
               <a:t>Orchestration</a:t>
             </a:r>
             <a:r>
-              <a:rPr lang="hu-HU" sz="4400"/>
-              <a:t> </a:t>
-            </a:r>
-            <a:r>
-              <a:rPr lang="hu-HU" sz="4400" err="1"/>
+              <a:rPr lang="hu-HU" sz="4400" dirty="0"/>
+              <a:t> </a:t>
+            </a:r>
+            <a:r>
+              <a:rPr lang="hu-HU" sz="4400" dirty="0" err="1"/>
               <a:t>Response</a:t>
             </a:r>
             <a:r>
-              <a:rPr lang="hu-HU" sz="4400"/>
+              <a:rPr lang="hu-HU" sz="4400" dirty="0"/>
               <a:t> (</a:t>
             </a:r>
             <a:r>
-              <a:rPr lang="hu-HU" sz="4400" err="1"/>
+              <a:rPr lang="hu-HU" sz="4400" dirty="0" err="1"/>
               <a:t>expected</a:t>
             </a:r>
             <a:r>
-              <a:rPr lang="hu-HU" sz="4400"/>
+              <a:rPr lang="hu-HU" sz="4400" dirty="0"/>
               <a:t>)</a:t>
             </a:r>
           </a:p>
@@ -6881,7 +7310,7 @@
               <a:buNone/>
             </a:pPr>
             <a:r>
-              <a:rPr lang="hu-HU"/>
+              <a:rPr lang="hu-HU" dirty="0"/>
               <a:t>{</a:t>
             </a:r>
           </a:p>
@@ -6896,8 +7325,16 @@
               <a:buNone/>
             </a:pPr>
             <a:r>
-              <a:rPr lang="hu-HU"/>
-              <a:t>    "response": [{</a:t>
+              <a:rPr lang="hu-HU" dirty="0"/>
+              <a:t>  "</a:t>
+            </a:r>
+            <a:r>
+              <a:rPr lang="hu-HU" dirty="0" err="1"/>
+              <a:t>response</a:t>
+            </a:r>
+            <a:r>
+              <a:rPr lang="hu-HU" dirty="0"/>
+              <a:t>": [</a:t>
             </a:r>
           </a:p>
           <a:p>
@@ -6911,8 +7348,8 @@
               <a:buNone/>
             </a:pPr>
             <a:r>
-              <a:rPr lang="hu-HU"/>
-              <a:t>        "instruction": "command args",</a:t>
+              <a:rPr lang="hu-HU" dirty="0"/>
+              <a:t>    {</a:t>
             </a:r>
           </a:p>
           <a:p>
@@ -6926,8 +7363,8 @@
               <a:buNone/>
             </a:pPr>
             <a:r>
-              <a:rPr lang="hu-HU"/>
-              <a:t>        "provider": {</a:t>
+              <a:rPr lang="hu-HU" dirty="0"/>
+              <a:t>      "service": {</a:t>
             </a:r>
           </a:p>
           <a:p>
@@ -6941,8 +7378,16 @@
               <a:buNone/>
             </a:pPr>
             <a:r>
-              <a:rPr lang="hu-HU"/>
-              <a:t>            "address": "dummy_address_3",</a:t>
+              <a:rPr lang="hu-HU" dirty="0"/>
+              <a:t>        "</a:t>
+            </a:r>
+            <a:r>
+              <a:rPr lang="hu-HU" dirty="0" err="1"/>
+              <a:t>serviceDefinition</a:t>
+            </a:r>
+            <a:r>
+              <a:rPr lang="hu-HU" dirty="0"/>
+              <a:t>": "Billing",</a:t>
             </a:r>
           </a:p>
           <a:p>
@@ -6956,8 +7401,16 @@
               <a:buNone/>
             </a:pPr>
             <a:r>
-              <a:rPr lang="hu-HU"/>
-              <a:t>            "authenticationInfo": "Base64 coded Public Key",</a:t>
+              <a:rPr lang="hu-HU" dirty="0"/>
+              <a:t>        "</a:t>
+            </a:r>
+            <a:r>
+              <a:rPr lang="hu-HU" dirty="0" err="1"/>
+              <a:t>interfaces</a:t>
+            </a:r>
+            <a:r>
+              <a:rPr lang="hu-HU" dirty="0"/>
+              <a:t>": [</a:t>
             </a:r>
           </a:p>
           <a:p>
@@ -6971,8 +7424,8 @@
               <a:buNone/>
             </a:pPr>
             <a:r>
-              <a:rPr lang="hu-HU"/>
-              <a:t>            "port": 8083,</a:t>
+              <a:rPr lang="hu-HU" dirty="0"/>
+              <a:t>          "JSON"</a:t>
             </a:r>
           </a:p>
           <a:p>
@@ -6986,8 +7439,8 @@
               <a:buNone/>
             </a:pPr>
             <a:r>
-              <a:rPr lang="hu-HU"/>
-              <a:t>            "systemGroup": "SmartGrid",</a:t>
+              <a:rPr lang="hu-HU" dirty="0"/>
+              <a:t>        ],</a:t>
             </a:r>
           </a:p>
           <a:p>
@@ -7001,8 +7454,16 @@
               <a:buNone/>
             </a:pPr>
             <a:r>
-              <a:rPr lang="hu-HU"/>
-              <a:t>            "systemName": "SmartGridManagerSystem3"</a:t>
+              <a:rPr lang="hu-HU" dirty="0"/>
+              <a:t>        "</a:t>
+            </a:r>
+            <a:r>
+              <a:rPr lang="hu-HU" dirty="0" err="1"/>
+              <a:t>serviceMetadata</a:t>
+            </a:r>
+            <a:r>
+              <a:rPr lang="hu-HU" dirty="0"/>
+              <a:t>": {</a:t>
             </a:r>
           </a:p>
           <a:p>
@@ -7016,8 +7477,16 @@
               <a:buNone/>
             </a:pPr>
             <a:r>
-              <a:rPr lang="hu-HU"/>
-              <a:t>        },</a:t>
+              <a:rPr lang="hu-HU" dirty="0"/>
+              <a:t>          "</a:t>
+            </a:r>
+            <a:r>
+              <a:rPr lang="hu-HU" dirty="0" err="1"/>
+              <a:t>currency</a:t>
+            </a:r>
+            <a:r>
+              <a:rPr lang="hu-HU" dirty="0"/>
+              <a:t>": "EUR"</a:t>
             </a:r>
           </a:p>
           <a:p>
@@ -7031,8 +7500,8 @@
               <a:buNone/>
             </a:pPr>
             <a:r>
-              <a:rPr lang="hu-HU"/>
-              <a:t>        "service": {</a:t>
+              <a:rPr lang="hu-HU" dirty="0"/>
+              <a:t>        }</a:t>
             </a:r>
           </a:p>
           <a:p>
@@ -7046,8 +7515,8 @@
               <a:buNone/>
             </a:pPr>
             <a:r>
-              <a:rPr lang="hu-HU"/>
-              <a:t>            "interfaces": [</a:t>
+              <a:rPr lang="hu-HU" dirty="0"/>
+              <a:t>      },</a:t>
             </a:r>
           </a:p>
           <a:p>
@@ -7061,8 +7530,16 @@
               <a:buNone/>
             </a:pPr>
             <a:r>
-              <a:rPr lang="hu-HU"/>
-              <a:t>                "JSON"</a:t>
+              <a:rPr lang="hu-HU" dirty="0"/>
+              <a:t>      "</a:t>
+            </a:r>
+            <a:r>
+              <a:rPr lang="hu-HU" dirty="0" err="1"/>
+              <a:t>provider</a:t>
+            </a:r>
+            <a:r>
+              <a:rPr lang="hu-HU" dirty="0"/>
+              <a:t>": {</a:t>
             </a:r>
           </a:p>
           <a:p>
@@ -7076,8 +7553,16 @@
               <a:buNone/>
             </a:pPr>
             <a:r>
-              <a:rPr lang="hu-HU"/>
-              <a:t>         ],</a:t>
+              <a:rPr lang="hu-HU" dirty="0"/>
+              <a:t>        "</a:t>
+            </a:r>
+            <a:r>
+              <a:rPr lang="hu-HU" dirty="0" err="1"/>
+              <a:t>systemName</a:t>
+            </a:r>
+            <a:r>
+              <a:rPr lang="hu-HU" dirty="0"/>
+              <a:t>": "SmartGridManagerSystem3",</a:t>
             </a:r>
           </a:p>
           <a:p>
@@ -7091,8 +7576,16 @@
               <a:buNone/>
             </a:pPr>
             <a:r>
-              <a:rPr lang="hu-HU"/>
-              <a:t>            "serviceDefinition": "Billing",</a:t>
+              <a:rPr lang="hu-HU" dirty="0"/>
+              <a:t>        "</a:t>
+            </a:r>
+            <a:r>
+              <a:rPr lang="hu-HU" dirty="0" err="1"/>
+              <a:t>address</a:t>
+            </a:r>
+            <a:r>
+              <a:rPr lang="hu-HU" dirty="0"/>
+              <a:t>": "dummy_address_3",</a:t>
             </a:r>
           </a:p>
           <a:p>
@@ -7106,8 +7599,8 @@
               <a:buNone/>
             </a:pPr>
             <a:r>
-              <a:rPr lang="hu-HU"/>
-              <a:t>            "serviceGroup": "Charging",</a:t>
+              <a:rPr lang="hu-HU" dirty="0"/>
+              <a:t>        "port": 8083,</a:t>
             </a:r>
           </a:p>
           <a:p>
@@ -7121,8 +7614,24 @@
               <a:buNone/>
             </a:pPr>
             <a:r>
-              <a:rPr lang="hu-HU"/>
-              <a:t>            "serviceMetadata": {</a:t>
+              <a:rPr lang="hu-HU" dirty="0"/>
+              <a:t>        "</a:t>
+            </a:r>
+            <a:r>
+              <a:rPr lang="hu-HU" dirty="0" err="1"/>
+              <a:t>authenticationInfo</a:t>
+            </a:r>
+            <a:r>
+              <a:rPr lang="hu-HU" dirty="0"/>
+              <a:t>": "Base64 </a:t>
+            </a:r>
+            <a:r>
+              <a:rPr lang="hu-HU" dirty="0" err="1"/>
+              <a:t>coded</a:t>
+            </a:r>
+            <a:r>
+              <a:rPr lang="hu-HU" dirty="0"/>
+              <a:t> Public Key"</a:t>
             </a:r>
           </a:p>
           <a:p>
@@ -7136,8 +7645,8 @@
               <a:buNone/>
             </a:pPr>
             <a:r>
-              <a:rPr lang="hu-HU"/>
-              <a:t>                "entry": [{</a:t>
+              <a:rPr lang="hu-HU" dirty="0"/>
+              <a:t>      },</a:t>
             </a:r>
           </a:p>
           <a:p>
@@ -7151,8 +7660,24 @@
               <a:buNone/>
             </a:pPr>
             <a:r>
-              <a:rPr lang="hu-HU"/>
-              <a:t>                        "key": "security",</a:t>
+              <a:rPr lang="hu-HU" dirty="0"/>
+              <a:t>      "</a:t>
+            </a:r>
+            <a:r>
+              <a:rPr lang="hu-HU" dirty="0" err="1"/>
+              <a:t>serviceURI</a:t>
+            </a:r>
+            <a:r>
+              <a:rPr lang="hu-HU" dirty="0"/>
+              <a:t>": "</a:t>
+            </a:r>
+            <a:r>
+              <a:rPr lang="hu-HU" dirty="0" err="1"/>
+              <a:t>billing</a:t>
+            </a:r>
+            <a:r>
+              <a:rPr lang="hu-HU" dirty="0"/>
+              <a:t>",</a:t>
             </a:r>
           </a:p>
           <a:p>
@@ -7166,8 +7691,32 @@
               <a:buNone/>
             </a:pPr>
             <a:r>
-              <a:rPr lang="hu-HU"/>
-              <a:t>                        "value": "token"</a:t>
+              <a:rPr lang="hu-HU" dirty="0"/>
+              <a:t>      "</a:t>
+            </a:r>
+            <a:r>
+              <a:rPr lang="hu-HU" dirty="0" err="1"/>
+              <a:t>instruction</a:t>
+            </a:r>
+            <a:r>
+              <a:rPr lang="hu-HU" dirty="0"/>
+              <a:t>": "</a:t>
+            </a:r>
+            <a:r>
+              <a:rPr lang="hu-HU" dirty="0" err="1"/>
+              <a:t>command</a:t>
+            </a:r>
+            <a:r>
+              <a:rPr lang="hu-HU" dirty="0"/>
+              <a:t> </a:t>
+            </a:r>
+            <a:r>
+              <a:rPr lang="hu-HU" dirty="0" err="1"/>
+              <a:t>args</a:t>
+            </a:r>
+            <a:r>
+              <a:rPr lang="hu-HU" dirty="0"/>
+              <a:t>"</a:t>
             </a:r>
           </a:p>
           <a:p>
@@ -7181,8 +7730,8 @@
               <a:buNone/>
             </a:pPr>
             <a:r>
-              <a:rPr lang="hu-HU"/>
-              <a:t>                    },</a:t>
+              <a:rPr lang="hu-HU" dirty="0"/>
+              <a:t>    }</a:t>
             </a:r>
           </a:p>
           <a:p>
@@ -7196,8 +7745,8 @@
               <a:buNone/>
             </a:pPr>
             <a:r>
-              <a:rPr lang="hu-HU"/>
-              <a:t>                    {</a:t>
+              <a:rPr lang="hu-HU" dirty="0"/>
+              <a:t>  ]</a:t>
             </a:r>
           </a:p>
           <a:p>
@@ -7211,130 +7760,10 @@
               <a:buNone/>
             </a:pPr>
             <a:r>
-              <a:rPr lang="hu-HU"/>
-              <a:t>                        "key": "currency",</a:t>
-            </a:r>
-          </a:p>
-          <a:p>
-            <a:pPr marL="0" indent="0">
-              <a:lnSpc>
-                <a:spcPct val="120000"/>
-              </a:lnSpc>
-              <a:spcBef>
-                <a:spcPts val="0"/>
-              </a:spcBef>
-              <a:buNone/>
-            </a:pPr>
-            <a:r>
-              <a:rPr lang="hu-HU"/>
-              <a:t>                        "value": "HUF"</a:t>
-            </a:r>
-          </a:p>
-          <a:p>
-            <a:pPr marL="0" indent="0">
-              <a:lnSpc>
-                <a:spcPct val="120000"/>
-              </a:lnSpc>
-              <a:spcBef>
-                <a:spcPts val="0"/>
-              </a:spcBef>
-              <a:buNone/>
-            </a:pPr>
-            <a:r>
-              <a:rPr lang="hu-HU"/>
-              <a:t>                    }</a:t>
-            </a:r>
-          </a:p>
-          <a:p>
-            <a:pPr marL="0" indent="0">
-              <a:lnSpc>
-                <a:spcPct val="120000"/>
-              </a:lnSpc>
-              <a:spcBef>
-                <a:spcPts val="0"/>
-              </a:spcBef>
-              <a:buNone/>
-            </a:pPr>
-            <a:r>
-              <a:rPr lang="hu-HU"/>
-              <a:t>                ]</a:t>
-            </a:r>
-          </a:p>
-          <a:p>
-            <a:pPr marL="0" indent="0">
-              <a:lnSpc>
-                <a:spcPct val="120000"/>
-              </a:lnSpc>
-              <a:spcBef>
-                <a:spcPts val="0"/>
-              </a:spcBef>
-              <a:buNone/>
-            </a:pPr>
-            <a:r>
-              <a:rPr lang="hu-HU"/>
-              <a:t>            }</a:t>
-            </a:r>
-          </a:p>
-          <a:p>
-            <a:pPr marL="0" indent="0">
-              <a:lnSpc>
-                <a:spcPct val="120000"/>
-              </a:lnSpc>
-              <a:spcBef>
-                <a:spcPts val="0"/>
-              </a:spcBef>
-              <a:buNone/>
-            </a:pPr>
-            <a:r>
-              <a:rPr lang="hu-HU"/>
-              <a:t>        },</a:t>
-            </a:r>
-          </a:p>
-          <a:p>
-            <a:pPr marL="0" indent="0">
-              <a:lnSpc>
-                <a:spcPct val="120000"/>
-              </a:lnSpc>
-              <a:spcBef>
-                <a:spcPts val="0"/>
-              </a:spcBef>
-              <a:buNone/>
-            </a:pPr>
-            <a:r>
-              <a:rPr lang="hu-HU"/>
-              <a:t>        "serviceURI": "billing"</a:t>
-            </a:r>
-          </a:p>
-          <a:p>
-            <a:pPr marL="0" indent="0">
-              <a:lnSpc>
-                <a:spcPct val="120000"/>
-              </a:lnSpc>
-              <a:spcBef>
-                <a:spcPts val="0"/>
-              </a:spcBef>
-              <a:buNone/>
-            </a:pPr>
-            <a:r>
-              <a:rPr lang="hu-HU"/>
-              <a:t>    }]</a:t>
-            </a:r>
-          </a:p>
-          <a:p>
-            <a:pPr marL="0" indent="0">
-              <a:lnSpc>
-                <a:spcPct val="120000"/>
-              </a:lnSpc>
-              <a:spcBef>
-                <a:spcPts val="0"/>
-              </a:spcBef>
-              <a:buNone/>
-            </a:pPr>
-            <a:r>
-              <a:rPr lang="hu-HU"/>
+              <a:rPr lang="hu-HU" dirty="0"/>
               <a:t>}</a:t>
             </a:r>
-            <a:endParaRPr lang="en-US"/>
+            <a:endParaRPr lang="en-US" dirty="0"/>
           </a:p>
         </p:txBody>
       </p:sp>
@@ -8575,7 +9004,7 @@
         <p:spPr>
           <a:xfrm>
             <a:off x="0" y="603684"/>
-            <a:ext cx="4692589" cy="3996892"/>
+            <a:ext cx="4692589" cy="4050378"/>
           </a:xfrm>
           <a:ln>
             <a:solidFill>
@@ -8585,35 +9014,13 @@
         </p:spPr>
         <p:txBody>
           <a:bodyPr>
-            <a:normAutofit fontScale="70000" lnSpcReduction="20000"/>
+            <a:noAutofit/>
           </a:bodyPr>
           <a:lstStyle/>
           <a:p>
             <a:pPr marL="0" indent="0">
-              <a:buNone/>
-            </a:pPr>
-            <a:r>
-              <a:rPr lang="hu-HU" sz="2600"/>
-              <a:t>Service </a:t>
-            </a:r>
-            <a:r>
-              <a:rPr lang="hu-HU" sz="2600" err="1"/>
-              <a:t>Request</a:t>
-            </a:r>
-            <a:r>
-              <a:rPr lang="hu-HU" sz="2600"/>
-              <a:t> </a:t>
-            </a:r>
-            <a:r>
-              <a:rPr lang="hu-HU" sz="2600" err="1"/>
-              <a:t>Form</a:t>
-            </a:r>
-            <a:endParaRPr lang="hu-HU" sz="2600"/>
-          </a:p>
-          <a:p>
-            <a:pPr marL="0" indent="0">
               <a:lnSpc>
-                <a:spcPct val="120000"/>
+                <a:spcPct val="100000"/>
               </a:lnSpc>
               <a:spcBef>
                 <a:spcPts val="0"/>
@@ -8621,14 +9028,27 @@
               <a:buNone/>
             </a:pPr>
             <a:r>
-              <a:rPr lang="hu-HU" sz="1500"/>
-              <a:t>{</a:t>
-            </a:r>
+              <a:rPr lang="hu-HU" sz="2000" dirty="0"/>
+              <a:t>Service </a:t>
+            </a:r>
+            <a:r>
+              <a:rPr lang="hu-HU" sz="2000" dirty="0" err="1"/>
+              <a:t>Request</a:t>
+            </a:r>
+            <a:r>
+              <a:rPr lang="hu-HU" sz="2000" dirty="0"/>
+              <a:t> </a:t>
+            </a:r>
+            <a:r>
+              <a:rPr lang="hu-HU" sz="2000" dirty="0" err="1"/>
+              <a:t>Form</a:t>
+            </a:r>
+            <a:endParaRPr lang="hu-HU" sz="2000" dirty="0"/>
           </a:p>
           <a:p>
             <a:pPr marL="0" indent="0">
               <a:lnSpc>
-                <a:spcPct val="120000"/>
+                <a:spcPct val="100000"/>
               </a:lnSpc>
               <a:spcBef>
                 <a:spcPts val="0"/>
@@ -8636,14 +9056,14 @@
               <a:buNone/>
             </a:pPr>
             <a:r>
-              <a:rPr lang="hu-HU" sz="1500"/>
-              <a:t>  "requesterSystem":</a:t>
+              <a:rPr lang="en-US" sz="1600" dirty="0"/>
+              <a:t>{</a:t>
             </a:r>
           </a:p>
           <a:p>
             <a:pPr marL="0" indent="0">
               <a:lnSpc>
-                <a:spcPct val="120000"/>
+                <a:spcPct val="100000"/>
               </a:lnSpc>
               <a:spcBef>
                 <a:spcPts val="0"/>
@@ -8651,14 +9071,22 @@
               <a:buNone/>
             </a:pPr>
             <a:r>
-              <a:rPr lang="hu-HU" sz="1500"/>
-              <a:t>  {</a:t>
+              <a:rPr lang="en-US" sz="1600" dirty="0"/>
+              <a:t>  "</a:t>
+            </a:r>
+            <a:r>
+              <a:rPr lang="en-US" sz="1600" dirty="0" err="1"/>
+              <a:t>requesterSystem</a:t>
+            </a:r>
+            <a:r>
+              <a:rPr lang="en-US" sz="1600" dirty="0"/>
+              <a:t>":</a:t>
             </a:r>
           </a:p>
           <a:p>
             <a:pPr marL="0" indent="0">
               <a:lnSpc>
-                <a:spcPct val="120000"/>
+                <a:spcPct val="100000"/>
               </a:lnSpc>
               <a:spcBef>
                 <a:spcPts val="0"/>
@@ -8666,14 +9094,14 @@
               <a:buNone/>
             </a:pPr>
             <a:r>
-              <a:rPr lang="hu-HU" sz="1500"/>
-              <a:t>      "systemGroup": "SmartGrid",</a:t>
+              <a:rPr lang="en-US" sz="1600" dirty="0"/>
+              <a:t>  {</a:t>
             </a:r>
           </a:p>
           <a:p>
             <a:pPr marL="0" indent="0">
               <a:lnSpc>
-                <a:spcPct val="120000"/>
+                <a:spcPct val="100000"/>
               </a:lnSpc>
               <a:spcBef>
                 <a:spcPts val="0"/>
@@ -8681,14 +9109,30 @@
               <a:buNone/>
             </a:pPr>
             <a:r>
-              <a:rPr lang="hu-HU" sz="1500"/>
-              <a:t>      "systemName": "ChargePointSystem",</a:t>
+              <a:rPr lang="en-US" sz="1600" dirty="0"/>
+              <a:t>      "</a:t>
+            </a:r>
+            <a:r>
+              <a:rPr lang="en-US" sz="1600" dirty="0" err="1"/>
+              <a:t>systemName</a:t>
+            </a:r>
+            <a:r>
+              <a:rPr lang="en-US" sz="1600" dirty="0"/>
+              <a:t>": "</a:t>
+            </a:r>
+            <a:r>
+              <a:rPr lang="en-US" sz="1600" dirty="0" err="1"/>
+              <a:t>ChargePointSystem</a:t>
+            </a:r>
+            <a:r>
+              <a:rPr lang="en-US" sz="1600" dirty="0"/>
+              <a:t>",</a:t>
             </a:r>
           </a:p>
           <a:p>
             <a:pPr marL="0" indent="0">
               <a:lnSpc>
-                <a:spcPct val="120000"/>
+                <a:spcPct val="100000"/>
               </a:lnSpc>
               <a:spcBef>
                 <a:spcPts val="0"/>
@@ -8696,14 +9140,14 @@
               <a:buNone/>
             </a:pPr>
             <a:r>
-              <a:rPr lang="hu-HU" sz="1500"/>
-              <a:t>      "address": "dummy_address_2"</a:t>
+              <a:rPr lang="en-US" sz="1600" dirty="0"/>
+              <a:t>      "address": "dummy_address_4"</a:t>
             </a:r>
           </a:p>
           <a:p>
             <a:pPr marL="0" indent="0">
               <a:lnSpc>
-                <a:spcPct val="120000"/>
+                <a:spcPct val="100000"/>
               </a:lnSpc>
               <a:spcBef>
                 <a:spcPts val="0"/>
@@ -8711,14 +9155,14 @@
               <a:buNone/>
             </a:pPr>
             <a:r>
-              <a:rPr lang="hu-HU" sz="1500"/>
+              <a:rPr lang="en-US" sz="1600" dirty="0"/>
               <a:t>  },</a:t>
             </a:r>
           </a:p>
           <a:p>
             <a:pPr marL="0" indent="0">
               <a:lnSpc>
-                <a:spcPct val="120000"/>
+                <a:spcPct val="100000"/>
               </a:lnSpc>
               <a:spcBef>
                 <a:spcPts val="0"/>
@@ -8726,14 +9170,22 @@
               <a:buNone/>
             </a:pPr>
             <a:r>
-              <a:rPr lang="hu-HU" sz="1500"/>
-              <a:t>  "requestedService":</a:t>
+              <a:rPr lang="en-US" sz="1600" dirty="0"/>
+              <a:t>  "</a:t>
+            </a:r>
+            <a:r>
+              <a:rPr lang="en-US" sz="1600" dirty="0" err="1"/>
+              <a:t>requestedService</a:t>
+            </a:r>
+            <a:r>
+              <a:rPr lang="en-US" sz="1600" dirty="0"/>
+              <a:t>":</a:t>
             </a:r>
           </a:p>
           <a:p>
             <a:pPr marL="0" indent="0">
               <a:lnSpc>
-                <a:spcPct val="120000"/>
+                <a:spcPct val="100000"/>
               </a:lnSpc>
               <a:spcBef>
                 <a:spcPts val="0"/>
@@ -8741,14 +9193,14 @@
               <a:buNone/>
             </a:pPr>
             <a:r>
-              <a:rPr lang="hu-HU" sz="1500"/>
+              <a:rPr lang="en-US" sz="1600" dirty="0"/>
               <a:t>  {</a:t>
             </a:r>
           </a:p>
           <a:p>
             <a:pPr marL="0" indent="0">
               <a:lnSpc>
-                <a:spcPct val="120000"/>
+                <a:spcPct val="100000"/>
               </a:lnSpc>
               <a:spcBef>
                 <a:spcPts val="0"/>
@@ -8756,14 +9208,30 @@
               <a:buNone/>
             </a:pPr>
             <a:r>
-              <a:rPr lang="hu-HU" sz="1500"/>
-              <a:t>      "serviceGroup": "Charging",</a:t>
+              <a:rPr lang="en-US" sz="1600" dirty="0"/>
+              <a:t>      "</a:t>
+            </a:r>
+            <a:r>
+              <a:rPr lang="en-US" sz="1600" dirty="0" err="1"/>
+              <a:t>serviceDefinition</a:t>
+            </a:r>
+            <a:r>
+              <a:rPr lang="en-US" sz="1600" dirty="0"/>
+              <a:t>": "</a:t>
+            </a:r>
+            <a:r>
+              <a:rPr lang="en-US" sz="1600" dirty="0" err="1"/>
+              <a:t>ChargingReservation</a:t>
+            </a:r>
+            <a:r>
+              <a:rPr lang="en-US" sz="1600" dirty="0"/>
+              <a:t>",</a:t>
             </a:r>
           </a:p>
           <a:p>
             <a:pPr marL="0" indent="0">
               <a:lnSpc>
-                <a:spcPct val="120000"/>
+                <a:spcPct val="100000"/>
               </a:lnSpc>
               <a:spcBef>
                 <a:spcPts val="0"/>
@@ -8771,14 +9239,14 @@
               <a:buNone/>
             </a:pPr>
             <a:r>
-              <a:rPr lang="hu-HU" sz="1500"/>
-              <a:t>      "serviceDefinition": "ChargingReservation",</a:t>
+              <a:rPr lang="en-US" sz="1600" dirty="0"/>
+              <a:t>      "interfaces": ["JSON"]</a:t>
             </a:r>
           </a:p>
           <a:p>
             <a:pPr marL="0" indent="0">
               <a:lnSpc>
-                <a:spcPct val="120000"/>
+                <a:spcPct val="100000"/>
               </a:lnSpc>
               <a:spcBef>
                 <a:spcPts val="0"/>
@@ -8786,14 +9254,14 @@
               <a:buNone/>
             </a:pPr>
             <a:r>
-              <a:rPr lang="hu-HU" sz="1500"/>
-              <a:t>      "interfaces": ["JSON"]</a:t>
+              <a:rPr lang="en-US" sz="1600" dirty="0"/>
+              <a:t>  },</a:t>
             </a:r>
           </a:p>
           <a:p>
             <a:pPr marL="0" indent="0">
               <a:lnSpc>
-                <a:spcPct val="120000"/>
+                <a:spcPct val="100000"/>
               </a:lnSpc>
               <a:spcBef>
                 <a:spcPts val="0"/>
@@ -8801,14 +9269,22 @@
               <a:buNone/>
             </a:pPr>
             <a:r>
-              <a:rPr lang="hu-HU" sz="1500"/>
-              <a:t>  },</a:t>
+              <a:rPr lang="en-US" sz="1600" dirty="0"/>
+              <a:t>  "</a:t>
+            </a:r>
+            <a:r>
+              <a:rPr lang="en-US" sz="1600" dirty="0" err="1"/>
+              <a:t>orchestrationFlags</a:t>
+            </a:r>
+            <a:r>
+              <a:rPr lang="en-US" sz="1600" dirty="0"/>
+              <a:t>": {</a:t>
             </a:r>
           </a:p>
           <a:p>
             <a:pPr marL="0" indent="0">
               <a:lnSpc>
-                <a:spcPct val="120000"/>
+                <a:spcPct val="100000"/>
               </a:lnSpc>
               <a:spcBef>
                 <a:spcPts val="0"/>
@@ -8816,14 +9292,22 @@
               <a:buNone/>
             </a:pPr>
             <a:r>
-              <a:rPr lang="hu-HU" sz="1500"/>
-              <a:t>  "orchestrationFlags": {</a:t>
+              <a:rPr lang="en-US" sz="1600" dirty="0"/>
+              <a:t>    "</a:t>
+            </a:r>
+            <a:r>
+              <a:rPr lang="en-US" sz="1600" dirty="0" err="1"/>
+              <a:t>overrideStore</a:t>
+            </a:r>
+            <a:r>
+              <a:rPr lang="en-US" sz="1600" dirty="0"/>
+              <a:t>": true</a:t>
             </a:r>
           </a:p>
           <a:p>
             <a:pPr marL="0" indent="0">
               <a:lnSpc>
-                <a:spcPct val="120000"/>
+                <a:spcPct val="100000"/>
               </a:lnSpc>
               <a:spcBef>
                 <a:spcPts val="0"/>
@@ -8831,14 +9315,14 @@
               <a:buNone/>
             </a:pPr>
             <a:r>
-              <a:rPr lang="hu-HU" sz="1500"/>
-              <a:t>    "entry": [</a:t>
+              <a:rPr lang="en-US" sz="1600" dirty="0"/>
+              <a:t>  }</a:t>
             </a:r>
           </a:p>
           <a:p>
             <a:pPr marL="0" indent="0">
               <a:lnSpc>
-                <a:spcPct val="120000"/>
+                <a:spcPct val="100000"/>
               </a:lnSpc>
               <a:spcBef>
                 <a:spcPts val="0"/>
@@ -8846,100 +9330,9 @@
               <a:buNone/>
             </a:pPr>
             <a:r>
-              <a:rPr lang="hu-HU" sz="1500"/>
-              <a:t>      {</a:t>
-            </a:r>
-          </a:p>
-          <a:p>
-            <a:pPr marL="0" indent="0">
-              <a:lnSpc>
-                <a:spcPct val="120000"/>
-              </a:lnSpc>
-              <a:spcBef>
-                <a:spcPts val="0"/>
-              </a:spcBef>
-              <a:buNone/>
-            </a:pPr>
-            <a:r>
-              <a:rPr lang="hu-HU" sz="1500"/>
-              <a:t>        "key": "overrideStore",</a:t>
-            </a:r>
-          </a:p>
-          <a:p>
-            <a:pPr marL="0" indent="0">
-              <a:lnSpc>
-                <a:spcPct val="120000"/>
-              </a:lnSpc>
-              <a:spcBef>
-                <a:spcPts val="0"/>
-              </a:spcBef>
-              <a:buNone/>
-            </a:pPr>
-            <a:r>
-              <a:rPr lang="hu-HU" sz="1500"/>
-              <a:t>        "value": true</a:t>
-            </a:r>
-          </a:p>
-          <a:p>
-            <a:pPr marL="0" indent="0">
-              <a:lnSpc>
-                <a:spcPct val="120000"/>
-              </a:lnSpc>
-              <a:spcBef>
-                <a:spcPts val="0"/>
-              </a:spcBef>
-              <a:buNone/>
-            </a:pPr>
-            <a:r>
-              <a:rPr lang="hu-HU" sz="1500"/>
-              <a:t>      }</a:t>
-            </a:r>
-          </a:p>
-          <a:p>
-            <a:pPr marL="0" indent="0">
-              <a:lnSpc>
-                <a:spcPct val="120000"/>
-              </a:lnSpc>
-              <a:spcBef>
-                <a:spcPts val="0"/>
-              </a:spcBef>
-              <a:buNone/>
-            </a:pPr>
-            <a:r>
-              <a:rPr lang="hu-HU" sz="1500"/>
-              <a:t>    ]</a:t>
-            </a:r>
-          </a:p>
-          <a:p>
-            <a:pPr marL="0" indent="0">
-              <a:lnSpc>
-                <a:spcPct val="120000"/>
-              </a:lnSpc>
-              <a:spcBef>
-                <a:spcPts val="0"/>
-              </a:spcBef>
-              <a:buNone/>
-            </a:pPr>
-            <a:r>
-              <a:rPr lang="hu-HU" sz="1500"/>
-              <a:t>  }</a:t>
-            </a:r>
-          </a:p>
-          <a:p>
-            <a:pPr marL="0" indent="0">
-              <a:lnSpc>
-                <a:spcPct val="120000"/>
-              </a:lnSpc>
-              <a:spcBef>
-                <a:spcPts val="0"/>
-              </a:spcBef>
-              <a:buNone/>
-            </a:pPr>
-            <a:r>
-              <a:rPr lang="hu-HU" sz="1500"/>
+              <a:rPr lang="en-US" sz="1600" dirty="0"/>
               <a:t>}</a:t>
             </a:r>
-            <a:endParaRPr lang="en-US" sz="1300"/>
           </a:p>
         </p:txBody>
       </p:sp>
@@ -8955,8 +9348,8 @@
         </p:nvSpPr>
         <p:spPr>
           <a:xfrm>
-            <a:off x="7810500" y="438152"/>
-            <a:ext cx="3967370" cy="6048374"/>
+            <a:off x="7244863" y="515814"/>
+            <a:ext cx="4533008" cy="5970711"/>
           </a:xfrm>
           <a:ln>
             <a:solidFill>
@@ -8974,27 +9367,27 @@
               <a:buNone/>
             </a:pPr>
             <a:r>
-              <a:rPr lang="hu-HU" sz="6200" err="1"/>
+              <a:rPr lang="hu-HU" sz="6200" dirty="0" err="1"/>
               <a:t>Orchestration</a:t>
             </a:r>
             <a:r>
-              <a:rPr lang="hu-HU" sz="6200"/>
-              <a:t> </a:t>
-            </a:r>
-            <a:r>
-              <a:rPr lang="hu-HU" sz="6200" err="1"/>
+              <a:rPr lang="hu-HU" sz="6200" dirty="0"/>
+              <a:t> </a:t>
+            </a:r>
+            <a:r>
+              <a:rPr lang="hu-HU" sz="6200" dirty="0" err="1"/>
               <a:t>Response</a:t>
             </a:r>
             <a:r>
-              <a:rPr lang="hu-HU" sz="6200"/>
+              <a:rPr lang="hu-HU" sz="6200" dirty="0"/>
               <a:t> (</a:t>
             </a:r>
             <a:r>
-              <a:rPr lang="hu-HU" sz="6200" err="1"/>
+              <a:rPr lang="hu-HU" sz="6200" dirty="0" err="1"/>
               <a:t>expected</a:t>
             </a:r>
             <a:r>
-              <a:rPr lang="hu-HU" sz="6200"/>
+              <a:rPr lang="hu-HU" sz="6200" dirty="0"/>
               <a:t>)</a:t>
             </a:r>
           </a:p>
@@ -9009,7 +9402,7 @@
               <a:buNone/>
             </a:pPr>
             <a:r>
-              <a:rPr lang="hu-HU" sz="3700"/>
+              <a:rPr lang="hu-HU" sz="4900" dirty="0"/>
               <a:t>{</a:t>
             </a:r>
           </a:p>
@@ -9024,8 +9417,16 @@
               <a:buNone/>
             </a:pPr>
             <a:r>
-              <a:rPr lang="hu-HU" sz="3700"/>
-              <a:t>    "response": [{</a:t>
+              <a:rPr lang="hu-HU" sz="4900" dirty="0"/>
+              <a:t>  "</a:t>
+            </a:r>
+            <a:r>
+              <a:rPr lang="hu-HU" sz="4900" dirty="0" err="1"/>
+              <a:t>response</a:t>
+            </a:r>
+            <a:r>
+              <a:rPr lang="hu-HU" sz="4900" dirty="0"/>
+              <a:t>": [</a:t>
             </a:r>
           </a:p>
           <a:p>
@@ -9039,8 +9440,8 @@
               <a:buNone/>
             </a:pPr>
             <a:r>
-              <a:rPr lang="hu-HU" sz="3700"/>
-              <a:t>        "provider": {</a:t>
+              <a:rPr lang="hu-HU" sz="4900" dirty="0"/>
+              <a:t>    {</a:t>
             </a:r>
           </a:p>
           <a:p>
@@ -9054,8 +9455,8 @@
               <a:buNone/>
             </a:pPr>
             <a:r>
-              <a:rPr lang="hu-HU" sz="3700"/>
-              <a:t>            "address": "dummy_address_3",</a:t>
+              <a:rPr lang="hu-HU" sz="4900" dirty="0"/>
+              <a:t>      "service": {</a:t>
             </a:r>
           </a:p>
           <a:p>
@@ -9069,8 +9470,24 @@
               <a:buNone/>
             </a:pPr>
             <a:r>
-              <a:rPr lang="hu-HU" sz="3700"/>
-              <a:t>            "authenticationInfo": "Base64 coded Public Key",</a:t>
+              <a:rPr lang="hu-HU" sz="4900" dirty="0"/>
+              <a:t>        "</a:t>
+            </a:r>
+            <a:r>
+              <a:rPr lang="hu-HU" sz="4900" dirty="0" err="1"/>
+              <a:t>serviceDefinition</a:t>
+            </a:r>
+            <a:r>
+              <a:rPr lang="hu-HU" sz="4900" dirty="0"/>
+              <a:t>": "</a:t>
+            </a:r>
+            <a:r>
+              <a:rPr lang="hu-HU" sz="4900" dirty="0" err="1"/>
+              <a:t>ChargingReservation</a:t>
+            </a:r>
+            <a:r>
+              <a:rPr lang="hu-HU" sz="4900" dirty="0"/>
+              <a:t>",</a:t>
             </a:r>
           </a:p>
           <a:p>
@@ -9084,8 +9501,16 @@
               <a:buNone/>
             </a:pPr>
             <a:r>
-              <a:rPr lang="hu-HU" sz="3700"/>
-              <a:t>            "port": 8083,</a:t>
+              <a:rPr lang="hu-HU" sz="4900" dirty="0"/>
+              <a:t>        "</a:t>
+            </a:r>
+            <a:r>
+              <a:rPr lang="hu-HU" sz="4900" dirty="0" err="1"/>
+              <a:t>interfaces</a:t>
+            </a:r>
+            <a:r>
+              <a:rPr lang="hu-HU" sz="4900" dirty="0"/>
+              <a:t>": [</a:t>
             </a:r>
           </a:p>
           <a:p>
@@ -9099,8 +9524,8 @@
               <a:buNone/>
             </a:pPr>
             <a:r>
-              <a:rPr lang="hu-HU" sz="3700"/>
-              <a:t>            "systemGroup": "SmartGrid",</a:t>
+              <a:rPr lang="hu-HU" sz="4900" dirty="0"/>
+              <a:t>          "JSON"</a:t>
             </a:r>
           </a:p>
           <a:p>
@@ -9114,8 +9539,8 @@
               <a:buNone/>
             </a:pPr>
             <a:r>
-              <a:rPr lang="hu-HU" sz="3700"/>
-              <a:t>            "systemName": "SmartGridManagerSystem3"</a:t>
+              <a:rPr lang="hu-HU" sz="4900" dirty="0"/>
+              <a:t>        ],</a:t>
             </a:r>
           </a:p>
           <a:p>
@@ -9129,8 +9554,16 @@
               <a:buNone/>
             </a:pPr>
             <a:r>
-              <a:rPr lang="hu-HU" sz="3700"/>
-              <a:t>        },</a:t>
+              <a:rPr lang="hu-HU" sz="4900" dirty="0"/>
+              <a:t>        "</a:t>
+            </a:r>
+            <a:r>
+              <a:rPr lang="hu-HU" sz="4900" dirty="0" err="1"/>
+              <a:t>serviceMetadata</a:t>
+            </a:r>
+            <a:r>
+              <a:rPr lang="hu-HU" sz="4900" dirty="0"/>
+              <a:t>": {</a:t>
             </a:r>
           </a:p>
           <a:p>
@@ -9144,8 +9577,16 @@
               <a:buNone/>
             </a:pPr>
             <a:r>
-              <a:rPr lang="hu-HU" sz="3700"/>
-              <a:t>        "service": {</a:t>
+              <a:rPr lang="hu-HU" sz="4900" dirty="0"/>
+              <a:t>          "</a:t>
+            </a:r>
+            <a:r>
+              <a:rPr lang="hu-HU" sz="4900" dirty="0" err="1"/>
+              <a:t>carID</a:t>
+            </a:r>
+            <a:r>
+              <a:rPr lang="hu-HU" sz="4900" dirty="0"/>
+              <a:t>": "20"</a:t>
             </a:r>
           </a:p>
           <a:p>
@@ -9159,8 +9600,8 @@
               <a:buNone/>
             </a:pPr>
             <a:r>
-              <a:rPr lang="hu-HU" sz="3700"/>
-              <a:t>            "interfaces": [</a:t>
+              <a:rPr lang="hu-HU" sz="4900" dirty="0"/>
+              <a:t>        }</a:t>
             </a:r>
           </a:p>
           <a:p>
@@ -9174,8 +9615,8 @@
               <a:buNone/>
             </a:pPr>
             <a:r>
-              <a:rPr lang="hu-HU" sz="3700"/>
-              <a:t>                "JSON"</a:t>
+              <a:rPr lang="hu-HU" sz="4900" dirty="0"/>
+              <a:t>      },</a:t>
             </a:r>
           </a:p>
           <a:p>
@@ -9189,8 +9630,16 @@
               <a:buNone/>
             </a:pPr>
             <a:r>
-              <a:rPr lang="hu-HU" sz="3700"/>
-              <a:t>            ],</a:t>
+              <a:rPr lang="hu-HU" sz="4900" dirty="0"/>
+              <a:t>      "</a:t>
+            </a:r>
+            <a:r>
+              <a:rPr lang="hu-HU" sz="4900" dirty="0" err="1"/>
+              <a:t>provider</a:t>
+            </a:r>
+            <a:r>
+              <a:rPr lang="hu-HU" sz="4900" dirty="0"/>
+              <a:t>": {</a:t>
             </a:r>
           </a:p>
           <a:p>
@@ -9204,8 +9653,16 @@
               <a:buNone/>
             </a:pPr>
             <a:r>
-              <a:rPr lang="hu-HU" sz="3700"/>
-              <a:t>            "serviceDefinition": "ChargingReservation",</a:t>
+              <a:rPr lang="hu-HU" sz="4900" dirty="0"/>
+              <a:t>        "</a:t>
+            </a:r>
+            <a:r>
+              <a:rPr lang="hu-HU" sz="4900" dirty="0" err="1"/>
+              <a:t>systemName</a:t>
+            </a:r>
+            <a:r>
+              <a:rPr lang="hu-HU" sz="4900" dirty="0"/>
+              <a:t>": "SmartGridManagerSystem3",</a:t>
             </a:r>
           </a:p>
           <a:p>
@@ -9219,8 +9676,16 @@
               <a:buNone/>
             </a:pPr>
             <a:r>
-              <a:rPr lang="hu-HU" sz="3700"/>
-              <a:t>            "serviceGroup": "Charging",</a:t>
+              <a:rPr lang="hu-HU" sz="4900" dirty="0"/>
+              <a:t>        "</a:t>
+            </a:r>
+            <a:r>
+              <a:rPr lang="hu-HU" sz="4900" dirty="0" err="1"/>
+              <a:t>address</a:t>
+            </a:r>
+            <a:r>
+              <a:rPr lang="hu-HU" sz="4900" dirty="0"/>
+              <a:t>": "dummy_address_3",</a:t>
             </a:r>
           </a:p>
           <a:p>
@@ -9234,8 +9699,8 @@
               <a:buNone/>
             </a:pPr>
             <a:r>
-              <a:rPr lang="hu-HU" sz="3700"/>
-              <a:t>            "serviceMetadata": {</a:t>
+              <a:rPr lang="hu-HU" sz="4900" dirty="0"/>
+              <a:t>        "port": 8083,</a:t>
             </a:r>
           </a:p>
           <a:p>
@@ -9249,8 +9714,24 @@
               <a:buNone/>
             </a:pPr>
             <a:r>
-              <a:rPr lang="hu-HU" sz="3700"/>
-              <a:t>                "entry": [{</a:t>
+              <a:rPr lang="hu-HU" sz="4900" dirty="0"/>
+              <a:t>        "</a:t>
+            </a:r>
+            <a:r>
+              <a:rPr lang="hu-HU" sz="4900" dirty="0" err="1"/>
+              <a:t>authenticationInfo</a:t>
+            </a:r>
+            <a:r>
+              <a:rPr lang="hu-HU" sz="4900" dirty="0"/>
+              <a:t>": "Base64 </a:t>
+            </a:r>
+            <a:r>
+              <a:rPr lang="hu-HU" sz="4900" dirty="0" err="1"/>
+              <a:t>coded</a:t>
+            </a:r>
+            <a:r>
+              <a:rPr lang="hu-HU" sz="4900" dirty="0"/>
+              <a:t> Public Key"</a:t>
             </a:r>
           </a:p>
           <a:p>
@@ -9264,8 +9745,8 @@
               <a:buNone/>
             </a:pPr>
             <a:r>
-              <a:rPr lang="hu-HU" sz="3700"/>
-              <a:t>                        "key": "security",</a:t>
+              <a:rPr lang="hu-HU" sz="4900" dirty="0"/>
+              <a:t>      },</a:t>
             </a:r>
           </a:p>
           <a:p>
@@ -9279,8 +9760,24 @@
               <a:buNone/>
             </a:pPr>
             <a:r>
-              <a:rPr lang="hu-HU" sz="3700"/>
-              <a:t>                        "value": "token"</a:t>
+              <a:rPr lang="hu-HU" sz="4900" dirty="0"/>
+              <a:t>      "</a:t>
+            </a:r>
+            <a:r>
+              <a:rPr lang="hu-HU" sz="4900" dirty="0" err="1"/>
+              <a:t>serviceURI</a:t>
+            </a:r>
+            <a:r>
+              <a:rPr lang="hu-HU" sz="4900" dirty="0"/>
+              <a:t>": "</a:t>
+            </a:r>
+            <a:r>
+              <a:rPr lang="hu-HU" sz="4900" dirty="0" err="1"/>
+              <a:t>reserve_charging</a:t>
+            </a:r>
+            <a:r>
+              <a:rPr lang="hu-HU" sz="4900" dirty="0"/>
+              <a:t>"</a:t>
             </a:r>
           </a:p>
           <a:p>
@@ -9294,8 +9791,8 @@
               <a:buNone/>
             </a:pPr>
             <a:r>
-              <a:rPr lang="hu-HU" sz="3700"/>
-              <a:t>                    },</a:t>
+              <a:rPr lang="hu-HU" sz="4900" dirty="0"/>
+              <a:t>    }</a:t>
             </a:r>
           </a:p>
           <a:p>
@@ -9309,8 +9806,8 @@
               <a:buNone/>
             </a:pPr>
             <a:r>
-              <a:rPr lang="hu-HU" sz="3700"/>
-              <a:t>                    {</a:t>
+              <a:rPr lang="hu-HU" sz="4900" dirty="0"/>
+              <a:t>  ]</a:t>
             </a:r>
           </a:p>
           <a:p>
@@ -9324,130 +9821,10 @@
               <a:buNone/>
             </a:pPr>
             <a:r>
-              <a:rPr lang="hu-HU" sz="3700"/>
-              <a:t>                        "key": "carID",</a:t>
-            </a:r>
-          </a:p>
-          <a:p>
-            <a:pPr marL="0" indent="0">
-              <a:lnSpc>
-                <a:spcPct val="120000"/>
-              </a:lnSpc>
-              <a:spcBef>
-                <a:spcPts val="0"/>
-              </a:spcBef>
-              <a:buNone/>
-            </a:pPr>
-            <a:r>
-              <a:rPr lang="hu-HU" sz="3700"/>
-              <a:t>                        "value": "ID"</a:t>
-            </a:r>
-          </a:p>
-          <a:p>
-            <a:pPr marL="0" indent="0">
-              <a:lnSpc>
-                <a:spcPct val="120000"/>
-              </a:lnSpc>
-              <a:spcBef>
-                <a:spcPts val="0"/>
-              </a:spcBef>
-              <a:buNone/>
-            </a:pPr>
-            <a:r>
-              <a:rPr lang="hu-HU" sz="3700"/>
-              <a:t>                    }</a:t>
-            </a:r>
-          </a:p>
-          <a:p>
-            <a:pPr marL="0" indent="0">
-              <a:lnSpc>
-                <a:spcPct val="120000"/>
-              </a:lnSpc>
-              <a:spcBef>
-                <a:spcPts val="0"/>
-              </a:spcBef>
-              <a:buNone/>
-            </a:pPr>
-            <a:r>
-              <a:rPr lang="hu-HU" sz="3700"/>
-              <a:t>                ]</a:t>
-            </a:r>
-          </a:p>
-          <a:p>
-            <a:pPr marL="0" indent="0">
-              <a:lnSpc>
-                <a:spcPct val="120000"/>
-              </a:lnSpc>
-              <a:spcBef>
-                <a:spcPts val="0"/>
-              </a:spcBef>
-              <a:buNone/>
-            </a:pPr>
-            <a:r>
-              <a:rPr lang="hu-HU" sz="3700"/>
-              <a:t>            }</a:t>
-            </a:r>
-          </a:p>
-          <a:p>
-            <a:pPr marL="0" indent="0">
-              <a:lnSpc>
-                <a:spcPct val="120000"/>
-              </a:lnSpc>
-              <a:spcBef>
-                <a:spcPts val="0"/>
-              </a:spcBef>
-              <a:buNone/>
-            </a:pPr>
-            <a:r>
-              <a:rPr lang="hu-HU" sz="3700"/>
-              <a:t>        },</a:t>
-            </a:r>
-          </a:p>
-          <a:p>
-            <a:pPr marL="0" indent="0">
-              <a:lnSpc>
-                <a:spcPct val="120000"/>
-              </a:lnSpc>
-              <a:spcBef>
-                <a:spcPts val="0"/>
-              </a:spcBef>
-              <a:buNone/>
-            </a:pPr>
-            <a:r>
-              <a:rPr lang="hu-HU" sz="3700"/>
-              <a:t>        "serviceURI": "reserve_charging"</a:t>
-            </a:r>
-          </a:p>
-          <a:p>
-            <a:pPr marL="0" indent="0">
-              <a:lnSpc>
-                <a:spcPct val="120000"/>
-              </a:lnSpc>
-              <a:spcBef>
-                <a:spcPts val="0"/>
-              </a:spcBef>
-              <a:buNone/>
-            </a:pPr>
-            <a:r>
-              <a:rPr lang="hu-HU" sz="3700"/>
-              <a:t>    }]</a:t>
-            </a:r>
-          </a:p>
-          <a:p>
-            <a:pPr marL="0" indent="0">
-              <a:lnSpc>
-                <a:spcPct val="120000"/>
-              </a:lnSpc>
-              <a:spcBef>
-                <a:spcPts val="0"/>
-              </a:spcBef>
-              <a:buNone/>
-            </a:pPr>
-            <a:r>
-              <a:rPr lang="hu-HU" sz="3700"/>
+              <a:rPr lang="hu-HU" sz="4900" dirty="0"/>
               <a:t>}</a:t>
             </a:r>
-            <a:endParaRPr lang="en-US" sz="3700"/>
+            <a:endParaRPr lang="en-US" sz="4900" dirty="0"/>
           </a:p>
         </p:txBody>
       </p:sp>
@@ -9460,7 +9837,7 @@
         <p:spPr>
           <a:xfrm>
             <a:off x="4785064" y="2128904"/>
-            <a:ext cx="2853986" cy="663992"/>
+            <a:ext cx="2330844" cy="663992"/>
           </a:xfrm>
           <a:prstGeom prst="rightArrow">
             <a:avLst/>
@@ -9500,7 +9877,7 @@
         <p:spPr>
           <a:xfrm>
             <a:off x="0" y="4794801"/>
-            <a:ext cx="7639050" cy="1200329"/>
+            <a:ext cx="6611815" cy="1477328"/>
           </a:xfrm>
           <a:prstGeom prst="rect">
             <a:avLst/>
@@ -9520,311 +9897,311 @@
           <a:p>
             <a:pPr algn="just"/>
             <a:r>
-              <a:rPr lang="hu-HU"/>
+              <a:rPr lang="hu-HU" dirty="0"/>
               <a:t>Here </a:t>
             </a:r>
             <a:r>
-              <a:rPr lang="hu-HU" err="1"/>
+              <a:rPr lang="hu-HU" dirty="0" err="1"/>
               <a:t>the</a:t>
             </a:r>
             <a:r>
-              <a:rPr lang="hu-HU"/>
-              <a:t> </a:t>
-            </a:r>
-            <a:r>
-              <a:rPr lang="hu-HU" err="1"/>
+              <a:rPr lang="hu-HU" dirty="0"/>
+              <a:t> </a:t>
+            </a:r>
+            <a:r>
+              <a:rPr lang="hu-HU" dirty="0" err="1"/>
               <a:t>contents</a:t>
             </a:r>
             <a:r>
-              <a:rPr lang="hu-HU"/>
+              <a:rPr lang="hu-HU" dirty="0"/>
               <a:t> of </a:t>
             </a:r>
             <a:r>
-              <a:rPr lang="hu-HU" err="1"/>
+              <a:rPr lang="hu-HU" dirty="0" err="1"/>
               <a:t>the</a:t>
             </a:r>
             <a:r>
-              <a:rPr lang="hu-HU"/>
-              <a:t> </a:t>
-            </a:r>
-            <a:r>
-              <a:rPr lang="hu-HU" err="1"/>
+              <a:rPr lang="hu-HU" dirty="0"/>
+              <a:t> </a:t>
+            </a:r>
+            <a:r>
+              <a:rPr lang="hu-HU" dirty="0" err="1"/>
               <a:t>Orchestration</a:t>
             </a:r>
             <a:r>
-              <a:rPr lang="hu-HU"/>
-              <a:t> </a:t>
-            </a:r>
-            <a:r>
-              <a:rPr lang="hu-HU" err="1"/>
+              <a:rPr lang="hu-HU" dirty="0"/>
+              <a:t> </a:t>
+            </a:r>
+            <a:r>
+              <a:rPr lang="hu-HU" dirty="0" err="1"/>
               <a:t>Store</a:t>
             </a:r>
             <a:r>
-              <a:rPr lang="hu-HU"/>
+              <a:rPr lang="hu-HU" dirty="0"/>
               <a:t> is </a:t>
             </a:r>
             <a:r>
-              <a:rPr lang="hu-HU" err="1"/>
+              <a:rPr lang="hu-HU" dirty="0" err="1"/>
               <a:t>ignored</a:t>
             </a:r>
             <a:r>
-              <a:rPr lang="hu-HU"/>
+              <a:rPr lang="hu-HU" dirty="0"/>
               <a:t>, and </a:t>
             </a:r>
             <a:r>
-              <a:rPr lang="hu-HU" err="1"/>
+              <a:rPr lang="hu-HU" dirty="0" err="1"/>
               <a:t>since</a:t>
             </a:r>
             <a:r>
-              <a:rPr lang="hu-HU"/>
-              <a:t> </a:t>
-            </a:r>
-            <a:r>
-              <a:rPr lang="hu-HU" err="1"/>
+              <a:rPr lang="hu-HU" dirty="0"/>
+              <a:t> </a:t>
+            </a:r>
+            <a:r>
+              <a:rPr lang="hu-HU" dirty="0" err="1"/>
               <a:t>the</a:t>
             </a:r>
             <a:r>
-              <a:rPr lang="hu-HU"/>
-              <a:t> </a:t>
-            </a:r>
-            <a:r>
-              <a:rPr lang="hu-HU" err="1"/>
+              <a:rPr lang="hu-HU" dirty="0"/>
+              <a:t> </a:t>
+            </a:r>
+            <a:r>
+              <a:rPr lang="hu-HU" dirty="0" err="1"/>
               <a:t>requester</a:t>
             </a:r>
             <a:r>
-              <a:rPr lang="hu-HU"/>
-              <a:t> </a:t>
-            </a:r>
-            <a:r>
-              <a:rPr lang="hu-HU" err="1"/>
+              <a:rPr lang="hu-HU" dirty="0"/>
+              <a:t> </a:t>
+            </a:r>
+            <a:r>
+              <a:rPr lang="hu-HU" dirty="0" err="1"/>
               <a:t>system</a:t>
             </a:r>
             <a:r>
-              <a:rPr lang="hu-HU"/>
-              <a:t> </a:t>
-            </a:r>
-            <a:r>
-              <a:rPr lang="hu-HU" err="1"/>
+              <a:rPr lang="hu-HU" dirty="0"/>
+              <a:t> </a:t>
+            </a:r>
+            <a:r>
+              <a:rPr lang="hu-HU" dirty="0" err="1"/>
               <a:t>did</a:t>
             </a:r>
             <a:r>
-              <a:rPr lang="hu-HU"/>
-              <a:t> </a:t>
-            </a:r>
-            <a:r>
-              <a:rPr lang="hu-HU" err="1"/>
+              <a:rPr lang="hu-HU" dirty="0"/>
+              <a:t> </a:t>
+            </a:r>
+            <a:r>
+              <a:rPr lang="hu-HU" dirty="0" err="1"/>
               <a:t>not</a:t>
             </a:r>
             <a:r>
-              <a:rPr lang="hu-HU"/>
-              <a:t> </a:t>
-            </a:r>
-            <a:r>
-              <a:rPr lang="hu-HU" err="1"/>
+              <a:rPr lang="hu-HU" dirty="0"/>
+              <a:t> </a:t>
+            </a:r>
+            <a:r>
+              <a:rPr lang="hu-HU" dirty="0" err="1"/>
               <a:t>have</a:t>
             </a:r>
             <a:r>
-              <a:rPr lang="hu-HU"/>
-              <a:t> </a:t>
-            </a:r>
-            <a:r>
-              <a:rPr lang="hu-HU" err="1"/>
+              <a:rPr lang="hu-HU" dirty="0"/>
+              <a:t> </a:t>
+            </a:r>
+            <a:r>
+              <a:rPr lang="hu-HU" dirty="0" err="1"/>
               <a:t>preferred</a:t>
             </a:r>
             <a:r>
-              <a:rPr lang="hu-HU"/>
-              <a:t> </a:t>
-            </a:r>
-            <a:r>
-              <a:rPr lang="hu-HU" err="1"/>
+              <a:rPr lang="hu-HU" dirty="0"/>
+              <a:t> </a:t>
+            </a:r>
+            <a:r>
+              <a:rPr lang="hu-HU" dirty="0" err="1"/>
               <a:t>providers</a:t>
             </a:r>
             <a:r>
-              <a:rPr lang="hu-HU"/>
+              <a:rPr lang="hu-HU" dirty="0"/>
               <a:t> and </a:t>
             </a:r>
             <a:r>
-              <a:rPr lang="hu-HU" err="1"/>
+              <a:rPr lang="hu-HU" dirty="0" err="1"/>
               <a:t>did</a:t>
             </a:r>
             <a:r>
-              <a:rPr lang="hu-HU"/>
-              <a:t> </a:t>
-            </a:r>
-            <a:r>
-              <a:rPr lang="hu-HU" err="1"/>
+              <a:rPr lang="hu-HU" dirty="0"/>
+              <a:t> </a:t>
+            </a:r>
+            <a:r>
+              <a:rPr lang="hu-HU" dirty="0" err="1"/>
               <a:t>not</a:t>
             </a:r>
             <a:r>
-              <a:rPr lang="hu-HU"/>
-              <a:t> </a:t>
-            </a:r>
-            <a:r>
-              <a:rPr lang="hu-HU" err="1"/>
+              <a:rPr lang="hu-HU" dirty="0"/>
+              <a:t> </a:t>
+            </a:r>
+            <a:r>
+              <a:rPr lang="hu-HU" dirty="0" err="1"/>
               <a:t>ask</a:t>
             </a:r>
             <a:r>
-              <a:rPr lang="hu-HU"/>
-              <a:t> </a:t>
-            </a:r>
-            <a:r>
-              <a:rPr lang="hu-HU" err="1"/>
+              <a:rPr lang="hu-HU" dirty="0"/>
+              <a:t> </a:t>
+            </a:r>
+            <a:r>
+              <a:rPr lang="hu-HU" dirty="0" err="1"/>
               <a:t>for</a:t>
             </a:r>
             <a:r>
-              <a:rPr lang="hu-HU"/>
-              <a:t> </a:t>
-            </a:r>
-            <a:r>
-              <a:rPr lang="hu-HU" err="1"/>
+              <a:rPr lang="hu-HU" dirty="0"/>
+              <a:t> </a:t>
+            </a:r>
+            <a:r>
+              <a:rPr lang="hu-HU" dirty="0" err="1"/>
               <a:t>matchmaking</a:t>
             </a:r>
             <a:r>
-              <a:rPr lang="hu-HU"/>
+              <a:rPr lang="hu-HU" dirty="0"/>
               <a:t> (</a:t>
             </a:r>
             <a:r>
-              <a:rPr lang="hu-HU" err="1"/>
+              <a:rPr lang="hu-HU" dirty="0" err="1"/>
               <a:t>via</a:t>
             </a:r>
             <a:r>
-              <a:rPr lang="hu-HU"/>
-              <a:t> </a:t>
-            </a:r>
-            <a:r>
-              <a:rPr lang="hu-HU" err="1"/>
+              <a:rPr lang="hu-HU" dirty="0"/>
+              <a:t> </a:t>
+            </a:r>
+            <a:r>
+              <a:rPr lang="hu-HU" dirty="0" err="1"/>
               <a:t>orchestration</a:t>
             </a:r>
             <a:r>
-              <a:rPr lang="hu-HU"/>
-              <a:t> </a:t>
-            </a:r>
-            <a:r>
-              <a:rPr lang="hu-HU" err="1"/>
+              <a:rPr lang="hu-HU" dirty="0"/>
+              <a:t> </a:t>
+            </a:r>
+            <a:r>
+              <a:rPr lang="hu-HU" dirty="0" err="1"/>
               <a:t>flag</a:t>
             </a:r>
             <a:r>
-              <a:rPr lang="hu-HU"/>
+              <a:rPr lang="hu-HU" dirty="0"/>
               <a:t>), </a:t>
             </a:r>
             <a:r>
-              <a:rPr lang="hu-HU" err="1"/>
+              <a:rPr lang="hu-HU" dirty="0" err="1"/>
               <a:t>all</a:t>
             </a:r>
             <a:r>
-              <a:rPr lang="hu-HU"/>
-              <a:t> </a:t>
-            </a:r>
-            <a:r>
-              <a:rPr lang="hu-HU" err="1"/>
+              <a:rPr lang="hu-HU" dirty="0"/>
+              <a:t> </a:t>
+            </a:r>
+            <a:r>
+              <a:rPr lang="hu-HU" dirty="0" err="1"/>
               <a:t>the</a:t>
             </a:r>
             <a:r>
-              <a:rPr lang="hu-HU"/>
-              <a:t> </a:t>
-            </a:r>
-            <a:r>
-              <a:rPr lang="hu-HU" err="1"/>
+              <a:rPr lang="hu-HU" dirty="0"/>
+              <a:t> </a:t>
+            </a:r>
+            <a:r>
+              <a:rPr lang="hu-HU" dirty="0" err="1"/>
               <a:t>providers</a:t>
             </a:r>
             <a:r>
-              <a:rPr lang="hu-HU"/>
-              <a:t> </a:t>
-            </a:r>
-            <a:r>
-              <a:rPr lang="hu-HU" err="1"/>
+              <a:rPr lang="hu-HU" dirty="0"/>
+              <a:t> </a:t>
+            </a:r>
+            <a:r>
+              <a:rPr lang="hu-HU" dirty="0" err="1"/>
               <a:t>will</a:t>
             </a:r>
             <a:r>
-              <a:rPr lang="hu-HU"/>
+              <a:rPr lang="hu-HU" dirty="0"/>
               <a:t> be </a:t>
             </a:r>
             <a:r>
-              <a:rPr lang="hu-HU" err="1"/>
+              <a:rPr lang="hu-HU" dirty="0" err="1"/>
               <a:t>returned</a:t>
             </a:r>
             <a:r>
-              <a:rPr lang="hu-HU"/>
-              <a:t> </a:t>
-            </a:r>
-            <a:r>
-              <a:rPr lang="hu-HU" err="1"/>
+              <a:rPr lang="hu-HU" dirty="0"/>
+              <a:t> </a:t>
+            </a:r>
+            <a:r>
+              <a:rPr lang="hu-HU" dirty="0" err="1"/>
               <a:t>which</a:t>
             </a:r>
             <a:r>
-              <a:rPr lang="hu-HU"/>
-              <a:t> </a:t>
-            </a:r>
-            <a:r>
-              <a:rPr lang="hu-HU" err="1"/>
+              <a:rPr lang="hu-HU" dirty="0"/>
+              <a:t> </a:t>
+            </a:r>
+            <a:r>
+              <a:rPr lang="hu-HU" dirty="0" err="1"/>
               <a:t>can</a:t>
             </a:r>
             <a:r>
-              <a:rPr lang="hu-HU"/>
-              <a:t> </a:t>
-            </a:r>
-            <a:r>
-              <a:rPr lang="hu-HU" err="1"/>
+              <a:rPr lang="hu-HU" dirty="0"/>
+              <a:t> </a:t>
+            </a:r>
+            <a:r>
+              <a:rPr lang="hu-HU" dirty="0" err="1"/>
               <a:t>serve</a:t>
             </a:r>
             <a:r>
-              <a:rPr lang="hu-HU"/>
-              <a:t> </a:t>
-            </a:r>
-            <a:r>
-              <a:rPr lang="hu-HU" err="1"/>
+              <a:rPr lang="hu-HU" dirty="0"/>
+              <a:t> </a:t>
+            </a:r>
+            <a:r>
+              <a:rPr lang="hu-HU" dirty="0" err="1"/>
               <a:t>the</a:t>
             </a:r>
             <a:r>
-              <a:rPr lang="hu-HU"/>
-              <a:t> </a:t>
-            </a:r>
-            <a:r>
-              <a:rPr lang="hu-HU" err="1"/>
+              <a:rPr lang="hu-HU" dirty="0"/>
+              <a:t> </a:t>
+            </a:r>
+            <a:r>
+              <a:rPr lang="hu-HU" dirty="0" err="1"/>
               <a:t>requester</a:t>
             </a:r>
             <a:r>
-              <a:rPr lang="hu-HU"/>
-              <a:t> </a:t>
-            </a:r>
-            <a:r>
-              <a:rPr lang="hu-HU" err="1"/>
+              <a:rPr lang="hu-HU" dirty="0"/>
+              <a:t> </a:t>
+            </a:r>
+            <a:r>
+              <a:rPr lang="hu-HU" dirty="0" err="1"/>
               <a:t>system</a:t>
             </a:r>
             <a:r>
-              <a:rPr lang="hu-HU"/>
-              <a:t> </a:t>
-            </a:r>
-            <a:r>
-              <a:rPr lang="hu-HU" err="1"/>
+              <a:rPr lang="hu-HU" dirty="0"/>
+              <a:t> </a:t>
+            </a:r>
+            <a:r>
+              <a:rPr lang="hu-HU" dirty="0" err="1"/>
               <a:t>at</a:t>
             </a:r>
             <a:r>
-              <a:rPr lang="hu-HU"/>
-              <a:t> </a:t>
-            </a:r>
-            <a:r>
-              <a:rPr lang="hu-HU" err="1"/>
+              <a:rPr lang="hu-HU" dirty="0"/>
+              <a:t> </a:t>
+            </a:r>
+            <a:r>
+              <a:rPr lang="hu-HU" dirty="0" err="1"/>
               <a:t>the</a:t>
             </a:r>
             <a:r>
-              <a:rPr lang="hu-HU"/>
-              <a:t> </a:t>
-            </a:r>
-            <a:r>
-              <a:rPr lang="hu-HU" err="1"/>
+              <a:rPr lang="hu-HU" dirty="0"/>
+              <a:t> </a:t>
+            </a:r>
+            <a:r>
+              <a:rPr lang="hu-HU" dirty="0" err="1"/>
               <a:t>moment</a:t>
             </a:r>
             <a:r>
-              <a:rPr lang="hu-HU"/>
+              <a:rPr lang="hu-HU" dirty="0"/>
               <a:t> (online and is </a:t>
             </a:r>
             <a:r>
-              <a:rPr lang="hu-HU" err="1"/>
+              <a:rPr lang="hu-HU" dirty="0" err="1"/>
               <a:t>authorized</a:t>
             </a:r>
             <a:r>
-              <a:rPr lang="hu-HU"/>
+              <a:rPr lang="hu-HU" dirty="0"/>
               <a:t>).</a:t>
             </a:r>
           </a:p>
@@ -9965,22 +10342,22 @@
               <a:buNone/>
             </a:pPr>
             <a:r>
-              <a:rPr lang="hu-HU" sz="7200"/>
+              <a:rPr lang="hu-HU" sz="9600" dirty="0"/>
               <a:t>Service </a:t>
             </a:r>
             <a:r>
-              <a:rPr lang="hu-HU" sz="7200" err="1"/>
+              <a:rPr lang="hu-HU" sz="9600" dirty="0" err="1"/>
               <a:t>Request</a:t>
             </a:r>
             <a:r>
-              <a:rPr lang="hu-HU" sz="7200"/>
-              <a:t> </a:t>
-            </a:r>
-            <a:r>
-              <a:rPr lang="hu-HU" sz="7200" err="1"/>
+              <a:rPr lang="hu-HU" sz="9600" dirty="0"/>
+              <a:t> </a:t>
+            </a:r>
+            <a:r>
+              <a:rPr lang="hu-HU" sz="9600" dirty="0" err="1"/>
               <a:t>Form</a:t>
             </a:r>
-            <a:endParaRPr lang="hu-HU" sz="7200"/>
+            <a:endParaRPr lang="hu-HU" sz="9600" dirty="0"/>
           </a:p>
           <a:p>
             <a:pPr marL="0" indent="0">
@@ -9993,7 +10370,7 @@
               <a:buNone/>
             </a:pPr>
             <a:r>
-              <a:rPr lang="hu-HU" sz="5600"/>
+              <a:rPr lang="hu-HU" sz="7200" dirty="0"/>
               <a:t>{</a:t>
             </a:r>
           </a:p>
@@ -10008,8 +10385,16 @@
               <a:buNone/>
             </a:pPr>
             <a:r>
-              <a:rPr lang="hu-HU" sz="5600"/>
-              <a:t>  "requesterSystem":</a:t>
+              <a:rPr lang="hu-HU" sz="7200" dirty="0"/>
+              <a:t>  "</a:t>
+            </a:r>
+            <a:r>
+              <a:rPr lang="hu-HU" sz="7200" dirty="0" err="1"/>
+              <a:t>requesterSystem</a:t>
+            </a:r>
+            <a:r>
+              <a:rPr lang="hu-HU" sz="7200" dirty="0"/>
+              <a:t>":</a:t>
             </a:r>
           </a:p>
           <a:p>
@@ -10023,7 +10408,7 @@
               <a:buNone/>
             </a:pPr>
             <a:r>
-              <a:rPr lang="hu-HU" sz="5600"/>
+              <a:rPr lang="hu-HU" sz="7200" dirty="0"/>
               <a:t>  {</a:t>
             </a:r>
           </a:p>
@@ -10038,8 +10423,24 @@
               <a:buNone/>
             </a:pPr>
             <a:r>
-              <a:rPr lang="hu-HU" sz="5600"/>
-              <a:t>      "systemGroup": "EVManufacturer",</a:t>
+              <a:rPr lang="hu-HU" sz="7200" dirty="0"/>
+              <a:t>      "</a:t>
+            </a:r>
+            <a:r>
+              <a:rPr lang="hu-HU" sz="7200" dirty="0" err="1"/>
+              <a:t>systemName</a:t>
+            </a:r>
+            <a:r>
+              <a:rPr lang="hu-HU" sz="7200" dirty="0"/>
+              <a:t>": "</a:t>
+            </a:r>
+            <a:r>
+              <a:rPr lang="hu-HU" sz="7200" dirty="0" err="1"/>
+              <a:t>ElectricVehicle</a:t>
+            </a:r>
+            <a:r>
+              <a:rPr lang="hu-HU" sz="7200" dirty="0"/>
+              <a:t>",</a:t>
             </a:r>
           </a:p>
           <a:p>
@@ -10053,8 +10454,16 @@
               <a:buNone/>
             </a:pPr>
             <a:r>
-              <a:rPr lang="hu-HU" sz="5600"/>
-              <a:t>      "systemName": "ElectricVehicle",</a:t>
+              <a:rPr lang="hu-HU" sz="7200" dirty="0"/>
+              <a:t>      "</a:t>
+            </a:r>
+            <a:r>
+              <a:rPr lang="hu-HU" sz="7200" dirty="0" err="1"/>
+              <a:t>address</a:t>
+            </a:r>
+            <a:r>
+              <a:rPr lang="hu-HU" sz="7200" dirty="0"/>
+              <a:t>": "dummy_address_2"</a:t>
             </a:r>
           </a:p>
           <a:p>
@@ -10068,8 +10477,8 @@
               <a:buNone/>
             </a:pPr>
             <a:r>
-              <a:rPr lang="hu-HU" sz="5600"/>
-              <a:t>      "address": "dummy_address_4"</a:t>
+              <a:rPr lang="hu-HU" sz="7200" dirty="0"/>
+              <a:t>  },</a:t>
             </a:r>
           </a:p>
           <a:p>
@@ -10083,8 +10492,16 @@
               <a:buNone/>
             </a:pPr>
             <a:r>
-              <a:rPr lang="hu-HU" sz="5600"/>
-              <a:t>  },</a:t>
+              <a:rPr lang="hu-HU" sz="7200" dirty="0"/>
+              <a:t>  "</a:t>
+            </a:r>
+            <a:r>
+              <a:rPr lang="hu-HU" sz="7200" dirty="0" err="1"/>
+              <a:t>requestedService</a:t>
+            </a:r>
+            <a:r>
+              <a:rPr lang="hu-HU" sz="7200" dirty="0"/>
+              <a:t>":</a:t>
             </a:r>
           </a:p>
           <a:p>
@@ -10098,8 +10515,8 @@
               <a:buNone/>
             </a:pPr>
             <a:r>
-              <a:rPr lang="hu-HU" sz="5600"/>
-              <a:t>  "requestedService":</a:t>
+              <a:rPr lang="hu-HU" sz="7200" dirty="0"/>
+              <a:t>  {</a:t>
             </a:r>
           </a:p>
           <a:p>
@@ -10113,8 +10530,24 @@
               <a:buNone/>
             </a:pPr>
             <a:r>
-              <a:rPr lang="hu-HU" sz="5600"/>
-              <a:t>  {</a:t>
+              <a:rPr lang="hu-HU" sz="7200" dirty="0"/>
+              <a:t>      "</a:t>
+            </a:r>
+            <a:r>
+              <a:rPr lang="hu-HU" sz="7200" dirty="0" err="1"/>
+              <a:t>serviceDefinition</a:t>
+            </a:r>
+            <a:r>
+              <a:rPr lang="hu-HU" sz="7200" dirty="0"/>
+              <a:t>": "</a:t>
+            </a:r>
+            <a:r>
+              <a:rPr lang="hu-HU" sz="7200" dirty="0" err="1"/>
+              <a:t>DCCharging</a:t>
+            </a:r>
+            <a:r>
+              <a:rPr lang="hu-HU" sz="7200" dirty="0"/>
+              <a:t>",</a:t>
             </a:r>
           </a:p>
           <a:p>
@@ -10128,8 +10561,16 @@
               <a:buNone/>
             </a:pPr>
             <a:r>
-              <a:rPr lang="hu-HU" sz="5600"/>
-              <a:t>      "serviceGroup": "Charging",</a:t>
+              <a:rPr lang="hu-HU" sz="7200" dirty="0"/>
+              <a:t>      "</a:t>
+            </a:r>
+            <a:r>
+              <a:rPr lang="hu-HU" sz="7200" dirty="0" err="1"/>
+              <a:t>interfaces</a:t>
+            </a:r>
+            <a:r>
+              <a:rPr lang="hu-HU" sz="7200" dirty="0"/>
+              <a:t>": ["JSON"]</a:t>
             </a:r>
           </a:p>
           <a:p>
@@ -10143,8 +10584,8 @@
               <a:buNone/>
             </a:pPr>
             <a:r>
-              <a:rPr lang="hu-HU" sz="5600"/>
-              <a:t>      "serviceDefinition": "DCCharging",</a:t>
+              <a:rPr lang="hu-HU" sz="7200" dirty="0"/>
+              <a:t>  },</a:t>
             </a:r>
           </a:p>
           <a:p>
@@ -10158,8 +10599,16 @@
               <a:buNone/>
             </a:pPr>
             <a:r>
-              <a:rPr lang="hu-HU" sz="5600"/>
-              <a:t>      "interfaces": ["JSON"]</a:t>
+              <a:rPr lang="hu-HU" sz="7200" dirty="0"/>
+              <a:t>  "</a:t>
+            </a:r>
+            <a:r>
+              <a:rPr lang="hu-HU" sz="7200" dirty="0" err="1"/>
+              <a:t>orchestrationFlags</a:t>
+            </a:r>
+            <a:r>
+              <a:rPr lang="hu-HU" sz="7200" dirty="0"/>
+              <a:t>": {</a:t>
             </a:r>
           </a:p>
           <a:p>
@@ -10173,9 +10622,22 @@
               <a:buNone/>
             </a:pPr>
             <a:r>
-              <a:rPr lang="hu-HU" sz="5600"/>
-              <a:t>  },</a:t>
-            </a:r>
+              <a:rPr lang="hu-HU" sz="7200" dirty="0"/>
+              <a:t>    "</a:t>
+            </a:r>
+            <a:r>
+              <a:rPr lang="hu-HU" sz="7200" dirty="0" err="1"/>
+              <a:t>triggerInterCloud</a:t>
+            </a:r>
+            <a:r>
+              <a:rPr lang="hu-HU" sz="7200" dirty="0"/>
+              <a:t>": </a:t>
+            </a:r>
+            <a:r>
+              <a:rPr lang="hu-HU" sz="7200" dirty="0" err="1"/>
+              <a:t>true</a:t>
+            </a:r>
+            <a:endParaRPr lang="hu-HU" sz="7200" dirty="0"/>
           </a:p>
           <a:p>
             <a:pPr marL="0" indent="0">
@@ -10188,8 +10650,8 @@
               <a:buNone/>
             </a:pPr>
             <a:r>
-              <a:rPr lang="hu-HU" sz="5600"/>
-              <a:t>  "orchestrationFlags": {</a:t>
+              <a:rPr lang="hu-HU" sz="7200" dirty="0"/>
+              <a:t>  }</a:t>
             </a:r>
           </a:p>
           <a:p>
@@ -10203,115 +10665,10 @@
               <a:buNone/>
             </a:pPr>
             <a:r>
-              <a:rPr lang="hu-HU" sz="5600"/>
-              <a:t>    "entry": [</a:t>
-            </a:r>
-          </a:p>
-          <a:p>
-            <a:pPr marL="0" indent="0">
-              <a:lnSpc>
-                <a:spcPct val="120000"/>
-              </a:lnSpc>
-              <a:spcBef>
-                <a:spcPts val="0"/>
-              </a:spcBef>
-              <a:buNone/>
-            </a:pPr>
-            <a:r>
-              <a:rPr lang="hu-HU" sz="5600"/>
-              <a:t>      {</a:t>
-            </a:r>
-          </a:p>
-          <a:p>
-            <a:pPr marL="0" indent="0">
-              <a:lnSpc>
-                <a:spcPct val="120000"/>
-              </a:lnSpc>
-              <a:spcBef>
-                <a:spcPts val="0"/>
-              </a:spcBef>
-              <a:buNone/>
-            </a:pPr>
-            <a:r>
-              <a:rPr lang="hu-HU" sz="5600"/>
-              <a:t>        "key": "triggerInterCloud",</a:t>
-            </a:r>
-          </a:p>
-          <a:p>
-            <a:pPr marL="0" indent="0">
-              <a:lnSpc>
-                <a:spcPct val="120000"/>
-              </a:lnSpc>
-              <a:spcBef>
-                <a:spcPts val="0"/>
-              </a:spcBef>
-              <a:buNone/>
-            </a:pPr>
-            <a:r>
-              <a:rPr lang="hu-HU" sz="5600"/>
-              <a:t>        "value": true</a:t>
-            </a:r>
-          </a:p>
-          <a:p>
-            <a:pPr marL="0" indent="0">
-              <a:lnSpc>
-                <a:spcPct val="120000"/>
-              </a:lnSpc>
-              <a:spcBef>
-                <a:spcPts val="0"/>
-              </a:spcBef>
-              <a:buNone/>
-            </a:pPr>
-            <a:r>
-              <a:rPr lang="hu-HU" sz="5600"/>
-              <a:t>      }</a:t>
-            </a:r>
-          </a:p>
-          <a:p>
-            <a:pPr marL="0" indent="0">
-              <a:lnSpc>
-                <a:spcPct val="120000"/>
-              </a:lnSpc>
-              <a:spcBef>
-                <a:spcPts val="0"/>
-              </a:spcBef>
-              <a:buNone/>
-            </a:pPr>
-            <a:r>
-              <a:rPr lang="hu-HU" sz="5600"/>
-              <a:t>    ]</a:t>
-            </a:r>
-          </a:p>
-          <a:p>
-            <a:pPr marL="0" indent="0">
-              <a:lnSpc>
-                <a:spcPct val="120000"/>
-              </a:lnSpc>
-              <a:spcBef>
-                <a:spcPts val="0"/>
-              </a:spcBef>
-              <a:buNone/>
-            </a:pPr>
-            <a:r>
-              <a:rPr lang="hu-HU" sz="5600"/>
-              <a:t>  }</a:t>
-            </a:r>
-          </a:p>
-          <a:p>
-            <a:pPr marL="0" indent="0">
-              <a:lnSpc>
-                <a:spcPct val="120000"/>
-              </a:lnSpc>
-              <a:spcBef>
-                <a:spcPts val="0"/>
-              </a:spcBef>
-              <a:buNone/>
-            </a:pPr>
-            <a:r>
-              <a:rPr lang="hu-HU" sz="5600"/>
+              <a:rPr lang="hu-HU" sz="7200" dirty="0"/>
               <a:t>}</a:t>
             </a:r>
-            <a:endParaRPr lang="en-US"/>
+            <a:endParaRPr lang="en-US" sz="7200" dirty="0"/>
           </a:p>
         </p:txBody>
       </p:sp>
@@ -10328,7 +10685,7 @@
         <p:spPr>
           <a:xfrm>
             <a:off x="6565221" y="565581"/>
-            <a:ext cx="4178979" cy="4492193"/>
+            <a:ext cx="4178979" cy="4968444"/>
           </a:xfrm>
           <a:ln>
             <a:solidFill>
@@ -10346,30 +10703,30 @@
               <a:buNone/>
             </a:pPr>
             <a:r>
-              <a:rPr lang="hu-HU" sz="7200" err="1"/>
+              <a:rPr lang="hu-HU" sz="7200" dirty="0" err="1"/>
               <a:t>Orchestration</a:t>
             </a:r>
             <a:r>
-              <a:rPr lang="hu-HU" sz="7200"/>
-              <a:t> </a:t>
-            </a:r>
-            <a:r>
-              <a:rPr lang="hu-HU" sz="7200" err="1"/>
+              <a:rPr lang="hu-HU" sz="7200" dirty="0"/>
+              <a:t> </a:t>
+            </a:r>
+            <a:r>
+              <a:rPr lang="hu-HU" sz="7200" dirty="0" err="1"/>
               <a:t>Response</a:t>
             </a:r>
             <a:r>
-              <a:rPr lang="hu-HU" sz="7200"/>
+              <a:rPr lang="hu-HU" sz="7200" dirty="0"/>
               <a:t> (</a:t>
             </a:r>
             <a:r>
-              <a:rPr lang="hu-HU" sz="7200" err="1"/>
+              <a:rPr lang="hu-HU" sz="7200" dirty="0" err="1"/>
               <a:t>expected</a:t>
             </a:r>
             <a:r>
-              <a:rPr lang="hu-HU" sz="7200"/>
+              <a:rPr lang="hu-HU" sz="7200" dirty="0"/>
               <a:t>)</a:t>
             </a:r>
-            <a:endParaRPr lang="hu-HU" sz="3600"/>
+            <a:endParaRPr lang="hu-HU" sz="3600" dirty="0"/>
           </a:p>
           <a:p>
             <a:pPr marL="0" indent="0">
@@ -10382,7 +10739,7 @@
               <a:buNone/>
             </a:pPr>
             <a:r>
-              <a:rPr lang="hu-HU" sz="3400"/>
+              <a:rPr lang="hu-HU" sz="5600" dirty="0"/>
               <a:t>{</a:t>
             </a:r>
           </a:p>
@@ -10397,8 +10754,16 @@
               <a:buNone/>
             </a:pPr>
             <a:r>
-              <a:rPr lang="hu-HU" sz="3400"/>
-              <a:t>    "response": [{</a:t>
+              <a:rPr lang="hu-HU" sz="5600" dirty="0"/>
+              <a:t>  "</a:t>
+            </a:r>
+            <a:r>
+              <a:rPr lang="hu-HU" sz="5600" dirty="0" err="1"/>
+              <a:t>response</a:t>
+            </a:r>
+            <a:r>
+              <a:rPr lang="hu-HU" sz="5600" dirty="0"/>
+              <a:t>": [</a:t>
             </a:r>
           </a:p>
           <a:p>
@@ -10412,8 +10777,8 @@
               <a:buNone/>
             </a:pPr>
             <a:r>
-              <a:rPr lang="hu-HU" sz="3400"/>
-              <a:t>        "provider": {</a:t>
+              <a:rPr lang="hu-HU" sz="5600" dirty="0"/>
+              <a:t>    {</a:t>
             </a:r>
           </a:p>
           <a:p>
@@ -10427,8 +10792,8 @@
               <a:buNone/>
             </a:pPr>
             <a:r>
-              <a:rPr lang="hu-HU" sz="3400"/>
-              <a:t>            "address": "dummy_address_4",</a:t>
+              <a:rPr lang="hu-HU" sz="5600" dirty="0"/>
+              <a:t>      "service": {</a:t>
             </a:r>
           </a:p>
           <a:p>
@@ -10442,8 +10807,24 @@
               <a:buNone/>
             </a:pPr>
             <a:r>
-              <a:rPr lang="hu-HU" sz="3400"/>
-              <a:t>            "authenticationInfo": "Base64 coded Public Key",</a:t>
+              <a:rPr lang="hu-HU" sz="5600" dirty="0"/>
+              <a:t>        "</a:t>
+            </a:r>
+            <a:r>
+              <a:rPr lang="hu-HU" sz="5600" dirty="0" err="1"/>
+              <a:t>serviceDefinition</a:t>
+            </a:r>
+            <a:r>
+              <a:rPr lang="hu-HU" sz="5600" dirty="0"/>
+              <a:t>": "</a:t>
+            </a:r>
+            <a:r>
+              <a:rPr lang="hu-HU" sz="5600" dirty="0" err="1"/>
+              <a:t>DCCharging</a:t>
+            </a:r>
+            <a:r>
+              <a:rPr lang="hu-HU" sz="5600" dirty="0"/>
+              <a:t>",</a:t>
             </a:r>
           </a:p>
           <a:p>
@@ -10457,8 +10838,16 @@
               <a:buNone/>
             </a:pPr>
             <a:r>
-              <a:rPr lang="hu-HU" sz="3400"/>
-              <a:t>            "port": 8084,</a:t>
+              <a:rPr lang="hu-HU" sz="5600" dirty="0"/>
+              <a:t>        "</a:t>
+            </a:r>
+            <a:r>
+              <a:rPr lang="hu-HU" sz="5600" dirty="0" err="1"/>
+              <a:t>interfaces</a:t>
+            </a:r>
+            <a:r>
+              <a:rPr lang="hu-HU" sz="5600" dirty="0"/>
+              <a:t>": [</a:t>
             </a:r>
           </a:p>
           <a:p>
@@ -10472,8 +10861,8 @@
               <a:buNone/>
             </a:pPr>
             <a:r>
-              <a:rPr lang="hu-HU" sz="3400"/>
-              <a:t>            "systemGroup": "SmartGrid",</a:t>
+              <a:rPr lang="hu-HU" sz="5600" dirty="0"/>
+              <a:t>          "JSON"</a:t>
             </a:r>
           </a:p>
           <a:p>
@@ -10487,8 +10876,8 @@
               <a:buNone/>
             </a:pPr>
             <a:r>
-              <a:rPr lang="hu-HU" sz="3400"/>
-              <a:t>            "systemName": "ChargePointSystem"</a:t>
+              <a:rPr lang="hu-HU" sz="5600" dirty="0"/>
+              <a:t>        ],</a:t>
             </a:r>
           </a:p>
           <a:p>
@@ -10502,8 +10891,16 @@
               <a:buNone/>
             </a:pPr>
             <a:r>
-              <a:rPr lang="hu-HU" sz="3400"/>
-              <a:t>        },</a:t>
+              <a:rPr lang="hu-HU" sz="5600" dirty="0"/>
+              <a:t>        "</a:t>
+            </a:r>
+            <a:r>
+              <a:rPr lang="hu-HU" sz="5600" dirty="0" err="1"/>
+              <a:t>serviceMetadata</a:t>
+            </a:r>
+            <a:r>
+              <a:rPr lang="hu-HU" sz="5600" dirty="0"/>
+              <a:t>": {</a:t>
             </a:r>
           </a:p>
           <a:p>
@@ -10517,8 +10914,8 @@
               <a:buNone/>
             </a:pPr>
             <a:r>
-              <a:rPr lang="hu-HU" sz="3400"/>
-              <a:t>        "service": {</a:t>
+              <a:rPr lang="hu-HU" sz="5600" dirty="0"/>
+              <a:t>          "amper": "15"</a:t>
             </a:r>
           </a:p>
           <a:p>
@@ -10532,8 +10929,8 @@
               <a:buNone/>
             </a:pPr>
             <a:r>
-              <a:rPr lang="hu-HU" sz="3400"/>
-              <a:t>            "interfaces": [</a:t>
+              <a:rPr lang="hu-HU" sz="5600" dirty="0"/>
+              <a:t>        }</a:t>
             </a:r>
           </a:p>
           <a:p>
@@ -10547,8 +10944,8 @@
               <a:buNone/>
             </a:pPr>
             <a:r>
-              <a:rPr lang="hu-HU" sz="3400"/>
-              <a:t>                "JSON"</a:t>
+              <a:rPr lang="hu-HU" sz="5600" dirty="0"/>
+              <a:t>      },</a:t>
             </a:r>
           </a:p>
           <a:p>
@@ -10562,8 +10959,16 @@
               <a:buNone/>
             </a:pPr>
             <a:r>
-              <a:rPr lang="hu-HU" sz="3400"/>
-              <a:t>            ],</a:t>
+              <a:rPr lang="hu-HU" sz="5600" dirty="0"/>
+              <a:t>      "</a:t>
+            </a:r>
+            <a:r>
+              <a:rPr lang="hu-HU" sz="5600" dirty="0" err="1"/>
+              <a:t>provider</a:t>
+            </a:r>
+            <a:r>
+              <a:rPr lang="hu-HU" sz="5600" dirty="0"/>
+              <a:t>": {</a:t>
             </a:r>
           </a:p>
           <a:p>
@@ -10577,8 +10982,24 @@
               <a:buNone/>
             </a:pPr>
             <a:r>
-              <a:rPr lang="hu-HU" sz="3400"/>
-              <a:t>            "serviceDefinition": "DCCharging",</a:t>
+              <a:rPr lang="hu-HU" sz="5600" dirty="0"/>
+              <a:t>        "</a:t>
+            </a:r>
+            <a:r>
+              <a:rPr lang="hu-HU" sz="5600" dirty="0" err="1"/>
+              <a:t>systemName</a:t>
+            </a:r>
+            <a:r>
+              <a:rPr lang="hu-HU" sz="5600" dirty="0"/>
+              <a:t>": "</a:t>
+            </a:r>
+            <a:r>
+              <a:rPr lang="hu-HU" sz="5600" dirty="0" err="1"/>
+              <a:t>gateway</a:t>
+            </a:r>
+            <a:r>
+              <a:rPr lang="hu-HU" sz="5600" dirty="0"/>
+              <a:t>",</a:t>
             </a:r>
           </a:p>
           <a:p>
@@ -10592,8 +11013,16 @@
               <a:buNone/>
             </a:pPr>
             <a:r>
-              <a:rPr lang="hu-HU" sz="3400"/>
-              <a:t>            "serviceGroup": "Charging",</a:t>
+              <a:rPr lang="hu-HU" sz="5600" dirty="0"/>
+              <a:t>        "</a:t>
+            </a:r>
+            <a:r>
+              <a:rPr lang="hu-HU" sz="5600" dirty="0" err="1"/>
+              <a:t>address</a:t>
+            </a:r>
+            <a:r>
+              <a:rPr lang="hu-HU" sz="5600" dirty="0"/>
+              <a:t>": "10.0.0.80",</a:t>
             </a:r>
           </a:p>
           <a:p>
@@ -10607,8 +11036,8 @@
               <a:buNone/>
             </a:pPr>
             <a:r>
-              <a:rPr lang="hu-HU" sz="3400"/>
-              <a:t>            "serviceMetadata": {</a:t>
+              <a:rPr lang="hu-HU" sz="5600" dirty="0"/>
+              <a:t>        "port": 8000</a:t>
             </a:r>
           </a:p>
           <a:p>
@@ -10622,8 +11051,8 @@
               <a:buNone/>
             </a:pPr>
             <a:r>
-              <a:rPr lang="hu-HU" sz="3400"/>
-              <a:t>                "entry": [{</a:t>
+              <a:rPr lang="hu-HU" sz="5600" dirty="0"/>
+              <a:t>      },</a:t>
             </a:r>
           </a:p>
           <a:p>
@@ -10637,8 +11066,24 @@
               <a:buNone/>
             </a:pPr>
             <a:r>
-              <a:rPr lang="hu-HU" sz="3400"/>
-              <a:t>                        "key": "security",</a:t>
+              <a:rPr lang="hu-HU" sz="5600" dirty="0"/>
+              <a:t>      "</a:t>
+            </a:r>
+            <a:r>
+              <a:rPr lang="hu-HU" sz="5600" dirty="0" err="1"/>
+              <a:t>serviceURI</a:t>
+            </a:r>
+            <a:r>
+              <a:rPr lang="hu-HU" sz="5600" dirty="0"/>
+              <a:t>": "</a:t>
+            </a:r>
+            <a:r>
+              <a:rPr lang="hu-HU" sz="5600" dirty="0" err="1"/>
+              <a:t>charging</a:t>
+            </a:r>
+            <a:r>
+              <a:rPr lang="hu-HU" sz="5600" dirty="0"/>
+              <a:t>/dc",</a:t>
             </a:r>
           </a:p>
           <a:p>
@@ -10652,8 +11097,56 @@
               <a:buNone/>
             </a:pPr>
             <a:r>
-              <a:rPr lang="hu-HU" sz="3400"/>
-              <a:t>                        "value": "token"</a:t>
+              <a:rPr lang="hu-HU" sz="5600" dirty="0"/>
+              <a:t>      "</a:t>
+            </a:r>
+            <a:r>
+              <a:rPr lang="hu-HU" sz="5600" dirty="0" err="1"/>
+              <a:t>instruction</a:t>
+            </a:r>
+            <a:r>
+              <a:rPr lang="hu-HU" sz="5600" dirty="0"/>
+              <a:t>": "</a:t>
+            </a:r>
+            <a:r>
+              <a:rPr lang="hu-HU" sz="5600" dirty="0" err="1"/>
+              <a:t>This</a:t>
+            </a:r>
+            <a:r>
+              <a:rPr lang="hu-HU" sz="5600" dirty="0"/>
+              <a:t> </a:t>
+            </a:r>
+            <a:r>
+              <a:rPr lang="hu-HU" sz="5600" dirty="0" err="1"/>
+              <a:t>provider</a:t>
+            </a:r>
+            <a:r>
+              <a:rPr lang="hu-HU" sz="5600" dirty="0"/>
+              <a:t> is </a:t>
+            </a:r>
+            <a:r>
+              <a:rPr lang="hu-HU" sz="5600" dirty="0" err="1"/>
+              <a:t>from</a:t>
+            </a:r>
+            <a:r>
+              <a:rPr lang="hu-HU" sz="5600" dirty="0"/>
+              <a:t> </a:t>
+            </a:r>
+            <a:r>
+              <a:rPr lang="hu-HU" sz="5600" dirty="0" err="1"/>
+              <a:t>another</a:t>
+            </a:r>
+            <a:r>
+              <a:rPr lang="hu-HU" sz="5600" dirty="0"/>
+              <a:t> </a:t>
+            </a:r>
+            <a:r>
+              <a:rPr lang="hu-HU" sz="5600" dirty="0" err="1"/>
+              <a:t>cloud</a:t>
+            </a:r>
+            <a:r>
+              <a:rPr lang="hu-HU" sz="5600" dirty="0"/>
+              <a:t>!"</a:t>
             </a:r>
           </a:p>
           <a:p>
@@ -10667,8 +11160,8 @@
               <a:buNone/>
             </a:pPr>
             <a:r>
-              <a:rPr lang="hu-HU" sz="3400"/>
-              <a:t>                    },</a:t>
+              <a:rPr lang="hu-HU" sz="5600" dirty="0"/>
+              <a:t>    }</a:t>
             </a:r>
           </a:p>
           <a:p>
@@ -10682,8 +11175,8 @@
               <a:buNone/>
             </a:pPr>
             <a:r>
-              <a:rPr lang="hu-HU" sz="3400"/>
-              <a:t>                    {</a:t>
+              <a:rPr lang="hu-HU" sz="5600" dirty="0"/>
+              <a:t>  ]</a:t>
             </a:r>
           </a:p>
           <a:p>
@@ -10697,130 +11190,10 @@
               <a:buNone/>
             </a:pPr>
             <a:r>
-              <a:rPr lang="hu-HU" sz="3400"/>
-              <a:t>                        "key": "amper",</a:t>
-            </a:r>
-          </a:p>
-          <a:p>
-            <a:pPr marL="0" indent="0">
-              <a:lnSpc>
-                <a:spcPct val="120000"/>
-              </a:lnSpc>
-              <a:spcBef>
-                <a:spcPts val="0"/>
-              </a:spcBef>
-              <a:buNone/>
-            </a:pPr>
-            <a:r>
-              <a:rPr lang="hu-HU" sz="3400"/>
-              <a:t>                        "value": "15"</a:t>
-            </a:r>
-          </a:p>
-          <a:p>
-            <a:pPr marL="0" indent="0">
-              <a:lnSpc>
-                <a:spcPct val="120000"/>
-              </a:lnSpc>
-              <a:spcBef>
-                <a:spcPts val="0"/>
-              </a:spcBef>
-              <a:buNone/>
-            </a:pPr>
-            <a:r>
-              <a:rPr lang="hu-HU" sz="3400"/>
-              <a:t>                    }</a:t>
-            </a:r>
-          </a:p>
-          <a:p>
-            <a:pPr marL="0" indent="0">
-              <a:lnSpc>
-                <a:spcPct val="120000"/>
-              </a:lnSpc>
-              <a:spcBef>
-                <a:spcPts val="0"/>
-              </a:spcBef>
-              <a:buNone/>
-            </a:pPr>
-            <a:r>
-              <a:rPr lang="hu-HU" sz="3400"/>
-              <a:t>                ]</a:t>
-            </a:r>
-          </a:p>
-          <a:p>
-            <a:pPr marL="0" indent="0">
-              <a:lnSpc>
-                <a:spcPct val="120000"/>
-              </a:lnSpc>
-              <a:spcBef>
-                <a:spcPts val="0"/>
-              </a:spcBef>
-              <a:buNone/>
-            </a:pPr>
-            <a:r>
-              <a:rPr lang="hu-HU" sz="3400"/>
-              <a:t>            }</a:t>
-            </a:r>
-          </a:p>
-          <a:p>
-            <a:pPr marL="0" indent="0">
-              <a:lnSpc>
-                <a:spcPct val="120000"/>
-              </a:lnSpc>
-              <a:spcBef>
-                <a:spcPts val="0"/>
-              </a:spcBef>
-              <a:buNone/>
-            </a:pPr>
-            <a:r>
-              <a:rPr lang="hu-HU" sz="3400"/>
-              <a:t>        },</a:t>
-            </a:r>
-          </a:p>
-          <a:p>
-            <a:pPr marL="0" indent="0">
-              <a:lnSpc>
-                <a:spcPct val="120000"/>
-              </a:lnSpc>
-              <a:spcBef>
-                <a:spcPts val="0"/>
-              </a:spcBef>
-              <a:buNone/>
-            </a:pPr>
-            <a:r>
-              <a:rPr lang="hu-HU" sz="3400"/>
-              <a:t>        "serviceURI": "charging/dc"</a:t>
-            </a:r>
-          </a:p>
-          <a:p>
-            <a:pPr marL="0" indent="0">
-              <a:lnSpc>
-                <a:spcPct val="120000"/>
-              </a:lnSpc>
-              <a:spcBef>
-                <a:spcPts val="0"/>
-              </a:spcBef>
-              <a:buNone/>
-            </a:pPr>
-            <a:r>
-              <a:rPr lang="hu-HU" sz="3400"/>
-              <a:t>    }]</a:t>
-            </a:r>
-          </a:p>
-          <a:p>
-            <a:pPr marL="0" indent="0">
-              <a:lnSpc>
-                <a:spcPct val="120000"/>
-              </a:lnSpc>
-              <a:spcBef>
-                <a:spcPts val="0"/>
-              </a:spcBef>
-              <a:buNone/>
-            </a:pPr>
-            <a:r>
-              <a:rPr lang="hu-HU" sz="3400"/>
+              <a:rPr lang="hu-HU" sz="5600" dirty="0"/>
               <a:t>}</a:t>
             </a:r>
-            <a:endParaRPr lang="en-US" sz="3400"/>
+            <a:endParaRPr lang="en-US" sz="5600" dirty="0"/>
           </a:p>
         </p:txBody>
       </p:sp>
@@ -10832,8 +11205,8 @@
         </p:nvSpPr>
         <p:spPr>
           <a:xfrm>
-            <a:off x="5198338" y="2592211"/>
-            <a:ext cx="861134" cy="603682"/>
+            <a:off x="4923693" y="2592211"/>
+            <a:ext cx="1383322" cy="603682"/>
           </a:xfrm>
           <a:prstGeom prst="rightArrow">
             <a:avLst/>
@@ -11382,7 +11755,7 @@
         <p:spPr>
           <a:xfrm>
             <a:off x="0" y="603684"/>
-            <a:ext cx="4692589" cy="5073216"/>
+            <a:ext cx="4692589" cy="4964778"/>
           </a:xfrm>
           <a:ln>
             <a:solidFill>
@@ -11392,7 +11765,7 @@
         </p:spPr>
         <p:txBody>
           <a:bodyPr>
-            <a:normAutofit fontScale="32500" lnSpcReduction="20000"/>
+            <a:normAutofit fontScale="25000" lnSpcReduction="20000"/>
           </a:bodyPr>
           <a:lstStyle/>
           <a:p>
@@ -11400,22 +11773,22 @@
               <a:buNone/>
             </a:pPr>
             <a:r>
-              <a:rPr lang="hu-HU" sz="5500"/>
+              <a:rPr lang="hu-HU" sz="9600" dirty="0"/>
               <a:t>Service </a:t>
             </a:r>
             <a:r>
-              <a:rPr lang="hu-HU" sz="5500" err="1"/>
+              <a:rPr lang="hu-HU" sz="9600" dirty="0" err="1"/>
               <a:t>Request</a:t>
             </a:r>
             <a:r>
-              <a:rPr lang="hu-HU" sz="5500"/>
-              <a:t> </a:t>
-            </a:r>
-            <a:r>
-              <a:rPr lang="hu-HU" sz="5500" err="1"/>
+              <a:rPr lang="hu-HU" sz="9600" dirty="0"/>
+              <a:t> </a:t>
+            </a:r>
+            <a:r>
+              <a:rPr lang="hu-HU" sz="9600" dirty="0" err="1"/>
               <a:t>Form</a:t>
             </a:r>
-            <a:endParaRPr lang="hu-HU" sz="5500"/>
+            <a:endParaRPr lang="hu-HU" sz="9600" dirty="0"/>
           </a:p>
           <a:p>
             <a:pPr marL="0" indent="0">
@@ -11428,7 +11801,7 @@
               <a:buNone/>
             </a:pPr>
             <a:r>
-              <a:rPr lang="hu-HU" sz="3700"/>
+              <a:rPr lang="hu-HU" sz="7200" dirty="0"/>
               <a:t>{</a:t>
             </a:r>
           </a:p>
@@ -11443,8 +11816,16 @@
               <a:buNone/>
             </a:pPr>
             <a:r>
-              <a:rPr lang="hu-HU" sz="3700"/>
-              <a:t>  "requesterSystem":</a:t>
+              <a:rPr lang="hu-HU" sz="7200" dirty="0"/>
+              <a:t>  "</a:t>
+            </a:r>
+            <a:r>
+              <a:rPr lang="hu-HU" sz="7200" dirty="0" err="1"/>
+              <a:t>requesterSystem</a:t>
+            </a:r>
+            <a:r>
+              <a:rPr lang="hu-HU" sz="7200" dirty="0"/>
+              <a:t>":</a:t>
             </a:r>
           </a:p>
           <a:p>
@@ -11458,7 +11839,7 @@
               <a:buNone/>
             </a:pPr>
             <a:r>
-              <a:rPr lang="hu-HU" sz="3700"/>
+              <a:rPr lang="hu-HU" sz="7200" dirty="0"/>
               <a:t>  {</a:t>
             </a:r>
           </a:p>
@@ -11473,8 +11854,24 @@
               <a:buNone/>
             </a:pPr>
             <a:r>
-              <a:rPr lang="hu-HU" sz="3700"/>
-              <a:t>      "systemGroup": "SmartGrid",</a:t>
+              <a:rPr lang="hu-HU" sz="7200" dirty="0"/>
+              <a:t>      "</a:t>
+            </a:r>
+            <a:r>
+              <a:rPr lang="hu-HU" sz="7200" dirty="0" err="1"/>
+              <a:t>systemName</a:t>
+            </a:r>
+            <a:r>
+              <a:rPr lang="hu-HU" sz="7200" dirty="0"/>
+              <a:t>": "</a:t>
+            </a:r>
+            <a:r>
+              <a:rPr lang="hu-HU" sz="7200" dirty="0" err="1"/>
+              <a:t>ChargePointSystem</a:t>
+            </a:r>
+            <a:r>
+              <a:rPr lang="hu-HU" sz="7200" dirty="0"/>
+              <a:t>",</a:t>
             </a:r>
           </a:p>
           <a:p>
@@ -11488,8 +11885,16 @@
               <a:buNone/>
             </a:pPr>
             <a:r>
-              <a:rPr lang="hu-HU" sz="3700"/>
-              <a:t>      "systemName": "ChargePointSystem",</a:t>
+              <a:rPr lang="hu-HU" sz="7200" dirty="0"/>
+              <a:t>      "</a:t>
+            </a:r>
+            <a:r>
+              <a:rPr lang="hu-HU" sz="7200" dirty="0" err="1"/>
+              <a:t>address</a:t>
+            </a:r>
+            <a:r>
+              <a:rPr lang="hu-HU" sz="7200" dirty="0"/>
+              <a:t>": "dummy_address_4"</a:t>
             </a:r>
           </a:p>
           <a:p>
@@ -11503,8 +11908,8 @@
               <a:buNone/>
             </a:pPr>
             <a:r>
-              <a:rPr lang="hu-HU" sz="3700"/>
-              <a:t>      "address": "dummy_address_2"</a:t>
+              <a:rPr lang="hu-HU" sz="7200" dirty="0"/>
+              <a:t>  },</a:t>
             </a:r>
           </a:p>
           <a:p>
@@ -11518,8 +11923,16 @@
               <a:buNone/>
             </a:pPr>
             <a:r>
-              <a:rPr lang="hu-HU" sz="3700"/>
-              <a:t>  },</a:t>
+              <a:rPr lang="hu-HU" sz="7200" dirty="0"/>
+              <a:t>  "</a:t>
+            </a:r>
+            <a:r>
+              <a:rPr lang="hu-HU" sz="7200" dirty="0" err="1"/>
+              <a:t>requestedService</a:t>
+            </a:r>
+            <a:r>
+              <a:rPr lang="hu-HU" sz="7200" dirty="0"/>
+              <a:t>":</a:t>
             </a:r>
           </a:p>
           <a:p>
@@ -11533,8 +11946,8 @@
               <a:buNone/>
             </a:pPr>
             <a:r>
-              <a:rPr lang="hu-HU" sz="3700"/>
-              <a:t>  "requestedService":</a:t>
+              <a:rPr lang="hu-HU" sz="7200" dirty="0"/>
+              <a:t>  {</a:t>
             </a:r>
           </a:p>
           <a:p>
@@ -11548,8 +11961,24 @@
               <a:buNone/>
             </a:pPr>
             <a:r>
-              <a:rPr lang="hu-HU" sz="3700"/>
-              <a:t>  {</a:t>
+              <a:rPr lang="hu-HU" sz="7200" dirty="0"/>
+              <a:t>      "</a:t>
+            </a:r>
+            <a:r>
+              <a:rPr lang="hu-HU" sz="7200" dirty="0" err="1"/>
+              <a:t>serviceDefinition</a:t>
+            </a:r>
+            <a:r>
+              <a:rPr lang="hu-HU" sz="7200" dirty="0"/>
+              <a:t>": "</a:t>
+            </a:r>
+            <a:r>
+              <a:rPr lang="hu-HU" sz="7200" dirty="0" err="1"/>
+              <a:t>ChargingProfile</a:t>
+            </a:r>
+            <a:r>
+              <a:rPr lang="hu-HU" sz="7200" dirty="0"/>
+              <a:t>",</a:t>
             </a:r>
           </a:p>
           <a:p>
@@ -11563,8 +11992,16 @@
               <a:buNone/>
             </a:pPr>
             <a:r>
-              <a:rPr lang="hu-HU" sz="3700"/>
-              <a:t>      "serviceGroup": "Charging",</a:t>
+              <a:rPr lang="hu-HU" sz="7200" dirty="0"/>
+              <a:t>      "</a:t>
+            </a:r>
+            <a:r>
+              <a:rPr lang="hu-HU" sz="7200" dirty="0" err="1"/>
+              <a:t>interfaces</a:t>
+            </a:r>
+            <a:r>
+              <a:rPr lang="hu-HU" sz="7200" dirty="0"/>
+              <a:t>": ["JSON"]</a:t>
             </a:r>
           </a:p>
           <a:p>
@@ -11578,8 +12015,8 @@
               <a:buNone/>
             </a:pPr>
             <a:r>
-              <a:rPr lang="hu-HU" sz="3700"/>
-              <a:t>      "serviceDefinition": "ChargingProfile",</a:t>
+              <a:rPr lang="hu-HU" sz="7200" dirty="0"/>
+              <a:t>  },</a:t>
             </a:r>
           </a:p>
           <a:p>
@@ -11593,8 +12030,16 @@
               <a:buNone/>
             </a:pPr>
             <a:r>
-              <a:rPr lang="hu-HU" sz="3700"/>
-              <a:t>      "interfaces": ["JSON"]</a:t>
+              <a:rPr lang="hu-HU" sz="7200" dirty="0"/>
+              <a:t>  "</a:t>
+            </a:r>
+            <a:r>
+              <a:rPr lang="hu-HU" sz="7200" dirty="0" err="1"/>
+              <a:t>orchestrationFlags</a:t>
+            </a:r>
+            <a:r>
+              <a:rPr lang="hu-HU" sz="7200" dirty="0"/>
+              <a:t>": {</a:t>
             </a:r>
           </a:p>
           <a:p>
@@ -11608,8 +12053,24 @@
               <a:buNone/>
             </a:pPr>
             <a:r>
-              <a:rPr lang="hu-HU" sz="3700"/>
-              <a:t>  },</a:t>
+              <a:rPr lang="hu-HU" sz="7200" dirty="0"/>
+              <a:t>    "</a:t>
+            </a:r>
+            <a:r>
+              <a:rPr lang="hu-HU" sz="7200" dirty="0" err="1"/>
+              <a:t>overrideStore</a:t>
+            </a:r>
+            <a:r>
+              <a:rPr lang="hu-HU" sz="7200" dirty="0"/>
+              <a:t>": </a:t>
+            </a:r>
+            <a:r>
+              <a:rPr lang="hu-HU" sz="7200" dirty="0" err="1"/>
+              <a:t>true</a:t>
+            </a:r>
+            <a:r>
+              <a:rPr lang="hu-HU" sz="7200" dirty="0"/>
+              <a:t>,</a:t>
             </a:r>
           </a:p>
           <a:p>
@@ -11623,9 +12084,22 @@
               <a:buNone/>
             </a:pPr>
             <a:r>
-              <a:rPr lang="hu-HU" sz="3700"/>
-              <a:t>  "orchestrationFlags": {</a:t>
-            </a:r>
+              <a:rPr lang="hu-HU" sz="7200" dirty="0"/>
+              <a:t>    "</a:t>
+            </a:r>
+            <a:r>
+              <a:rPr lang="hu-HU" sz="7200" dirty="0" err="1"/>
+              <a:t>enableInterCloud</a:t>
+            </a:r>
+            <a:r>
+              <a:rPr lang="hu-HU" sz="7200" dirty="0"/>
+              <a:t>": </a:t>
+            </a:r>
+            <a:r>
+              <a:rPr lang="hu-HU" sz="7200" dirty="0" err="1"/>
+              <a:t>true</a:t>
+            </a:r>
+            <a:endParaRPr lang="hu-HU" sz="7200" dirty="0"/>
           </a:p>
           <a:p>
             <a:pPr marL="0" indent="0">
@@ -11638,8 +12112,8 @@
               <a:buNone/>
             </a:pPr>
             <a:r>
-              <a:rPr lang="hu-HU" sz="3700"/>
-              <a:t>    "entry": [</a:t>
+              <a:rPr lang="hu-HU" sz="7200" dirty="0"/>
+              <a:t>  }</a:t>
             </a:r>
           </a:p>
           <a:p>
@@ -11653,160 +12127,10 @@
               <a:buNone/>
             </a:pPr>
             <a:r>
-              <a:rPr lang="hu-HU" sz="3700"/>
-              <a:t>      {</a:t>
-            </a:r>
-          </a:p>
-          <a:p>
-            <a:pPr marL="0" indent="0">
-              <a:lnSpc>
-                <a:spcPct val="120000"/>
-              </a:lnSpc>
-              <a:spcBef>
-                <a:spcPts val="0"/>
-              </a:spcBef>
-              <a:buNone/>
-            </a:pPr>
-            <a:r>
-              <a:rPr lang="hu-HU" sz="3700"/>
-              <a:t>        "key": "overrideStore",</a:t>
-            </a:r>
-          </a:p>
-          <a:p>
-            <a:pPr marL="0" indent="0">
-              <a:lnSpc>
-                <a:spcPct val="120000"/>
-              </a:lnSpc>
-              <a:spcBef>
-                <a:spcPts val="0"/>
-              </a:spcBef>
-              <a:buNone/>
-            </a:pPr>
-            <a:r>
-              <a:rPr lang="hu-HU" sz="3700"/>
-              <a:t>        "value": true</a:t>
-            </a:r>
-          </a:p>
-          <a:p>
-            <a:pPr marL="0" indent="0">
-              <a:lnSpc>
-                <a:spcPct val="120000"/>
-              </a:lnSpc>
-              <a:spcBef>
-                <a:spcPts val="0"/>
-              </a:spcBef>
-              <a:buNone/>
-            </a:pPr>
-            <a:r>
-              <a:rPr lang="hu-HU" sz="3700"/>
-              <a:t>      },</a:t>
-            </a:r>
-          </a:p>
-          <a:p>
-            <a:pPr marL="0" indent="0">
-              <a:lnSpc>
-                <a:spcPct val="120000"/>
-              </a:lnSpc>
-              <a:spcBef>
-                <a:spcPts val="0"/>
-              </a:spcBef>
-              <a:buNone/>
-            </a:pPr>
-            <a:r>
-              <a:rPr lang="hu-HU" sz="3700"/>
-              <a:t>      {</a:t>
-            </a:r>
-          </a:p>
-          <a:p>
-            <a:pPr marL="0" indent="0">
-              <a:lnSpc>
-                <a:spcPct val="120000"/>
-              </a:lnSpc>
-              <a:spcBef>
-                <a:spcPts val="0"/>
-              </a:spcBef>
-              <a:buNone/>
-            </a:pPr>
-            <a:r>
-              <a:rPr lang="hu-HU" sz="3700"/>
-              <a:t>        "key": "enableInterCloud",</a:t>
-            </a:r>
-          </a:p>
-          <a:p>
-            <a:pPr marL="0" indent="0">
-              <a:lnSpc>
-                <a:spcPct val="120000"/>
-              </a:lnSpc>
-              <a:spcBef>
-                <a:spcPts val="0"/>
-              </a:spcBef>
-              <a:buNone/>
-            </a:pPr>
-            <a:r>
-              <a:rPr lang="hu-HU" sz="3700"/>
-              <a:t>        "value": true</a:t>
-            </a:r>
-          </a:p>
-          <a:p>
-            <a:pPr marL="0" indent="0">
-              <a:lnSpc>
-                <a:spcPct val="120000"/>
-              </a:lnSpc>
-              <a:spcBef>
-                <a:spcPts val="0"/>
-              </a:spcBef>
-              <a:buNone/>
-            </a:pPr>
-            <a:r>
-              <a:rPr lang="hu-HU" sz="3700"/>
-              <a:t>      }</a:t>
-            </a:r>
-          </a:p>
-          <a:p>
-            <a:pPr marL="0" indent="0">
-              <a:lnSpc>
-                <a:spcPct val="120000"/>
-              </a:lnSpc>
-              <a:spcBef>
-                <a:spcPts val="0"/>
-              </a:spcBef>
-              <a:buNone/>
-            </a:pPr>
-            <a:r>
-              <a:rPr lang="hu-HU" sz="3700"/>
-              <a:t>    ]</a:t>
-            </a:r>
-          </a:p>
-          <a:p>
-            <a:pPr marL="0" indent="0">
-              <a:lnSpc>
-                <a:spcPct val="120000"/>
-              </a:lnSpc>
-              <a:spcBef>
-                <a:spcPts val="0"/>
-              </a:spcBef>
-              <a:buNone/>
-            </a:pPr>
-            <a:r>
-              <a:rPr lang="hu-HU" sz="3700"/>
-              <a:t>  }</a:t>
-            </a:r>
-          </a:p>
-          <a:p>
-            <a:pPr marL="0" indent="0">
-              <a:lnSpc>
-                <a:spcPct val="120000"/>
-              </a:lnSpc>
-              <a:spcBef>
-                <a:spcPts val="0"/>
-              </a:spcBef>
-              <a:buNone/>
-            </a:pPr>
-            <a:r>
-              <a:rPr lang="hu-HU" sz="3700"/>
+              <a:rPr lang="hu-HU" sz="7200" dirty="0"/>
               <a:t>}</a:t>
             </a:r>
-            <a:endParaRPr lang="en-US" sz="3700"/>
+            <a:endParaRPr lang="en-US" sz="7200" dirty="0"/>
           </a:p>
         </p:txBody>
       </p:sp>
@@ -11822,8 +12146,8 @@
         </p:nvSpPr>
         <p:spPr>
           <a:xfrm>
-            <a:off x="5787870" y="541538"/>
-            <a:ext cx="5181600" cy="5249662"/>
+            <a:off x="5787870" y="541537"/>
+            <a:ext cx="5181600" cy="5026925"/>
           </a:xfrm>
           <a:ln>
             <a:solidFill>
@@ -11841,27 +12165,27 @@
               <a:buNone/>
             </a:pPr>
             <a:r>
-              <a:rPr lang="hu-HU" sz="5600" err="1"/>
+              <a:rPr lang="hu-HU" sz="7200" dirty="0" err="1"/>
               <a:t>Orchestration</a:t>
             </a:r>
             <a:r>
-              <a:rPr lang="hu-HU" sz="5600"/>
-              <a:t> </a:t>
-            </a:r>
-            <a:r>
-              <a:rPr lang="hu-HU" sz="5600" err="1"/>
+              <a:rPr lang="hu-HU" sz="7200" dirty="0"/>
+              <a:t> </a:t>
+            </a:r>
+            <a:r>
+              <a:rPr lang="hu-HU" sz="7200" dirty="0" err="1"/>
               <a:t>Response</a:t>
             </a:r>
             <a:r>
-              <a:rPr lang="hu-HU" sz="5600"/>
+              <a:rPr lang="hu-HU" sz="7200" dirty="0"/>
               <a:t> (</a:t>
             </a:r>
             <a:r>
-              <a:rPr lang="hu-HU" sz="5600" err="1"/>
+              <a:rPr lang="hu-HU" sz="7200" dirty="0" err="1"/>
               <a:t>expected</a:t>
             </a:r>
             <a:r>
-              <a:rPr lang="hu-HU" sz="5600"/>
+              <a:rPr lang="hu-HU" sz="7200" dirty="0"/>
               <a:t>)</a:t>
             </a:r>
           </a:p>
@@ -11876,7 +12200,7 @@
               <a:buNone/>
             </a:pPr>
             <a:r>
-              <a:rPr lang="hu-HU" sz="4400"/>
+              <a:rPr lang="hu-HU" sz="5600" dirty="0"/>
               <a:t>{</a:t>
             </a:r>
           </a:p>
@@ -11891,8 +12215,16 @@
               <a:buNone/>
             </a:pPr>
             <a:r>
-              <a:rPr lang="hu-HU" sz="4400"/>
-              <a:t>    "response": [{</a:t>
+              <a:rPr lang="hu-HU" sz="5600" dirty="0"/>
+              <a:t>  "</a:t>
+            </a:r>
+            <a:r>
+              <a:rPr lang="hu-HU" sz="5600" dirty="0" err="1"/>
+              <a:t>response</a:t>
+            </a:r>
+            <a:r>
+              <a:rPr lang="hu-HU" sz="5600" dirty="0"/>
+              <a:t>": [</a:t>
             </a:r>
           </a:p>
           <a:p>
@@ -11906,8 +12238,8 @@
               <a:buNone/>
             </a:pPr>
             <a:r>
-              <a:rPr lang="hu-HU" sz="4400"/>
-              <a:t>        "provider": {</a:t>
+              <a:rPr lang="hu-HU" sz="5600" dirty="0"/>
+              <a:t>    {</a:t>
             </a:r>
           </a:p>
           <a:p>
@@ -11921,8 +12253,8 @@
               <a:buNone/>
             </a:pPr>
             <a:r>
-              <a:rPr lang="hu-HU" sz="4400"/>
-              <a:t>            "address": "dummy_address_1",</a:t>
+              <a:rPr lang="hu-HU" sz="5600" dirty="0"/>
+              <a:t>      "service": {</a:t>
             </a:r>
           </a:p>
           <a:p>
@@ -11936,8 +12268,24 @@
               <a:buNone/>
             </a:pPr>
             <a:r>
-              <a:rPr lang="hu-HU" sz="4400"/>
-              <a:t>            "authenticationInfo": "Base64 coded Public Key",</a:t>
+              <a:rPr lang="hu-HU" sz="5600" dirty="0"/>
+              <a:t>        "</a:t>
+            </a:r>
+            <a:r>
+              <a:rPr lang="hu-HU" sz="5600" dirty="0" err="1"/>
+              <a:t>serviceDefinition</a:t>
+            </a:r>
+            <a:r>
+              <a:rPr lang="hu-HU" sz="5600" dirty="0"/>
+              <a:t>": "</a:t>
+            </a:r>
+            <a:r>
+              <a:rPr lang="hu-HU" sz="5600" dirty="0" err="1"/>
+              <a:t>ChargingProfile</a:t>
+            </a:r>
+            <a:r>
+              <a:rPr lang="hu-HU" sz="5600" dirty="0"/>
+              <a:t>",</a:t>
             </a:r>
           </a:p>
           <a:p>
@@ -11951,8 +12299,16 @@
               <a:buNone/>
             </a:pPr>
             <a:r>
-              <a:rPr lang="hu-HU" sz="4400"/>
-              <a:t>            "port": 8081,</a:t>
+              <a:rPr lang="hu-HU" sz="5600" dirty="0"/>
+              <a:t>        "</a:t>
+            </a:r>
+            <a:r>
+              <a:rPr lang="hu-HU" sz="5600" dirty="0" err="1"/>
+              <a:t>interfaces</a:t>
+            </a:r>
+            <a:r>
+              <a:rPr lang="hu-HU" sz="5600" dirty="0"/>
+              <a:t>": [</a:t>
             </a:r>
           </a:p>
           <a:p>
@@ -11966,8 +12322,8 @@
               <a:buNone/>
             </a:pPr>
             <a:r>
-              <a:rPr lang="hu-HU" sz="4400"/>
-              <a:t>            "systemGroup": "EVManufacturer",</a:t>
+              <a:rPr lang="hu-HU" sz="5600" dirty="0"/>
+              <a:t>          "JSON"</a:t>
             </a:r>
           </a:p>
           <a:p>
@@ -11981,8 +12337,8 @@
               <a:buNone/>
             </a:pPr>
             <a:r>
-              <a:rPr lang="hu-HU" sz="4400"/>
-              <a:t>            "systemName": "BatteryProfiles"</a:t>
+              <a:rPr lang="hu-HU" sz="5600" dirty="0"/>
+              <a:t>        ],</a:t>
             </a:r>
           </a:p>
           <a:p>
@@ -11996,8 +12352,16 @@
               <a:buNone/>
             </a:pPr>
             <a:r>
-              <a:rPr lang="hu-HU" sz="4400"/>
-              <a:t>        },</a:t>
+              <a:rPr lang="hu-HU" sz="5600" dirty="0"/>
+              <a:t>        "</a:t>
+            </a:r>
+            <a:r>
+              <a:rPr lang="hu-HU" sz="5600" dirty="0" err="1"/>
+              <a:t>serviceMetadata</a:t>
+            </a:r>
+            <a:r>
+              <a:rPr lang="hu-HU" sz="5600" dirty="0"/>
+              <a:t>": {</a:t>
             </a:r>
           </a:p>
           <a:p>
@@ -12011,8 +12375,16 @@
               <a:buNone/>
             </a:pPr>
             <a:r>
-              <a:rPr lang="hu-HU" sz="4400"/>
-              <a:t>        "service": {</a:t>
+              <a:rPr lang="hu-HU" sz="5600" dirty="0"/>
+              <a:t>          "</a:t>
+            </a:r>
+            <a:r>
+              <a:rPr lang="hu-HU" sz="5600" dirty="0" err="1"/>
+              <a:t>maxDuration</a:t>
+            </a:r>
+            <a:r>
+              <a:rPr lang="hu-HU" sz="5600" dirty="0"/>
+              <a:t>": "3600"</a:t>
             </a:r>
           </a:p>
           <a:p>
@@ -12026,8 +12398,8 @@
               <a:buNone/>
             </a:pPr>
             <a:r>
-              <a:rPr lang="hu-HU" sz="4400"/>
-              <a:t>            "interfaces": [</a:t>
+              <a:rPr lang="hu-HU" sz="5600" dirty="0"/>
+              <a:t>        }</a:t>
             </a:r>
           </a:p>
           <a:p>
@@ -12041,8 +12413,8 @@
               <a:buNone/>
             </a:pPr>
             <a:r>
-              <a:rPr lang="hu-HU" sz="4400"/>
-              <a:t>                "JSON"</a:t>
+              <a:rPr lang="hu-HU" sz="5600" dirty="0"/>
+              <a:t>      },</a:t>
             </a:r>
           </a:p>
           <a:p>
@@ -12056,8 +12428,16 @@
               <a:buNone/>
             </a:pPr>
             <a:r>
-              <a:rPr lang="hu-HU" sz="4400"/>
-              <a:t>            ],</a:t>
+              <a:rPr lang="hu-HU" sz="5600" dirty="0"/>
+              <a:t>      "</a:t>
+            </a:r>
+            <a:r>
+              <a:rPr lang="hu-HU" sz="5600" dirty="0" err="1"/>
+              <a:t>provider</a:t>
+            </a:r>
+            <a:r>
+              <a:rPr lang="hu-HU" sz="5600" dirty="0"/>
+              <a:t>": {</a:t>
             </a:r>
           </a:p>
           <a:p>
@@ -12071,8 +12451,24 @@
               <a:buNone/>
             </a:pPr>
             <a:r>
-              <a:rPr lang="hu-HU" sz="4400"/>
-              <a:t>            "serviceDefinition": "ChargingProfile",</a:t>
+              <a:rPr lang="hu-HU" sz="5600" dirty="0"/>
+              <a:t>        "</a:t>
+            </a:r>
+            <a:r>
+              <a:rPr lang="hu-HU" sz="5600" dirty="0" err="1"/>
+              <a:t>systemName</a:t>
+            </a:r>
+            <a:r>
+              <a:rPr lang="hu-HU" sz="5600" dirty="0"/>
+              <a:t>": "</a:t>
+            </a:r>
+            <a:r>
+              <a:rPr lang="hu-HU" sz="5600" dirty="0" err="1"/>
+              <a:t>gateway</a:t>
+            </a:r>
+            <a:r>
+              <a:rPr lang="hu-HU" sz="5600" dirty="0"/>
+              <a:t>",</a:t>
             </a:r>
           </a:p>
           <a:p>
@@ -12086,8 +12482,16 @@
               <a:buNone/>
             </a:pPr>
             <a:r>
-              <a:rPr lang="hu-HU" sz="4400"/>
-              <a:t>            "serviceGroup": "Charging",</a:t>
+              <a:rPr lang="hu-HU" sz="5600" dirty="0"/>
+              <a:t>        "</a:t>
+            </a:r>
+            <a:r>
+              <a:rPr lang="hu-HU" sz="5600" dirty="0" err="1"/>
+              <a:t>address</a:t>
+            </a:r>
+            <a:r>
+              <a:rPr lang="hu-HU" sz="5600" dirty="0"/>
+              <a:t>": "10.0.0.82",</a:t>
             </a:r>
           </a:p>
           <a:p>
@@ -12101,8 +12505,8 @@
               <a:buNone/>
             </a:pPr>
             <a:r>
-              <a:rPr lang="hu-HU" sz="4400"/>
-              <a:t>            "serviceMetadata": {</a:t>
+              <a:rPr lang="hu-HU" sz="5600" dirty="0"/>
+              <a:t>        "port": 8001</a:t>
             </a:r>
           </a:p>
           <a:p>
@@ -12116,8 +12520,8 @@
               <a:buNone/>
             </a:pPr>
             <a:r>
-              <a:rPr lang="hu-HU" sz="4400"/>
-              <a:t>                "entry": [{</a:t>
+              <a:rPr lang="hu-HU" sz="5600" dirty="0"/>
+              <a:t>      },</a:t>
             </a:r>
           </a:p>
           <a:p>
@@ -12131,8 +12535,24 @@
               <a:buNone/>
             </a:pPr>
             <a:r>
-              <a:rPr lang="hu-HU" sz="4400"/>
-              <a:t>                        "key": "security",</a:t>
+              <a:rPr lang="hu-HU" sz="5600" dirty="0"/>
+              <a:t>      "</a:t>
+            </a:r>
+            <a:r>
+              <a:rPr lang="hu-HU" sz="5600" dirty="0" err="1"/>
+              <a:t>serviceURI</a:t>
+            </a:r>
+            <a:r>
+              <a:rPr lang="hu-HU" sz="5600" dirty="0"/>
+              <a:t>": "</a:t>
+            </a:r>
+            <a:r>
+              <a:rPr lang="hu-HU" sz="5600" dirty="0" err="1"/>
+              <a:t>charging_profile</a:t>
+            </a:r>
+            <a:r>
+              <a:rPr lang="hu-HU" sz="5600" dirty="0"/>
+              <a:t>",</a:t>
             </a:r>
           </a:p>
           <a:p>
@@ -12146,8 +12566,56 @@
               <a:buNone/>
             </a:pPr>
             <a:r>
-              <a:rPr lang="hu-HU" sz="4400"/>
-              <a:t>                        "value": "token"</a:t>
+              <a:rPr lang="hu-HU" sz="5600" dirty="0"/>
+              <a:t>      "</a:t>
+            </a:r>
+            <a:r>
+              <a:rPr lang="hu-HU" sz="5600" dirty="0" err="1"/>
+              <a:t>instruction</a:t>
+            </a:r>
+            <a:r>
+              <a:rPr lang="hu-HU" sz="5600" dirty="0"/>
+              <a:t>": "</a:t>
+            </a:r>
+            <a:r>
+              <a:rPr lang="hu-HU" sz="5600" dirty="0" err="1"/>
+              <a:t>This</a:t>
+            </a:r>
+            <a:r>
+              <a:rPr lang="hu-HU" sz="5600" dirty="0"/>
+              <a:t> </a:t>
+            </a:r>
+            <a:r>
+              <a:rPr lang="hu-HU" sz="5600" dirty="0" err="1"/>
+              <a:t>provider</a:t>
+            </a:r>
+            <a:r>
+              <a:rPr lang="hu-HU" sz="5600" dirty="0"/>
+              <a:t> is </a:t>
+            </a:r>
+            <a:r>
+              <a:rPr lang="hu-HU" sz="5600" dirty="0" err="1"/>
+              <a:t>from</a:t>
+            </a:r>
+            <a:r>
+              <a:rPr lang="hu-HU" sz="5600" dirty="0"/>
+              <a:t> </a:t>
+            </a:r>
+            <a:r>
+              <a:rPr lang="hu-HU" sz="5600" dirty="0" err="1"/>
+              <a:t>another</a:t>
+            </a:r>
+            <a:r>
+              <a:rPr lang="hu-HU" sz="5600" dirty="0"/>
+              <a:t> </a:t>
+            </a:r>
+            <a:r>
+              <a:rPr lang="hu-HU" sz="5600" dirty="0" err="1"/>
+              <a:t>cloud</a:t>
+            </a:r>
+            <a:r>
+              <a:rPr lang="hu-HU" sz="5600" dirty="0"/>
+              <a:t>!"</a:t>
             </a:r>
           </a:p>
           <a:p>
@@ -12161,8 +12629,8 @@
               <a:buNone/>
             </a:pPr>
             <a:r>
-              <a:rPr lang="hu-HU" sz="4400"/>
-              <a:t>                    },</a:t>
+              <a:rPr lang="hu-HU" sz="5600" dirty="0"/>
+              <a:t>    }</a:t>
             </a:r>
           </a:p>
           <a:p>
@@ -12176,8 +12644,8 @@
               <a:buNone/>
             </a:pPr>
             <a:r>
-              <a:rPr lang="hu-HU" sz="4400"/>
-              <a:t>                    {</a:t>
+              <a:rPr lang="hu-HU" sz="5600" dirty="0"/>
+              <a:t>  ]</a:t>
             </a:r>
           </a:p>
           <a:p>
@@ -12191,130 +12659,10 @@
               <a:buNone/>
             </a:pPr>
             <a:r>
-              <a:rPr lang="hu-HU" sz="4400"/>
-              <a:t>                        "key": "maxDuration",</a:t>
-            </a:r>
-          </a:p>
-          <a:p>
-            <a:pPr marL="0" indent="0">
-              <a:lnSpc>
-                <a:spcPct val="120000"/>
-              </a:lnSpc>
-              <a:spcBef>
-                <a:spcPts val="0"/>
-              </a:spcBef>
-              <a:buNone/>
-            </a:pPr>
-            <a:r>
-              <a:rPr lang="hu-HU" sz="4400"/>
-              <a:t>                        "value": "3600"</a:t>
-            </a:r>
-          </a:p>
-          <a:p>
-            <a:pPr marL="0" indent="0">
-              <a:lnSpc>
-                <a:spcPct val="120000"/>
-              </a:lnSpc>
-              <a:spcBef>
-                <a:spcPts val="0"/>
-              </a:spcBef>
-              <a:buNone/>
-            </a:pPr>
-            <a:r>
-              <a:rPr lang="hu-HU" sz="4400"/>
-              <a:t>                    }</a:t>
-            </a:r>
-          </a:p>
-          <a:p>
-            <a:pPr marL="0" indent="0">
-              <a:lnSpc>
-                <a:spcPct val="120000"/>
-              </a:lnSpc>
-              <a:spcBef>
-                <a:spcPts val="0"/>
-              </a:spcBef>
-              <a:buNone/>
-            </a:pPr>
-            <a:r>
-              <a:rPr lang="hu-HU" sz="4400"/>
-              <a:t>                ]</a:t>
-            </a:r>
-          </a:p>
-          <a:p>
-            <a:pPr marL="0" indent="0">
-              <a:lnSpc>
-                <a:spcPct val="120000"/>
-              </a:lnSpc>
-              <a:spcBef>
-                <a:spcPts val="0"/>
-              </a:spcBef>
-              <a:buNone/>
-            </a:pPr>
-            <a:r>
-              <a:rPr lang="hu-HU" sz="4400"/>
-              <a:t>            }</a:t>
-            </a:r>
-          </a:p>
-          <a:p>
-            <a:pPr marL="0" indent="0">
-              <a:lnSpc>
-                <a:spcPct val="120000"/>
-              </a:lnSpc>
-              <a:spcBef>
-                <a:spcPts val="0"/>
-              </a:spcBef>
-              <a:buNone/>
-            </a:pPr>
-            <a:r>
-              <a:rPr lang="hu-HU" sz="4400"/>
-              <a:t>        },</a:t>
-            </a:r>
-          </a:p>
-          <a:p>
-            <a:pPr marL="0" indent="0">
-              <a:lnSpc>
-                <a:spcPct val="120000"/>
-              </a:lnSpc>
-              <a:spcBef>
-                <a:spcPts val="0"/>
-              </a:spcBef>
-              <a:buNone/>
-            </a:pPr>
-            <a:r>
-              <a:rPr lang="hu-HU" sz="4400"/>
-              <a:t>        "serviceURI": "charging_profile"</a:t>
-            </a:r>
-          </a:p>
-          <a:p>
-            <a:pPr marL="0" indent="0">
-              <a:lnSpc>
-                <a:spcPct val="120000"/>
-              </a:lnSpc>
-              <a:spcBef>
-                <a:spcPts val="0"/>
-              </a:spcBef>
-              <a:buNone/>
-            </a:pPr>
-            <a:r>
-              <a:rPr lang="hu-HU" sz="4400"/>
-              <a:t>    }]</a:t>
-            </a:r>
-          </a:p>
-          <a:p>
-            <a:pPr marL="0" indent="0">
-              <a:lnSpc>
-                <a:spcPct val="120000"/>
-              </a:lnSpc>
-              <a:spcBef>
-                <a:spcPts val="0"/>
-              </a:spcBef>
-              <a:buNone/>
-            </a:pPr>
-            <a:r>
-              <a:rPr lang="hu-HU" sz="4400"/>
+              <a:rPr lang="hu-HU" sz="5600" dirty="0"/>
               <a:t>}</a:t>
             </a:r>
-            <a:endParaRPr lang="en-US" sz="4400"/>
+            <a:endParaRPr lang="en-US" sz="5600" dirty="0"/>
           </a:p>
         </p:txBody>
       </p:sp>
@@ -12366,8 +12714,8 @@
         </p:nvSpPr>
         <p:spPr>
           <a:xfrm>
-            <a:off x="0" y="5868339"/>
-            <a:ext cx="11182350" cy="923330"/>
+            <a:off x="-1" y="5568462"/>
+            <a:ext cx="11547232" cy="1200329"/>
           </a:xfrm>
           <a:prstGeom prst="rect">
             <a:avLst/>
@@ -12387,335 +12735,511 @@
           <a:p>
             <a:pPr algn="just"/>
             <a:r>
-              <a:rPr lang="hu-HU"/>
+              <a:rPr lang="hu-HU" dirty="0"/>
               <a:t>In </a:t>
             </a:r>
             <a:r>
-              <a:rPr lang="hu-HU" err="1"/>
+              <a:rPr lang="hu-HU" dirty="0" err="1"/>
               <a:t>the</a:t>
             </a:r>
             <a:r>
-              <a:rPr lang="hu-HU"/>
-              <a:t> </a:t>
-            </a:r>
-            <a:r>
-              <a:rPr lang="hu-HU" err="1"/>
+              <a:rPr lang="hu-HU" dirty="0"/>
+              <a:t> </a:t>
+            </a:r>
+            <a:r>
+              <a:rPr lang="hu-HU" dirty="0" err="1"/>
               <a:t>final</a:t>
             </a:r>
             <a:r>
-              <a:rPr lang="hu-HU"/>
-              <a:t> </a:t>
-            </a:r>
-            <a:r>
-              <a:rPr lang="hu-HU" err="1"/>
+              <a:rPr lang="hu-HU" dirty="0"/>
+              <a:t> </a:t>
+            </a:r>
+            <a:r>
+              <a:rPr lang="hu-HU" dirty="0" err="1"/>
               <a:t>example</a:t>
             </a:r>
             <a:r>
-              <a:rPr lang="hu-HU"/>
+              <a:rPr lang="hu-HU" dirty="0"/>
               <a:t>, a </a:t>
             </a:r>
             <a:r>
-              <a:rPr lang="hu-HU" err="1"/>
+              <a:rPr lang="hu-HU" dirty="0" err="1"/>
               <a:t>charging</a:t>
             </a:r>
             <a:r>
-              <a:rPr lang="hu-HU"/>
-              <a:t> </a:t>
-            </a:r>
-            <a:r>
-              <a:rPr lang="hu-HU" err="1"/>
+              <a:rPr lang="hu-HU" dirty="0"/>
+              <a:t> </a:t>
+            </a:r>
+            <a:r>
+              <a:rPr lang="hu-HU" dirty="0" err="1"/>
               <a:t>station</a:t>
             </a:r>
             <a:r>
-              <a:rPr lang="hu-HU"/>
+              <a:rPr lang="hu-HU" dirty="0"/>
               <a:t> is </a:t>
             </a:r>
             <a:r>
-              <a:rPr lang="hu-HU" err="1"/>
+              <a:rPr lang="hu-HU" dirty="0" err="1"/>
               <a:t>looking</a:t>
             </a:r>
             <a:r>
-              <a:rPr lang="hu-HU"/>
-              <a:t> </a:t>
-            </a:r>
-            <a:r>
-              <a:rPr lang="hu-HU" err="1"/>
+              <a:rPr lang="hu-HU" dirty="0"/>
+              <a:t> </a:t>
+            </a:r>
+            <a:r>
+              <a:rPr lang="hu-HU" dirty="0" err="1"/>
               <a:t>for</a:t>
             </a:r>
             <a:r>
-              <a:rPr lang="hu-HU"/>
-              <a:t> </a:t>
-            </a:r>
-            <a:r>
-              <a:rPr lang="hu-HU" err="1"/>
+              <a:rPr lang="hu-HU" dirty="0"/>
+              <a:t> </a:t>
+            </a:r>
+            <a:r>
+              <a:rPr lang="hu-HU" dirty="0" err="1"/>
               <a:t>the</a:t>
             </a:r>
             <a:r>
-              <a:rPr lang="hu-HU"/>
-              <a:t> </a:t>
-            </a:r>
-            <a:r>
-              <a:rPr lang="hu-HU" err="1"/>
+              <a:rPr lang="hu-HU" dirty="0"/>
+              <a:t> </a:t>
+            </a:r>
+            <a:r>
+              <a:rPr lang="hu-HU" dirty="0" err="1"/>
               <a:t>optimal</a:t>
             </a:r>
             <a:r>
-              <a:rPr lang="hu-HU"/>
-              <a:t> </a:t>
-            </a:r>
-            <a:r>
-              <a:rPr lang="hu-HU" err="1"/>
+              <a:rPr lang="hu-HU" dirty="0"/>
+              <a:t> </a:t>
+            </a:r>
+            <a:r>
+              <a:rPr lang="hu-HU" dirty="0" err="1"/>
               <a:t>charging</a:t>
             </a:r>
             <a:r>
-              <a:rPr lang="hu-HU"/>
-              <a:t> </a:t>
-            </a:r>
-            <a:r>
-              <a:rPr lang="hu-HU" err="1"/>
+              <a:rPr lang="hu-HU" dirty="0"/>
+              <a:t> </a:t>
+            </a:r>
+            <a:r>
+              <a:rPr lang="hu-HU" dirty="0" err="1"/>
               <a:t>profile</a:t>
             </a:r>
             <a:r>
-              <a:rPr lang="hu-HU"/>
-              <a:t> </a:t>
-            </a:r>
-            <a:r>
-              <a:rPr lang="hu-HU" err="1"/>
+              <a:rPr lang="hu-HU" dirty="0"/>
+              <a:t> </a:t>
+            </a:r>
+            <a:r>
+              <a:rPr lang="hu-HU" dirty="0" err="1"/>
               <a:t>for</a:t>
             </a:r>
             <a:r>
-              <a:rPr lang="hu-HU"/>
+              <a:rPr lang="hu-HU" dirty="0"/>
               <a:t> a </a:t>
             </a:r>
             <a:r>
-              <a:rPr lang="hu-HU" err="1"/>
+              <a:rPr lang="hu-HU" dirty="0" err="1"/>
               <a:t>car</a:t>
             </a:r>
             <a:r>
-              <a:rPr lang="hu-HU"/>
+              <a:rPr lang="hu-HU" dirty="0"/>
               <a:t>, </a:t>
             </a:r>
             <a:r>
-              <a:rPr lang="hu-HU" err="1"/>
+              <a:rPr lang="hu-HU" dirty="0" err="1"/>
               <a:t>before</a:t>
             </a:r>
             <a:r>
-              <a:rPr lang="hu-HU"/>
+              <a:rPr lang="hu-HU" dirty="0"/>
               <a:t> starting </a:t>
             </a:r>
             <a:r>
-              <a:rPr lang="hu-HU" err="1"/>
+              <a:rPr lang="hu-HU" dirty="0" err="1"/>
               <a:t>the</a:t>
             </a:r>
             <a:r>
-              <a:rPr lang="hu-HU"/>
-              <a:t> </a:t>
-            </a:r>
-            <a:r>
-              <a:rPr lang="hu-HU" err="1"/>
+              <a:rPr lang="hu-HU" dirty="0"/>
+              <a:t> </a:t>
+            </a:r>
+            <a:r>
+              <a:rPr lang="hu-HU" dirty="0" err="1"/>
               <a:t>charging</a:t>
             </a:r>
             <a:r>
-              <a:rPr lang="hu-HU"/>
-              <a:t>. It </a:t>
-            </a:r>
-            <a:r>
-              <a:rPr lang="hu-HU" err="1"/>
+              <a:rPr lang="hu-HU" dirty="0"/>
+              <a:t>. </a:t>
+            </a:r>
+            <a:r>
+              <a:rPr lang="hu-HU" dirty="0" err="1"/>
+              <a:t>It</a:t>
+            </a:r>
+            <a:r>
+              <a:rPr lang="hu-HU" dirty="0"/>
+              <a:t> </a:t>
+            </a:r>
+            <a:r>
+              <a:rPr lang="hu-HU" dirty="0" err="1"/>
               <a:t>initiates</a:t>
             </a:r>
             <a:r>
-              <a:rPr lang="hu-HU"/>
-              <a:t> </a:t>
-            </a:r>
-            <a:r>
-              <a:rPr lang="hu-HU" err="1"/>
+              <a:rPr lang="hu-HU" dirty="0"/>
+              <a:t> </a:t>
+            </a:r>
+            <a:r>
+              <a:rPr lang="hu-HU" dirty="0" err="1"/>
               <a:t>the</a:t>
             </a:r>
             <a:r>
-              <a:rPr lang="hu-HU"/>
-              <a:t> </a:t>
-            </a:r>
-            <a:r>
-              <a:rPr lang="hu-HU" err="1"/>
+              <a:rPr lang="hu-HU" dirty="0"/>
+              <a:t> </a:t>
+            </a:r>
+            <a:r>
+              <a:rPr lang="hu-HU" dirty="0" err="1"/>
               <a:t>dynamical</a:t>
             </a:r>
             <a:r>
-              <a:rPr lang="hu-HU"/>
-              <a:t> </a:t>
-            </a:r>
-            <a:r>
-              <a:rPr lang="hu-HU" err="1"/>
+              <a:rPr lang="hu-HU" dirty="0"/>
+              <a:t> </a:t>
+            </a:r>
+            <a:r>
+              <a:rPr lang="hu-HU" dirty="0" err="1"/>
               <a:t>orchestraion</a:t>
             </a:r>
             <a:r>
-              <a:rPr lang="hu-HU"/>
-              <a:t> </a:t>
-            </a:r>
-            <a:r>
-              <a:rPr lang="hu-HU" err="1"/>
+              <a:rPr lang="hu-HU" dirty="0"/>
+              <a:t> </a:t>
+            </a:r>
+            <a:r>
+              <a:rPr lang="hu-HU" dirty="0" err="1"/>
               <a:t>process</a:t>
             </a:r>
             <a:r>
-              <a:rPr lang="hu-HU"/>
+              <a:rPr lang="hu-HU" dirty="0"/>
               <a:t>, and </a:t>
             </a:r>
             <a:r>
-              <a:rPr lang="hu-HU" err="1"/>
+              <a:rPr lang="hu-HU" dirty="0" err="1"/>
               <a:t>accepts</a:t>
             </a:r>
             <a:r>
-              <a:rPr lang="hu-HU"/>
-              <a:t> </a:t>
-            </a:r>
-            <a:r>
-              <a:rPr lang="hu-HU" err="1"/>
+              <a:rPr lang="hu-HU" dirty="0"/>
+              <a:t> </a:t>
+            </a:r>
+            <a:r>
+              <a:rPr lang="hu-HU" dirty="0" err="1"/>
               <a:t>providers</a:t>
             </a:r>
             <a:r>
-              <a:rPr lang="hu-HU"/>
-              <a:t> </a:t>
-            </a:r>
-            <a:r>
-              <a:rPr lang="hu-HU" err="1"/>
+              <a:rPr lang="hu-HU" dirty="0"/>
+              <a:t> </a:t>
+            </a:r>
+            <a:r>
+              <a:rPr lang="hu-HU" dirty="0" err="1"/>
               <a:t>from</a:t>
             </a:r>
             <a:r>
-              <a:rPr lang="hu-HU"/>
-              <a:t> </a:t>
-            </a:r>
-            <a:r>
-              <a:rPr lang="hu-HU" err="1"/>
+              <a:rPr lang="hu-HU" dirty="0"/>
+              <a:t> </a:t>
+            </a:r>
+            <a:r>
+              <a:rPr lang="hu-HU" dirty="0" err="1"/>
               <a:t>other</a:t>
             </a:r>
             <a:r>
-              <a:rPr lang="hu-HU"/>
-              <a:t> </a:t>
-            </a:r>
-            <a:r>
-              <a:rPr lang="hu-HU" err="1"/>
+              <a:rPr lang="hu-HU" dirty="0"/>
+              <a:t> </a:t>
+            </a:r>
+            <a:r>
+              <a:rPr lang="hu-HU" dirty="0" err="1"/>
               <a:t>clouds</a:t>
             </a:r>
             <a:r>
-              <a:rPr lang="hu-HU"/>
-              <a:t> </a:t>
-            </a:r>
-            <a:r>
-              <a:rPr lang="hu-HU" err="1"/>
+              <a:rPr lang="hu-HU" dirty="0"/>
+              <a:t> </a:t>
+            </a:r>
+            <a:r>
+              <a:rPr lang="hu-HU" dirty="0" err="1"/>
               <a:t>too</a:t>
             </a:r>
             <a:r>
-              <a:rPr lang="hu-HU"/>
-              <a:t> </a:t>
-            </a:r>
-            <a:r>
-              <a:rPr lang="hu-HU" err="1"/>
+              <a:rPr lang="hu-HU" dirty="0"/>
+              <a:t> </a:t>
+            </a:r>
+            <a:r>
+              <a:rPr lang="hu-HU" dirty="0" err="1"/>
               <a:t>with</a:t>
             </a:r>
             <a:r>
-              <a:rPr lang="hu-HU"/>
-              <a:t> </a:t>
-            </a:r>
-            <a:r>
-              <a:rPr lang="hu-HU" err="1"/>
+              <a:rPr lang="hu-HU" dirty="0"/>
+              <a:t> </a:t>
+            </a:r>
+            <a:r>
+              <a:rPr lang="hu-HU" dirty="0" err="1"/>
               <a:t>the</a:t>
             </a:r>
             <a:r>
-              <a:rPr lang="hu-HU"/>
+              <a:rPr lang="hu-HU" dirty="0"/>
               <a:t> „</a:t>
             </a:r>
             <a:r>
-              <a:rPr lang="hu-HU" err="1"/>
+              <a:rPr lang="hu-HU" dirty="0" err="1"/>
               <a:t>enableInterCloud</a:t>
             </a:r>
             <a:r>
-              <a:rPr lang="hu-HU"/>
+              <a:rPr lang="hu-HU" dirty="0"/>
               <a:t>” </a:t>
             </a:r>
             <a:r>
-              <a:rPr lang="hu-HU" err="1"/>
+              <a:rPr lang="hu-HU" dirty="0" err="1"/>
               <a:t>flag</a:t>
             </a:r>
             <a:r>
-              <a:rPr lang="hu-HU"/>
-              <a:t> set. The local </a:t>
-            </a:r>
-            <a:r>
-              <a:rPr lang="hu-HU" err="1"/>
+              <a:rPr lang="hu-HU" dirty="0"/>
+              <a:t> </a:t>
+            </a:r>
+            <a:r>
+              <a:rPr lang="hu-HU" dirty="0" err="1"/>
+              <a:t>set</a:t>
+            </a:r>
+            <a:r>
+              <a:rPr lang="hu-HU" dirty="0"/>
+              <a:t>. The local </a:t>
+            </a:r>
+            <a:r>
+              <a:rPr lang="hu-HU" dirty="0" err="1"/>
               <a:t>search</a:t>
             </a:r>
             <a:r>
-              <a:rPr lang="hu-HU"/>
-              <a:t> </a:t>
-            </a:r>
-            <a:r>
-              <a:rPr lang="hu-HU" err="1"/>
+              <a:rPr lang="hu-HU" dirty="0"/>
+              <a:t> </a:t>
+            </a:r>
+            <a:r>
+              <a:rPr lang="hu-HU" dirty="0" err="1"/>
               <a:t>for</a:t>
             </a:r>
             <a:r>
-              <a:rPr lang="hu-HU"/>
+              <a:rPr lang="hu-HU" dirty="0"/>
               <a:t> a </a:t>
             </a:r>
             <a:r>
-              <a:rPr lang="hu-HU" err="1"/>
+              <a:rPr lang="hu-HU" dirty="0" err="1"/>
               <a:t>provider</a:t>
             </a:r>
             <a:r>
-              <a:rPr lang="hu-HU"/>
-              <a:t> </a:t>
-            </a:r>
-            <a:r>
-              <a:rPr lang="hu-HU" err="1"/>
+              <a:rPr lang="hu-HU" dirty="0"/>
+              <a:t> </a:t>
+            </a:r>
+            <a:r>
+              <a:rPr lang="hu-HU" dirty="0" err="1"/>
               <a:t>will</a:t>
             </a:r>
             <a:r>
-              <a:rPr lang="hu-HU"/>
-              <a:t> </a:t>
-            </a:r>
-            <a:r>
-              <a:rPr lang="hu-HU" err="1"/>
+              <a:rPr lang="hu-HU" dirty="0"/>
+              <a:t> </a:t>
+            </a:r>
+            <a:r>
+              <a:rPr lang="hu-HU" dirty="0" err="1"/>
               <a:t>yield</a:t>
             </a:r>
             <a:r>
-              <a:rPr lang="hu-HU"/>
+              <a:rPr lang="hu-HU" dirty="0"/>
               <a:t> no </a:t>
             </a:r>
             <a:r>
-              <a:rPr lang="hu-HU" err="1"/>
+              <a:rPr lang="hu-HU" dirty="0" err="1"/>
               <a:t>result</a:t>
             </a:r>
             <a:r>
-              <a:rPr lang="hu-HU"/>
+              <a:rPr lang="hu-HU" dirty="0"/>
               <a:t>, </a:t>
             </a:r>
             <a:r>
-              <a:rPr lang="hu-HU" err="1"/>
+              <a:rPr lang="hu-HU" dirty="0" err="1"/>
               <a:t>but</a:t>
             </a:r>
             <a:r>
-              <a:rPr lang="hu-HU"/>
-              <a:t> </a:t>
-            </a:r>
-            <a:r>
-              <a:rPr lang="hu-HU" err="1"/>
+              <a:rPr lang="hu-HU" dirty="0"/>
+              <a:t> </a:t>
+            </a:r>
+            <a:r>
+              <a:rPr lang="hu-HU" dirty="0" err="1"/>
               <a:t>the</a:t>
             </a:r>
             <a:r>
-              <a:rPr lang="hu-HU"/>
+              <a:rPr lang="hu-HU" dirty="0"/>
               <a:t> 2nd </a:t>
             </a:r>
             <a:r>
-              <a:rPr lang="hu-HU" err="1"/>
+              <a:rPr lang="hu-HU" dirty="0" err="1"/>
               <a:t>cloud</a:t>
             </a:r>
             <a:r>
-              <a:rPr lang="hu-HU"/>
+              <a:rPr lang="hu-HU" dirty="0"/>
               <a:t> has a </a:t>
             </a:r>
             <a:r>
-              <a:rPr lang="hu-HU" err="1"/>
+              <a:rPr lang="hu-HU" dirty="0" err="1"/>
               <a:t>provider</a:t>
             </a:r>
             <a:r>
-              <a:rPr lang="hu-HU"/>
+              <a:rPr lang="hu-HU" dirty="0"/>
+              <a:t>. </a:t>
+            </a:r>
+            <a:r>
+              <a:rPr lang="hu-HU" dirty="0" err="1"/>
+              <a:t>Gateway</a:t>
+            </a:r>
+            <a:r>
+              <a:rPr lang="hu-HU" dirty="0"/>
+              <a:t> </a:t>
+            </a:r>
+            <a:r>
+              <a:rPr lang="hu-HU" dirty="0" err="1"/>
+              <a:t>module</a:t>
+            </a:r>
+            <a:r>
+              <a:rPr lang="hu-HU" dirty="0"/>
+              <a:t> </a:t>
+            </a:r>
+            <a:r>
+              <a:rPr lang="hu-HU" dirty="0" err="1"/>
+              <a:t>was</a:t>
+            </a:r>
+            <a:r>
+              <a:rPr lang="hu-HU" dirty="0"/>
+              <a:t> </a:t>
+            </a:r>
+            <a:r>
+              <a:rPr lang="hu-HU" dirty="0" err="1"/>
+              <a:t>used</a:t>
+            </a:r>
+            <a:r>
+              <a:rPr lang="hu-HU" dirty="0"/>
+              <a:t> in </a:t>
+            </a:r>
+            <a:r>
+              <a:rPr lang="hu-HU" dirty="0" err="1"/>
+              <a:t>this</a:t>
+            </a:r>
+            <a:r>
+              <a:rPr lang="hu-HU" dirty="0"/>
+              <a:t> </a:t>
+            </a:r>
+            <a:r>
+              <a:rPr lang="hu-HU" dirty="0" err="1"/>
+              <a:t>example</a:t>
+            </a:r>
+            <a:r>
+              <a:rPr lang="hu-HU" dirty="0"/>
+              <a:t>, </a:t>
+            </a:r>
+            <a:r>
+              <a:rPr lang="hu-HU" dirty="0" err="1"/>
+              <a:t>which</a:t>
+            </a:r>
+            <a:r>
+              <a:rPr lang="hu-HU" dirty="0"/>
+              <a:t> is </a:t>
+            </a:r>
+            <a:r>
+              <a:rPr lang="hu-HU" dirty="0" err="1"/>
+              <a:t>responsible</a:t>
+            </a:r>
+            <a:r>
+              <a:rPr lang="hu-HU" dirty="0"/>
+              <a:t> </a:t>
+            </a:r>
+            <a:r>
+              <a:rPr lang="hu-HU" dirty="0" err="1"/>
+              <a:t>for</a:t>
+            </a:r>
+            <a:r>
+              <a:rPr lang="hu-HU" dirty="0"/>
+              <a:t> </a:t>
+            </a:r>
+            <a:r>
+              <a:rPr lang="hu-HU" dirty="0" err="1"/>
+              <a:t>modifying</a:t>
+            </a:r>
+            <a:r>
+              <a:rPr lang="hu-HU" dirty="0"/>
+              <a:t> </a:t>
+            </a:r>
+            <a:r>
+              <a:rPr lang="hu-HU" dirty="0" err="1"/>
+              <a:t>the</a:t>
+            </a:r>
+            <a:r>
+              <a:rPr lang="hu-HU" dirty="0"/>
+              <a:t> </a:t>
+            </a:r>
+            <a:r>
+              <a:rPr lang="hu-HU" dirty="0" err="1"/>
+              <a:t>orchestration</a:t>
+            </a:r>
+            <a:r>
+              <a:rPr lang="hu-HU" dirty="0"/>
+              <a:t> </a:t>
+            </a:r>
+            <a:r>
+              <a:rPr lang="hu-HU" dirty="0" err="1"/>
+              <a:t>response</a:t>
+            </a:r>
+            <a:r>
+              <a:rPr lang="hu-HU" dirty="0"/>
+              <a:t> (</a:t>
+            </a:r>
+            <a:r>
+              <a:rPr lang="hu-HU" dirty="0" err="1"/>
+              <a:t>the</a:t>
+            </a:r>
+            <a:r>
+              <a:rPr lang="hu-HU" dirty="0"/>
+              <a:t> </a:t>
+            </a:r>
+            <a:r>
+              <a:rPr lang="hu-HU" dirty="0" err="1"/>
+              <a:t>provider</a:t>
+            </a:r>
+            <a:r>
+              <a:rPr lang="hu-HU" dirty="0"/>
+              <a:t> </a:t>
+            </a:r>
+            <a:r>
+              <a:rPr lang="hu-HU" dirty="0" err="1"/>
+              <a:t>field</a:t>
+            </a:r>
+            <a:r>
+              <a:rPr lang="hu-HU" dirty="0"/>
+              <a:t>) </a:t>
+            </a:r>
+            <a:r>
+              <a:rPr lang="hu-HU" dirty="0" err="1"/>
+              <a:t>from</a:t>
+            </a:r>
+            <a:r>
+              <a:rPr lang="hu-HU" dirty="0"/>
+              <a:t> </a:t>
+            </a:r>
+            <a:r>
+              <a:rPr lang="hu-HU" dirty="0" err="1"/>
+              <a:t>the</a:t>
+            </a:r>
+            <a:r>
+              <a:rPr lang="hu-HU" dirty="0"/>
+              <a:t> </a:t>
+            </a:r>
+            <a:r>
+              <a:rPr lang="hu-HU" dirty="0" err="1"/>
+              <a:t>other</a:t>
+            </a:r>
+            <a:r>
+              <a:rPr lang="hu-HU" dirty="0"/>
+              <a:t> </a:t>
+            </a:r>
+            <a:r>
+              <a:rPr lang="hu-HU" dirty="0" err="1"/>
+              <a:t>cloud</a:t>
+            </a:r>
+            <a:r>
+              <a:rPr lang="hu-HU" dirty="0"/>
               <a:t>.</a:t>
             </a:r>
           </a:p>
@@ -12761,56 +13285,53 @@
             <p:ph type="title"/>
           </p:nvPr>
         </p:nvSpPr>
-        <p:spPr/>
+        <p:spPr>
+          <a:xfrm>
+            <a:off x="503583" y="353402"/>
+            <a:ext cx="10515600" cy="1325563"/>
+          </a:xfrm>
+        </p:spPr>
         <p:txBody>
           <a:bodyPr/>
           <a:lstStyle/>
           <a:p>
             <a:r>
-              <a:rPr lang="hu-HU" err="1"/>
+              <a:rPr lang="hu-HU" dirty="0" err="1"/>
               <a:t>Getting</a:t>
             </a:r>
             <a:r>
-              <a:rPr lang="hu-HU"/>
-              <a:t> </a:t>
-            </a:r>
-            <a:r>
-              <a:rPr lang="hu-HU" err="1"/>
+              <a:rPr lang="hu-HU" dirty="0"/>
+              <a:t> </a:t>
+            </a:r>
+            <a:r>
+              <a:rPr lang="hu-HU" dirty="0" err="1"/>
               <a:t>started</a:t>
             </a:r>
             <a:r>
-              <a:rPr lang="hu-HU"/>
-              <a:t> </a:t>
-            </a:r>
-            <a:r>
-              <a:rPr lang="hu-HU" err="1"/>
+              <a:rPr lang="hu-HU" dirty="0"/>
+              <a:t> </a:t>
+            </a:r>
+            <a:r>
+              <a:rPr lang="hu-HU" dirty="0" err="1"/>
               <a:t>with</a:t>
             </a:r>
             <a:r>
-              <a:rPr lang="hu-HU"/>
-              <a:t> </a:t>
-            </a:r>
-            <a:r>
-              <a:rPr lang="hu-HU" err="1"/>
+              <a:rPr lang="hu-HU" dirty="0"/>
+              <a:t> </a:t>
+            </a:r>
+            <a:r>
+              <a:rPr lang="hu-HU" dirty="0" err="1"/>
               <a:t>the</a:t>
             </a:r>
             <a:r>
-              <a:rPr lang="hu-HU"/>
-              <a:t> </a:t>
-            </a:r>
-            <a:r>
-              <a:rPr lang="hu-HU" err="1"/>
-              <a:t>App</a:t>
-            </a:r>
-            <a:r>
-              <a:rPr lang="hu-HU"/>
-              <a:t>. System </a:t>
-            </a:r>
-            <a:r>
-              <a:rPr lang="hu-HU" err="1"/>
+              <a:rPr lang="hu-HU" dirty="0"/>
+              <a:t> App. System </a:t>
+            </a:r>
+            <a:r>
+              <a:rPr lang="hu-HU" dirty="0" err="1"/>
               <a:t>skeleton</a:t>
             </a:r>
-            <a:endParaRPr lang="hu-HU"/>
+            <a:endParaRPr lang="hu-HU" dirty="0"/>
           </a:p>
         </p:txBody>
       </p:sp>
@@ -12826,7 +13347,7 @@
         </p:nvSpPr>
         <p:spPr>
           <a:xfrm>
-            <a:off x="838199" y="1825625"/>
+            <a:off x="503583" y="1790456"/>
             <a:ext cx="10850217" cy="4486398"/>
           </a:xfrm>
         </p:spPr>
@@ -12837,328 +13358,935 @@
           <a:lstStyle/>
           <a:p>
             <a:r>
-              <a:rPr lang="hu-HU" err="1"/>
+              <a:rPr lang="hu-HU" dirty="0" err="1"/>
               <a:t>There</a:t>
             </a:r>
             <a:r>
-              <a:rPr lang="hu-HU"/>
-              <a:t> </a:t>
-            </a:r>
-            <a:r>
-              <a:rPr lang="hu-HU" err="1"/>
+              <a:rPr lang="hu-HU" dirty="0"/>
+              <a:t> </a:t>
+            </a:r>
+            <a:r>
+              <a:rPr lang="hu-HU" dirty="0" err="1"/>
               <a:t>are</a:t>
             </a:r>
             <a:r>
-              <a:rPr lang="hu-HU"/>
-              <a:t> </a:t>
-            </a:r>
-            <a:r>
-              <a:rPr lang="hu-HU" err="1"/>
+              <a:rPr lang="hu-HU" dirty="0"/>
+              <a:t> </a:t>
+            </a:r>
+            <a:r>
+              <a:rPr lang="hu-HU" dirty="0" err="1"/>
               <a:t>three</a:t>
             </a:r>
             <a:r>
-              <a:rPr lang="hu-HU"/>
-              <a:t> </a:t>
-            </a:r>
-            <a:r>
-              <a:rPr lang="hu-HU" err="1"/>
+              <a:rPr lang="hu-HU" dirty="0"/>
+              <a:t> </a:t>
+            </a:r>
+            <a:r>
+              <a:rPr lang="hu-HU" dirty="0" err="1"/>
               <a:t>client</a:t>
             </a:r>
             <a:r>
-              <a:rPr lang="hu-HU"/>
-              <a:t> </a:t>
-            </a:r>
-            <a:r>
-              <a:rPr lang="hu-HU" err="1"/>
+              <a:rPr lang="hu-HU" dirty="0"/>
+              <a:t> </a:t>
+            </a:r>
+            <a:r>
+              <a:rPr lang="hu-HU" dirty="0" err="1"/>
               <a:t>skeletons</a:t>
             </a:r>
             <a:r>
-              <a:rPr lang="hu-HU"/>
-              <a:t> </a:t>
-            </a:r>
-            <a:r>
-              <a:rPr lang="hu-HU" err="1"/>
+              <a:rPr lang="hu-HU" dirty="0"/>
+              <a:t> </a:t>
+            </a:r>
+            <a:r>
+              <a:rPr lang="hu-HU" dirty="0" err="1"/>
               <a:t>available</a:t>
             </a:r>
             <a:r>
-              <a:rPr lang="hu-HU"/>
+              <a:rPr lang="hu-HU" dirty="0"/>
               <a:t>:</a:t>
             </a:r>
           </a:p>
           <a:p>
             <a:pPr lvl="1"/>
             <a:r>
-              <a:rPr lang="hu-HU"/>
+              <a:rPr lang="hu-HU" dirty="0"/>
               <a:t>Service </a:t>
             </a:r>
             <a:r>
-              <a:rPr lang="hu-HU" err="1"/>
+              <a:rPr lang="hu-HU" dirty="0" err="1"/>
               <a:t>Provider</a:t>
             </a:r>
             <a:r>
-              <a:rPr lang="hu-HU"/>
-              <a:t> </a:t>
-            </a:r>
-            <a:r>
-              <a:rPr lang="hu-HU" err="1"/>
+              <a:rPr lang="hu-HU" dirty="0"/>
+              <a:t> </a:t>
+            </a:r>
+            <a:r>
+              <a:rPr lang="hu-HU" dirty="0" err="1"/>
               <a:t>module</a:t>
             </a:r>
             <a:r>
-              <a:rPr lang="hu-HU"/>
-              <a:t> (with SSL </a:t>
-            </a:r>
-            <a:r>
-              <a:rPr lang="hu-HU" err="1"/>
+              <a:rPr lang="hu-HU" dirty="0"/>
+              <a:t> (</a:t>
+            </a:r>
+            <a:r>
+              <a:rPr lang="hu-HU" dirty="0" err="1"/>
+              <a:t>with</a:t>
+            </a:r>
+            <a:r>
+              <a:rPr lang="hu-HU" dirty="0"/>
+              <a:t> SSL </a:t>
+            </a:r>
+            <a:r>
+              <a:rPr lang="hu-HU" dirty="0" err="1"/>
               <a:t>support</a:t>
             </a:r>
             <a:r>
-              <a:rPr lang="hu-HU"/>
+              <a:rPr lang="hu-HU" dirty="0"/>
               <a:t>): </a:t>
             </a:r>
             <a:r>
-              <a:rPr lang="hu-HU" err="1"/>
+              <a:rPr lang="hu-HU" dirty="0" err="1"/>
               <a:t>registers</a:t>
             </a:r>
             <a:r>
-              <a:rPr lang="hu-HU"/>
+              <a:rPr lang="hu-HU" dirty="0"/>
               <a:t> in SR, </a:t>
             </a:r>
             <a:r>
-              <a:rPr lang="hu-HU" err="1"/>
+              <a:rPr lang="hu-HU" dirty="0" err="1"/>
               <a:t>offers</a:t>
             </a:r>
             <a:r>
-              <a:rPr lang="hu-HU"/>
+              <a:rPr lang="hu-HU" dirty="0"/>
               <a:t> REST </a:t>
             </a:r>
             <a:r>
-              <a:rPr lang="hu-HU" err="1"/>
+              <a:rPr lang="hu-HU" dirty="0" err="1"/>
               <a:t>resource</a:t>
             </a:r>
             <a:r>
-              <a:rPr lang="hu-HU"/>
+              <a:rPr lang="hu-HU" dirty="0"/>
               <a:t>, </a:t>
             </a:r>
             <a:r>
-              <a:rPr lang="hu-HU" err="1"/>
+              <a:rPr lang="hu-HU" dirty="0" err="1"/>
               <a:t>unregisters</a:t>
             </a:r>
             <a:r>
-              <a:rPr lang="hu-HU"/>
-              <a:t> </a:t>
-            </a:r>
-            <a:r>
-              <a:rPr lang="hu-HU" err="1"/>
+              <a:rPr lang="hu-HU" dirty="0"/>
+              <a:t> </a:t>
+            </a:r>
+            <a:r>
+              <a:rPr lang="hu-HU" dirty="0" err="1"/>
               <a:t>from</a:t>
             </a:r>
             <a:r>
-              <a:rPr lang="hu-HU"/>
+              <a:rPr lang="hu-HU" dirty="0"/>
               <a:t> SR </a:t>
             </a:r>
             <a:r>
-              <a:rPr lang="hu-HU" err="1"/>
+              <a:rPr lang="hu-HU" dirty="0" err="1"/>
               <a:t>upon</a:t>
             </a:r>
             <a:r>
-              <a:rPr lang="hu-HU"/>
-              <a:t> shutdown</a:t>
-            </a:r>
+              <a:rPr lang="hu-HU" dirty="0"/>
+              <a:t> </a:t>
+            </a:r>
+            <a:r>
+              <a:rPr lang="hu-HU" dirty="0" err="1"/>
+              <a:t>shutdown</a:t>
+            </a:r>
+            <a:endParaRPr lang="hu-HU" dirty="0"/>
           </a:p>
           <a:p>
             <a:pPr lvl="1"/>
             <a:r>
-              <a:rPr lang="hu-HU"/>
-              <a:t>Service Consumer module (with SSL support) based </a:t>
-            </a:r>
-            <a:r>
-              <a:rPr lang="hu-HU" err="1"/>
+              <a:rPr lang="hu-HU" dirty="0"/>
+              <a:t>Service Consumer </a:t>
+            </a:r>
+            <a:r>
+              <a:rPr lang="hu-HU" dirty="0" err="1"/>
+              <a:t>module</a:t>
+            </a:r>
+            <a:r>
+              <a:rPr lang="hu-HU" dirty="0"/>
+              <a:t> (</a:t>
+            </a:r>
+            <a:r>
+              <a:rPr lang="hu-HU" dirty="0" err="1"/>
+              <a:t>with</a:t>
+            </a:r>
+            <a:r>
+              <a:rPr lang="hu-HU" dirty="0"/>
+              <a:t> SSL </a:t>
+            </a:r>
+            <a:r>
+              <a:rPr lang="hu-HU" dirty="0" err="1"/>
+              <a:t>support</a:t>
+            </a:r>
+            <a:r>
+              <a:rPr lang="hu-HU" dirty="0"/>
+              <a:t>) </a:t>
+            </a:r>
+            <a:r>
+              <a:rPr lang="hu-HU" dirty="0" err="1"/>
+              <a:t>based</a:t>
+            </a:r>
+            <a:r>
+              <a:rPr lang="hu-HU" dirty="0"/>
+              <a:t> </a:t>
+            </a:r>
+            <a:r>
+              <a:rPr lang="hu-HU" dirty="0" err="1"/>
               <a:t>on</a:t>
             </a:r>
             <a:r>
-              <a:rPr lang="hu-HU"/>
-              <a:t> the Jersey-client library: capable of requesting orchestration and based on that connecting to a running Service Provider skeleton to retrieve dummy temperature service information </a:t>
+              <a:rPr lang="hu-HU" dirty="0"/>
+              <a:t> </a:t>
+            </a:r>
+            <a:r>
+              <a:rPr lang="hu-HU" dirty="0" err="1"/>
+              <a:t>the</a:t>
+            </a:r>
+            <a:r>
+              <a:rPr lang="hu-HU" dirty="0"/>
+              <a:t> Jersey-</a:t>
+            </a:r>
+            <a:r>
+              <a:rPr lang="hu-HU" dirty="0" err="1"/>
+              <a:t>client</a:t>
+            </a:r>
+            <a:r>
+              <a:rPr lang="hu-HU" dirty="0"/>
+              <a:t> </a:t>
+            </a:r>
+            <a:r>
+              <a:rPr lang="hu-HU" dirty="0" err="1"/>
+              <a:t>library</a:t>
+            </a:r>
+            <a:r>
+              <a:rPr lang="hu-HU" dirty="0"/>
+              <a:t>: </a:t>
+            </a:r>
+            <a:r>
+              <a:rPr lang="hu-HU" dirty="0" err="1"/>
+              <a:t>capable</a:t>
+            </a:r>
+            <a:r>
+              <a:rPr lang="hu-HU" dirty="0"/>
+              <a:t> of </a:t>
+            </a:r>
+            <a:r>
+              <a:rPr lang="hu-HU" dirty="0" err="1"/>
+              <a:t>requesting</a:t>
+            </a:r>
+            <a:r>
+              <a:rPr lang="hu-HU" dirty="0"/>
+              <a:t> </a:t>
+            </a:r>
+            <a:r>
+              <a:rPr lang="hu-HU" dirty="0" err="1"/>
+              <a:t>orchestration</a:t>
+            </a:r>
+            <a:r>
+              <a:rPr lang="hu-HU" dirty="0"/>
+              <a:t> and </a:t>
+            </a:r>
+            <a:r>
+              <a:rPr lang="hu-HU" dirty="0" err="1"/>
+              <a:t>based</a:t>
+            </a:r>
+            <a:r>
+              <a:rPr lang="hu-HU" dirty="0"/>
+              <a:t> </a:t>
+            </a:r>
+            <a:r>
+              <a:rPr lang="hu-HU" dirty="0" err="1"/>
+              <a:t>on</a:t>
+            </a:r>
+            <a:r>
+              <a:rPr lang="hu-HU" dirty="0"/>
+              <a:t> </a:t>
+            </a:r>
+            <a:r>
+              <a:rPr lang="hu-HU" dirty="0" err="1"/>
+              <a:t>that</a:t>
+            </a:r>
+            <a:r>
+              <a:rPr lang="hu-HU" dirty="0"/>
+              <a:t> </a:t>
+            </a:r>
+            <a:r>
+              <a:rPr lang="hu-HU" dirty="0" err="1"/>
+              <a:t>connecting</a:t>
+            </a:r>
+            <a:r>
+              <a:rPr lang="hu-HU" dirty="0"/>
+              <a:t> </a:t>
+            </a:r>
+            <a:r>
+              <a:rPr lang="hu-HU" dirty="0" err="1"/>
+              <a:t>to</a:t>
+            </a:r>
+            <a:r>
+              <a:rPr lang="hu-HU" dirty="0"/>
+              <a:t> a </a:t>
+            </a:r>
+            <a:r>
+              <a:rPr lang="hu-HU" dirty="0" err="1"/>
+              <a:t>running</a:t>
+            </a:r>
+            <a:r>
+              <a:rPr lang="hu-HU" dirty="0"/>
+              <a:t> Service </a:t>
+            </a:r>
+            <a:r>
+              <a:rPr lang="hu-HU" dirty="0" err="1"/>
+              <a:t>Provider</a:t>
+            </a:r>
+            <a:r>
+              <a:rPr lang="hu-HU" dirty="0"/>
+              <a:t> </a:t>
+            </a:r>
+            <a:r>
+              <a:rPr lang="hu-HU" dirty="0" err="1"/>
+              <a:t>skeleton</a:t>
+            </a:r>
+            <a:r>
+              <a:rPr lang="hu-HU" dirty="0"/>
+              <a:t> </a:t>
+            </a:r>
+            <a:r>
+              <a:rPr lang="hu-HU" dirty="0" err="1"/>
+              <a:t>to</a:t>
+            </a:r>
+            <a:r>
+              <a:rPr lang="hu-HU" dirty="0"/>
+              <a:t> </a:t>
+            </a:r>
+            <a:r>
+              <a:rPr lang="hu-HU" dirty="0" err="1"/>
+              <a:t>retrieve</a:t>
+            </a:r>
+            <a:r>
+              <a:rPr lang="hu-HU" dirty="0"/>
+              <a:t> </a:t>
+            </a:r>
+            <a:r>
+              <a:rPr lang="hu-HU" dirty="0" err="1"/>
+              <a:t>dummy</a:t>
+            </a:r>
+            <a:r>
+              <a:rPr lang="hu-HU" dirty="0"/>
+              <a:t> </a:t>
+            </a:r>
+            <a:r>
+              <a:rPr lang="hu-HU" dirty="0" err="1"/>
+              <a:t>temperature</a:t>
+            </a:r>
+            <a:r>
+              <a:rPr lang="hu-HU" dirty="0"/>
+              <a:t> service </a:t>
+            </a:r>
+            <a:r>
+              <a:rPr lang="hu-HU" dirty="0" err="1"/>
+              <a:t>information</a:t>
+            </a:r>
+            <a:r>
+              <a:rPr lang="hu-HU" dirty="0"/>
+              <a:t> </a:t>
             </a:r>
           </a:p>
           <a:p>
             <a:pPr lvl="1"/>
             <a:r>
-              <a:rPr lang="hu-HU"/>
-              <a:t>Lightweight Service Consumer (basic) module (without Jersey-client library or SSL support): has the same capability as the other Consumer, but only uses JDK libraries and 2 small JARs for JSON parsing</a:t>
+              <a:rPr lang="hu-HU" dirty="0" err="1"/>
+              <a:t>Lightweight</a:t>
+            </a:r>
+            <a:r>
+              <a:rPr lang="hu-HU" dirty="0"/>
+              <a:t> Service Consumer (</a:t>
+            </a:r>
+            <a:r>
+              <a:rPr lang="hu-HU" dirty="0" err="1"/>
+              <a:t>basic</a:t>
+            </a:r>
+            <a:r>
+              <a:rPr lang="hu-HU" dirty="0"/>
+              <a:t>) </a:t>
+            </a:r>
+            <a:r>
+              <a:rPr lang="hu-HU" dirty="0" err="1"/>
+              <a:t>module</a:t>
+            </a:r>
+            <a:r>
+              <a:rPr lang="hu-HU" dirty="0"/>
+              <a:t> (</a:t>
+            </a:r>
+            <a:r>
+              <a:rPr lang="hu-HU" dirty="0" err="1"/>
+              <a:t>without</a:t>
+            </a:r>
+            <a:r>
+              <a:rPr lang="hu-HU" dirty="0"/>
+              <a:t> Jersey-</a:t>
+            </a:r>
+            <a:r>
+              <a:rPr lang="hu-HU" dirty="0" err="1"/>
+              <a:t>client</a:t>
+            </a:r>
+            <a:r>
+              <a:rPr lang="hu-HU" dirty="0"/>
+              <a:t> </a:t>
+            </a:r>
+            <a:r>
+              <a:rPr lang="hu-HU" dirty="0" err="1"/>
+              <a:t>library</a:t>
+            </a:r>
+            <a:r>
+              <a:rPr lang="hu-HU" dirty="0"/>
+              <a:t> </a:t>
+            </a:r>
+            <a:r>
+              <a:rPr lang="hu-HU" dirty="0" err="1"/>
+              <a:t>or</a:t>
+            </a:r>
+            <a:r>
+              <a:rPr lang="hu-HU" dirty="0"/>
+              <a:t> SSL </a:t>
+            </a:r>
+            <a:r>
+              <a:rPr lang="hu-HU" dirty="0" err="1"/>
+              <a:t>support</a:t>
+            </a:r>
+            <a:r>
+              <a:rPr lang="hu-HU" dirty="0"/>
+              <a:t>): has </a:t>
+            </a:r>
+            <a:r>
+              <a:rPr lang="hu-HU" dirty="0" err="1"/>
+              <a:t>the</a:t>
+            </a:r>
+            <a:r>
+              <a:rPr lang="hu-HU" dirty="0"/>
+              <a:t> </a:t>
+            </a:r>
+            <a:r>
+              <a:rPr lang="hu-HU" dirty="0" err="1"/>
+              <a:t>same</a:t>
+            </a:r>
+            <a:r>
+              <a:rPr lang="hu-HU" dirty="0"/>
+              <a:t> </a:t>
+            </a:r>
+            <a:r>
+              <a:rPr lang="hu-HU" dirty="0" err="1"/>
+              <a:t>capability</a:t>
+            </a:r>
+            <a:r>
+              <a:rPr lang="hu-HU" dirty="0"/>
+              <a:t> </a:t>
+            </a:r>
+            <a:r>
+              <a:rPr lang="hu-HU" dirty="0" err="1"/>
+              <a:t>as</a:t>
+            </a:r>
+            <a:r>
+              <a:rPr lang="hu-HU" dirty="0"/>
+              <a:t> </a:t>
+            </a:r>
+            <a:r>
+              <a:rPr lang="hu-HU" dirty="0" err="1"/>
+              <a:t>the</a:t>
+            </a:r>
+            <a:r>
+              <a:rPr lang="hu-HU" dirty="0"/>
+              <a:t> </a:t>
+            </a:r>
+            <a:r>
+              <a:rPr lang="hu-HU" dirty="0" err="1"/>
+              <a:t>other</a:t>
+            </a:r>
+            <a:r>
+              <a:rPr lang="hu-HU" dirty="0"/>
+              <a:t> Consumer, </a:t>
+            </a:r>
+            <a:r>
+              <a:rPr lang="hu-HU" dirty="0" err="1"/>
+              <a:t>but</a:t>
+            </a:r>
+            <a:r>
+              <a:rPr lang="hu-HU" dirty="0"/>
+              <a:t> </a:t>
+            </a:r>
+            <a:r>
+              <a:rPr lang="hu-HU" dirty="0" err="1"/>
+              <a:t>only</a:t>
+            </a:r>
+            <a:r>
+              <a:rPr lang="hu-HU" dirty="0"/>
+              <a:t> </a:t>
+            </a:r>
+            <a:r>
+              <a:rPr lang="hu-HU" dirty="0" err="1"/>
+              <a:t>uses</a:t>
+            </a:r>
+            <a:r>
+              <a:rPr lang="hu-HU" dirty="0"/>
+              <a:t> JDK </a:t>
+            </a:r>
+            <a:r>
+              <a:rPr lang="hu-HU" dirty="0" err="1"/>
+              <a:t>libraries</a:t>
+            </a:r>
+            <a:r>
+              <a:rPr lang="hu-HU" dirty="0"/>
+              <a:t> and 2 </a:t>
+            </a:r>
+            <a:r>
+              <a:rPr lang="hu-HU" dirty="0" err="1"/>
+              <a:t>small</a:t>
+            </a:r>
+            <a:r>
+              <a:rPr lang="hu-HU" dirty="0"/>
+              <a:t> </a:t>
+            </a:r>
+            <a:r>
+              <a:rPr lang="hu-HU" dirty="0" err="1"/>
+              <a:t>JARs</a:t>
+            </a:r>
+            <a:r>
+              <a:rPr lang="hu-HU" dirty="0"/>
+              <a:t> </a:t>
+            </a:r>
+            <a:r>
+              <a:rPr lang="hu-HU" dirty="0" err="1"/>
+              <a:t>for</a:t>
+            </a:r>
+            <a:r>
+              <a:rPr lang="hu-HU" dirty="0"/>
+              <a:t> JSON parsing</a:t>
             </a:r>
           </a:p>
           <a:p>
             <a:pPr lvl="1"/>
             <a:r>
-              <a:rPr lang="hu-HU"/>
-              <a:t>All 3 can be also found at: </a:t>
-            </a:r>
-            <a:r>
-              <a:rPr lang="hu-HU">
+              <a:rPr lang="hu-HU" dirty="0" err="1"/>
+              <a:t>All</a:t>
+            </a:r>
+            <a:r>
+              <a:rPr lang="hu-HU" dirty="0"/>
+              <a:t> 3 </a:t>
+            </a:r>
+            <a:r>
+              <a:rPr lang="hu-HU" dirty="0" err="1"/>
+              <a:t>can</a:t>
+            </a:r>
+            <a:r>
+              <a:rPr lang="hu-HU" dirty="0"/>
+              <a:t> be </a:t>
+            </a:r>
+            <a:r>
+              <a:rPr lang="hu-HU" dirty="0" err="1"/>
+              <a:t>also</a:t>
+            </a:r>
+            <a:r>
+              <a:rPr lang="hu-HU" dirty="0"/>
+              <a:t> </a:t>
+            </a:r>
+            <a:r>
+              <a:rPr lang="hu-HU" dirty="0" err="1"/>
+              <a:t>found</a:t>
+            </a:r>
+            <a:r>
+              <a:rPr lang="hu-HU" dirty="0"/>
+              <a:t> </a:t>
+            </a:r>
+            <a:r>
+              <a:rPr lang="hu-HU" dirty="0" err="1"/>
+              <a:t>at</a:t>
+            </a:r>
+            <a:r>
+              <a:rPr lang="hu-HU" dirty="0"/>
+              <a:t>: </a:t>
+            </a:r>
+            <a:r>
+              <a:rPr lang="hu-HU" dirty="0">
                 <a:hlinkClick r:id="rId2"/>
               </a:rPr>
               <a:t>https://github.com/hegeduscs/arrowheadclient</a:t>
             </a:r>
-            <a:endParaRPr lang="hu-HU"/>
-          </a:p>
-          <a:p>
-            <a:r>
-              <a:rPr lang="hu-HU"/>
-              <a:t>The first 2 </a:t>
-            </a:r>
-            <a:r>
-              <a:rPr lang="hu-HU" err="1"/>
+            <a:endParaRPr lang="hu-HU" dirty="0"/>
+          </a:p>
+          <a:p>
+            <a:r>
+              <a:rPr lang="hu-HU" dirty="0"/>
+              <a:t>The </a:t>
+            </a:r>
+            <a:r>
+              <a:rPr lang="hu-HU" dirty="0" err="1"/>
+              <a:t>first</a:t>
+            </a:r>
+            <a:r>
+              <a:rPr lang="hu-HU" dirty="0"/>
+              <a:t> 2 </a:t>
+            </a:r>
+            <a:r>
+              <a:rPr lang="hu-HU" dirty="0" err="1"/>
               <a:t>are</a:t>
             </a:r>
             <a:r>
-              <a:rPr lang="hu-HU"/>
-              <a:t> </a:t>
-            </a:r>
-            <a:r>
-              <a:rPr lang="hu-HU" err="1"/>
+              <a:rPr lang="hu-HU" dirty="0"/>
+              <a:t> </a:t>
+            </a:r>
+            <a:r>
+              <a:rPr lang="hu-HU" dirty="0" err="1"/>
               <a:t>maven</a:t>
             </a:r>
             <a:r>
-              <a:rPr lang="hu-HU"/>
-              <a:t> </a:t>
-            </a:r>
-            <a:r>
-              <a:rPr lang="hu-HU" err="1"/>
+              <a:rPr lang="hu-HU" dirty="0"/>
+              <a:t> </a:t>
+            </a:r>
+            <a:r>
+              <a:rPr lang="hu-HU" dirty="0" err="1"/>
               <a:t>projects</a:t>
             </a:r>
             <a:r>
-              <a:rPr lang="hu-HU"/>
-              <a:t>, the basic Consumer is a plain Java project</a:t>
+              <a:rPr lang="hu-HU" dirty="0"/>
+              <a:t>, </a:t>
+            </a:r>
+            <a:r>
+              <a:rPr lang="hu-HU" dirty="0" err="1"/>
+              <a:t>the</a:t>
+            </a:r>
+            <a:r>
+              <a:rPr lang="hu-HU" dirty="0"/>
+              <a:t> </a:t>
+            </a:r>
+            <a:r>
+              <a:rPr lang="hu-HU" dirty="0" err="1"/>
+              <a:t>basic</a:t>
+            </a:r>
+            <a:r>
+              <a:rPr lang="hu-HU" dirty="0"/>
+              <a:t> Consumer is a </a:t>
+            </a:r>
+            <a:r>
+              <a:rPr lang="hu-HU" dirty="0" err="1"/>
+              <a:t>plain</a:t>
+            </a:r>
+            <a:r>
+              <a:rPr lang="hu-HU" dirty="0"/>
+              <a:t> Java project</a:t>
             </a:r>
           </a:p>
           <a:p>
             <a:pPr lvl="1"/>
             <a:r>
-              <a:rPr lang="hu-HU"/>
-              <a:t>These projects also have their own app.properties files to avoid hardcoded string variables</a:t>
-            </a:r>
+              <a:rPr lang="hu-HU" dirty="0" err="1"/>
+              <a:t>These</a:t>
+            </a:r>
+            <a:r>
+              <a:rPr lang="hu-HU" dirty="0"/>
+              <a:t> </a:t>
+            </a:r>
+            <a:r>
+              <a:rPr lang="hu-HU" dirty="0" err="1"/>
+              <a:t>projects</a:t>
+            </a:r>
+            <a:r>
+              <a:rPr lang="hu-HU" dirty="0"/>
+              <a:t> </a:t>
+            </a:r>
+            <a:r>
+              <a:rPr lang="hu-HU" dirty="0" err="1"/>
+              <a:t>also</a:t>
+            </a:r>
+            <a:r>
+              <a:rPr lang="hu-HU" dirty="0"/>
+              <a:t> </a:t>
+            </a:r>
+            <a:r>
+              <a:rPr lang="hu-HU" dirty="0" err="1"/>
+              <a:t>have</a:t>
+            </a:r>
+            <a:r>
+              <a:rPr lang="hu-HU" dirty="0"/>
+              <a:t> </a:t>
+            </a:r>
+            <a:r>
+              <a:rPr lang="hu-HU" dirty="0" err="1"/>
+              <a:t>their</a:t>
+            </a:r>
+            <a:r>
+              <a:rPr lang="hu-HU" dirty="0"/>
+              <a:t> </a:t>
+            </a:r>
+            <a:r>
+              <a:rPr lang="hu-HU" dirty="0" err="1"/>
+              <a:t>own</a:t>
+            </a:r>
+            <a:r>
+              <a:rPr lang="hu-HU" dirty="0"/>
+              <a:t> </a:t>
+            </a:r>
+            <a:r>
+              <a:rPr lang="hu-HU" dirty="0" err="1"/>
+              <a:t>app.properties</a:t>
+            </a:r>
+            <a:r>
+              <a:rPr lang="hu-HU" dirty="0"/>
+              <a:t> </a:t>
+            </a:r>
+            <a:r>
+              <a:rPr lang="hu-HU" dirty="0" err="1"/>
+              <a:t>files</a:t>
+            </a:r>
+            <a:r>
+              <a:rPr lang="hu-HU" dirty="0"/>
+              <a:t> </a:t>
+            </a:r>
+            <a:r>
+              <a:rPr lang="hu-HU" dirty="0" err="1"/>
+              <a:t>to</a:t>
+            </a:r>
+            <a:r>
+              <a:rPr lang="hu-HU" dirty="0"/>
+              <a:t> </a:t>
+            </a:r>
+            <a:r>
+              <a:rPr lang="hu-HU" dirty="0" err="1"/>
+              <a:t>avoid</a:t>
+            </a:r>
+            <a:r>
+              <a:rPr lang="hu-HU" dirty="0"/>
+              <a:t> </a:t>
+            </a:r>
+            <a:r>
+              <a:rPr lang="hu-HU" dirty="0" err="1"/>
+              <a:t>hardcoded</a:t>
+            </a:r>
+            <a:r>
+              <a:rPr lang="hu-HU" dirty="0"/>
+              <a:t> </a:t>
+            </a:r>
+            <a:r>
+              <a:rPr lang="hu-HU" dirty="0" err="1"/>
+              <a:t>string</a:t>
+            </a:r>
+            <a:r>
+              <a:rPr lang="hu-HU" dirty="0"/>
+              <a:t> </a:t>
+            </a:r>
+            <a:r>
+              <a:rPr lang="hu-HU" dirty="0" err="1"/>
+              <a:t>variables</a:t>
+            </a:r>
+            <a:endParaRPr lang="hu-HU" dirty="0"/>
           </a:p>
           <a:p>
             <a:pPr lvl="1"/>
             <a:r>
-              <a:rPr lang="hu-HU" err="1"/>
+              <a:rPr lang="hu-HU" dirty="0" err="1"/>
               <a:t>Simple</a:t>
             </a:r>
             <a:r>
-              <a:rPr lang="hu-HU"/>
-              <a:t> </a:t>
-            </a:r>
-            <a:r>
-              <a:rPr lang="hu-HU" err="1"/>
+              <a:rPr lang="hu-HU" dirty="0"/>
+              <a:t> </a:t>
+            </a:r>
+            <a:r>
+              <a:rPr lang="hu-HU" dirty="0" err="1"/>
               <a:t>runnable</a:t>
             </a:r>
             <a:r>
-              <a:rPr lang="hu-HU"/>
-              <a:t> projects, but JARs are also provided</a:t>
-            </a:r>
-          </a:p>
-          <a:p>
-            <a:r>
-              <a:rPr lang="hu-HU" err="1"/>
+              <a:rPr lang="hu-HU" dirty="0"/>
+              <a:t> </a:t>
+            </a:r>
+            <a:r>
+              <a:rPr lang="hu-HU" dirty="0" err="1"/>
+              <a:t>projects</a:t>
+            </a:r>
+            <a:r>
+              <a:rPr lang="hu-HU" dirty="0"/>
+              <a:t>, </a:t>
+            </a:r>
+            <a:r>
+              <a:rPr lang="hu-HU" dirty="0" err="1"/>
+              <a:t>but</a:t>
+            </a:r>
+            <a:r>
+              <a:rPr lang="hu-HU" dirty="0"/>
+              <a:t> </a:t>
+            </a:r>
+            <a:r>
+              <a:rPr lang="hu-HU" dirty="0" err="1"/>
+              <a:t>JARs</a:t>
+            </a:r>
+            <a:r>
+              <a:rPr lang="hu-HU" dirty="0"/>
+              <a:t> </a:t>
+            </a:r>
+            <a:r>
+              <a:rPr lang="hu-HU" dirty="0" err="1"/>
+              <a:t>are</a:t>
+            </a:r>
+            <a:r>
+              <a:rPr lang="hu-HU" dirty="0"/>
+              <a:t> </a:t>
+            </a:r>
+            <a:r>
+              <a:rPr lang="hu-HU" dirty="0" err="1"/>
+              <a:t>also</a:t>
+            </a:r>
+            <a:r>
+              <a:rPr lang="hu-HU" dirty="0"/>
+              <a:t> </a:t>
+            </a:r>
+            <a:r>
+              <a:rPr lang="hu-HU" dirty="0" err="1"/>
+              <a:t>provided</a:t>
+            </a:r>
+            <a:endParaRPr lang="hu-HU" dirty="0"/>
+          </a:p>
+          <a:p>
+            <a:r>
+              <a:rPr lang="hu-HU" dirty="0" err="1"/>
               <a:t>Their</a:t>
             </a:r>
             <a:r>
-              <a:rPr lang="hu-HU"/>
-              <a:t> </a:t>
-            </a:r>
-            <a:r>
-              <a:rPr lang="hu-HU" err="1"/>
+              <a:rPr lang="hu-HU" dirty="0"/>
+              <a:t> </a:t>
+            </a:r>
+            <a:r>
+              <a:rPr lang="hu-HU" dirty="0" err="1"/>
               <a:t>demo</a:t>
             </a:r>
             <a:r>
-              <a:rPr lang="hu-HU"/>
+              <a:rPr lang="hu-HU" dirty="0"/>
               <a:t> service </a:t>
             </a:r>
             <a:r>
-              <a:rPr lang="hu-HU" err="1"/>
+              <a:rPr lang="hu-HU" dirty="0" err="1"/>
               <a:t>interactions</a:t>
             </a:r>
             <a:r>
-              <a:rPr lang="hu-HU"/>
-              <a:t> </a:t>
-            </a:r>
-            <a:r>
-              <a:rPr lang="hu-HU" err="1"/>
+              <a:rPr lang="hu-HU" dirty="0"/>
+              <a:t> </a:t>
+            </a:r>
+            <a:r>
+              <a:rPr lang="hu-HU" dirty="0" err="1"/>
               <a:t>are</a:t>
             </a:r>
             <a:r>
-              <a:rPr lang="hu-HU"/>
-              <a:t> also configured (</a:t>
-            </a:r>
-            <a:r>
-              <a:rPr lang="hu-HU" err="1"/>
+              <a:rPr lang="hu-HU" dirty="0"/>
+              <a:t> </a:t>
+            </a:r>
+            <a:r>
+              <a:rPr lang="hu-HU" dirty="0" err="1"/>
+              <a:t>also</a:t>
+            </a:r>
+            <a:r>
+              <a:rPr lang="hu-HU" dirty="0"/>
+              <a:t> </a:t>
+            </a:r>
+            <a:r>
+              <a:rPr lang="hu-HU" dirty="0" err="1"/>
+              <a:t>configured</a:t>
+            </a:r>
+            <a:r>
+              <a:rPr lang="hu-HU" dirty="0"/>
+              <a:t> (</a:t>
+            </a:r>
+            <a:r>
+              <a:rPr lang="hu-HU" dirty="0" err="1"/>
               <a:t>authorized</a:t>
             </a:r>
             <a:r>
-              <a:rPr lang="hu-HU"/>
+              <a:rPr lang="hu-HU" dirty="0"/>
               <a:t>) in </a:t>
             </a:r>
             <a:r>
-              <a:rPr lang="hu-HU" err="1"/>
+              <a:rPr lang="hu-HU" dirty="0" err="1"/>
               <a:t>the</a:t>
             </a:r>
             <a:r>
-              <a:rPr lang="hu-HU"/>
-              <a:t> first database script (</a:t>
-            </a:r>
-            <a:r>
-              <a:rPr lang="en-US"/>
+              <a:rPr lang="hu-HU" dirty="0"/>
+              <a:t> </a:t>
+            </a:r>
+            <a:r>
+              <a:rPr lang="hu-HU" dirty="0" err="1"/>
+              <a:t>first</a:t>
+            </a:r>
+            <a:r>
+              <a:rPr lang="hu-HU" dirty="0"/>
+              <a:t> </a:t>
+            </a:r>
+            <a:r>
+              <a:rPr lang="hu-HU" dirty="0" err="1"/>
+              <a:t>database</a:t>
+            </a:r>
+            <a:r>
+              <a:rPr lang="hu-HU" dirty="0"/>
+              <a:t> script (</a:t>
+            </a:r>
+            <a:r>
+              <a:rPr lang="en-US" dirty="0" err="1"/>
               <a:t>create_arrowhead_database</a:t>
             </a:r>
             <a:r>
-              <a:rPr lang="hu-HU"/>
+              <a:rPr lang="hu-HU" dirty="0"/>
               <a:t>_1</a:t>
             </a:r>
             <a:r>
-              <a:rPr lang="en-US"/>
-              <a:t>.sql</a:t>
-            </a:r>
-            <a:r>
-              <a:rPr lang="hu-HU"/>
+              <a:rPr lang="en-US" dirty="0"/>
+              <a:t>.</a:t>
+            </a:r>
+            <a:r>
+              <a:rPr lang="en-US" dirty="0" err="1"/>
+              <a:t>sql</a:t>
+            </a:r>
+            <a:r>
+              <a:rPr lang="hu-HU" dirty="0"/>
               <a:t>). </a:t>
             </a:r>
             <a:r>
-              <a:rPr lang="hu-HU" err="1"/>
+              <a:rPr lang="hu-HU" dirty="0" err="1"/>
               <a:t>Therefore</a:t>
             </a:r>
             <a:r>
-              <a:rPr lang="hu-HU"/>
+              <a:rPr lang="hu-HU" dirty="0"/>
               <a:t>, </a:t>
             </a:r>
             <a:r>
-              <a:rPr lang="hu-HU" err="1"/>
+              <a:rPr lang="hu-HU" dirty="0" err="1"/>
               <a:t>testable</a:t>
             </a:r>
             <a:r>
-              <a:rPr lang="hu-HU"/>
-              <a:t> </a:t>
-            </a:r>
-            <a:r>
-              <a:rPr lang="hu-HU" err="1"/>
+              <a:rPr lang="hu-HU" dirty="0"/>
+              <a:t> </a:t>
+            </a:r>
+            <a:r>
+              <a:rPr lang="hu-HU" dirty="0" err="1"/>
               <a:t>without</a:t>
             </a:r>
             <a:r>
-              <a:rPr lang="hu-HU"/>
-              <a:t> </a:t>
-            </a:r>
-            <a:r>
-              <a:rPr lang="hu-HU" err="1"/>
+              <a:rPr lang="hu-HU" dirty="0"/>
+              <a:t> </a:t>
+            </a:r>
+            <a:r>
+              <a:rPr lang="hu-HU" dirty="0" err="1"/>
               <a:t>further</a:t>
             </a:r>
             <a:r>
-              <a:rPr lang="hu-HU"/>
-              <a:t> </a:t>
-            </a:r>
-            <a:r>
-              <a:rPr lang="hu-HU" err="1"/>
+              <a:rPr lang="hu-HU" dirty="0"/>
+              <a:t> </a:t>
+            </a:r>
+            <a:r>
+              <a:rPr lang="hu-HU" dirty="0" err="1"/>
               <a:t>configuration</a:t>
             </a:r>
             <a:r>
-              <a:rPr lang="hu-HU"/>
+              <a:rPr lang="hu-HU" dirty="0"/>
               <a:t>.</a:t>
             </a:r>
           </a:p>
